--- a/reactiveX/reactiveX.pptx
+++ b/reactiveX/reactiveX.pptx
@@ -5,30 +5,29 @@
     <p:sldMasterId id="2147483839" r:id="rId1"/>
   </p:sldMasterIdLst>
   <p:sldIdLst>
-    <p:sldId id="256" r:id="rId2"/>
-    <p:sldId id="257" r:id="rId3"/>
-    <p:sldId id="258" r:id="rId4"/>
-    <p:sldId id="259" r:id="rId5"/>
-    <p:sldId id="260" r:id="rId6"/>
-    <p:sldId id="261" r:id="rId7"/>
-    <p:sldId id="262" r:id="rId8"/>
-    <p:sldId id="263" r:id="rId9"/>
-    <p:sldId id="264" r:id="rId10"/>
-    <p:sldId id="265" r:id="rId11"/>
-    <p:sldId id="266" r:id="rId12"/>
-    <p:sldId id="267" r:id="rId13"/>
-    <p:sldId id="268" r:id="rId14"/>
-    <p:sldId id="269" r:id="rId15"/>
-    <p:sldId id="270" r:id="rId16"/>
-    <p:sldId id="271" r:id="rId17"/>
-    <p:sldId id="272" r:id="rId18"/>
-    <p:sldId id="273" r:id="rId19"/>
-    <p:sldId id="274" r:id="rId20"/>
-    <p:sldId id="275" r:id="rId21"/>
-    <p:sldId id="276" r:id="rId22"/>
-    <p:sldId id="277" r:id="rId23"/>
-    <p:sldId id="278" r:id="rId24"/>
-    <p:sldId id="279" r:id="rId25"/>
+    <p:sldId id="257" r:id="rId2"/>
+    <p:sldId id="256" r:id="rId3"/>
+    <p:sldId id="280" r:id="rId4"/>
+    <p:sldId id="281" r:id="rId5"/>
+    <p:sldId id="294" r:id="rId6"/>
+    <p:sldId id="295" r:id="rId7"/>
+    <p:sldId id="297" r:id="rId8"/>
+    <p:sldId id="298" r:id="rId9"/>
+    <p:sldId id="299" r:id="rId10"/>
+    <p:sldId id="300" r:id="rId11"/>
+    <p:sldId id="301" r:id="rId12"/>
+    <p:sldId id="283" r:id="rId13"/>
+    <p:sldId id="282" r:id="rId14"/>
+    <p:sldId id="285" r:id="rId15"/>
+    <p:sldId id="286" r:id="rId16"/>
+    <p:sldId id="284" r:id="rId17"/>
+    <p:sldId id="287" r:id="rId18"/>
+    <p:sldId id="288" r:id="rId19"/>
+    <p:sldId id="289" r:id="rId20"/>
+    <p:sldId id="290" r:id="rId21"/>
+    <p:sldId id="291" r:id="rId22"/>
+    <p:sldId id="293" r:id="rId23"/>
+    <p:sldId id="292" r:id="rId24"/>
   </p:sldIdLst>
   <p:sldSz cx="12192000" cy="6858000"/>
   <p:notesSz cx="6858000" cy="9144000"/>
@@ -128,6 +127,41 @@
     </a:lvl9pPr>
   </p:defaultTextStyle>
   <p:extLst>
+    <p:ext uri="{521415D9-36F7-43E2-AB2F-B90AF26B5E84}">
+      <p14:sectionLst xmlns:p14="http://schemas.microsoft.com/office/powerpoint/2010/main">
+        <p14:section name="Default Section" id="{FDD9EA3D-6ACB-45F1-97C1-AB4E629B1B81}">
+          <p14:sldIdLst>
+            <p14:sldId id="257"/>
+            <p14:sldId id="256"/>
+          </p14:sldIdLst>
+        </p14:section>
+        <p14:section name="Untitled Section" id="{411C4A5F-E7B4-4D31-88E2-3434CB803A71}">
+          <p14:sldIdLst>
+            <p14:sldId id="280"/>
+            <p14:sldId id="281"/>
+            <p14:sldId id="294"/>
+            <p14:sldId id="295"/>
+            <p14:sldId id="297"/>
+            <p14:sldId id="298"/>
+            <p14:sldId id="299"/>
+            <p14:sldId id="300"/>
+            <p14:sldId id="301"/>
+            <p14:sldId id="283"/>
+            <p14:sldId id="282"/>
+            <p14:sldId id="285"/>
+            <p14:sldId id="286"/>
+            <p14:sldId id="284"/>
+            <p14:sldId id="287"/>
+            <p14:sldId id="288"/>
+            <p14:sldId id="289"/>
+            <p14:sldId id="290"/>
+            <p14:sldId id="291"/>
+            <p14:sldId id="293"/>
+            <p14:sldId id="292"/>
+          </p14:sldIdLst>
+        </p14:section>
+      </p14:sectionLst>
+    </p:ext>
     <p:ext uri="{EFAFB233-063F-42B5-8137-9DF3F51BA10A}">
       <p15:sldGuideLst xmlns:p15="http://schemas.microsoft.com/office/powerpoint/2012/main"/>
     </p:ext>
@@ -643,7 +677,7 @@
           <a:p>
             <a:fld id="{B9995F3C-CABB-4599-A081-9F420B0EF6A4}" type="datetimeFigureOut">
               <a:rPr lang="en-US" smtClean="0"/>
-              <a:t>10/6/2019</a:t>
+              <a:t>10/30/2019</a:t>
             </a:fld>
             <a:endParaRPr lang="en-US"/>
           </a:p>
@@ -1625,7 +1659,7 @@
           <a:p>
             <a:fld id="{B9995F3C-CABB-4599-A081-9F420B0EF6A4}" type="datetimeFigureOut">
               <a:rPr lang="en-US" smtClean="0"/>
-              <a:t>10/6/2019</a:t>
+              <a:t>10/30/2019</a:t>
             </a:fld>
             <a:endParaRPr lang="en-US"/>
           </a:p>
@@ -2495,7 +2529,7 @@
           <a:p>
             <a:fld id="{B9995F3C-CABB-4599-A081-9F420B0EF6A4}" type="datetimeFigureOut">
               <a:rPr lang="en-US" smtClean="0"/>
-              <a:t>10/6/2019</a:t>
+              <a:t>10/30/2019</a:t>
             </a:fld>
             <a:endParaRPr lang="en-US"/>
           </a:p>
@@ -3516,7 +3550,7 @@
           <a:p>
             <a:fld id="{B9995F3C-CABB-4599-A081-9F420B0EF6A4}" type="datetimeFigureOut">
               <a:rPr lang="en-US" smtClean="0"/>
-              <a:t>10/6/2019</a:t>
+              <a:t>10/30/2019</a:t>
             </a:fld>
             <a:endParaRPr lang="en-US"/>
           </a:p>
@@ -4436,7 +4470,7 @@
           <a:p>
             <a:fld id="{B9995F3C-CABB-4599-A081-9F420B0EF6A4}" type="datetimeFigureOut">
               <a:rPr lang="en-US" smtClean="0"/>
-              <a:t>10/6/2019</a:t>
+              <a:t>10/30/2019</a:t>
             </a:fld>
             <a:endParaRPr lang="en-US"/>
           </a:p>
@@ -5092,7 +5126,7 @@
           <a:p>
             <a:fld id="{B9995F3C-CABB-4599-A081-9F420B0EF6A4}" type="datetimeFigureOut">
               <a:rPr lang="en-US" smtClean="0"/>
-              <a:t>10/6/2019</a:t>
+              <a:t>10/30/2019</a:t>
             </a:fld>
             <a:endParaRPr lang="en-US"/>
           </a:p>
@@ -5949,7 +5983,7 @@
           <a:p>
             <a:fld id="{B9995F3C-CABB-4599-A081-9F420B0EF6A4}" type="datetimeFigureOut">
               <a:rPr lang="en-US" smtClean="0"/>
-              <a:t>10/6/2019</a:t>
+              <a:t>10/30/2019</a:t>
             </a:fld>
             <a:endParaRPr lang="en-US"/>
           </a:p>
@@ -6132,7 +6166,7 @@
           <a:p>
             <a:fld id="{B9995F3C-CABB-4599-A081-9F420B0EF6A4}" type="datetimeFigureOut">
               <a:rPr lang="en-US" smtClean="0"/>
-              <a:t>10/6/2019</a:t>
+              <a:t>10/30/2019</a:t>
             </a:fld>
             <a:endParaRPr lang="en-US"/>
           </a:p>
@@ -6989,7 +7023,7 @@
           <a:p>
             <a:fld id="{B9995F3C-CABB-4599-A081-9F420B0EF6A4}" type="datetimeFigureOut">
               <a:rPr lang="en-US" smtClean="0"/>
-              <a:t>10/6/2019</a:t>
+              <a:t>10/30/2019</a:t>
             </a:fld>
             <a:endParaRPr lang="en-US"/>
           </a:p>
@@ -7208,7 +7242,7 @@
           <a:p>
             <a:fld id="{B9995F3C-CABB-4599-A081-9F420B0EF6A4}" type="datetimeFigureOut">
               <a:rPr lang="en-US" smtClean="0"/>
-              <a:t>10/6/2019</a:t>
+              <a:t>10/30/2019</a:t>
             </a:fld>
             <a:endParaRPr lang="en-US"/>
           </a:p>
@@ -8133,7 +8167,7 @@
           <a:p>
             <a:fld id="{B9995F3C-CABB-4599-A081-9F420B0EF6A4}" type="datetimeFigureOut">
               <a:rPr lang="en-US" smtClean="0"/>
-              <a:t>10/6/2019</a:t>
+              <a:t>10/30/2019</a:t>
             </a:fld>
             <a:endParaRPr lang="en-US"/>
           </a:p>
@@ -8417,7 +8451,7 @@
           <a:p>
             <a:fld id="{B9995F3C-CABB-4599-A081-9F420B0EF6A4}" type="datetimeFigureOut">
               <a:rPr lang="en-US" smtClean="0"/>
-              <a:t>10/6/2019</a:t>
+              <a:t>10/30/2019</a:t>
             </a:fld>
             <a:endParaRPr lang="en-US"/>
           </a:p>
@@ -8807,7 +8841,7 @@
           <a:p>
             <a:fld id="{B9995F3C-CABB-4599-A081-9F420B0EF6A4}" type="datetimeFigureOut">
               <a:rPr lang="en-US" smtClean="0"/>
-              <a:t>10/6/2019</a:t>
+              <a:t>10/30/2019</a:t>
             </a:fld>
             <a:endParaRPr lang="en-US"/>
           </a:p>
@@ -8933,7 +8967,7 @@
           <a:p>
             <a:fld id="{B9995F3C-CABB-4599-A081-9F420B0EF6A4}" type="datetimeFigureOut">
               <a:rPr lang="en-US" smtClean="0"/>
-              <a:t>10/6/2019</a:t>
+              <a:t>10/30/2019</a:t>
             </a:fld>
             <a:endParaRPr lang="en-US"/>
           </a:p>
@@ -9028,7 +9062,7 @@
           <a:p>
             <a:fld id="{B9995F3C-CABB-4599-A081-9F420B0EF6A4}" type="datetimeFigureOut">
               <a:rPr lang="en-US" smtClean="0"/>
-              <a:t>10/6/2019</a:t>
+              <a:t>10/30/2019</a:t>
             </a:fld>
             <a:endParaRPr lang="en-US"/>
           </a:p>
@@ -9999,7 +10033,7 @@
           <a:p>
             <a:fld id="{B9995F3C-CABB-4599-A081-9F420B0EF6A4}" type="datetimeFigureOut">
               <a:rPr lang="en-US" smtClean="0"/>
-              <a:t>10/6/2019</a:t>
+              <a:t>10/30/2019</a:t>
             </a:fld>
             <a:endParaRPr lang="en-US"/>
           </a:p>
@@ -10994,7 +11028,7 @@
           <a:p>
             <a:fld id="{B9995F3C-CABB-4599-A081-9F420B0EF6A4}" type="datetimeFigureOut">
               <a:rPr lang="en-US" smtClean="0"/>
-              <a:t>10/6/2019</a:t>
+              <a:t>10/30/2019</a:t>
             </a:fld>
             <a:endParaRPr lang="en-US"/>
           </a:p>
@@ -11878,7 +11912,7 @@
           <a:p>
             <a:fld id="{B9995F3C-CABB-4599-A081-9F420B0EF6A4}" type="datetimeFigureOut">
               <a:rPr lang="en-US" smtClean="0"/>
-              <a:t>10/6/2019</a:t>
+              <a:t>10/30/2019</a:t>
             </a:fld>
             <a:endParaRPr lang="en-US"/>
           </a:p>
@@ -12465,7 +12499,7 @@
           <a:p>
             <a:r>
               <a:rPr lang="en-US" dirty="0" err="1"/>
-              <a:t>ReactiveX</a:t>
+              <a:t>xxxx</a:t>
             </a:r>
             <a:endParaRPr lang="en-US" dirty="0"/>
           </a:p>
@@ -12493,16 +12527,53 @@
           <a:lstStyle/>
           <a:p>
             <a:r>
-              <a:rPr lang="en-US" dirty="0"/>
-              <a:t>What is it?</a:t>
+              <a:rPr lang="en-US" dirty="0" err="1"/>
+              <a:t>Xxxx</a:t>
             </a:r>
-          </a:p>
-        </p:txBody>
-      </p:sp>
+            <a:endParaRPr lang="en-US" dirty="0"/>
+          </a:p>
+        </p:txBody>
+      </p:sp>
+      <p:pic>
+        <p:nvPicPr>
+          <p:cNvPr id="5" name="Picture 4">
+            <a:extLst>
+              <a:ext uri="{FF2B5EF4-FFF2-40B4-BE49-F238E27FC236}">
+                <a16:creationId xmlns:a16="http://schemas.microsoft.com/office/drawing/2014/main" id="{9228C1CF-9260-4DE4-9B15-064017F49905}"/>
+              </a:ext>
+            </a:extLst>
+          </p:cNvPr>
+          <p:cNvPicPr>
+            <a:picLocks noChangeAspect="1"/>
+          </p:cNvPicPr>
+          <p:nvPr/>
+        </p:nvPicPr>
+        <p:blipFill>
+          <a:blip r:embed="rId2">
+            <a:extLst>
+              <a:ext uri="{28A0092B-C50C-407E-A947-70E740481C1C}">
+                <a14:useLocalDpi xmlns:a14="http://schemas.microsoft.com/office/drawing/2010/main" val="0"/>
+              </a:ext>
+            </a:extLst>
+          </a:blip>
+          <a:stretch>
+            <a:fillRect/>
+          </a:stretch>
+        </p:blipFill>
+        <p:spPr>
+          <a:xfrm>
+            <a:off x="0" y="-419381"/>
+            <a:ext cx="12192000" cy="8128000"/>
+          </a:xfrm>
+          <a:prstGeom prst="rect">
+            <a:avLst/>
+          </a:prstGeom>
+        </p:spPr>
+      </p:pic>
     </p:spTree>
     <p:extLst>
       <p:ext uri="{BB962C8B-B14F-4D97-AF65-F5344CB8AC3E}">
-        <p14:creationId xmlns:p14="http://schemas.microsoft.com/office/powerpoint/2010/main" val="1665975282"/>
+        <p14:creationId xmlns:p14="http://schemas.microsoft.com/office/powerpoint/2010/main" val="127464578"/>
       </p:ext>
     </p:extLst>
   </p:cSld>
@@ -12547,8 +12618,8 @@
         </p:nvSpPr>
         <p:spPr>
           <a:xfrm>
-            <a:off x="1154955" y="1015741"/>
-            <a:ext cx="8825658" cy="813055"/>
+            <a:off x="1154955" y="776494"/>
+            <a:ext cx="8825658" cy="713639"/>
           </a:xfrm>
         </p:spPr>
         <p:txBody>
@@ -12556,10 +12627,10 @@
           <a:lstStyle/>
           <a:p>
             <a:r>
-              <a:rPr lang="en-US" dirty="0" err="1"/>
-              <a:t>xxxx</a:t>
+              <a:rPr lang="ru-RU" sz="4400" dirty="0"/>
+              <a:t>Откуда ноги ростут?</a:t>
             </a:r>
-            <a:endParaRPr lang="en-US" dirty="0"/>
+            <a:endParaRPr lang="en-US" sz="4400" dirty="0"/>
           </a:p>
         </p:txBody>
       </p:sp>
@@ -12579,15 +12650,29 @@
             <p:ph type="subTitle" idx="1"/>
           </p:nvPr>
         </p:nvSpPr>
-        <p:spPr/>
+        <p:spPr>
+          <a:xfrm>
+            <a:off x="1154955" y="2861733"/>
+            <a:ext cx="8825658" cy="2777067"/>
+          </a:xfrm>
+        </p:spPr>
         <p:txBody>
           <a:bodyPr/>
           <a:lstStyle/>
           <a:p>
             <a:r>
-              <a:rPr lang="en-US" dirty="0" err="1"/>
-              <a:t>Xxxx</a:t>
+              <a:rPr lang="ru-RU" dirty="0"/>
+              <a:t>От </a:t>
             </a:r>
+            <a:r>
+              <a:rPr lang="en-US" dirty="0"/>
+              <a:t>… Microsoft</a:t>
+            </a:r>
+          </a:p>
+          <a:p>
+            <a:endParaRPr lang="ru-RU" dirty="0"/>
+          </a:p>
+          <a:p>
             <a:endParaRPr lang="en-US" dirty="0"/>
           </a:p>
         </p:txBody>
@@ -12595,7 +12680,7 @@
     </p:spTree>
     <p:extLst>
       <p:ext uri="{BB962C8B-B14F-4D97-AF65-F5344CB8AC3E}">
-        <p14:creationId xmlns:p14="http://schemas.microsoft.com/office/powerpoint/2010/main" val="2964089186"/>
+        <p14:creationId xmlns:p14="http://schemas.microsoft.com/office/powerpoint/2010/main" val="2297988432"/>
       </p:ext>
     </p:extLst>
   </p:cSld>
@@ -12640,8 +12725,8 @@
         </p:nvSpPr>
         <p:spPr>
           <a:xfrm>
-            <a:off x="1154955" y="1015741"/>
-            <a:ext cx="8825658" cy="813055"/>
+            <a:off x="1154955" y="776494"/>
+            <a:ext cx="8825658" cy="713639"/>
           </a:xfrm>
         </p:spPr>
         <p:txBody>
@@ -12649,10 +12734,10 @@
           <a:lstStyle/>
           <a:p>
             <a:r>
-              <a:rPr lang="en-US" dirty="0" err="1"/>
-              <a:t>xxxx</a:t>
+              <a:rPr lang="ru-RU" sz="4400" dirty="0"/>
+              <a:t>Откуда ноги ростут?</a:t>
             </a:r>
-            <a:endParaRPr lang="en-US" dirty="0"/>
+            <a:endParaRPr lang="en-US" sz="4400" dirty="0"/>
           </a:p>
         </p:txBody>
       </p:sp>
@@ -12672,15 +12757,45 @@
             <p:ph type="subTitle" idx="1"/>
           </p:nvPr>
         </p:nvSpPr>
-        <p:spPr/>
+        <p:spPr>
+          <a:xfrm>
+            <a:off x="1154955" y="2861733"/>
+            <a:ext cx="8825658" cy="2777067"/>
+          </a:xfrm>
+        </p:spPr>
         <p:txBody>
           <a:bodyPr/>
           <a:lstStyle/>
           <a:p>
             <a:r>
-              <a:rPr lang="en-US" dirty="0" err="1"/>
-              <a:t>Xxxx</a:t>
+              <a:rPr lang="ru-RU" dirty="0"/>
+              <a:t>От </a:t>
             </a:r>
+            <a:r>
+              <a:rPr lang="en-US" dirty="0"/>
+              <a:t>… Microsoft</a:t>
+            </a:r>
+          </a:p>
+          <a:p>
+            <a:r>
+              <a:rPr lang="ru-RU" dirty="0"/>
+              <a:t>А именно эрик мейер. </a:t>
+            </a:r>
+          </a:p>
+          <a:p>
+            <a:r>
+              <a:rPr lang="ru-RU" dirty="0"/>
+              <a:t>Он же занимался созданием </a:t>
+            </a:r>
+            <a:r>
+              <a:rPr lang="en-US" dirty="0"/>
+              <a:t>LINQ.</a:t>
+            </a:r>
+          </a:p>
+          <a:p>
+            <a:endParaRPr lang="ru-RU" dirty="0"/>
+          </a:p>
+          <a:p>
             <a:endParaRPr lang="en-US" dirty="0"/>
           </a:p>
         </p:txBody>
@@ -12688,7 +12803,7 @@
     </p:spTree>
     <p:extLst>
       <p:ext uri="{BB962C8B-B14F-4D97-AF65-F5344CB8AC3E}">
-        <p14:creationId xmlns:p14="http://schemas.microsoft.com/office/powerpoint/2010/main" val="2048476642"/>
+        <p14:creationId xmlns:p14="http://schemas.microsoft.com/office/powerpoint/2010/main" val="1767948898"/>
       </p:ext>
     </p:extLst>
   </p:cSld>
@@ -12733,8 +12848,8 @@
         </p:nvSpPr>
         <p:spPr>
           <a:xfrm>
-            <a:off x="1154955" y="1015741"/>
-            <a:ext cx="8825658" cy="813055"/>
+            <a:off x="1154955" y="776494"/>
+            <a:ext cx="8825658" cy="713639"/>
           </a:xfrm>
         </p:spPr>
         <p:txBody>
@@ -12742,10 +12857,10 @@
           <a:lstStyle/>
           <a:p>
             <a:r>
-              <a:rPr lang="en-US" dirty="0" err="1"/>
-              <a:t>xxxx</a:t>
+              <a:rPr lang="ru-RU" sz="4400" dirty="0"/>
+              <a:t>Что такое push и pull модели? </a:t>
             </a:r>
-            <a:endParaRPr lang="en-US" dirty="0"/>
+            <a:endParaRPr lang="en-US" sz="4400" dirty="0"/>
           </a:p>
         </p:txBody>
       </p:sp>
@@ -12765,15 +12880,16 @@
             <p:ph type="subTitle" idx="1"/>
           </p:nvPr>
         </p:nvSpPr>
-        <p:spPr/>
+        <p:spPr>
+          <a:xfrm>
+            <a:off x="1154955" y="2861733"/>
+            <a:ext cx="8825658" cy="2777067"/>
+          </a:xfrm>
+        </p:spPr>
         <p:txBody>
           <a:bodyPr/>
           <a:lstStyle/>
           <a:p>
-            <a:r>
-              <a:rPr lang="en-US" dirty="0" err="1"/>
-              <a:t>Xxxx</a:t>
-            </a:r>
             <a:endParaRPr lang="en-US" dirty="0"/>
           </a:p>
         </p:txBody>
@@ -12781,7 +12897,7 @@
     </p:spTree>
     <p:extLst>
       <p:ext uri="{BB962C8B-B14F-4D97-AF65-F5344CB8AC3E}">
-        <p14:creationId xmlns:p14="http://schemas.microsoft.com/office/powerpoint/2010/main" val="2774226602"/>
+        <p14:creationId xmlns:p14="http://schemas.microsoft.com/office/powerpoint/2010/main" val="2798364437"/>
       </p:ext>
     </p:extLst>
   </p:cSld>
@@ -12826,8 +12942,8 @@
         </p:nvSpPr>
         <p:spPr>
           <a:xfrm>
-            <a:off x="1154955" y="1015741"/>
-            <a:ext cx="8825658" cy="813055"/>
+            <a:off x="1154955" y="776494"/>
+            <a:ext cx="8825658" cy="713639"/>
           </a:xfrm>
         </p:spPr>
         <p:txBody>
@@ -12835,10 +12951,22 @@
           <a:lstStyle/>
           <a:p>
             <a:r>
-              <a:rPr lang="en-US" dirty="0" err="1"/>
-              <a:t>xxxx</a:t>
+              <a:rPr lang="en-US" sz="4400" dirty="0" err="1"/>
+              <a:t>IEnumerable</a:t>
             </a:r>
-            <a:endParaRPr lang="en-US" dirty="0"/>
+            <a:r>
+              <a:rPr lang="en-US" sz="4400" dirty="0"/>
+              <a:t> vs </a:t>
+            </a:r>
+            <a:r>
+              <a:rPr lang="en-US" sz="4400" dirty="0" err="1"/>
+              <a:t>IObservable</a:t>
+            </a:r>
+            <a:r>
+              <a:rPr lang="ru-RU" sz="4400" dirty="0"/>
+              <a:t>?</a:t>
+            </a:r>
+            <a:endParaRPr lang="en-US" sz="4400" dirty="0"/>
           </a:p>
         </p:txBody>
       </p:sp>
@@ -12858,15 +12986,16 @@
             <p:ph type="subTitle" idx="1"/>
           </p:nvPr>
         </p:nvSpPr>
-        <p:spPr/>
+        <p:spPr>
+          <a:xfrm>
+            <a:off x="1154955" y="2861733"/>
+            <a:ext cx="8825658" cy="2777067"/>
+          </a:xfrm>
+        </p:spPr>
         <p:txBody>
           <a:bodyPr/>
           <a:lstStyle/>
           <a:p>
-            <a:r>
-              <a:rPr lang="en-US" dirty="0" err="1"/>
-              <a:t>Xxxx</a:t>
-            </a:r>
             <a:endParaRPr lang="en-US" dirty="0"/>
           </a:p>
         </p:txBody>
@@ -12874,7 +13003,7 @@
     </p:spTree>
     <p:extLst>
       <p:ext uri="{BB962C8B-B14F-4D97-AF65-F5344CB8AC3E}">
-        <p14:creationId xmlns:p14="http://schemas.microsoft.com/office/powerpoint/2010/main" val="3372484619"/>
+        <p14:creationId xmlns:p14="http://schemas.microsoft.com/office/powerpoint/2010/main" val="1985818148"/>
       </p:ext>
     </p:extLst>
   </p:cSld>
@@ -12919,8 +13048,8 @@
         </p:nvSpPr>
         <p:spPr>
           <a:xfrm>
-            <a:off x="1154955" y="1015741"/>
-            <a:ext cx="8825658" cy="813055"/>
+            <a:off x="1154955" y="776494"/>
+            <a:ext cx="8825658" cy="713639"/>
           </a:xfrm>
         </p:spPr>
         <p:txBody>
@@ -12928,10 +13057,10 @@
           <a:lstStyle/>
           <a:p>
             <a:r>
-              <a:rPr lang="en-US" dirty="0" err="1"/>
-              <a:t>xxxx</a:t>
+              <a:rPr lang="ru-RU" sz="4400" dirty="0"/>
+              <a:t>Что такое паттерн Итератор?</a:t>
             </a:r>
-            <a:endParaRPr lang="en-US" dirty="0"/>
+            <a:endParaRPr lang="en-US" sz="4400" dirty="0"/>
           </a:p>
         </p:txBody>
       </p:sp>
@@ -12951,15 +13080,16 @@
             <p:ph type="subTitle" idx="1"/>
           </p:nvPr>
         </p:nvSpPr>
-        <p:spPr/>
+        <p:spPr>
+          <a:xfrm>
+            <a:off x="1154955" y="2861733"/>
+            <a:ext cx="8825658" cy="2777067"/>
+          </a:xfrm>
+        </p:spPr>
         <p:txBody>
           <a:bodyPr/>
           <a:lstStyle/>
           <a:p>
-            <a:r>
-              <a:rPr lang="en-US" dirty="0" err="1"/>
-              <a:t>Xxxx</a:t>
-            </a:r>
             <a:endParaRPr lang="en-US" dirty="0"/>
           </a:p>
         </p:txBody>
@@ -12967,7 +13097,7 @@
     </p:spTree>
     <p:extLst>
       <p:ext uri="{BB962C8B-B14F-4D97-AF65-F5344CB8AC3E}">
-        <p14:creationId xmlns:p14="http://schemas.microsoft.com/office/powerpoint/2010/main" val="4170283881"/>
+        <p14:creationId xmlns:p14="http://schemas.microsoft.com/office/powerpoint/2010/main" val="2414369664"/>
       </p:ext>
     </p:extLst>
   </p:cSld>
@@ -13012,8 +13142,8 @@
         </p:nvSpPr>
         <p:spPr>
           <a:xfrm>
-            <a:off x="1154955" y="1015741"/>
-            <a:ext cx="8825658" cy="813055"/>
+            <a:off x="1154955" y="776494"/>
+            <a:ext cx="8825658" cy="1365573"/>
           </a:xfrm>
         </p:spPr>
         <p:txBody>
@@ -13021,10 +13151,10 @@
           <a:lstStyle/>
           <a:p>
             <a:r>
-              <a:rPr lang="en-US" dirty="0" err="1"/>
-              <a:t>xxxx</a:t>
+              <a:rPr lang="ru-RU" sz="4400" dirty="0"/>
+              <a:t>Что такое паттерн Наблюдатель?</a:t>
             </a:r>
-            <a:endParaRPr lang="en-US" dirty="0"/>
+            <a:endParaRPr lang="en-US" sz="4400" dirty="0"/>
           </a:p>
         </p:txBody>
       </p:sp>
@@ -13044,15 +13174,16 @@
             <p:ph type="subTitle" idx="1"/>
           </p:nvPr>
         </p:nvSpPr>
-        <p:spPr/>
+        <p:spPr>
+          <a:xfrm>
+            <a:off x="1154955" y="2861733"/>
+            <a:ext cx="8825658" cy="2777067"/>
+          </a:xfrm>
+        </p:spPr>
         <p:txBody>
           <a:bodyPr/>
           <a:lstStyle/>
           <a:p>
-            <a:r>
-              <a:rPr lang="en-US" dirty="0" err="1"/>
-              <a:t>Xxxx</a:t>
-            </a:r>
             <a:endParaRPr lang="en-US" dirty="0"/>
           </a:p>
         </p:txBody>
@@ -13060,7 +13191,7 @@
     </p:spTree>
     <p:extLst>
       <p:ext uri="{BB962C8B-B14F-4D97-AF65-F5344CB8AC3E}">
-        <p14:creationId xmlns:p14="http://schemas.microsoft.com/office/powerpoint/2010/main" val="2236909099"/>
+        <p14:creationId xmlns:p14="http://schemas.microsoft.com/office/powerpoint/2010/main" val="2634787251"/>
       </p:ext>
     </p:extLst>
   </p:cSld>
@@ -13105,8 +13236,8 @@
         </p:nvSpPr>
         <p:spPr>
           <a:xfrm>
-            <a:off x="1154955" y="1015741"/>
-            <a:ext cx="8825658" cy="813055"/>
+            <a:off x="1154955" y="776494"/>
+            <a:ext cx="8825658" cy="713639"/>
           </a:xfrm>
         </p:spPr>
         <p:txBody>
@@ -13114,10 +13245,9 @@
           <a:lstStyle/>
           <a:p>
             <a:r>
-              <a:rPr lang="en-US" dirty="0" err="1"/>
-              <a:t>xxxx</a:t>
+              <a:rPr lang="en-US" sz="4400" dirty="0"/>
+              <a:t>Rx Pattern</a:t>
             </a:r>
-            <a:endParaRPr lang="en-US" dirty="0"/>
           </a:p>
         </p:txBody>
       </p:sp>
@@ -13137,23 +13267,27 @@
             <p:ph type="subTitle" idx="1"/>
           </p:nvPr>
         </p:nvSpPr>
-        <p:spPr/>
+        <p:spPr>
+          <a:xfrm>
+            <a:off x="1154955" y="2861733"/>
+            <a:ext cx="8825658" cy="2777067"/>
+          </a:xfrm>
+        </p:spPr>
         <p:txBody>
           <a:bodyPr/>
           <a:lstStyle/>
           <a:p>
             <a:r>
-              <a:rPr lang="en-US" dirty="0" err="1"/>
-              <a:t>Xxxx</a:t>
+              <a:rPr lang="en-US" dirty="0"/>
+              <a:t>RX Pattern = Observer Pattern + Iterator Pattern</a:t>
             </a:r>
-            <a:endParaRPr lang="en-US" dirty="0"/>
           </a:p>
         </p:txBody>
       </p:sp>
     </p:spTree>
     <p:extLst>
       <p:ext uri="{BB962C8B-B14F-4D97-AF65-F5344CB8AC3E}">
-        <p14:creationId xmlns:p14="http://schemas.microsoft.com/office/powerpoint/2010/main" val="2012573812"/>
+        <p14:creationId xmlns:p14="http://schemas.microsoft.com/office/powerpoint/2010/main" val="1623221828"/>
       </p:ext>
     </p:extLst>
   </p:cSld>
@@ -13198,8 +13332,8 @@
         </p:nvSpPr>
         <p:spPr>
           <a:xfrm>
-            <a:off x="1154955" y="1015741"/>
-            <a:ext cx="8825658" cy="813055"/>
+            <a:off x="1154955" y="776494"/>
+            <a:ext cx="9199778" cy="713639"/>
           </a:xfrm>
         </p:spPr>
         <p:txBody>
@@ -13207,10 +13341,10 @@
           <a:lstStyle/>
           <a:p>
             <a:r>
-              <a:rPr lang="en-US" dirty="0" err="1"/>
-              <a:t>xxxx</a:t>
+              <a:rPr lang="ru-RU" sz="4400" dirty="0"/>
+              <a:t>Что такое событийная модель?</a:t>
             </a:r>
-            <a:endParaRPr lang="en-US" dirty="0"/>
+            <a:endParaRPr lang="en-US" sz="4400" dirty="0"/>
           </a:p>
         </p:txBody>
       </p:sp>
@@ -13230,15 +13364,16 @@
             <p:ph type="subTitle" idx="1"/>
           </p:nvPr>
         </p:nvSpPr>
-        <p:spPr/>
+        <p:spPr>
+          <a:xfrm>
+            <a:off x="1154955" y="2861733"/>
+            <a:ext cx="8825658" cy="2777067"/>
+          </a:xfrm>
+        </p:spPr>
         <p:txBody>
           <a:bodyPr/>
           <a:lstStyle/>
           <a:p>
-            <a:r>
-              <a:rPr lang="en-US" dirty="0" err="1"/>
-              <a:t>Xxxx</a:t>
-            </a:r>
             <a:endParaRPr lang="en-US" dirty="0"/>
           </a:p>
         </p:txBody>
@@ -13246,7 +13381,7 @@
     </p:spTree>
     <p:extLst>
       <p:ext uri="{BB962C8B-B14F-4D97-AF65-F5344CB8AC3E}">
-        <p14:creationId xmlns:p14="http://schemas.microsoft.com/office/powerpoint/2010/main" val="3639585234"/>
+        <p14:creationId xmlns:p14="http://schemas.microsoft.com/office/powerpoint/2010/main" val="944779534"/>
       </p:ext>
     </p:extLst>
   </p:cSld>
@@ -13291,8 +13426,8 @@
         </p:nvSpPr>
         <p:spPr>
           <a:xfrm>
-            <a:off x="1154955" y="1015741"/>
-            <a:ext cx="8825658" cy="813055"/>
+            <a:off x="1154954" y="776494"/>
+            <a:ext cx="9157445" cy="1983639"/>
           </a:xfrm>
         </p:spPr>
         <p:txBody>
@@ -13300,10 +13435,10 @@
           <a:lstStyle/>
           <a:p>
             <a:r>
-              <a:rPr lang="en-US" dirty="0" err="1"/>
-              <a:t>xxxx</a:t>
+              <a:rPr lang="ru-RU" sz="4400" dirty="0"/>
+              <a:t>Какие преимущества предоставляет нам Реактивные расширения?</a:t>
             </a:r>
-            <a:endParaRPr lang="en-US" dirty="0"/>
+            <a:endParaRPr lang="en-US" sz="4400" dirty="0"/>
           </a:p>
         </p:txBody>
       </p:sp>
@@ -13323,15 +13458,16 @@
             <p:ph type="subTitle" idx="1"/>
           </p:nvPr>
         </p:nvSpPr>
-        <p:spPr/>
+        <p:spPr>
+          <a:xfrm>
+            <a:off x="1154955" y="2861733"/>
+            <a:ext cx="8825658" cy="2777067"/>
+          </a:xfrm>
+        </p:spPr>
         <p:txBody>
           <a:bodyPr/>
           <a:lstStyle/>
           <a:p>
-            <a:r>
-              <a:rPr lang="en-US" dirty="0" err="1"/>
-              <a:t>Xxxx</a:t>
-            </a:r>
             <a:endParaRPr lang="en-US" dirty="0"/>
           </a:p>
         </p:txBody>
@@ -13339,7 +13475,7 @@
     </p:spTree>
     <p:extLst>
       <p:ext uri="{BB962C8B-B14F-4D97-AF65-F5344CB8AC3E}">
-        <p14:creationId xmlns:p14="http://schemas.microsoft.com/office/powerpoint/2010/main" val="2033582996"/>
+        <p14:creationId xmlns:p14="http://schemas.microsoft.com/office/powerpoint/2010/main" val="2106926076"/>
       </p:ext>
     </p:extLst>
   </p:cSld>
@@ -13384,8 +13520,8 @@
         </p:nvSpPr>
         <p:spPr>
           <a:xfrm>
-            <a:off x="1154955" y="1015741"/>
-            <a:ext cx="8825658" cy="813055"/>
+            <a:off x="1154955" y="776494"/>
+            <a:ext cx="9199778" cy="713639"/>
           </a:xfrm>
         </p:spPr>
         <p:txBody>
@@ -13393,10 +13529,13 @@
           <a:lstStyle/>
           <a:p>
             <a:r>
-              <a:rPr lang="en-US" dirty="0" err="1"/>
-              <a:t>xxxx</a:t>
+              <a:rPr lang="ru-RU" sz="4400" dirty="0"/>
+              <a:t>Что такое </a:t>
             </a:r>
-            <a:endParaRPr lang="en-US" dirty="0"/>
+            <a:r>
+              <a:rPr lang="en-US" sz="4400" dirty="0"/>
+              <a:t>Cold Observable?</a:t>
+            </a:r>
           </a:p>
         </p:txBody>
       </p:sp>
@@ -13416,15 +13555,16 @@
             <p:ph type="subTitle" idx="1"/>
           </p:nvPr>
         </p:nvSpPr>
-        <p:spPr/>
+        <p:spPr>
+          <a:xfrm>
+            <a:off x="1154955" y="2861733"/>
+            <a:ext cx="8825658" cy="2777067"/>
+          </a:xfrm>
+        </p:spPr>
         <p:txBody>
           <a:bodyPr/>
           <a:lstStyle/>
           <a:p>
-            <a:r>
-              <a:rPr lang="en-US" dirty="0" err="1"/>
-              <a:t>Xxxx</a:t>
-            </a:r>
             <a:endParaRPr lang="en-US" dirty="0"/>
           </a:p>
         </p:txBody>
@@ -13432,7 +13572,7 @@
     </p:spTree>
     <p:extLst>
       <p:ext uri="{BB962C8B-B14F-4D97-AF65-F5344CB8AC3E}">
-        <p14:creationId xmlns:p14="http://schemas.microsoft.com/office/powerpoint/2010/main" val="1244952400"/>
+        <p14:creationId xmlns:p14="http://schemas.microsoft.com/office/powerpoint/2010/main" val="1213369216"/>
       </p:ext>
     </p:extLst>
   </p:cSld>
@@ -13477,8 +13617,8 @@
         </p:nvSpPr>
         <p:spPr>
           <a:xfrm>
-            <a:off x="1154955" y="1015741"/>
-            <a:ext cx="8825658" cy="813055"/>
+            <a:off x="3378381" y="3022472"/>
+            <a:ext cx="4378806" cy="813055"/>
           </a:xfrm>
         </p:spPr>
         <p:txBody>
@@ -13486,10 +13626,22 @@
           <a:lstStyle/>
           <a:p>
             <a:r>
-              <a:rPr lang="en-US" dirty="0" err="1"/>
-              <a:t>xxxx</a:t>
+              <a:rPr lang="en-US" sz="6600" dirty="0" err="1"/>
+              <a:t>Reactive</a:t>
             </a:r>
-            <a:endParaRPr lang="en-US" dirty="0"/>
+            <a:r>
+              <a:rPr lang="en-US" sz="6600" dirty="0" err="1">
+                <a:solidFill>
+                  <a:srgbClr val="B01513"/>
+                </a:solidFill>
+              </a:rPr>
+              <a:t>X</a:t>
+            </a:r>
+            <a:endParaRPr lang="en-US" sz="6600" dirty="0">
+              <a:solidFill>
+                <a:srgbClr val="B01513"/>
+              </a:solidFill>
+            </a:endParaRPr>
           </a:p>
         </p:txBody>
       </p:sp>
@@ -13514,10 +13666,6 @@
           <a:bodyPr/>
           <a:lstStyle/>
           <a:p>
-            <a:r>
-              <a:rPr lang="en-US" dirty="0" err="1"/>
-              <a:t>Xxxx</a:t>
-            </a:r>
             <a:endParaRPr lang="en-US" dirty="0"/>
           </a:p>
         </p:txBody>
@@ -13525,7 +13673,7 @@
     </p:spTree>
     <p:extLst>
       <p:ext uri="{BB962C8B-B14F-4D97-AF65-F5344CB8AC3E}">
-        <p14:creationId xmlns:p14="http://schemas.microsoft.com/office/powerpoint/2010/main" val="127464578"/>
+        <p14:creationId xmlns:p14="http://schemas.microsoft.com/office/powerpoint/2010/main" val="1665975282"/>
       </p:ext>
     </p:extLst>
   </p:cSld>
@@ -13570,8 +13718,8 @@
         </p:nvSpPr>
         <p:spPr>
           <a:xfrm>
-            <a:off x="1154955" y="1015741"/>
-            <a:ext cx="8825658" cy="813055"/>
+            <a:off x="1154955" y="776494"/>
+            <a:ext cx="9199778" cy="713639"/>
           </a:xfrm>
         </p:spPr>
         <p:txBody>
@@ -13579,10 +13727,13 @@
           <a:lstStyle/>
           <a:p>
             <a:r>
-              <a:rPr lang="en-US" dirty="0" err="1"/>
-              <a:t>xxxx</a:t>
+              <a:rPr lang="ru-RU" sz="4400" dirty="0"/>
+              <a:t>Что такое </a:t>
             </a:r>
-            <a:endParaRPr lang="en-US" dirty="0"/>
+            <a:r>
+              <a:rPr lang="en-US" sz="4400" dirty="0"/>
+              <a:t>Hot Observable?</a:t>
+            </a:r>
           </a:p>
         </p:txBody>
       </p:sp>
@@ -13602,15 +13753,16 @@
             <p:ph type="subTitle" idx="1"/>
           </p:nvPr>
         </p:nvSpPr>
-        <p:spPr/>
+        <p:spPr>
+          <a:xfrm>
+            <a:off x="1154955" y="2861733"/>
+            <a:ext cx="8825658" cy="2777067"/>
+          </a:xfrm>
+        </p:spPr>
         <p:txBody>
           <a:bodyPr/>
           <a:lstStyle/>
           <a:p>
-            <a:r>
-              <a:rPr lang="en-US" dirty="0" err="1"/>
-              <a:t>Xxxx</a:t>
-            </a:r>
             <a:endParaRPr lang="en-US" dirty="0"/>
           </a:p>
         </p:txBody>
@@ -13618,7 +13770,7 @@
     </p:spTree>
     <p:extLst>
       <p:ext uri="{BB962C8B-B14F-4D97-AF65-F5344CB8AC3E}">
-        <p14:creationId xmlns:p14="http://schemas.microsoft.com/office/powerpoint/2010/main" val="2755868545"/>
+        <p14:creationId xmlns:p14="http://schemas.microsoft.com/office/powerpoint/2010/main" val="781665626"/>
       </p:ext>
     </p:extLst>
   </p:cSld>
@@ -13663,8 +13815,8 @@
         </p:nvSpPr>
         <p:spPr>
           <a:xfrm>
-            <a:off x="1154955" y="1015741"/>
-            <a:ext cx="8825658" cy="813055"/>
+            <a:off x="1154955" y="776494"/>
+            <a:ext cx="9199778" cy="713639"/>
           </a:xfrm>
         </p:spPr>
         <p:txBody>
@@ -13672,10 +13824,10 @@
           <a:lstStyle/>
           <a:p>
             <a:r>
-              <a:rPr lang="en-US" dirty="0" err="1"/>
-              <a:t>xxxx</a:t>
+              <a:rPr lang="ru-RU" sz="4400" dirty="0"/>
+              <a:t>Что такое акторная модель?</a:t>
             </a:r>
-            <a:endParaRPr lang="en-US" dirty="0"/>
+            <a:endParaRPr lang="en-US" sz="4400" dirty="0"/>
           </a:p>
         </p:txBody>
       </p:sp>
@@ -13695,15 +13847,16 @@
             <p:ph type="subTitle" idx="1"/>
           </p:nvPr>
         </p:nvSpPr>
-        <p:spPr/>
+        <p:spPr>
+          <a:xfrm>
+            <a:off x="1154955" y="2861733"/>
+            <a:ext cx="8825658" cy="2777067"/>
+          </a:xfrm>
+        </p:spPr>
         <p:txBody>
           <a:bodyPr/>
           <a:lstStyle/>
           <a:p>
-            <a:r>
-              <a:rPr lang="en-US" dirty="0" err="1"/>
-              <a:t>Xxxx</a:t>
-            </a:r>
             <a:endParaRPr lang="en-US" dirty="0"/>
           </a:p>
         </p:txBody>
@@ -13711,7 +13864,7 @@
     </p:spTree>
     <p:extLst>
       <p:ext uri="{BB962C8B-B14F-4D97-AF65-F5344CB8AC3E}">
-        <p14:creationId xmlns:p14="http://schemas.microsoft.com/office/powerpoint/2010/main" val="3255016551"/>
+        <p14:creationId xmlns:p14="http://schemas.microsoft.com/office/powerpoint/2010/main" val="8395898"/>
       </p:ext>
     </p:extLst>
   </p:cSld>
@@ -13756,8 +13909,8 @@
         </p:nvSpPr>
         <p:spPr>
           <a:xfrm>
-            <a:off x="1154955" y="1015741"/>
-            <a:ext cx="8825658" cy="813055"/>
+            <a:off x="1154955" y="776494"/>
+            <a:ext cx="9199778" cy="713639"/>
           </a:xfrm>
         </p:spPr>
         <p:txBody>
@@ -13765,10 +13918,10 @@
           <a:lstStyle/>
           <a:p>
             <a:r>
-              <a:rPr lang="en-US" dirty="0" err="1"/>
-              <a:t>xxxx</a:t>
+              <a:rPr lang="ru-RU" sz="4400" dirty="0"/>
+              <a:t>Что такое событийная модель?</a:t>
             </a:r>
-            <a:endParaRPr lang="en-US" dirty="0"/>
+            <a:endParaRPr lang="en-US" sz="4400" dirty="0"/>
           </a:p>
         </p:txBody>
       </p:sp>
@@ -13788,15 +13941,16 @@
             <p:ph type="subTitle" idx="1"/>
           </p:nvPr>
         </p:nvSpPr>
-        <p:spPr/>
+        <p:spPr>
+          <a:xfrm>
+            <a:off x="1154955" y="2861733"/>
+            <a:ext cx="8825658" cy="2777067"/>
+          </a:xfrm>
+        </p:spPr>
         <p:txBody>
           <a:bodyPr/>
           <a:lstStyle/>
           <a:p>
-            <a:r>
-              <a:rPr lang="en-US" dirty="0" err="1"/>
-              <a:t>Xxxx</a:t>
-            </a:r>
             <a:endParaRPr lang="en-US" dirty="0"/>
           </a:p>
         </p:txBody>
@@ -13804,7 +13958,7 @@
     </p:spTree>
     <p:extLst>
       <p:ext uri="{BB962C8B-B14F-4D97-AF65-F5344CB8AC3E}">
-        <p14:creationId xmlns:p14="http://schemas.microsoft.com/office/powerpoint/2010/main" val="3032621037"/>
+        <p14:creationId xmlns:p14="http://schemas.microsoft.com/office/powerpoint/2010/main" val="751961821"/>
       </p:ext>
     </p:extLst>
   </p:cSld>
@@ -13849,8 +14003,8 @@
         </p:nvSpPr>
         <p:spPr>
           <a:xfrm>
-            <a:off x="1154955" y="1015741"/>
-            <a:ext cx="8825658" cy="813055"/>
+            <a:off x="1154955" y="776494"/>
+            <a:ext cx="9199778" cy="713639"/>
           </a:xfrm>
         </p:spPr>
         <p:txBody>
@@ -13858,10 +14012,10 @@
           <a:lstStyle/>
           <a:p>
             <a:r>
-              <a:rPr lang="en-US" dirty="0" err="1"/>
-              <a:t>xxxx</a:t>
+              <a:rPr lang="ru-RU" sz="4400" dirty="0"/>
+              <a:t>Хайп?</a:t>
             </a:r>
-            <a:endParaRPr lang="en-US" dirty="0"/>
+            <a:endParaRPr lang="en-US" sz="4400" dirty="0"/>
           </a:p>
         </p:txBody>
       </p:sp>
@@ -13881,14 +14035,19 @@
             <p:ph type="subTitle" idx="1"/>
           </p:nvPr>
         </p:nvSpPr>
-        <p:spPr/>
+        <p:spPr>
+          <a:xfrm>
+            <a:off x="1154955" y="2861733"/>
+            <a:ext cx="8825658" cy="2777067"/>
+          </a:xfrm>
+        </p:spPr>
         <p:txBody>
           <a:bodyPr/>
           <a:lstStyle/>
           <a:p>
             <a:r>
-              <a:rPr lang="en-US" dirty="0" err="1"/>
-              <a:t>Xxxx</a:t>
+              <a:rPr lang="ru-RU" dirty="0"/>
+              <a:t>Почему последнее время Реативные расширения становятся столь популярны?</a:t>
             </a:r>
             <a:endParaRPr lang="en-US" dirty="0"/>
           </a:p>
@@ -13897,100 +14056,7 @@
     </p:spTree>
     <p:extLst>
       <p:ext uri="{BB962C8B-B14F-4D97-AF65-F5344CB8AC3E}">
-        <p14:creationId xmlns:p14="http://schemas.microsoft.com/office/powerpoint/2010/main" val="3280875806"/>
-      </p:ext>
-    </p:extLst>
-  </p:cSld>
-  <p:clrMapOvr>
-    <a:masterClrMapping/>
-  </p:clrMapOvr>
-</p:sld>
-</file>
-
-<file path=ppt/slides/slide24.xml><?xml version="1.0" encoding="utf-8"?>
-<p:sld xmlns:a="http://schemas.openxmlformats.org/drawingml/2006/main" xmlns:r="http://schemas.openxmlformats.org/officeDocument/2006/relationships" xmlns:p="http://schemas.openxmlformats.org/presentationml/2006/main">
-  <p:cSld>
-    <p:spTree>
-      <p:nvGrpSpPr>
-        <p:cNvPr id="1" name=""/>
-        <p:cNvGrpSpPr/>
-        <p:nvPr/>
-      </p:nvGrpSpPr>
-      <p:grpSpPr>
-        <a:xfrm>
-          <a:off x="0" y="0"/>
-          <a:ext cx="0" cy="0"/>
-          <a:chOff x="0" y="0"/>
-          <a:chExt cx="0" cy="0"/>
-        </a:xfrm>
-      </p:grpSpPr>
-      <p:sp>
-        <p:nvSpPr>
-          <p:cNvPr id="2" name="Title 1">
-            <a:extLst>
-              <a:ext uri="{FF2B5EF4-FFF2-40B4-BE49-F238E27FC236}">
-                <a16:creationId xmlns:a16="http://schemas.microsoft.com/office/drawing/2014/main" id="{F8ADAE79-72C3-4128-BC87-DBC5B059028E}"/>
-              </a:ext>
-            </a:extLst>
-          </p:cNvPr>
-          <p:cNvSpPr>
-            <a:spLocks noGrp="1"/>
-          </p:cNvSpPr>
-          <p:nvPr>
-            <p:ph type="ctrTitle"/>
-          </p:nvPr>
-        </p:nvSpPr>
-        <p:spPr>
-          <a:xfrm>
-            <a:off x="1154955" y="1015741"/>
-            <a:ext cx="8825658" cy="813055"/>
-          </a:xfrm>
-        </p:spPr>
-        <p:txBody>
-          <a:bodyPr/>
-          <a:lstStyle/>
-          <a:p>
-            <a:r>
-              <a:rPr lang="en-US" dirty="0" err="1"/>
-              <a:t>xxxx</a:t>
-            </a:r>
-            <a:endParaRPr lang="en-US" dirty="0"/>
-          </a:p>
-        </p:txBody>
-      </p:sp>
-      <p:sp>
-        <p:nvSpPr>
-          <p:cNvPr id="3" name="Subtitle 2">
-            <a:extLst>
-              <a:ext uri="{FF2B5EF4-FFF2-40B4-BE49-F238E27FC236}">
-                <a16:creationId xmlns:a16="http://schemas.microsoft.com/office/drawing/2014/main" id="{60C395F4-B5A3-4F2F-855A-0006FCE96DD0}"/>
-              </a:ext>
-            </a:extLst>
-          </p:cNvPr>
-          <p:cNvSpPr>
-            <a:spLocks noGrp="1"/>
-          </p:cNvSpPr>
-          <p:nvPr>
-            <p:ph type="subTitle" idx="1"/>
-          </p:nvPr>
-        </p:nvSpPr>
-        <p:spPr/>
-        <p:txBody>
-          <a:bodyPr/>
-          <a:lstStyle/>
-          <a:p>
-            <a:r>
-              <a:rPr lang="en-US" dirty="0" err="1"/>
-              <a:t>Xxxx</a:t>
-            </a:r>
-            <a:endParaRPr lang="en-US" dirty="0"/>
-          </a:p>
-        </p:txBody>
-      </p:sp>
-    </p:spTree>
-    <p:extLst>
-      <p:ext uri="{BB962C8B-B14F-4D97-AF65-F5344CB8AC3E}">
-        <p14:creationId xmlns:p14="http://schemas.microsoft.com/office/powerpoint/2010/main" val="3050970319"/>
+        <p14:creationId xmlns:p14="http://schemas.microsoft.com/office/powerpoint/2010/main" val="64754934"/>
       </p:ext>
     </p:extLst>
   </p:cSld>
@@ -14035,8 +14101,8 @@
         </p:nvSpPr>
         <p:spPr>
           <a:xfrm>
-            <a:off x="1154955" y="1015741"/>
-            <a:ext cx="8825658" cy="813055"/>
+            <a:off x="1154955" y="776494"/>
+            <a:ext cx="8825658" cy="713639"/>
           </a:xfrm>
         </p:spPr>
         <p:txBody>
@@ -14044,10 +14110,22 @@
           <a:lstStyle/>
           <a:p>
             <a:r>
-              <a:rPr lang="en-US" dirty="0" err="1"/>
-              <a:t>xxxx</a:t>
+              <a:rPr lang="ru-RU" sz="4400" dirty="0"/>
+              <a:t>Что такое </a:t>
             </a:r>
-            <a:endParaRPr lang="en-US" dirty="0"/>
+            <a:r>
+              <a:rPr lang="en-US" sz="4400" dirty="0"/>
+              <a:t>Reactive </a:t>
+            </a:r>
+            <a:r>
+              <a:rPr lang="en-US" sz="4400" dirty="0" err="1"/>
+              <a:t>Extentions</a:t>
+            </a:r>
+            <a:r>
+              <a:rPr lang="ru-RU" sz="4400" dirty="0"/>
+              <a:t>?</a:t>
+            </a:r>
+            <a:endParaRPr lang="en-US" sz="4400" dirty="0"/>
           </a:p>
         </p:txBody>
       </p:sp>
@@ -14067,15 +14145,16 @@
             <p:ph type="subTitle" idx="1"/>
           </p:nvPr>
         </p:nvSpPr>
-        <p:spPr/>
+        <p:spPr>
+          <a:xfrm>
+            <a:off x="1154955" y="2861733"/>
+            <a:ext cx="8825658" cy="2777067"/>
+          </a:xfrm>
+        </p:spPr>
         <p:txBody>
           <a:bodyPr/>
           <a:lstStyle/>
           <a:p>
-            <a:r>
-              <a:rPr lang="en-US" dirty="0" err="1"/>
-              <a:t>Xxxx</a:t>
-            </a:r>
             <a:endParaRPr lang="en-US" dirty="0"/>
           </a:p>
         </p:txBody>
@@ -14083,7 +14162,7 @@
     </p:spTree>
     <p:extLst>
       <p:ext uri="{BB962C8B-B14F-4D97-AF65-F5344CB8AC3E}">
-        <p14:creationId xmlns:p14="http://schemas.microsoft.com/office/powerpoint/2010/main" val="1755803221"/>
+        <p14:creationId xmlns:p14="http://schemas.microsoft.com/office/powerpoint/2010/main" val="4190111287"/>
       </p:ext>
     </p:extLst>
   </p:cSld>
@@ -14128,8 +14207,8 @@
         </p:nvSpPr>
         <p:spPr>
           <a:xfrm>
-            <a:off x="1154955" y="1015741"/>
-            <a:ext cx="8825658" cy="813055"/>
+            <a:off x="1154955" y="776494"/>
+            <a:ext cx="8825658" cy="1314773"/>
           </a:xfrm>
         </p:spPr>
         <p:txBody>
@@ -14137,10 +14216,10 @@
           <a:lstStyle/>
           <a:p>
             <a:r>
-              <a:rPr lang="en-US" dirty="0" err="1"/>
-              <a:t>xxxx</a:t>
+              <a:rPr lang="ru-RU" sz="4400" dirty="0"/>
+              <a:t>Какие причины возникновения этой библиотеки?</a:t>
             </a:r>
-            <a:endParaRPr lang="en-US" dirty="0"/>
+            <a:endParaRPr lang="en-US" sz="4400" dirty="0"/>
           </a:p>
         </p:txBody>
       </p:sp>
@@ -14160,15 +14239,16 @@
             <p:ph type="subTitle" idx="1"/>
           </p:nvPr>
         </p:nvSpPr>
-        <p:spPr/>
+        <p:spPr>
+          <a:xfrm>
+            <a:off x="1154955" y="2861733"/>
+            <a:ext cx="8825658" cy="2777067"/>
+          </a:xfrm>
+        </p:spPr>
         <p:txBody>
           <a:bodyPr/>
           <a:lstStyle/>
           <a:p>
-            <a:r>
-              <a:rPr lang="en-US" dirty="0" err="1"/>
-              <a:t>Xxxx</a:t>
-            </a:r>
             <a:endParaRPr lang="en-US" dirty="0"/>
           </a:p>
         </p:txBody>
@@ -14176,7 +14256,7 @@
     </p:spTree>
     <p:extLst>
       <p:ext uri="{BB962C8B-B14F-4D97-AF65-F5344CB8AC3E}">
-        <p14:creationId xmlns:p14="http://schemas.microsoft.com/office/powerpoint/2010/main" val="2313042533"/>
+        <p14:creationId xmlns:p14="http://schemas.microsoft.com/office/powerpoint/2010/main" val="3514693486"/>
       </p:ext>
     </p:extLst>
   </p:cSld>
@@ -14221,8 +14301,8 @@
         </p:nvSpPr>
         <p:spPr>
           <a:xfrm>
-            <a:off x="1154955" y="1015741"/>
-            <a:ext cx="8825658" cy="813055"/>
+            <a:off x="1154955" y="776494"/>
+            <a:ext cx="8825658" cy="713639"/>
           </a:xfrm>
         </p:spPr>
         <p:txBody>
@@ -14230,10 +14310,10 @@
           <a:lstStyle/>
           <a:p>
             <a:r>
-              <a:rPr lang="en-US" dirty="0" err="1"/>
-              <a:t>xxxx</a:t>
+              <a:rPr lang="ru-RU" sz="4400" dirty="0"/>
+              <a:t>Что нового?</a:t>
             </a:r>
-            <a:endParaRPr lang="en-US" dirty="0"/>
+            <a:endParaRPr lang="en-US" sz="4400" dirty="0"/>
           </a:p>
         </p:txBody>
       </p:sp>
@@ -14253,15 +14333,16 @@
             <p:ph type="subTitle" idx="1"/>
           </p:nvPr>
         </p:nvSpPr>
-        <p:spPr/>
+        <p:spPr>
+          <a:xfrm>
+            <a:off x="1154955" y="2861733"/>
+            <a:ext cx="8825658" cy="2777067"/>
+          </a:xfrm>
+        </p:spPr>
         <p:txBody>
           <a:bodyPr/>
           <a:lstStyle/>
           <a:p>
-            <a:r>
-              <a:rPr lang="en-US" dirty="0" err="1"/>
-              <a:t>Xxxx</a:t>
-            </a:r>
             <a:endParaRPr lang="en-US" dirty="0"/>
           </a:p>
         </p:txBody>
@@ -14269,7 +14350,7 @@
     </p:spTree>
     <p:extLst>
       <p:ext uri="{BB962C8B-B14F-4D97-AF65-F5344CB8AC3E}">
-        <p14:creationId xmlns:p14="http://schemas.microsoft.com/office/powerpoint/2010/main" val="1185885521"/>
+        <p14:creationId xmlns:p14="http://schemas.microsoft.com/office/powerpoint/2010/main" val="4035409235"/>
       </p:ext>
     </p:extLst>
   </p:cSld>
@@ -14314,8 +14395,8 @@
         </p:nvSpPr>
         <p:spPr>
           <a:xfrm>
-            <a:off x="1154955" y="1015741"/>
-            <a:ext cx="8825658" cy="813055"/>
+            <a:off x="1154955" y="776494"/>
+            <a:ext cx="8825658" cy="713639"/>
           </a:xfrm>
         </p:spPr>
         <p:txBody>
@@ -14323,10 +14404,10 @@
           <a:lstStyle/>
           <a:p>
             <a:r>
-              <a:rPr lang="en-US" dirty="0" err="1"/>
-              <a:t>xxxx</a:t>
+              <a:rPr lang="ru-RU" sz="4400" dirty="0"/>
+              <a:t>Что нового?</a:t>
             </a:r>
-            <a:endParaRPr lang="en-US" dirty="0"/>
+            <a:endParaRPr lang="en-US" sz="4400" dirty="0"/>
           </a:p>
         </p:txBody>
       </p:sp>
@@ -14346,23 +14427,33 @@
             <p:ph type="subTitle" idx="1"/>
           </p:nvPr>
         </p:nvSpPr>
-        <p:spPr/>
-        <p:txBody>
-          <a:bodyPr/>
+        <p:spPr>
+          <a:xfrm>
+            <a:off x="1154955" y="2861733"/>
+            <a:ext cx="8825658" cy="2777067"/>
+          </a:xfrm>
+        </p:spPr>
+        <p:txBody>
+          <a:bodyPr>
+            <a:normAutofit/>
+          </a:bodyPr>
           <a:lstStyle/>
           <a:p>
             <a:r>
-              <a:rPr lang="en-US" dirty="0" err="1"/>
-              <a:t>Xxxx</a:t>
+              <a:rPr lang="ru-RU" sz="2400" dirty="0"/>
+              <a:t>Ничего</a:t>
             </a:r>
-            <a:endParaRPr lang="en-US" dirty="0"/>
+            <a:r>
+              <a:rPr lang="en-US" sz="2400" dirty="0"/>
+              <a:t> …</a:t>
+            </a:r>
           </a:p>
         </p:txBody>
       </p:sp>
     </p:spTree>
     <p:extLst>
       <p:ext uri="{BB962C8B-B14F-4D97-AF65-F5344CB8AC3E}">
-        <p14:creationId xmlns:p14="http://schemas.microsoft.com/office/powerpoint/2010/main" val="3509179791"/>
+        <p14:creationId xmlns:p14="http://schemas.microsoft.com/office/powerpoint/2010/main" val="2639351724"/>
       </p:ext>
     </p:extLst>
   </p:cSld>
@@ -14407,8 +14498,8 @@
         </p:nvSpPr>
         <p:spPr>
           <a:xfrm>
-            <a:off x="1154955" y="1015741"/>
-            <a:ext cx="8825658" cy="813055"/>
+            <a:off x="1154955" y="776494"/>
+            <a:ext cx="8825658" cy="713639"/>
           </a:xfrm>
         </p:spPr>
         <p:txBody>
@@ -14416,10 +14507,10 @@
           <a:lstStyle/>
           <a:p>
             <a:r>
-              <a:rPr lang="en-US" dirty="0" err="1"/>
-              <a:t>xxxx</a:t>
+              <a:rPr lang="ru-RU" sz="4400" dirty="0"/>
+              <a:t>Что нового?</a:t>
             </a:r>
-            <a:endParaRPr lang="en-US" dirty="0"/>
+            <a:endParaRPr lang="en-US" sz="4400" dirty="0"/>
           </a:p>
         </p:txBody>
       </p:sp>
@@ -14439,23 +14530,72 @@
             <p:ph type="subTitle" idx="1"/>
           </p:nvPr>
         </p:nvSpPr>
-        <p:spPr/>
+        <p:spPr>
+          <a:xfrm>
+            <a:off x="1154955" y="2861733"/>
+            <a:ext cx="8825658" cy="2777067"/>
+          </a:xfrm>
+        </p:spPr>
         <p:txBody>
           <a:bodyPr/>
           <a:lstStyle/>
           <a:p>
             <a:r>
-              <a:rPr lang="en-US" dirty="0" err="1"/>
-              <a:t>Xxxx</a:t>
+              <a:rPr lang="ru-RU" sz="2400" dirty="0"/>
+              <a:t>Ничего</a:t>
             </a:r>
-            <a:endParaRPr lang="en-US" dirty="0"/>
+            <a:r>
+              <a:rPr lang="en-US" sz="2400" dirty="0"/>
+              <a:t> …</a:t>
+            </a:r>
+            <a:endParaRPr lang="ru-RU" sz="2400" dirty="0"/>
+          </a:p>
+          <a:p>
+            <a:pPr marL="285750" indent="-285750">
+              <a:buFont typeface="Arial" panose="020B0604020202020204" pitchFamily="34" charset="0"/>
+              <a:buChar char="•"/>
+            </a:pPr>
+            <a:r>
+              <a:rPr lang="ru-RU" b="1" dirty="0"/>
+              <a:t>За всем что меняется можно наблюдать и реагировать</a:t>
+            </a:r>
+          </a:p>
+          <a:p>
+            <a:pPr marL="285750" indent="-285750">
+              <a:buFont typeface="Arial" panose="020B0604020202020204" pitchFamily="34" charset="0"/>
+              <a:buChar char="•"/>
+            </a:pPr>
+            <a:r>
+              <a:rPr lang="en-US" b="1" dirty="0"/>
+              <a:t>Observable</a:t>
+            </a:r>
+          </a:p>
+          <a:p>
+            <a:pPr marL="285750" indent="-285750">
+              <a:buFont typeface="Arial" panose="020B0604020202020204" pitchFamily="34" charset="0"/>
+              <a:buChar char="•"/>
+            </a:pPr>
+            <a:r>
+              <a:rPr lang="en-US" b="1" dirty="0"/>
+              <a:t>Event == Observable</a:t>
+            </a:r>
+          </a:p>
+          <a:p>
+            <a:pPr marL="285750" indent="-285750">
+              <a:buFont typeface="Arial" panose="020B0604020202020204" pitchFamily="34" charset="0"/>
+              <a:buChar char="•"/>
+            </a:pPr>
+            <a:r>
+              <a:rPr lang="en-US" b="1" dirty="0"/>
+              <a:t>Async == Observable</a:t>
+            </a:r>
           </a:p>
         </p:txBody>
       </p:sp>
     </p:spTree>
     <p:extLst>
       <p:ext uri="{BB962C8B-B14F-4D97-AF65-F5344CB8AC3E}">
-        <p14:creationId xmlns:p14="http://schemas.microsoft.com/office/powerpoint/2010/main" val="619273034"/>
+        <p14:creationId xmlns:p14="http://schemas.microsoft.com/office/powerpoint/2010/main" val="468149894"/>
       </p:ext>
     </p:extLst>
   </p:cSld>
@@ -14500,8 +14640,8 @@
         </p:nvSpPr>
         <p:spPr>
           <a:xfrm>
-            <a:off x="1154955" y="1015741"/>
-            <a:ext cx="8825658" cy="813055"/>
+            <a:off x="1154955" y="776494"/>
+            <a:ext cx="8825658" cy="713639"/>
           </a:xfrm>
         </p:spPr>
         <p:txBody>
@@ -14509,10 +14649,10 @@
           <a:lstStyle/>
           <a:p>
             <a:r>
-              <a:rPr lang="en-US" dirty="0" err="1"/>
-              <a:t>xxxx</a:t>
+              <a:rPr lang="ru-RU" sz="4400" dirty="0"/>
+              <a:t>Откуда ноги ростут?</a:t>
             </a:r>
-            <a:endParaRPr lang="en-US" dirty="0"/>
+            <a:endParaRPr lang="en-US" sz="4400" dirty="0"/>
           </a:p>
         </p:txBody>
       </p:sp>
@@ -14532,15 +14672,16 @@
             <p:ph type="subTitle" idx="1"/>
           </p:nvPr>
         </p:nvSpPr>
-        <p:spPr/>
+        <p:spPr>
+          <a:xfrm>
+            <a:off x="1154955" y="2861733"/>
+            <a:ext cx="8825658" cy="2777067"/>
+          </a:xfrm>
+        </p:spPr>
         <p:txBody>
           <a:bodyPr/>
           <a:lstStyle/>
           <a:p>
-            <a:r>
-              <a:rPr lang="en-US" dirty="0" err="1"/>
-              <a:t>Xxxx</a:t>
-            </a:r>
             <a:endParaRPr lang="en-US" dirty="0"/>
           </a:p>
         </p:txBody>
@@ -14548,7 +14689,7 @@
     </p:spTree>
     <p:extLst>
       <p:ext uri="{BB962C8B-B14F-4D97-AF65-F5344CB8AC3E}">
-        <p14:creationId xmlns:p14="http://schemas.microsoft.com/office/powerpoint/2010/main" val="4246272405"/>
+        <p14:creationId xmlns:p14="http://schemas.microsoft.com/office/powerpoint/2010/main" val="685208879"/>
       </p:ext>
     </p:extLst>
   </p:cSld>
@@ -14593,8 +14734,8 @@
         </p:nvSpPr>
         <p:spPr>
           <a:xfrm>
-            <a:off x="1154955" y="1015741"/>
-            <a:ext cx="8825658" cy="813055"/>
+            <a:off x="1154955" y="776494"/>
+            <a:ext cx="8825658" cy="713639"/>
           </a:xfrm>
         </p:spPr>
         <p:txBody>
@@ -14602,10 +14743,10 @@
           <a:lstStyle/>
           <a:p>
             <a:r>
-              <a:rPr lang="en-US" dirty="0" err="1"/>
-              <a:t>xxxx</a:t>
+              <a:rPr lang="ru-RU" sz="4400" dirty="0"/>
+              <a:t>Откуда ноги ростут?</a:t>
             </a:r>
-            <a:endParaRPr lang="en-US" dirty="0"/>
+            <a:endParaRPr lang="en-US" sz="4400" dirty="0"/>
           </a:p>
         </p:txBody>
       </p:sp>
@@ -14625,15 +14766,26 @@
             <p:ph type="subTitle" idx="1"/>
           </p:nvPr>
         </p:nvSpPr>
-        <p:spPr/>
+        <p:spPr>
+          <a:xfrm>
+            <a:off x="1154955" y="2861733"/>
+            <a:ext cx="8825658" cy="2777067"/>
+          </a:xfrm>
+        </p:spPr>
         <p:txBody>
           <a:bodyPr/>
           <a:lstStyle/>
           <a:p>
             <a:r>
-              <a:rPr lang="en-US" dirty="0" err="1"/>
-              <a:t>Xxxx</a:t>
+              <a:rPr lang="ru-RU" dirty="0"/>
+              <a:t>От </a:t>
             </a:r>
+            <a:r>
+              <a:rPr lang="en-US" dirty="0"/>
+              <a:t>…</a:t>
+            </a:r>
+          </a:p>
+          <a:p>
             <a:endParaRPr lang="en-US" dirty="0"/>
           </a:p>
         </p:txBody>
@@ -14641,7 +14793,7 @@
     </p:spTree>
     <p:extLst>
       <p:ext uri="{BB962C8B-B14F-4D97-AF65-F5344CB8AC3E}">
-        <p14:creationId xmlns:p14="http://schemas.microsoft.com/office/powerpoint/2010/main" val="2771224777"/>
+        <p14:creationId xmlns:p14="http://schemas.microsoft.com/office/powerpoint/2010/main" val="3557030923"/>
       </p:ext>
     </p:extLst>
   </p:cSld>

--- a/reactiveX/reactiveX.pptx
+++ b/reactiveX/reactiveX.pptx
@@ -8,26 +8,57 @@
     <p:sldId id="257" r:id="rId2"/>
     <p:sldId id="256" r:id="rId3"/>
     <p:sldId id="280" r:id="rId4"/>
-    <p:sldId id="281" r:id="rId5"/>
-    <p:sldId id="294" r:id="rId6"/>
-    <p:sldId id="295" r:id="rId7"/>
-    <p:sldId id="297" r:id="rId8"/>
-    <p:sldId id="298" r:id="rId9"/>
-    <p:sldId id="299" r:id="rId10"/>
-    <p:sldId id="300" r:id="rId11"/>
-    <p:sldId id="301" r:id="rId12"/>
-    <p:sldId id="283" r:id="rId13"/>
-    <p:sldId id="282" r:id="rId14"/>
-    <p:sldId id="285" r:id="rId15"/>
-    <p:sldId id="286" r:id="rId16"/>
-    <p:sldId id="284" r:id="rId17"/>
-    <p:sldId id="287" r:id="rId18"/>
-    <p:sldId id="288" r:id="rId19"/>
-    <p:sldId id="289" r:id="rId20"/>
-    <p:sldId id="290" r:id="rId21"/>
-    <p:sldId id="291" r:id="rId22"/>
-    <p:sldId id="293" r:id="rId23"/>
-    <p:sldId id="292" r:id="rId24"/>
+    <p:sldId id="303" r:id="rId5"/>
+    <p:sldId id="304" r:id="rId6"/>
+    <p:sldId id="305" r:id="rId7"/>
+    <p:sldId id="281" r:id="rId8"/>
+    <p:sldId id="306" r:id="rId9"/>
+    <p:sldId id="302" r:id="rId10"/>
+    <p:sldId id="307" r:id="rId11"/>
+    <p:sldId id="308" r:id="rId12"/>
+    <p:sldId id="309" r:id="rId13"/>
+    <p:sldId id="283" r:id="rId14"/>
+    <p:sldId id="317" r:id="rId15"/>
+    <p:sldId id="285" r:id="rId16"/>
+    <p:sldId id="282" r:id="rId17"/>
+    <p:sldId id="316" r:id="rId18"/>
+    <p:sldId id="315" r:id="rId19"/>
+    <p:sldId id="318" r:id="rId20"/>
+    <p:sldId id="314" r:id="rId21"/>
+    <p:sldId id="286" r:id="rId22"/>
+    <p:sldId id="319" r:id="rId23"/>
+    <p:sldId id="321" r:id="rId24"/>
+    <p:sldId id="320" r:id="rId25"/>
+    <p:sldId id="322" r:id="rId26"/>
+    <p:sldId id="323" r:id="rId27"/>
+    <p:sldId id="324" r:id="rId28"/>
+    <p:sldId id="325" r:id="rId29"/>
+    <p:sldId id="327" r:id="rId30"/>
+    <p:sldId id="326" r:id="rId31"/>
+    <p:sldId id="294" r:id="rId32"/>
+    <p:sldId id="295" r:id="rId33"/>
+    <p:sldId id="297" r:id="rId34"/>
+    <p:sldId id="310" r:id="rId35"/>
+    <p:sldId id="311" r:id="rId36"/>
+    <p:sldId id="312" r:id="rId37"/>
+    <p:sldId id="298" r:id="rId38"/>
+    <p:sldId id="299" r:id="rId39"/>
+    <p:sldId id="300" r:id="rId40"/>
+    <p:sldId id="313" r:id="rId41"/>
+    <p:sldId id="301" r:id="rId42"/>
+    <p:sldId id="289" r:id="rId43"/>
+    <p:sldId id="328" r:id="rId44"/>
+    <p:sldId id="290" r:id="rId45"/>
+    <p:sldId id="329" r:id="rId46"/>
+    <p:sldId id="334" r:id="rId47"/>
+    <p:sldId id="335" r:id="rId48"/>
+    <p:sldId id="331" r:id="rId49"/>
+    <p:sldId id="332" r:id="rId50"/>
+    <p:sldId id="333" r:id="rId51"/>
+    <p:sldId id="336" r:id="rId52"/>
+    <p:sldId id="339" r:id="rId53"/>
+    <p:sldId id="340" r:id="rId54"/>
+    <p:sldId id="337" r:id="rId55"/>
   </p:sldIdLst>
   <p:sldSz cx="12192000" cy="6858000"/>
   <p:notesSz cx="6858000" cy="9144000"/>
@@ -127,41 +158,6 @@
     </a:lvl9pPr>
   </p:defaultTextStyle>
   <p:extLst>
-    <p:ext uri="{521415D9-36F7-43E2-AB2F-B90AF26B5E84}">
-      <p14:sectionLst xmlns:p14="http://schemas.microsoft.com/office/powerpoint/2010/main">
-        <p14:section name="Default Section" id="{FDD9EA3D-6ACB-45F1-97C1-AB4E629B1B81}">
-          <p14:sldIdLst>
-            <p14:sldId id="257"/>
-            <p14:sldId id="256"/>
-          </p14:sldIdLst>
-        </p14:section>
-        <p14:section name="Untitled Section" id="{411C4A5F-E7B4-4D31-88E2-3434CB803A71}">
-          <p14:sldIdLst>
-            <p14:sldId id="280"/>
-            <p14:sldId id="281"/>
-            <p14:sldId id="294"/>
-            <p14:sldId id="295"/>
-            <p14:sldId id="297"/>
-            <p14:sldId id="298"/>
-            <p14:sldId id="299"/>
-            <p14:sldId id="300"/>
-            <p14:sldId id="301"/>
-            <p14:sldId id="283"/>
-            <p14:sldId id="282"/>
-            <p14:sldId id="285"/>
-            <p14:sldId id="286"/>
-            <p14:sldId id="284"/>
-            <p14:sldId id="287"/>
-            <p14:sldId id="288"/>
-            <p14:sldId id="289"/>
-            <p14:sldId id="290"/>
-            <p14:sldId id="291"/>
-            <p14:sldId id="293"/>
-            <p14:sldId id="292"/>
-          </p14:sldIdLst>
-        </p14:section>
-      </p14:sectionLst>
-    </p:ext>
     <p:ext uri="{EFAFB233-063F-42B5-8137-9DF3F51BA10A}">
       <p15:sldGuideLst xmlns:p15="http://schemas.microsoft.com/office/powerpoint/2012/main"/>
     </p:ext>
@@ -677,7 +673,7 @@
           <a:p>
             <a:fld id="{B9995F3C-CABB-4599-A081-9F420B0EF6A4}" type="datetimeFigureOut">
               <a:rPr lang="en-US" smtClean="0"/>
-              <a:t>10/30/2019</a:t>
+              <a:t>10/31/2019</a:t>
             </a:fld>
             <a:endParaRPr lang="en-US"/>
           </a:p>
@@ -1659,7 +1655,7 @@
           <a:p>
             <a:fld id="{B9995F3C-CABB-4599-A081-9F420B0EF6A4}" type="datetimeFigureOut">
               <a:rPr lang="en-US" smtClean="0"/>
-              <a:t>10/30/2019</a:t>
+              <a:t>10/31/2019</a:t>
             </a:fld>
             <a:endParaRPr lang="en-US"/>
           </a:p>
@@ -2529,7 +2525,7 @@
           <a:p>
             <a:fld id="{B9995F3C-CABB-4599-A081-9F420B0EF6A4}" type="datetimeFigureOut">
               <a:rPr lang="en-US" smtClean="0"/>
-              <a:t>10/30/2019</a:t>
+              <a:t>10/31/2019</a:t>
             </a:fld>
             <a:endParaRPr lang="en-US"/>
           </a:p>
@@ -3550,7 +3546,7 @@
           <a:p>
             <a:fld id="{B9995F3C-CABB-4599-A081-9F420B0EF6A4}" type="datetimeFigureOut">
               <a:rPr lang="en-US" smtClean="0"/>
-              <a:t>10/30/2019</a:t>
+              <a:t>10/31/2019</a:t>
             </a:fld>
             <a:endParaRPr lang="en-US"/>
           </a:p>
@@ -4470,7 +4466,7 @@
           <a:p>
             <a:fld id="{B9995F3C-CABB-4599-A081-9F420B0EF6A4}" type="datetimeFigureOut">
               <a:rPr lang="en-US" smtClean="0"/>
-              <a:t>10/30/2019</a:t>
+              <a:t>10/31/2019</a:t>
             </a:fld>
             <a:endParaRPr lang="en-US"/>
           </a:p>
@@ -5126,7 +5122,7 @@
           <a:p>
             <a:fld id="{B9995F3C-CABB-4599-A081-9F420B0EF6A4}" type="datetimeFigureOut">
               <a:rPr lang="en-US" smtClean="0"/>
-              <a:t>10/30/2019</a:t>
+              <a:t>10/31/2019</a:t>
             </a:fld>
             <a:endParaRPr lang="en-US"/>
           </a:p>
@@ -5983,7 +5979,7 @@
           <a:p>
             <a:fld id="{B9995F3C-CABB-4599-A081-9F420B0EF6A4}" type="datetimeFigureOut">
               <a:rPr lang="en-US" smtClean="0"/>
-              <a:t>10/30/2019</a:t>
+              <a:t>10/31/2019</a:t>
             </a:fld>
             <a:endParaRPr lang="en-US"/>
           </a:p>
@@ -6166,7 +6162,7 @@
           <a:p>
             <a:fld id="{B9995F3C-CABB-4599-A081-9F420B0EF6A4}" type="datetimeFigureOut">
               <a:rPr lang="en-US" smtClean="0"/>
-              <a:t>10/30/2019</a:t>
+              <a:t>10/31/2019</a:t>
             </a:fld>
             <a:endParaRPr lang="en-US"/>
           </a:p>
@@ -7023,7 +7019,7 @@
           <a:p>
             <a:fld id="{B9995F3C-CABB-4599-A081-9F420B0EF6A4}" type="datetimeFigureOut">
               <a:rPr lang="en-US" smtClean="0"/>
-              <a:t>10/30/2019</a:t>
+              <a:t>10/31/2019</a:t>
             </a:fld>
             <a:endParaRPr lang="en-US"/>
           </a:p>
@@ -7242,7 +7238,7 @@
           <a:p>
             <a:fld id="{B9995F3C-CABB-4599-A081-9F420B0EF6A4}" type="datetimeFigureOut">
               <a:rPr lang="en-US" smtClean="0"/>
-              <a:t>10/30/2019</a:t>
+              <a:t>10/31/2019</a:t>
             </a:fld>
             <a:endParaRPr lang="en-US"/>
           </a:p>
@@ -8167,7 +8163,7 @@
           <a:p>
             <a:fld id="{B9995F3C-CABB-4599-A081-9F420B0EF6A4}" type="datetimeFigureOut">
               <a:rPr lang="en-US" smtClean="0"/>
-              <a:t>10/30/2019</a:t>
+              <a:t>10/31/2019</a:t>
             </a:fld>
             <a:endParaRPr lang="en-US"/>
           </a:p>
@@ -8451,7 +8447,7 @@
           <a:p>
             <a:fld id="{B9995F3C-CABB-4599-A081-9F420B0EF6A4}" type="datetimeFigureOut">
               <a:rPr lang="en-US" smtClean="0"/>
-              <a:t>10/30/2019</a:t>
+              <a:t>10/31/2019</a:t>
             </a:fld>
             <a:endParaRPr lang="en-US"/>
           </a:p>
@@ -8841,7 +8837,7 @@
           <a:p>
             <a:fld id="{B9995F3C-CABB-4599-A081-9F420B0EF6A4}" type="datetimeFigureOut">
               <a:rPr lang="en-US" smtClean="0"/>
-              <a:t>10/30/2019</a:t>
+              <a:t>10/31/2019</a:t>
             </a:fld>
             <a:endParaRPr lang="en-US"/>
           </a:p>
@@ -8967,7 +8963,7 @@
           <a:p>
             <a:fld id="{B9995F3C-CABB-4599-A081-9F420B0EF6A4}" type="datetimeFigureOut">
               <a:rPr lang="en-US" smtClean="0"/>
-              <a:t>10/30/2019</a:t>
+              <a:t>10/31/2019</a:t>
             </a:fld>
             <a:endParaRPr lang="en-US"/>
           </a:p>
@@ -9062,7 +9058,7 @@
           <a:p>
             <a:fld id="{B9995F3C-CABB-4599-A081-9F420B0EF6A4}" type="datetimeFigureOut">
               <a:rPr lang="en-US" smtClean="0"/>
-              <a:t>10/30/2019</a:t>
+              <a:t>10/31/2019</a:t>
             </a:fld>
             <a:endParaRPr lang="en-US"/>
           </a:p>
@@ -10033,7 +10029,7 @@
           <a:p>
             <a:fld id="{B9995F3C-CABB-4599-A081-9F420B0EF6A4}" type="datetimeFigureOut">
               <a:rPr lang="en-US" smtClean="0"/>
-              <a:t>10/30/2019</a:t>
+              <a:t>10/31/2019</a:t>
             </a:fld>
             <a:endParaRPr lang="en-US"/>
           </a:p>
@@ -11028,7 +11024,7 @@
           <a:p>
             <a:fld id="{B9995F3C-CABB-4599-A081-9F420B0EF6A4}" type="datetimeFigureOut">
               <a:rPr lang="en-US" smtClean="0"/>
-              <a:t>10/30/2019</a:t>
+              <a:t>10/31/2019</a:t>
             </a:fld>
             <a:endParaRPr lang="en-US"/>
           </a:p>
@@ -11912,7 +11908,7 @@
           <a:p>
             <a:fld id="{B9995F3C-CABB-4599-A081-9F420B0EF6A4}" type="datetimeFigureOut">
               <a:rPr lang="en-US" smtClean="0"/>
-              <a:t>10/30/2019</a:t>
+              <a:t>10/31/2019</a:t>
             </a:fld>
             <a:endParaRPr lang="en-US"/>
           </a:p>
@@ -12618,8 +12614,8 @@
         </p:nvSpPr>
         <p:spPr>
           <a:xfrm>
-            <a:off x="1154955" y="776494"/>
-            <a:ext cx="8825658" cy="713639"/>
+            <a:off x="1154954" y="776495"/>
+            <a:ext cx="9234185" cy="721566"/>
           </a:xfrm>
         </p:spPr>
         <p:txBody>
@@ -12628,7 +12624,7 @@
           <a:p>
             <a:r>
               <a:rPr lang="ru-RU" sz="4400" dirty="0"/>
-              <a:t>Откуда ноги ростут?</a:t>
+              <a:t>Причины возникновения</a:t>
             </a:r>
             <a:endParaRPr lang="en-US" sz="4400" dirty="0"/>
           </a:p>
@@ -12661,26 +12657,171 @@
           <a:lstStyle/>
           <a:p>
             <a:r>
-              <a:rPr lang="ru-RU" dirty="0"/>
-              <a:t>От </a:t>
-            </a:r>
-            <a:r>
-              <a:rPr lang="en-US" dirty="0"/>
-              <a:t>… Microsoft</a:t>
-            </a:r>
-          </a:p>
-          <a:p>
-            <a:endParaRPr lang="ru-RU" dirty="0"/>
-          </a:p>
-          <a:p>
-            <a:endParaRPr lang="en-US" dirty="0"/>
+              <a:rPr lang="en-US" dirty="0" err="1">
+                <a:latin typeface="Calibri" panose="020F0502020204030204" pitchFamily="34" charset="0"/>
+                <a:cs typeface="Calibri" panose="020F0502020204030204" pitchFamily="34" charset="0"/>
+              </a:rPr>
+              <a:t>Реактивное</a:t>
+            </a:r>
+            <a:r>
+              <a:rPr lang="en-US" dirty="0">
+                <a:latin typeface="Calibri" panose="020F0502020204030204" pitchFamily="34" charset="0"/>
+                <a:cs typeface="Calibri" panose="020F0502020204030204" pitchFamily="34" charset="0"/>
+              </a:rPr>
+              <a:t> </a:t>
+            </a:r>
+            <a:r>
+              <a:rPr lang="en-US" dirty="0" err="1">
+                <a:latin typeface="Calibri" panose="020F0502020204030204" pitchFamily="34" charset="0"/>
+                <a:cs typeface="Calibri" panose="020F0502020204030204" pitchFamily="34" charset="0"/>
+              </a:rPr>
+              <a:t>программирование</a:t>
+            </a:r>
+            <a:r>
+              <a:rPr lang="en-US" dirty="0">
+                <a:latin typeface="Calibri" panose="020F0502020204030204" pitchFamily="34" charset="0"/>
+                <a:cs typeface="Calibri" panose="020F0502020204030204" pitchFamily="34" charset="0"/>
+              </a:rPr>
+              <a:t> </a:t>
+            </a:r>
+            <a:r>
+              <a:rPr lang="en-US" dirty="0" err="1">
+                <a:latin typeface="Calibri" panose="020F0502020204030204" pitchFamily="34" charset="0"/>
+                <a:cs typeface="Calibri" panose="020F0502020204030204" pitchFamily="34" charset="0"/>
+              </a:rPr>
+              <a:t>предлагалось</a:t>
+            </a:r>
+            <a:r>
+              <a:rPr lang="en-US" dirty="0">
+                <a:latin typeface="Calibri" panose="020F0502020204030204" pitchFamily="34" charset="0"/>
+                <a:cs typeface="Calibri" panose="020F0502020204030204" pitchFamily="34" charset="0"/>
+              </a:rPr>
+              <a:t> </a:t>
+            </a:r>
+            <a:r>
+              <a:rPr lang="en-US" dirty="0" err="1">
+                <a:latin typeface="Calibri" panose="020F0502020204030204" pitchFamily="34" charset="0"/>
+                <a:cs typeface="Calibri" panose="020F0502020204030204" pitchFamily="34" charset="0"/>
+              </a:rPr>
+              <a:t>как</a:t>
+            </a:r>
+            <a:r>
+              <a:rPr lang="en-US" dirty="0">
+                <a:latin typeface="Calibri" panose="020F0502020204030204" pitchFamily="34" charset="0"/>
+                <a:cs typeface="Calibri" panose="020F0502020204030204" pitchFamily="34" charset="0"/>
+              </a:rPr>
+              <a:t> </a:t>
+            </a:r>
+            <a:r>
+              <a:rPr lang="en-US" dirty="0" err="1">
+                <a:latin typeface="Calibri" panose="020F0502020204030204" pitchFamily="34" charset="0"/>
+                <a:cs typeface="Calibri" panose="020F0502020204030204" pitchFamily="34" charset="0"/>
+              </a:rPr>
+              <a:t>путь</a:t>
+            </a:r>
+            <a:r>
+              <a:rPr lang="en-US" dirty="0">
+                <a:latin typeface="Calibri" panose="020F0502020204030204" pitchFamily="34" charset="0"/>
+                <a:cs typeface="Calibri" panose="020F0502020204030204" pitchFamily="34" charset="0"/>
+              </a:rPr>
+              <a:t> </a:t>
+            </a:r>
+            <a:r>
+              <a:rPr lang="en-US" dirty="0" err="1">
+                <a:latin typeface="Calibri" panose="020F0502020204030204" pitchFamily="34" charset="0"/>
+                <a:cs typeface="Calibri" panose="020F0502020204030204" pitchFamily="34" charset="0"/>
+              </a:rPr>
+              <a:t>для</a:t>
+            </a:r>
+            <a:r>
+              <a:rPr lang="en-US" dirty="0">
+                <a:latin typeface="Calibri" panose="020F0502020204030204" pitchFamily="34" charset="0"/>
+                <a:cs typeface="Calibri" panose="020F0502020204030204" pitchFamily="34" charset="0"/>
+              </a:rPr>
+              <a:t> </a:t>
+            </a:r>
+            <a:r>
+              <a:rPr lang="en-US" dirty="0" err="1">
+                <a:latin typeface="Calibri" panose="020F0502020204030204" pitchFamily="34" charset="0"/>
+                <a:cs typeface="Calibri" panose="020F0502020204030204" pitchFamily="34" charset="0"/>
+              </a:rPr>
+              <a:t>лёгкого</a:t>
+            </a:r>
+            <a:r>
+              <a:rPr lang="en-US" dirty="0">
+                <a:latin typeface="Calibri" panose="020F0502020204030204" pitchFamily="34" charset="0"/>
+                <a:cs typeface="Calibri" panose="020F0502020204030204" pitchFamily="34" charset="0"/>
+              </a:rPr>
+              <a:t> </a:t>
+            </a:r>
+            <a:r>
+              <a:rPr lang="en-US" dirty="0" err="1">
+                <a:latin typeface="Calibri" panose="020F0502020204030204" pitchFamily="34" charset="0"/>
+                <a:cs typeface="Calibri" panose="020F0502020204030204" pitchFamily="34" charset="0"/>
+              </a:rPr>
+              <a:t>создани</a:t>
+            </a:r>
+            <a:r>
+              <a:rPr lang="ru-RU" dirty="0">
+                <a:latin typeface="Calibri" panose="020F0502020204030204" pitchFamily="34" charset="0"/>
+                <a:cs typeface="Calibri" panose="020F0502020204030204" pitchFamily="34" charset="0"/>
+              </a:rPr>
+              <a:t>я</a:t>
+            </a:r>
+            <a:r>
+              <a:rPr lang="en-US" dirty="0">
+                <a:latin typeface="Calibri" panose="020F0502020204030204" pitchFamily="34" charset="0"/>
+                <a:cs typeface="Calibri" panose="020F0502020204030204" pitchFamily="34" charset="0"/>
+              </a:rPr>
+              <a:t>:</a:t>
+            </a:r>
+          </a:p>
+          <a:p>
+            <a:pPr marL="285750" indent="-285750">
+              <a:buFont typeface="Arial" panose="020B0604020202020204" pitchFamily="34" charset="0"/>
+              <a:buChar char="•"/>
+            </a:pPr>
+            <a:r>
+              <a:rPr lang="en-US" b="1" dirty="0" err="1">
+                <a:latin typeface="Calibri" panose="020F0502020204030204" pitchFamily="34" charset="0"/>
+                <a:cs typeface="Calibri" panose="020F0502020204030204" pitchFamily="34" charset="0"/>
+              </a:rPr>
+              <a:t>пользовательских</a:t>
+            </a:r>
+            <a:r>
+              <a:rPr lang="en-US" b="1" dirty="0">
+                <a:latin typeface="Calibri" panose="020F0502020204030204" pitchFamily="34" charset="0"/>
+                <a:cs typeface="Calibri" panose="020F0502020204030204" pitchFamily="34" charset="0"/>
+              </a:rPr>
+              <a:t> </a:t>
+            </a:r>
+            <a:r>
+              <a:rPr lang="en-US" b="1" dirty="0" err="1">
+                <a:latin typeface="Calibri" panose="020F0502020204030204" pitchFamily="34" charset="0"/>
+                <a:cs typeface="Calibri" panose="020F0502020204030204" pitchFamily="34" charset="0"/>
+              </a:rPr>
+              <a:t>интерфейсов</a:t>
+            </a:r>
+            <a:r>
+              <a:rPr lang="en-US" b="1" dirty="0">
+                <a:latin typeface="Calibri" panose="020F0502020204030204" pitchFamily="34" charset="0"/>
+                <a:cs typeface="Calibri" panose="020F0502020204030204" pitchFamily="34" charset="0"/>
+              </a:rPr>
+              <a:t>.</a:t>
+            </a:r>
+          </a:p>
+          <a:p>
+            <a:endParaRPr lang="en-US" dirty="0">
+              <a:latin typeface="Calibri" panose="020F0502020204030204" pitchFamily="34" charset="0"/>
+              <a:cs typeface="Calibri" panose="020F0502020204030204" pitchFamily="34" charset="0"/>
+            </a:endParaRPr>
           </a:p>
         </p:txBody>
       </p:sp>
     </p:spTree>
     <p:extLst>
       <p:ext uri="{BB962C8B-B14F-4D97-AF65-F5344CB8AC3E}">
-        <p14:creationId xmlns:p14="http://schemas.microsoft.com/office/powerpoint/2010/main" val="2297988432"/>
+        <p14:creationId xmlns:p14="http://schemas.microsoft.com/office/powerpoint/2010/main" val="2057554031"/>
       </p:ext>
     </p:extLst>
   </p:cSld>
@@ -12725,8 +12866,8 @@
         </p:nvSpPr>
         <p:spPr>
           <a:xfrm>
-            <a:off x="1154955" y="776494"/>
-            <a:ext cx="8825658" cy="713639"/>
+            <a:off x="1154954" y="776495"/>
+            <a:ext cx="9234185" cy="721566"/>
           </a:xfrm>
         </p:spPr>
         <p:txBody>
@@ -12735,7 +12876,7 @@
           <a:p>
             <a:r>
               <a:rPr lang="ru-RU" sz="4400" dirty="0"/>
-              <a:t>Откуда ноги ростут?</a:t>
+              <a:t>Причины возникновения</a:t>
             </a:r>
             <a:endParaRPr lang="en-US" sz="4400" dirty="0"/>
           </a:p>
@@ -12768,42 +12909,192 @@
           <a:lstStyle/>
           <a:p>
             <a:r>
-              <a:rPr lang="ru-RU" dirty="0"/>
-              <a:t>От </a:t>
-            </a:r>
-            <a:r>
-              <a:rPr lang="en-US" dirty="0"/>
-              <a:t>… Microsoft</a:t>
-            </a:r>
-          </a:p>
-          <a:p>
-            <a:r>
-              <a:rPr lang="ru-RU" dirty="0"/>
-              <a:t>А именно эрик мейер. </a:t>
-            </a:r>
-          </a:p>
-          <a:p>
-            <a:r>
-              <a:rPr lang="ru-RU" dirty="0"/>
-              <a:t>Он же занимался созданием </a:t>
-            </a:r>
-            <a:r>
-              <a:rPr lang="en-US" dirty="0"/>
-              <a:t>LINQ.</a:t>
-            </a:r>
-          </a:p>
-          <a:p>
-            <a:endParaRPr lang="ru-RU" dirty="0"/>
-          </a:p>
-          <a:p>
-            <a:endParaRPr lang="en-US" dirty="0"/>
+              <a:rPr lang="en-US" dirty="0" err="1">
+                <a:latin typeface="Calibri" panose="020F0502020204030204" pitchFamily="34" charset="0"/>
+                <a:cs typeface="Calibri" panose="020F0502020204030204" pitchFamily="34" charset="0"/>
+              </a:rPr>
+              <a:t>Реактивное</a:t>
+            </a:r>
+            <a:r>
+              <a:rPr lang="en-US" dirty="0">
+                <a:latin typeface="Calibri" panose="020F0502020204030204" pitchFamily="34" charset="0"/>
+                <a:cs typeface="Calibri" panose="020F0502020204030204" pitchFamily="34" charset="0"/>
+              </a:rPr>
+              <a:t> </a:t>
+            </a:r>
+            <a:r>
+              <a:rPr lang="en-US" dirty="0" err="1">
+                <a:latin typeface="Calibri" panose="020F0502020204030204" pitchFamily="34" charset="0"/>
+                <a:cs typeface="Calibri" panose="020F0502020204030204" pitchFamily="34" charset="0"/>
+              </a:rPr>
+              <a:t>программирование</a:t>
+            </a:r>
+            <a:r>
+              <a:rPr lang="en-US" dirty="0">
+                <a:latin typeface="Calibri" panose="020F0502020204030204" pitchFamily="34" charset="0"/>
+                <a:cs typeface="Calibri" panose="020F0502020204030204" pitchFamily="34" charset="0"/>
+              </a:rPr>
+              <a:t> </a:t>
+            </a:r>
+            <a:r>
+              <a:rPr lang="en-US" dirty="0" err="1">
+                <a:latin typeface="Calibri" panose="020F0502020204030204" pitchFamily="34" charset="0"/>
+                <a:cs typeface="Calibri" panose="020F0502020204030204" pitchFamily="34" charset="0"/>
+              </a:rPr>
+              <a:t>предлагалось</a:t>
+            </a:r>
+            <a:r>
+              <a:rPr lang="en-US" dirty="0">
+                <a:latin typeface="Calibri" panose="020F0502020204030204" pitchFamily="34" charset="0"/>
+                <a:cs typeface="Calibri" panose="020F0502020204030204" pitchFamily="34" charset="0"/>
+              </a:rPr>
+              <a:t> </a:t>
+            </a:r>
+            <a:r>
+              <a:rPr lang="en-US" dirty="0" err="1">
+                <a:latin typeface="Calibri" panose="020F0502020204030204" pitchFamily="34" charset="0"/>
+                <a:cs typeface="Calibri" panose="020F0502020204030204" pitchFamily="34" charset="0"/>
+              </a:rPr>
+              <a:t>как</a:t>
+            </a:r>
+            <a:r>
+              <a:rPr lang="en-US" dirty="0">
+                <a:latin typeface="Calibri" panose="020F0502020204030204" pitchFamily="34" charset="0"/>
+                <a:cs typeface="Calibri" panose="020F0502020204030204" pitchFamily="34" charset="0"/>
+              </a:rPr>
+              <a:t> </a:t>
+            </a:r>
+            <a:r>
+              <a:rPr lang="en-US" dirty="0" err="1">
+                <a:latin typeface="Calibri" panose="020F0502020204030204" pitchFamily="34" charset="0"/>
+                <a:cs typeface="Calibri" panose="020F0502020204030204" pitchFamily="34" charset="0"/>
+              </a:rPr>
+              <a:t>путь</a:t>
+            </a:r>
+            <a:r>
+              <a:rPr lang="en-US" dirty="0">
+                <a:latin typeface="Calibri" panose="020F0502020204030204" pitchFamily="34" charset="0"/>
+                <a:cs typeface="Calibri" panose="020F0502020204030204" pitchFamily="34" charset="0"/>
+              </a:rPr>
+              <a:t> </a:t>
+            </a:r>
+            <a:r>
+              <a:rPr lang="en-US" dirty="0" err="1">
+                <a:latin typeface="Calibri" panose="020F0502020204030204" pitchFamily="34" charset="0"/>
+                <a:cs typeface="Calibri" panose="020F0502020204030204" pitchFamily="34" charset="0"/>
+              </a:rPr>
+              <a:t>для</a:t>
+            </a:r>
+            <a:r>
+              <a:rPr lang="en-US" dirty="0">
+                <a:latin typeface="Calibri" panose="020F0502020204030204" pitchFamily="34" charset="0"/>
+                <a:cs typeface="Calibri" panose="020F0502020204030204" pitchFamily="34" charset="0"/>
+              </a:rPr>
+              <a:t> </a:t>
+            </a:r>
+            <a:r>
+              <a:rPr lang="en-US" dirty="0" err="1">
+                <a:latin typeface="Calibri" panose="020F0502020204030204" pitchFamily="34" charset="0"/>
+                <a:cs typeface="Calibri" panose="020F0502020204030204" pitchFamily="34" charset="0"/>
+              </a:rPr>
+              <a:t>лёгкого</a:t>
+            </a:r>
+            <a:r>
+              <a:rPr lang="en-US" dirty="0">
+                <a:latin typeface="Calibri" panose="020F0502020204030204" pitchFamily="34" charset="0"/>
+                <a:cs typeface="Calibri" panose="020F0502020204030204" pitchFamily="34" charset="0"/>
+              </a:rPr>
+              <a:t> </a:t>
+            </a:r>
+            <a:r>
+              <a:rPr lang="en-US" dirty="0" err="1">
+                <a:latin typeface="Calibri" panose="020F0502020204030204" pitchFamily="34" charset="0"/>
+                <a:cs typeface="Calibri" panose="020F0502020204030204" pitchFamily="34" charset="0"/>
+              </a:rPr>
+              <a:t>создани</a:t>
+            </a:r>
+            <a:r>
+              <a:rPr lang="ru-RU" dirty="0">
+                <a:latin typeface="Calibri" panose="020F0502020204030204" pitchFamily="34" charset="0"/>
+                <a:cs typeface="Calibri" panose="020F0502020204030204" pitchFamily="34" charset="0"/>
+              </a:rPr>
+              <a:t>я</a:t>
+            </a:r>
+            <a:r>
+              <a:rPr lang="en-US" dirty="0">
+                <a:latin typeface="Calibri" panose="020F0502020204030204" pitchFamily="34" charset="0"/>
+                <a:cs typeface="Calibri" panose="020F0502020204030204" pitchFamily="34" charset="0"/>
+              </a:rPr>
+              <a:t>:</a:t>
+            </a:r>
+          </a:p>
+          <a:p>
+            <a:pPr marL="285750" indent="-285750">
+              <a:buFont typeface="Arial" panose="020B0604020202020204" pitchFamily="34" charset="0"/>
+              <a:buChar char="•"/>
+            </a:pPr>
+            <a:r>
+              <a:rPr lang="en-US" sz="1400" dirty="0" err="1">
+                <a:latin typeface="Calibri" panose="020F0502020204030204" pitchFamily="34" charset="0"/>
+                <a:cs typeface="Calibri" panose="020F0502020204030204" pitchFamily="34" charset="0"/>
+              </a:rPr>
+              <a:t>пользовательских</a:t>
+            </a:r>
+            <a:r>
+              <a:rPr lang="en-US" sz="1400" dirty="0">
+                <a:latin typeface="Calibri" panose="020F0502020204030204" pitchFamily="34" charset="0"/>
+                <a:cs typeface="Calibri" panose="020F0502020204030204" pitchFamily="34" charset="0"/>
+              </a:rPr>
+              <a:t> </a:t>
+            </a:r>
+            <a:r>
+              <a:rPr lang="en-US" sz="1400" dirty="0" err="1">
+                <a:latin typeface="Calibri" panose="020F0502020204030204" pitchFamily="34" charset="0"/>
+                <a:cs typeface="Calibri" panose="020F0502020204030204" pitchFamily="34" charset="0"/>
+              </a:rPr>
+              <a:t>интерфейсов</a:t>
+            </a:r>
+            <a:r>
+              <a:rPr lang="en-US" sz="1400" dirty="0">
+                <a:latin typeface="Calibri" panose="020F0502020204030204" pitchFamily="34" charset="0"/>
+                <a:cs typeface="Calibri" panose="020F0502020204030204" pitchFamily="34" charset="0"/>
+              </a:rPr>
+              <a:t>.</a:t>
+            </a:r>
+          </a:p>
+          <a:p>
+            <a:pPr marL="285750" indent="-285750">
+              <a:buFont typeface="Arial" panose="020B0604020202020204" pitchFamily="34" charset="0"/>
+              <a:buChar char="•"/>
+            </a:pPr>
+            <a:r>
+              <a:rPr lang="ru-RU" b="1" dirty="0">
+                <a:latin typeface="Calibri" panose="020F0502020204030204" pitchFamily="34" charset="0"/>
+                <a:cs typeface="Calibri" panose="020F0502020204030204" pitchFamily="34" charset="0"/>
+              </a:rPr>
+              <a:t>А</a:t>
+            </a:r>
+            <a:r>
+              <a:rPr lang="en-US" b="1" dirty="0" err="1">
+                <a:latin typeface="Calibri" panose="020F0502020204030204" pitchFamily="34" charset="0"/>
+                <a:cs typeface="Calibri" panose="020F0502020204030204" pitchFamily="34" charset="0"/>
+              </a:rPr>
+              <a:t>нимации</a:t>
+            </a:r>
+            <a:r>
+              <a:rPr lang="en-US" b="1" dirty="0">
+                <a:latin typeface="Calibri" panose="020F0502020204030204" pitchFamily="34" charset="0"/>
+                <a:cs typeface="Calibri" panose="020F0502020204030204" pitchFamily="34" charset="0"/>
+              </a:rPr>
+              <a:t>.</a:t>
+            </a:r>
           </a:p>
         </p:txBody>
       </p:sp>
     </p:spTree>
     <p:extLst>
       <p:ext uri="{BB962C8B-B14F-4D97-AF65-F5344CB8AC3E}">
-        <p14:creationId xmlns:p14="http://schemas.microsoft.com/office/powerpoint/2010/main" val="1767948898"/>
+        <p14:creationId xmlns:p14="http://schemas.microsoft.com/office/powerpoint/2010/main" val="4115716075"/>
       </p:ext>
     </p:extLst>
   </p:cSld>
@@ -12848,8 +13139,8 @@
         </p:nvSpPr>
         <p:spPr>
           <a:xfrm>
-            <a:off x="1154955" y="776494"/>
-            <a:ext cx="8825658" cy="713639"/>
+            <a:off x="1154954" y="776495"/>
+            <a:ext cx="9234185" cy="721566"/>
           </a:xfrm>
         </p:spPr>
         <p:txBody>
@@ -12858,7 +13149,7 @@
           <a:p>
             <a:r>
               <a:rPr lang="ru-RU" sz="4400" dirty="0"/>
-              <a:t>Что такое push и pull модели? </a:t>
+              <a:t>Причины возникновения</a:t>
             </a:r>
             <a:endParaRPr lang="en-US" sz="4400" dirty="0"/>
           </a:p>
@@ -12890,14 +13181,275 @@
           <a:bodyPr/>
           <a:lstStyle/>
           <a:p>
-            <a:endParaRPr lang="en-US" dirty="0"/>
+            <a:r>
+              <a:rPr lang="en-US" dirty="0" err="1">
+                <a:latin typeface="Calibri" panose="020F0502020204030204" pitchFamily="34" charset="0"/>
+                <a:cs typeface="Calibri" panose="020F0502020204030204" pitchFamily="34" charset="0"/>
+              </a:rPr>
+              <a:t>Реактивное</a:t>
+            </a:r>
+            <a:r>
+              <a:rPr lang="en-US" dirty="0">
+                <a:latin typeface="Calibri" panose="020F0502020204030204" pitchFamily="34" charset="0"/>
+                <a:cs typeface="Calibri" panose="020F0502020204030204" pitchFamily="34" charset="0"/>
+              </a:rPr>
+              <a:t> </a:t>
+            </a:r>
+            <a:r>
+              <a:rPr lang="en-US" dirty="0" err="1">
+                <a:latin typeface="Calibri" panose="020F0502020204030204" pitchFamily="34" charset="0"/>
+                <a:cs typeface="Calibri" panose="020F0502020204030204" pitchFamily="34" charset="0"/>
+              </a:rPr>
+              <a:t>программирование</a:t>
+            </a:r>
+            <a:r>
+              <a:rPr lang="en-US" dirty="0">
+                <a:latin typeface="Calibri" panose="020F0502020204030204" pitchFamily="34" charset="0"/>
+                <a:cs typeface="Calibri" panose="020F0502020204030204" pitchFamily="34" charset="0"/>
+              </a:rPr>
+              <a:t> </a:t>
+            </a:r>
+            <a:r>
+              <a:rPr lang="en-US" dirty="0" err="1">
+                <a:latin typeface="Calibri" panose="020F0502020204030204" pitchFamily="34" charset="0"/>
+                <a:cs typeface="Calibri" panose="020F0502020204030204" pitchFamily="34" charset="0"/>
+              </a:rPr>
+              <a:t>предлагалось</a:t>
+            </a:r>
+            <a:r>
+              <a:rPr lang="en-US" dirty="0">
+                <a:latin typeface="Calibri" panose="020F0502020204030204" pitchFamily="34" charset="0"/>
+                <a:cs typeface="Calibri" panose="020F0502020204030204" pitchFamily="34" charset="0"/>
+              </a:rPr>
+              <a:t> </a:t>
+            </a:r>
+            <a:r>
+              <a:rPr lang="en-US" dirty="0" err="1">
+                <a:latin typeface="Calibri" panose="020F0502020204030204" pitchFamily="34" charset="0"/>
+                <a:cs typeface="Calibri" panose="020F0502020204030204" pitchFamily="34" charset="0"/>
+              </a:rPr>
+              <a:t>как</a:t>
+            </a:r>
+            <a:r>
+              <a:rPr lang="en-US" dirty="0">
+                <a:latin typeface="Calibri" panose="020F0502020204030204" pitchFamily="34" charset="0"/>
+                <a:cs typeface="Calibri" panose="020F0502020204030204" pitchFamily="34" charset="0"/>
+              </a:rPr>
+              <a:t> </a:t>
+            </a:r>
+            <a:r>
+              <a:rPr lang="en-US" dirty="0" err="1">
+                <a:latin typeface="Calibri" panose="020F0502020204030204" pitchFamily="34" charset="0"/>
+                <a:cs typeface="Calibri" panose="020F0502020204030204" pitchFamily="34" charset="0"/>
+              </a:rPr>
+              <a:t>путь</a:t>
+            </a:r>
+            <a:r>
+              <a:rPr lang="en-US" dirty="0">
+                <a:latin typeface="Calibri" panose="020F0502020204030204" pitchFamily="34" charset="0"/>
+                <a:cs typeface="Calibri" panose="020F0502020204030204" pitchFamily="34" charset="0"/>
+              </a:rPr>
+              <a:t> </a:t>
+            </a:r>
+            <a:r>
+              <a:rPr lang="en-US" dirty="0" err="1">
+                <a:latin typeface="Calibri" panose="020F0502020204030204" pitchFamily="34" charset="0"/>
+                <a:cs typeface="Calibri" panose="020F0502020204030204" pitchFamily="34" charset="0"/>
+              </a:rPr>
+              <a:t>для</a:t>
+            </a:r>
+            <a:r>
+              <a:rPr lang="en-US" dirty="0">
+                <a:latin typeface="Calibri" panose="020F0502020204030204" pitchFamily="34" charset="0"/>
+                <a:cs typeface="Calibri" panose="020F0502020204030204" pitchFamily="34" charset="0"/>
+              </a:rPr>
+              <a:t> </a:t>
+            </a:r>
+            <a:r>
+              <a:rPr lang="en-US" dirty="0" err="1">
+                <a:latin typeface="Calibri" panose="020F0502020204030204" pitchFamily="34" charset="0"/>
+                <a:cs typeface="Calibri" panose="020F0502020204030204" pitchFamily="34" charset="0"/>
+              </a:rPr>
+              <a:t>лёгкого</a:t>
+            </a:r>
+            <a:r>
+              <a:rPr lang="en-US" dirty="0">
+                <a:latin typeface="Calibri" panose="020F0502020204030204" pitchFamily="34" charset="0"/>
+                <a:cs typeface="Calibri" panose="020F0502020204030204" pitchFamily="34" charset="0"/>
+              </a:rPr>
+              <a:t> </a:t>
+            </a:r>
+            <a:r>
+              <a:rPr lang="en-US" dirty="0" err="1">
+                <a:latin typeface="Calibri" panose="020F0502020204030204" pitchFamily="34" charset="0"/>
+                <a:cs typeface="Calibri" panose="020F0502020204030204" pitchFamily="34" charset="0"/>
+              </a:rPr>
+              <a:t>создани</a:t>
+            </a:r>
+            <a:r>
+              <a:rPr lang="ru-RU" dirty="0">
+                <a:latin typeface="Calibri" panose="020F0502020204030204" pitchFamily="34" charset="0"/>
+                <a:cs typeface="Calibri" panose="020F0502020204030204" pitchFamily="34" charset="0"/>
+              </a:rPr>
+              <a:t>я</a:t>
+            </a:r>
+            <a:r>
+              <a:rPr lang="en-US" dirty="0">
+                <a:latin typeface="Calibri" panose="020F0502020204030204" pitchFamily="34" charset="0"/>
+                <a:cs typeface="Calibri" panose="020F0502020204030204" pitchFamily="34" charset="0"/>
+              </a:rPr>
+              <a:t>:</a:t>
+            </a:r>
+          </a:p>
+          <a:p>
+            <a:pPr marL="285750" indent="-285750">
+              <a:buFont typeface="Arial" panose="020B0604020202020204" pitchFamily="34" charset="0"/>
+              <a:buChar char="•"/>
+            </a:pPr>
+            <a:r>
+              <a:rPr lang="en-US" sz="1400" dirty="0" err="1">
+                <a:latin typeface="Calibri" panose="020F0502020204030204" pitchFamily="34" charset="0"/>
+                <a:cs typeface="Calibri" panose="020F0502020204030204" pitchFamily="34" charset="0"/>
+              </a:rPr>
+              <a:t>пользовательских</a:t>
+            </a:r>
+            <a:r>
+              <a:rPr lang="en-US" sz="1400" dirty="0">
+                <a:latin typeface="Calibri" panose="020F0502020204030204" pitchFamily="34" charset="0"/>
+                <a:cs typeface="Calibri" panose="020F0502020204030204" pitchFamily="34" charset="0"/>
+              </a:rPr>
+              <a:t> </a:t>
+            </a:r>
+            <a:r>
+              <a:rPr lang="en-US" sz="1400" dirty="0" err="1">
+                <a:latin typeface="Calibri" panose="020F0502020204030204" pitchFamily="34" charset="0"/>
+                <a:cs typeface="Calibri" panose="020F0502020204030204" pitchFamily="34" charset="0"/>
+              </a:rPr>
+              <a:t>интерфейсов</a:t>
+            </a:r>
+            <a:r>
+              <a:rPr lang="en-US" sz="1400" dirty="0">
+                <a:latin typeface="Calibri" panose="020F0502020204030204" pitchFamily="34" charset="0"/>
+                <a:cs typeface="Calibri" panose="020F0502020204030204" pitchFamily="34" charset="0"/>
+              </a:rPr>
+              <a:t>.</a:t>
+            </a:r>
+          </a:p>
+          <a:p>
+            <a:pPr marL="285750" indent="-285750">
+              <a:buFont typeface="Arial" panose="020B0604020202020204" pitchFamily="34" charset="0"/>
+              <a:buChar char="•"/>
+            </a:pPr>
+            <a:r>
+              <a:rPr lang="ru-RU" sz="1400" dirty="0">
+                <a:latin typeface="Calibri" panose="020F0502020204030204" pitchFamily="34" charset="0"/>
+                <a:cs typeface="Calibri" panose="020F0502020204030204" pitchFamily="34" charset="0"/>
+              </a:rPr>
+              <a:t>А</a:t>
+            </a:r>
+            <a:r>
+              <a:rPr lang="en-US" sz="1400" dirty="0" err="1">
+                <a:latin typeface="Calibri" panose="020F0502020204030204" pitchFamily="34" charset="0"/>
+                <a:cs typeface="Calibri" panose="020F0502020204030204" pitchFamily="34" charset="0"/>
+              </a:rPr>
+              <a:t>нимации</a:t>
+            </a:r>
+            <a:r>
+              <a:rPr lang="en-US" sz="1400" dirty="0">
+                <a:latin typeface="Calibri" panose="020F0502020204030204" pitchFamily="34" charset="0"/>
+                <a:cs typeface="Calibri" panose="020F0502020204030204" pitchFamily="34" charset="0"/>
+              </a:rPr>
+              <a:t>.</a:t>
+            </a:r>
+          </a:p>
+          <a:p>
+            <a:pPr marL="285750" indent="-285750">
+              <a:buFont typeface="Arial" panose="020B0604020202020204" pitchFamily="34" charset="0"/>
+              <a:buChar char="•"/>
+            </a:pPr>
+            <a:r>
+              <a:rPr lang="en-US" b="1" dirty="0" err="1">
+                <a:latin typeface="Calibri" panose="020F0502020204030204" pitchFamily="34" charset="0"/>
+                <a:cs typeface="Calibri" panose="020F0502020204030204" pitchFamily="34" charset="0"/>
+              </a:rPr>
+              <a:t>моделирования</a:t>
+            </a:r>
+            <a:r>
+              <a:rPr lang="en-US" b="1" dirty="0">
+                <a:latin typeface="Calibri" panose="020F0502020204030204" pitchFamily="34" charset="0"/>
+                <a:cs typeface="Calibri" panose="020F0502020204030204" pitchFamily="34" charset="0"/>
+              </a:rPr>
+              <a:t> </a:t>
+            </a:r>
+            <a:r>
+              <a:rPr lang="en-US" b="1" dirty="0" err="1">
+                <a:latin typeface="Calibri" panose="020F0502020204030204" pitchFamily="34" charset="0"/>
+                <a:cs typeface="Calibri" panose="020F0502020204030204" pitchFamily="34" charset="0"/>
+              </a:rPr>
+              <a:t>систем</a:t>
+            </a:r>
+            <a:r>
+              <a:rPr lang="en-US" b="1" dirty="0">
+                <a:latin typeface="Calibri" panose="020F0502020204030204" pitchFamily="34" charset="0"/>
+                <a:cs typeface="Calibri" panose="020F0502020204030204" pitchFamily="34" charset="0"/>
+              </a:rPr>
+              <a:t>, </a:t>
+            </a:r>
+            <a:r>
+              <a:rPr lang="en-US" b="1" dirty="0" err="1">
+                <a:latin typeface="Calibri" panose="020F0502020204030204" pitchFamily="34" charset="0"/>
+                <a:cs typeface="Calibri" panose="020F0502020204030204" pitchFamily="34" charset="0"/>
+              </a:rPr>
+              <a:t>изменяющихся</a:t>
+            </a:r>
+            <a:r>
+              <a:rPr lang="en-US" b="1" dirty="0">
+                <a:latin typeface="Calibri" panose="020F0502020204030204" pitchFamily="34" charset="0"/>
+                <a:cs typeface="Calibri" panose="020F0502020204030204" pitchFamily="34" charset="0"/>
+              </a:rPr>
+              <a:t> </a:t>
+            </a:r>
+            <a:r>
+              <a:rPr lang="en-US" b="1" dirty="0" err="1">
+                <a:latin typeface="Calibri" panose="020F0502020204030204" pitchFamily="34" charset="0"/>
+                <a:cs typeface="Calibri" panose="020F0502020204030204" pitchFamily="34" charset="0"/>
+              </a:rPr>
+              <a:t>во</a:t>
+            </a:r>
+            <a:r>
+              <a:rPr lang="en-US" b="1" dirty="0">
+                <a:latin typeface="Calibri" panose="020F0502020204030204" pitchFamily="34" charset="0"/>
+                <a:cs typeface="Calibri" panose="020F0502020204030204" pitchFamily="34" charset="0"/>
+              </a:rPr>
+              <a:t> </a:t>
+            </a:r>
+            <a:r>
+              <a:rPr lang="en-US" b="1" dirty="0" err="1">
+                <a:latin typeface="Calibri" panose="020F0502020204030204" pitchFamily="34" charset="0"/>
+                <a:cs typeface="Calibri" panose="020F0502020204030204" pitchFamily="34" charset="0"/>
+              </a:rPr>
+              <a:t>времени</a:t>
+            </a:r>
+            <a:r>
+              <a:rPr lang="en-US" b="1" dirty="0">
+                <a:latin typeface="Calibri" panose="020F0502020204030204" pitchFamily="34" charset="0"/>
+                <a:cs typeface="Calibri" panose="020F0502020204030204" pitchFamily="34" charset="0"/>
+              </a:rPr>
+              <a:t>.</a:t>
+            </a:r>
+          </a:p>
+          <a:p>
+            <a:endParaRPr lang="en-US" dirty="0">
+              <a:latin typeface="Calibri" panose="020F0502020204030204" pitchFamily="34" charset="0"/>
+              <a:cs typeface="Calibri" panose="020F0502020204030204" pitchFamily="34" charset="0"/>
+            </a:endParaRPr>
           </a:p>
         </p:txBody>
       </p:sp>
     </p:spTree>
     <p:extLst>
       <p:ext uri="{BB962C8B-B14F-4D97-AF65-F5344CB8AC3E}">
-        <p14:creationId xmlns:p14="http://schemas.microsoft.com/office/powerpoint/2010/main" val="2798364437"/>
+        <p14:creationId xmlns:p14="http://schemas.microsoft.com/office/powerpoint/2010/main" val="1022032611"/>
       </p:ext>
     </p:extLst>
   </p:cSld>
@@ -12942,8 +13494,8 @@
         </p:nvSpPr>
         <p:spPr>
           <a:xfrm>
-            <a:off x="1154955" y="776494"/>
-            <a:ext cx="8825658" cy="713639"/>
+            <a:off x="4151950" y="3072180"/>
+            <a:ext cx="3888100" cy="713639"/>
           </a:xfrm>
         </p:spPr>
         <p:txBody>
@@ -12951,59 +13503,25 @@
           <a:lstStyle/>
           <a:p>
             <a:r>
-              <a:rPr lang="en-US" sz="4400" dirty="0" err="1"/>
-              <a:t>IEnumerable</a:t>
+              <a:rPr lang="ru-RU" sz="4400" dirty="0"/>
+              <a:t>push </a:t>
             </a:r>
             <a:r>
               <a:rPr lang="en-US" sz="4400" dirty="0"/>
-              <a:t> vs </a:t>
-            </a:r>
-            <a:r>
-              <a:rPr lang="en-US" sz="4400" dirty="0" err="1"/>
-              <a:t>IObservable</a:t>
+              <a:t>/</a:t>
             </a:r>
             <a:r>
               <a:rPr lang="ru-RU" sz="4400" dirty="0"/>
-              <a:t>?</a:t>
+              <a:t> pull</a:t>
             </a:r>
             <a:endParaRPr lang="en-US" sz="4400" dirty="0"/>
-          </a:p>
-        </p:txBody>
-      </p:sp>
-      <p:sp>
-        <p:nvSpPr>
-          <p:cNvPr id="3" name="Subtitle 2">
-            <a:extLst>
-              <a:ext uri="{FF2B5EF4-FFF2-40B4-BE49-F238E27FC236}">
-                <a16:creationId xmlns:a16="http://schemas.microsoft.com/office/drawing/2014/main" id="{60C395F4-B5A3-4F2F-855A-0006FCE96DD0}"/>
-              </a:ext>
-            </a:extLst>
-          </p:cNvPr>
-          <p:cNvSpPr>
-            <a:spLocks noGrp="1"/>
-          </p:cNvSpPr>
-          <p:nvPr>
-            <p:ph type="subTitle" idx="1"/>
-          </p:nvPr>
-        </p:nvSpPr>
-        <p:spPr>
-          <a:xfrm>
-            <a:off x="1154955" y="2861733"/>
-            <a:ext cx="8825658" cy="2777067"/>
-          </a:xfrm>
-        </p:spPr>
-        <p:txBody>
-          <a:bodyPr/>
-          <a:lstStyle/>
-          <a:p>
-            <a:endParaRPr lang="en-US" dirty="0"/>
           </a:p>
         </p:txBody>
       </p:sp>
     </p:spTree>
     <p:extLst>
       <p:ext uri="{BB962C8B-B14F-4D97-AF65-F5344CB8AC3E}">
-        <p14:creationId xmlns:p14="http://schemas.microsoft.com/office/powerpoint/2010/main" val="1985818148"/>
+        <p14:creationId xmlns:p14="http://schemas.microsoft.com/office/powerpoint/2010/main" val="2798364437"/>
       </p:ext>
     </p:extLst>
   </p:cSld>
@@ -13057,10 +13575,9 @@
           <a:lstStyle/>
           <a:p>
             <a:r>
-              <a:rPr lang="ru-RU" sz="4400" dirty="0"/>
-              <a:t>Что такое паттерн Итератор?</a:t>
-            </a:r>
-            <a:endParaRPr lang="en-US" sz="4400" dirty="0"/>
+              <a:rPr lang="en-US" sz="4400" dirty="0"/>
+              <a:t>Pull</a:t>
+            </a:r>
           </a:p>
         </p:txBody>
       </p:sp>
@@ -13090,14 +13607,52 @@
           <a:bodyPr/>
           <a:lstStyle/>
           <a:p>
-            <a:endParaRPr lang="en-US" dirty="0"/>
+            <a:r>
+              <a:rPr lang="ru-RU" dirty="0">
+                <a:latin typeface="Calibri" panose="020F0502020204030204" pitchFamily="34" charset="0"/>
+                <a:cs typeface="Calibri" panose="020F0502020204030204" pitchFamily="34" charset="0"/>
+              </a:rPr>
+              <a:t>объект </a:t>
+            </a:r>
+            <a:r>
+              <a:rPr lang="ru-RU" sz="2400" b="1" dirty="0">
+                <a:latin typeface="Calibri" panose="020F0502020204030204" pitchFamily="34" charset="0"/>
+                <a:cs typeface="Calibri" panose="020F0502020204030204" pitchFamily="34" charset="0"/>
+              </a:rPr>
+              <a:t>A </a:t>
+            </a:r>
+            <a:r>
+              <a:rPr lang="ru-RU" dirty="0">
+                <a:latin typeface="Calibri" panose="020F0502020204030204" pitchFamily="34" charset="0"/>
+                <a:cs typeface="Calibri" panose="020F0502020204030204" pitchFamily="34" charset="0"/>
+              </a:rPr>
+              <a:t>взаимодействует с объектом </a:t>
+            </a:r>
+            <a:r>
+              <a:rPr lang="ru-RU" sz="2400" b="1" dirty="0">
+                <a:latin typeface="Calibri" panose="020F0502020204030204" pitchFamily="34" charset="0"/>
+                <a:cs typeface="Calibri" panose="020F0502020204030204" pitchFamily="34" charset="0"/>
+              </a:rPr>
+              <a:t>B</a:t>
+            </a:r>
+            <a:r>
+              <a:rPr lang="ru-RU" dirty="0">
+                <a:latin typeface="Calibri" panose="020F0502020204030204" pitchFamily="34" charset="0"/>
+                <a:cs typeface="Calibri" panose="020F0502020204030204" pitchFamily="34" charset="0"/>
+              </a:rPr>
+              <a:t> и получает (вытягивает) у него необходимые данные</a:t>
+            </a:r>
+            <a:endParaRPr lang="en-US" dirty="0">
+              <a:latin typeface="Calibri" panose="020F0502020204030204" pitchFamily="34" charset="0"/>
+              <a:cs typeface="Calibri" panose="020F0502020204030204" pitchFamily="34" charset="0"/>
+            </a:endParaRPr>
           </a:p>
         </p:txBody>
       </p:sp>
     </p:spTree>
     <p:extLst>
       <p:ext uri="{BB962C8B-B14F-4D97-AF65-F5344CB8AC3E}">
-        <p14:creationId xmlns:p14="http://schemas.microsoft.com/office/powerpoint/2010/main" val="2414369664"/>
+        <p14:creationId xmlns:p14="http://schemas.microsoft.com/office/powerpoint/2010/main" val="3672086292"/>
       </p:ext>
     </p:extLst>
   </p:cSld>
@@ -13143,7 +13698,7 @@
         <p:spPr>
           <a:xfrm>
             <a:off x="1154955" y="776494"/>
-            <a:ext cx="8825658" cy="1365573"/>
+            <a:ext cx="8825658" cy="713639"/>
           </a:xfrm>
         </p:spPr>
         <p:txBody>
@@ -13151,10 +13706,9 @@
           <a:lstStyle/>
           <a:p>
             <a:r>
-              <a:rPr lang="ru-RU" sz="4400" dirty="0"/>
-              <a:t>Что такое паттерн Наблюдатель?</a:t>
-            </a:r>
-            <a:endParaRPr lang="en-US" sz="4400" dirty="0"/>
+              <a:rPr lang="en-US" sz="4400" dirty="0"/>
+              <a:t>Push</a:t>
+            </a:r>
           </a:p>
         </p:txBody>
       </p:sp>
@@ -13184,14 +13738,24 @@
           <a:bodyPr/>
           <a:lstStyle/>
           <a:p>
-            <a:endParaRPr lang="en-US" dirty="0"/>
+            <a:r>
+              <a:rPr lang="ru-RU" dirty="0">
+                <a:latin typeface="Calibri" panose="020F0502020204030204" pitchFamily="34" charset="0"/>
+                <a:cs typeface="Calibri" panose="020F0502020204030204" pitchFamily="34" charset="0"/>
+              </a:rPr>
+              <a:t>«Принцип Голливуда» (Hollywood Principle) – «Не звоните нам, мы сами вам позвоним» (Don't call us, we'll call you)</a:t>
+            </a:r>
+            <a:endParaRPr lang="en-US" dirty="0">
+              <a:latin typeface="Calibri" panose="020F0502020204030204" pitchFamily="34" charset="0"/>
+              <a:cs typeface="Calibri" panose="020F0502020204030204" pitchFamily="34" charset="0"/>
+            </a:endParaRPr>
           </a:p>
         </p:txBody>
       </p:sp>
     </p:spTree>
     <p:extLst>
       <p:ext uri="{BB962C8B-B14F-4D97-AF65-F5344CB8AC3E}">
-        <p14:creationId xmlns:p14="http://schemas.microsoft.com/office/powerpoint/2010/main" val="2634787251"/>
+        <p14:creationId xmlns:p14="http://schemas.microsoft.com/office/powerpoint/2010/main" val="2414369664"/>
       </p:ext>
     </p:extLst>
   </p:cSld>
@@ -13236,7 +13800,7 @@
         </p:nvSpPr>
         <p:spPr>
           <a:xfrm>
-            <a:off x="1154955" y="776494"/>
+            <a:off x="1683171" y="3072180"/>
             <a:ext cx="8825658" cy="713639"/>
           </a:xfrm>
         </p:spPr>
@@ -13245,49 +13809,25 @@
           <a:lstStyle/>
           <a:p>
             <a:r>
+              <a:rPr lang="en-US" sz="4400" dirty="0" err="1"/>
+              <a:t>IEnumerable</a:t>
+            </a:r>
+            <a:r>
               <a:rPr lang="en-US" sz="4400" dirty="0"/>
-              <a:t>Rx Pattern</a:t>
-            </a:r>
-          </a:p>
-        </p:txBody>
-      </p:sp>
-      <p:sp>
-        <p:nvSpPr>
-          <p:cNvPr id="3" name="Subtitle 2">
-            <a:extLst>
-              <a:ext uri="{FF2B5EF4-FFF2-40B4-BE49-F238E27FC236}">
-                <a16:creationId xmlns:a16="http://schemas.microsoft.com/office/drawing/2014/main" id="{60C395F4-B5A3-4F2F-855A-0006FCE96DD0}"/>
-              </a:ext>
-            </a:extLst>
-          </p:cNvPr>
-          <p:cNvSpPr>
-            <a:spLocks noGrp="1"/>
-          </p:cNvSpPr>
-          <p:nvPr>
-            <p:ph type="subTitle" idx="1"/>
-          </p:nvPr>
-        </p:nvSpPr>
-        <p:spPr>
-          <a:xfrm>
-            <a:off x="1154955" y="2861733"/>
-            <a:ext cx="8825658" cy="2777067"/>
-          </a:xfrm>
-        </p:spPr>
-        <p:txBody>
-          <a:bodyPr/>
-          <a:lstStyle/>
-          <a:p>
-            <a:r>
-              <a:rPr lang="en-US" dirty="0"/>
-              <a:t>RX Pattern = Observer Pattern + Iterator Pattern</a:t>
-            </a:r>
+              <a:t> / </a:t>
+            </a:r>
+            <a:r>
+              <a:rPr lang="en-US" sz="4400" dirty="0" err="1"/>
+              <a:t>IObservable</a:t>
+            </a:r>
+            <a:endParaRPr lang="en-US" sz="4400" dirty="0"/>
           </a:p>
         </p:txBody>
       </p:sp>
     </p:spTree>
     <p:extLst>
       <p:ext uri="{BB962C8B-B14F-4D97-AF65-F5344CB8AC3E}">
-        <p14:creationId xmlns:p14="http://schemas.microsoft.com/office/powerpoint/2010/main" val="1623221828"/>
+        <p14:creationId xmlns:p14="http://schemas.microsoft.com/office/powerpoint/2010/main" val="1985818148"/>
       </p:ext>
     </p:extLst>
   </p:cSld>
@@ -13333,7 +13873,7 @@
         <p:spPr>
           <a:xfrm>
             <a:off x="1154955" y="776494"/>
-            <a:ext cx="9199778" cy="713639"/>
+            <a:ext cx="8825658" cy="713639"/>
           </a:xfrm>
         </p:spPr>
         <p:txBody>
@@ -13341,8 +13881,8 @@
           <a:lstStyle/>
           <a:p>
             <a:r>
-              <a:rPr lang="ru-RU" sz="4400" dirty="0"/>
-              <a:t>Что такое событийная модель?</a:t>
+              <a:rPr lang="en-US" sz="4400" dirty="0" err="1"/>
+              <a:t>IEnumerable</a:t>
             </a:r>
             <a:endParaRPr lang="en-US" sz="4400" dirty="0"/>
           </a:p>
@@ -13381,7 +13921,7 @@
     </p:spTree>
     <p:extLst>
       <p:ext uri="{BB962C8B-B14F-4D97-AF65-F5344CB8AC3E}">
-        <p14:creationId xmlns:p14="http://schemas.microsoft.com/office/powerpoint/2010/main" val="944779534"/>
+        <p14:creationId xmlns:p14="http://schemas.microsoft.com/office/powerpoint/2010/main" val="3488058492"/>
       </p:ext>
     </p:extLst>
   </p:cSld>
@@ -13426,8 +13966,8 @@
         </p:nvSpPr>
         <p:spPr>
           <a:xfrm>
-            <a:off x="1154954" y="776494"/>
-            <a:ext cx="9157445" cy="1983639"/>
+            <a:off x="1154955" y="776494"/>
+            <a:ext cx="8825658" cy="713639"/>
           </a:xfrm>
         </p:spPr>
         <p:txBody>
@@ -13435,8 +13975,8 @@
           <a:lstStyle/>
           <a:p>
             <a:r>
-              <a:rPr lang="ru-RU" sz="4400" dirty="0"/>
-              <a:t>Какие преимущества предоставляет нам Реактивные расширения?</a:t>
+              <a:rPr lang="en-US" sz="4400" dirty="0" err="1"/>
+              <a:t>IEnumerable</a:t>
             </a:r>
             <a:endParaRPr lang="en-US" sz="4400" dirty="0"/>
           </a:p>
@@ -13460,22 +14000,69 @@
         </p:nvSpPr>
         <p:spPr>
           <a:xfrm>
-            <a:off x="1154955" y="2861733"/>
-            <a:ext cx="8825658" cy="2777067"/>
+            <a:off x="1154955" y="1754909"/>
+            <a:ext cx="8825658" cy="4451926"/>
           </a:xfrm>
         </p:spPr>
         <p:txBody>
-          <a:bodyPr/>
+          <a:bodyPr>
+            <a:normAutofit/>
+          </a:bodyPr>
           <a:lstStyle/>
           <a:p>
-            <a:endParaRPr lang="en-US" dirty="0"/>
+            <a:r>
+              <a:rPr lang="en-US" cap="none" dirty="0"/>
+              <a:t>public interface </a:t>
+            </a:r>
+            <a:r>
+              <a:rPr lang="en-US" cap="none" dirty="0" err="1"/>
+              <a:t>IEnumerable</a:t>
+            </a:r>
+            <a:r>
+              <a:rPr lang="en-US" cap="none" dirty="0"/>
+              <a:t>&lt;T&gt;</a:t>
+            </a:r>
+          </a:p>
+          <a:p>
+            <a:r>
+              <a:rPr lang="en-US" cap="none" dirty="0"/>
+              <a:t>{</a:t>
+            </a:r>
+          </a:p>
+          <a:p>
+            <a:r>
+              <a:rPr lang="en-US" cap="none" dirty="0"/>
+              <a:t>    </a:t>
+            </a:r>
+            <a:r>
+              <a:rPr lang="en-US" cap="none" dirty="0" err="1"/>
+              <a:t>IEnumerator</a:t>
+            </a:r>
+            <a:r>
+              <a:rPr lang="en-US" cap="none" dirty="0"/>
+              <a:t>&lt;T&gt; </a:t>
+            </a:r>
+            <a:r>
+              <a:rPr lang="en-US" cap="none" dirty="0" err="1"/>
+              <a:t>GetEnumerator</a:t>
+            </a:r>
+            <a:r>
+              <a:rPr lang="en-US" cap="none" dirty="0"/>
+              <a:t>();</a:t>
+            </a:r>
+          </a:p>
+          <a:p>
+            <a:r>
+              <a:rPr lang="en-US" cap="none" dirty="0"/>
+              <a:t>}</a:t>
+            </a:r>
           </a:p>
         </p:txBody>
       </p:sp>
     </p:spTree>
     <p:extLst>
       <p:ext uri="{BB962C8B-B14F-4D97-AF65-F5344CB8AC3E}">
-        <p14:creationId xmlns:p14="http://schemas.microsoft.com/office/powerpoint/2010/main" val="2106926076"/>
+        <p14:creationId xmlns:p14="http://schemas.microsoft.com/office/powerpoint/2010/main" val="3645765928"/>
       </p:ext>
     </p:extLst>
   </p:cSld>
@@ -13521,7 +14108,7 @@
         <p:spPr>
           <a:xfrm>
             <a:off x="1154955" y="776494"/>
-            <a:ext cx="9199778" cy="713639"/>
+            <a:ext cx="8825658" cy="713639"/>
           </a:xfrm>
         </p:spPr>
         <p:txBody>
@@ -13529,13 +14116,10 @@
           <a:lstStyle/>
           <a:p>
             <a:r>
-              <a:rPr lang="ru-RU" sz="4400" dirty="0"/>
-              <a:t>Что такое </a:t>
-            </a:r>
-            <a:r>
-              <a:rPr lang="en-US" sz="4400" dirty="0"/>
-              <a:t>Cold Observable?</a:t>
-            </a:r>
+              <a:rPr lang="en-US" sz="4400" dirty="0" err="1"/>
+              <a:t>IEnumerable</a:t>
+            </a:r>
+            <a:endParaRPr lang="en-US" sz="4400" dirty="0"/>
           </a:p>
         </p:txBody>
       </p:sp>
@@ -13557,22 +14141,124 @@
         </p:nvSpPr>
         <p:spPr>
           <a:xfrm>
-            <a:off x="1154955" y="2861733"/>
-            <a:ext cx="8825658" cy="2777067"/>
+            <a:off x="1154955" y="1754909"/>
+            <a:ext cx="8825658" cy="4451926"/>
           </a:xfrm>
         </p:spPr>
         <p:txBody>
-          <a:bodyPr/>
+          <a:bodyPr>
+            <a:normAutofit/>
+          </a:bodyPr>
           <a:lstStyle/>
           <a:p>
-            <a:endParaRPr lang="en-US" dirty="0"/>
+            <a:r>
+              <a:rPr lang="en-US" cap="none" dirty="0"/>
+              <a:t>public interface </a:t>
+            </a:r>
+            <a:r>
+              <a:rPr lang="en-US" cap="none" dirty="0" err="1"/>
+              <a:t>IEnumerable</a:t>
+            </a:r>
+            <a:r>
+              <a:rPr lang="en-US" cap="none" dirty="0"/>
+              <a:t>&lt;T&gt;</a:t>
+            </a:r>
+          </a:p>
+          <a:p>
+            <a:r>
+              <a:rPr lang="en-US" cap="none" dirty="0"/>
+              <a:t>{</a:t>
+            </a:r>
+          </a:p>
+          <a:p>
+            <a:r>
+              <a:rPr lang="en-US" cap="none" dirty="0"/>
+              <a:t>    </a:t>
+            </a:r>
+            <a:r>
+              <a:rPr lang="en-US" cap="none" dirty="0" err="1"/>
+              <a:t>IEnumerator</a:t>
+            </a:r>
+            <a:r>
+              <a:rPr lang="en-US" cap="none" dirty="0"/>
+              <a:t>&lt;T&gt; </a:t>
+            </a:r>
+            <a:r>
+              <a:rPr lang="en-US" cap="none" dirty="0" err="1"/>
+              <a:t>GetEnumerator</a:t>
+            </a:r>
+            <a:r>
+              <a:rPr lang="en-US" cap="none" dirty="0"/>
+              <a:t>();</a:t>
+            </a:r>
+          </a:p>
+          <a:p>
+            <a:r>
+              <a:rPr lang="en-US" cap="none" dirty="0"/>
+              <a:t>}</a:t>
+            </a:r>
+          </a:p>
+          <a:p>
+            <a:endParaRPr lang="en-US" cap="none" dirty="0"/>
+          </a:p>
+          <a:p>
+            <a:r>
+              <a:rPr lang="en-US" cap="none" dirty="0"/>
+              <a:t>public interface </a:t>
+            </a:r>
+            <a:r>
+              <a:rPr lang="en-US" cap="none" dirty="0" err="1"/>
+              <a:t>IEnumerator</a:t>
+            </a:r>
+            <a:r>
+              <a:rPr lang="en-US" cap="none" dirty="0"/>
+              <a:t>&lt;T&gt;</a:t>
+            </a:r>
+          </a:p>
+          <a:p>
+            <a:r>
+              <a:rPr lang="en-US" cap="none" dirty="0"/>
+              <a:t>{</a:t>
+            </a:r>
+          </a:p>
+          <a:p>
+            <a:r>
+              <a:rPr lang="en-US" cap="none" dirty="0"/>
+              <a:t>    T Current { get; }</a:t>
+            </a:r>
+          </a:p>
+          <a:p>
+            <a:r>
+              <a:rPr lang="en-US" cap="none" dirty="0"/>
+              <a:t>    bool </a:t>
+            </a:r>
+            <a:r>
+              <a:rPr lang="en-US" cap="none" dirty="0" err="1"/>
+              <a:t>MoveNext</a:t>
+            </a:r>
+            <a:r>
+              <a:rPr lang="en-US" cap="none" dirty="0"/>
+              <a:t>();</a:t>
+            </a:r>
+          </a:p>
+          <a:p>
+            <a:r>
+              <a:rPr lang="en-US" cap="none" dirty="0"/>
+              <a:t>    Reset();</a:t>
+            </a:r>
+          </a:p>
+          <a:p>
+            <a:r>
+              <a:rPr lang="en-US" cap="none" dirty="0"/>
+              <a:t>}</a:t>
+            </a:r>
           </a:p>
         </p:txBody>
       </p:sp>
     </p:spTree>
     <p:extLst>
       <p:ext uri="{BB962C8B-B14F-4D97-AF65-F5344CB8AC3E}">
-        <p14:creationId xmlns:p14="http://schemas.microsoft.com/office/powerpoint/2010/main" val="1213369216"/>
+        <p14:creationId xmlns:p14="http://schemas.microsoft.com/office/powerpoint/2010/main" val="3136953801"/>
       </p:ext>
     </p:extLst>
   </p:cSld>
@@ -13719,7 +14405,7 @@
         <p:spPr>
           <a:xfrm>
             <a:off x="1154955" y="776494"/>
-            <a:ext cx="9199778" cy="713639"/>
+            <a:ext cx="8825658" cy="713639"/>
           </a:xfrm>
         </p:spPr>
         <p:txBody>
@@ -13727,13 +14413,10 @@
           <a:lstStyle/>
           <a:p>
             <a:r>
-              <a:rPr lang="ru-RU" sz="4400" dirty="0"/>
-              <a:t>Что такое </a:t>
-            </a:r>
-            <a:r>
-              <a:rPr lang="en-US" sz="4400" dirty="0"/>
-              <a:t>Hot Observable?</a:t>
-            </a:r>
+              <a:rPr lang="en-US" sz="4400" dirty="0" err="1"/>
+              <a:t>IEnumerable</a:t>
+            </a:r>
+            <a:endParaRPr lang="en-US" sz="4400" dirty="0"/>
           </a:p>
         </p:txBody>
       </p:sp>
@@ -13763,14 +14446,38 @@
           <a:bodyPr/>
           <a:lstStyle/>
           <a:p>
-            <a:endParaRPr lang="en-US" dirty="0"/>
+            <a:r>
+              <a:rPr lang="ru-RU" dirty="0">
+                <a:latin typeface="Calibri" panose="020F0502020204030204" pitchFamily="34" charset="0"/>
+                <a:cs typeface="Calibri" panose="020F0502020204030204" pitchFamily="34" charset="0"/>
+              </a:rPr>
+              <a:t>Итераторы являются типичными представителями </a:t>
+            </a:r>
+            <a:r>
+              <a:rPr lang="ru-RU" sz="2400" b="1" dirty="0">
+                <a:latin typeface="Calibri" panose="020F0502020204030204" pitchFamily="34" charset="0"/>
+                <a:cs typeface="Calibri" panose="020F0502020204030204" pitchFamily="34" charset="0"/>
+              </a:rPr>
+              <a:t>pull-модели</a:t>
+            </a:r>
+            <a:r>
+              <a:rPr lang="ru-RU" dirty="0">
+                <a:latin typeface="Calibri" panose="020F0502020204030204" pitchFamily="34" charset="0"/>
+                <a:cs typeface="Calibri" panose="020F0502020204030204" pitchFamily="34" charset="0"/>
+              </a:rPr>
+              <a:t>, когда процессом перебора последовательности управляет вызывающий код.</a:t>
+            </a:r>
+            <a:endParaRPr lang="en-US" dirty="0">
+              <a:latin typeface="Calibri" panose="020F0502020204030204" pitchFamily="34" charset="0"/>
+              <a:cs typeface="Calibri" panose="020F0502020204030204" pitchFamily="34" charset="0"/>
+            </a:endParaRPr>
           </a:p>
         </p:txBody>
       </p:sp>
     </p:spTree>
     <p:extLst>
       <p:ext uri="{BB962C8B-B14F-4D97-AF65-F5344CB8AC3E}">
-        <p14:creationId xmlns:p14="http://schemas.microsoft.com/office/powerpoint/2010/main" val="781665626"/>
+        <p14:creationId xmlns:p14="http://schemas.microsoft.com/office/powerpoint/2010/main" val="1797386616"/>
       </p:ext>
     </p:extLst>
   </p:cSld>
@@ -13816,7 +14523,7 @@
         <p:spPr>
           <a:xfrm>
             <a:off x="1154955" y="776494"/>
-            <a:ext cx="9199778" cy="713639"/>
+            <a:ext cx="8825658" cy="741021"/>
           </a:xfrm>
         </p:spPr>
         <p:txBody>
@@ -13824,8 +14531,8 @@
           <a:lstStyle/>
           <a:p>
             <a:r>
-              <a:rPr lang="ru-RU" sz="4400" dirty="0"/>
-              <a:t>Что такое акторная модель?</a:t>
+              <a:rPr lang="en-US" sz="4400" dirty="0" err="1"/>
+              <a:t>IObservable</a:t>
             </a:r>
             <a:endParaRPr lang="en-US" sz="4400" dirty="0"/>
           </a:p>
@@ -13864,7 +14571,7 @@
     </p:spTree>
     <p:extLst>
       <p:ext uri="{BB962C8B-B14F-4D97-AF65-F5344CB8AC3E}">
-        <p14:creationId xmlns:p14="http://schemas.microsoft.com/office/powerpoint/2010/main" val="8395898"/>
+        <p14:creationId xmlns:p14="http://schemas.microsoft.com/office/powerpoint/2010/main" val="2634787251"/>
       </p:ext>
     </p:extLst>
   </p:cSld>
@@ -13910,7 +14617,7 @@
         <p:spPr>
           <a:xfrm>
             <a:off x="1154955" y="776494"/>
-            <a:ext cx="9199778" cy="713639"/>
+            <a:ext cx="8825658" cy="741021"/>
           </a:xfrm>
         </p:spPr>
         <p:txBody>
@@ -13918,8 +14625,8 @@
           <a:lstStyle/>
           <a:p>
             <a:r>
-              <a:rPr lang="ru-RU" sz="4400" dirty="0"/>
-              <a:t>Что такое событийная модель?</a:t>
+              <a:rPr lang="en-US" sz="4400" dirty="0" err="1"/>
+              <a:t>IObservable</a:t>
             </a:r>
             <a:endParaRPr lang="en-US" sz="4400" dirty="0"/>
           </a:p>
@@ -13943,22 +14650,99 @@
         </p:nvSpPr>
         <p:spPr>
           <a:xfrm>
-            <a:off x="1154955" y="2861733"/>
-            <a:ext cx="8825658" cy="2777067"/>
+            <a:off x="1154955" y="1764145"/>
+            <a:ext cx="8825658" cy="4599710"/>
           </a:xfrm>
         </p:spPr>
         <p:txBody>
-          <a:bodyPr/>
+          <a:bodyPr>
+            <a:normAutofit/>
+          </a:bodyPr>
           <a:lstStyle/>
           <a:p>
-            <a:endParaRPr lang="en-US" dirty="0"/>
+            <a:r>
+              <a:rPr lang="en-US" cap="none" dirty="0">
+                <a:latin typeface="Calibri" panose="020F0502020204030204" pitchFamily="34" charset="0"/>
+                <a:cs typeface="Calibri" panose="020F0502020204030204" pitchFamily="34" charset="0"/>
+              </a:rPr>
+              <a:t>public interface </a:t>
+            </a:r>
+            <a:r>
+              <a:rPr lang="en-US" cap="none" dirty="0" err="1">
+                <a:latin typeface="Calibri" panose="020F0502020204030204" pitchFamily="34" charset="0"/>
+                <a:cs typeface="Calibri" panose="020F0502020204030204" pitchFamily="34" charset="0"/>
+              </a:rPr>
+              <a:t>IObservable</a:t>
+            </a:r>
+            <a:r>
+              <a:rPr lang="en-US" cap="none" dirty="0">
+                <a:latin typeface="Calibri" panose="020F0502020204030204" pitchFamily="34" charset="0"/>
+                <a:cs typeface="Calibri" panose="020F0502020204030204" pitchFamily="34" charset="0"/>
+              </a:rPr>
+              <a:t>&lt;T&gt;</a:t>
+            </a:r>
+          </a:p>
+          <a:p>
+            <a:r>
+              <a:rPr lang="en-US" cap="none" dirty="0">
+                <a:latin typeface="Calibri" panose="020F0502020204030204" pitchFamily="34" charset="0"/>
+                <a:cs typeface="Calibri" panose="020F0502020204030204" pitchFamily="34" charset="0"/>
+              </a:rPr>
+              <a:t>{</a:t>
+            </a:r>
+          </a:p>
+          <a:p>
+            <a:r>
+              <a:rPr lang="en-US" cap="none" dirty="0">
+                <a:latin typeface="Calibri" panose="020F0502020204030204" pitchFamily="34" charset="0"/>
+                <a:cs typeface="Calibri" panose="020F0502020204030204" pitchFamily="34" charset="0"/>
+              </a:rPr>
+              <a:t>    </a:t>
+            </a:r>
+            <a:r>
+              <a:rPr lang="en-US" cap="none" dirty="0" err="1">
+                <a:latin typeface="Calibri" panose="020F0502020204030204" pitchFamily="34" charset="0"/>
+                <a:cs typeface="Calibri" panose="020F0502020204030204" pitchFamily="34" charset="0"/>
+              </a:rPr>
+              <a:t>IDisposable</a:t>
+            </a:r>
+            <a:r>
+              <a:rPr lang="en-US" cap="none" dirty="0">
+                <a:latin typeface="Calibri" panose="020F0502020204030204" pitchFamily="34" charset="0"/>
+                <a:cs typeface="Calibri" panose="020F0502020204030204" pitchFamily="34" charset="0"/>
+              </a:rPr>
+              <a:t> Subscribe(</a:t>
+            </a:r>
+            <a:r>
+              <a:rPr lang="en-US" cap="none" dirty="0" err="1">
+                <a:latin typeface="Calibri" panose="020F0502020204030204" pitchFamily="34" charset="0"/>
+                <a:cs typeface="Calibri" panose="020F0502020204030204" pitchFamily="34" charset="0"/>
+              </a:rPr>
+              <a:t>IObserver</a:t>
+            </a:r>
+            <a:r>
+              <a:rPr lang="en-US" cap="none" dirty="0">
+                <a:latin typeface="Calibri" panose="020F0502020204030204" pitchFamily="34" charset="0"/>
+                <a:cs typeface="Calibri" panose="020F0502020204030204" pitchFamily="34" charset="0"/>
+              </a:rPr>
+              <a:t>&lt;T&gt; observer);</a:t>
+            </a:r>
+          </a:p>
+          <a:p>
+            <a:r>
+              <a:rPr lang="en-US" cap="none" dirty="0">
+                <a:latin typeface="Calibri" panose="020F0502020204030204" pitchFamily="34" charset="0"/>
+                <a:cs typeface="Calibri" panose="020F0502020204030204" pitchFamily="34" charset="0"/>
+              </a:rPr>
+              <a:t>}</a:t>
+            </a:r>
           </a:p>
         </p:txBody>
       </p:sp>
     </p:spTree>
     <p:extLst>
       <p:ext uri="{BB962C8B-B14F-4D97-AF65-F5344CB8AC3E}">
-        <p14:creationId xmlns:p14="http://schemas.microsoft.com/office/powerpoint/2010/main" val="751961821"/>
+        <p14:creationId xmlns:p14="http://schemas.microsoft.com/office/powerpoint/2010/main" val="2727546691"/>
       </p:ext>
     </p:extLst>
   </p:cSld>
@@ -14004,7 +14788,7 @@
         <p:spPr>
           <a:xfrm>
             <a:off x="1154955" y="776494"/>
-            <a:ext cx="9199778" cy="713639"/>
+            <a:ext cx="8825658" cy="741021"/>
           </a:xfrm>
         </p:spPr>
         <p:txBody>
@@ -14012,8 +14796,8 @@
           <a:lstStyle/>
           <a:p>
             <a:r>
-              <a:rPr lang="ru-RU" sz="4400" dirty="0"/>
-              <a:t>Хайп?</a:t>
+              <a:rPr lang="en-US" sz="4400" dirty="0" err="1"/>
+              <a:t>IObservable</a:t>
             </a:r>
             <a:endParaRPr lang="en-US" sz="4400" dirty="0"/>
           </a:p>
@@ -14037,6 +14821,293 @@
         </p:nvSpPr>
         <p:spPr>
           <a:xfrm>
+            <a:off x="1154955" y="1764145"/>
+            <a:ext cx="8825658" cy="4599710"/>
+          </a:xfrm>
+        </p:spPr>
+        <p:txBody>
+          <a:bodyPr>
+            <a:normAutofit/>
+          </a:bodyPr>
+          <a:lstStyle/>
+          <a:p>
+            <a:r>
+              <a:rPr lang="en-US" cap="none" dirty="0">
+                <a:latin typeface="Calibri" panose="020F0502020204030204" pitchFamily="34" charset="0"/>
+                <a:cs typeface="Calibri" panose="020F0502020204030204" pitchFamily="34" charset="0"/>
+              </a:rPr>
+              <a:t>public interface </a:t>
+            </a:r>
+            <a:r>
+              <a:rPr lang="en-US" cap="none" dirty="0" err="1">
+                <a:latin typeface="Calibri" panose="020F0502020204030204" pitchFamily="34" charset="0"/>
+                <a:cs typeface="Calibri" panose="020F0502020204030204" pitchFamily="34" charset="0"/>
+              </a:rPr>
+              <a:t>IObservable</a:t>
+            </a:r>
+            <a:r>
+              <a:rPr lang="en-US" cap="none" dirty="0">
+                <a:latin typeface="Calibri" panose="020F0502020204030204" pitchFamily="34" charset="0"/>
+                <a:cs typeface="Calibri" panose="020F0502020204030204" pitchFamily="34" charset="0"/>
+              </a:rPr>
+              <a:t>&lt;T&gt;</a:t>
+            </a:r>
+          </a:p>
+          <a:p>
+            <a:r>
+              <a:rPr lang="en-US" cap="none" dirty="0">
+                <a:latin typeface="Calibri" panose="020F0502020204030204" pitchFamily="34" charset="0"/>
+                <a:cs typeface="Calibri" panose="020F0502020204030204" pitchFamily="34" charset="0"/>
+              </a:rPr>
+              <a:t>{</a:t>
+            </a:r>
+          </a:p>
+          <a:p>
+            <a:r>
+              <a:rPr lang="en-US" cap="none" dirty="0">
+                <a:latin typeface="Calibri" panose="020F0502020204030204" pitchFamily="34" charset="0"/>
+                <a:cs typeface="Calibri" panose="020F0502020204030204" pitchFamily="34" charset="0"/>
+              </a:rPr>
+              <a:t>    </a:t>
+            </a:r>
+            <a:r>
+              <a:rPr lang="en-US" cap="none" dirty="0" err="1">
+                <a:latin typeface="Calibri" panose="020F0502020204030204" pitchFamily="34" charset="0"/>
+                <a:cs typeface="Calibri" panose="020F0502020204030204" pitchFamily="34" charset="0"/>
+              </a:rPr>
+              <a:t>IDisposable</a:t>
+            </a:r>
+            <a:r>
+              <a:rPr lang="en-US" cap="none" dirty="0">
+                <a:latin typeface="Calibri" panose="020F0502020204030204" pitchFamily="34" charset="0"/>
+                <a:cs typeface="Calibri" panose="020F0502020204030204" pitchFamily="34" charset="0"/>
+              </a:rPr>
+              <a:t> Subscribe(</a:t>
+            </a:r>
+            <a:r>
+              <a:rPr lang="en-US" cap="none" dirty="0" err="1">
+                <a:latin typeface="Calibri" panose="020F0502020204030204" pitchFamily="34" charset="0"/>
+                <a:cs typeface="Calibri" panose="020F0502020204030204" pitchFamily="34" charset="0"/>
+              </a:rPr>
+              <a:t>IObserver</a:t>
+            </a:r>
+            <a:r>
+              <a:rPr lang="en-US" cap="none" dirty="0">
+                <a:latin typeface="Calibri" panose="020F0502020204030204" pitchFamily="34" charset="0"/>
+                <a:cs typeface="Calibri" panose="020F0502020204030204" pitchFamily="34" charset="0"/>
+              </a:rPr>
+              <a:t>&lt;T&gt; observer);</a:t>
+            </a:r>
+          </a:p>
+          <a:p>
+            <a:r>
+              <a:rPr lang="en-US" cap="none" dirty="0">
+                <a:latin typeface="Calibri" panose="020F0502020204030204" pitchFamily="34" charset="0"/>
+                <a:cs typeface="Calibri" panose="020F0502020204030204" pitchFamily="34" charset="0"/>
+              </a:rPr>
+              <a:t>}</a:t>
+            </a:r>
+          </a:p>
+          <a:p>
+            <a:endParaRPr lang="en-US" cap="none" dirty="0">
+              <a:latin typeface="Calibri" panose="020F0502020204030204" pitchFamily="34" charset="0"/>
+              <a:cs typeface="Calibri" panose="020F0502020204030204" pitchFamily="34" charset="0"/>
+            </a:endParaRPr>
+          </a:p>
+          <a:p>
+            <a:r>
+              <a:rPr lang="en-US" cap="none" dirty="0">
+                <a:latin typeface="Calibri" panose="020F0502020204030204" pitchFamily="34" charset="0"/>
+                <a:cs typeface="Calibri" panose="020F0502020204030204" pitchFamily="34" charset="0"/>
+              </a:rPr>
+              <a:t>public interface </a:t>
+            </a:r>
+            <a:r>
+              <a:rPr lang="en-US" cap="none" dirty="0" err="1">
+                <a:latin typeface="Calibri" panose="020F0502020204030204" pitchFamily="34" charset="0"/>
+                <a:cs typeface="Calibri" panose="020F0502020204030204" pitchFamily="34" charset="0"/>
+              </a:rPr>
+              <a:t>IObserver</a:t>
+            </a:r>
+            <a:r>
+              <a:rPr lang="en-US" cap="none" dirty="0">
+                <a:latin typeface="Calibri" panose="020F0502020204030204" pitchFamily="34" charset="0"/>
+                <a:cs typeface="Calibri" panose="020F0502020204030204" pitchFamily="34" charset="0"/>
+              </a:rPr>
+              <a:t>&lt;T&gt;</a:t>
+            </a:r>
+          </a:p>
+          <a:p>
+            <a:r>
+              <a:rPr lang="en-US" cap="none" dirty="0">
+                <a:latin typeface="Calibri" panose="020F0502020204030204" pitchFamily="34" charset="0"/>
+                <a:cs typeface="Calibri" panose="020F0502020204030204" pitchFamily="34" charset="0"/>
+              </a:rPr>
+              <a:t>{</a:t>
+            </a:r>
+          </a:p>
+          <a:p>
+            <a:r>
+              <a:rPr lang="en-US" cap="none" dirty="0">
+                <a:latin typeface="Calibri" panose="020F0502020204030204" pitchFamily="34" charset="0"/>
+                <a:cs typeface="Calibri" panose="020F0502020204030204" pitchFamily="34" charset="0"/>
+              </a:rPr>
+              <a:t>    void </a:t>
+            </a:r>
+            <a:r>
+              <a:rPr lang="en-US" cap="none" dirty="0" err="1">
+                <a:latin typeface="Calibri" panose="020F0502020204030204" pitchFamily="34" charset="0"/>
+                <a:cs typeface="Calibri" panose="020F0502020204030204" pitchFamily="34" charset="0"/>
+              </a:rPr>
+              <a:t>OnNext</a:t>
+            </a:r>
+            <a:r>
+              <a:rPr lang="en-US" cap="none" dirty="0">
+                <a:latin typeface="Calibri" panose="020F0502020204030204" pitchFamily="34" charset="0"/>
+                <a:cs typeface="Calibri" panose="020F0502020204030204" pitchFamily="34" charset="0"/>
+              </a:rPr>
+              <a:t>(T value);</a:t>
+            </a:r>
+          </a:p>
+          <a:p>
+            <a:r>
+              <a:rPr lang="en-US" cap="none" dirty="0">
+                <a:latin typeface="Calibri" panose="020F0502020204030204" pitchFamily="34" charset="0"/>
+                <a:cs typeface="Calibri" panose="020F0502020204030204" pitchFamily="34" charset="0"/>
+              </a:rPr>
+              <a:t>    void </a:t>
+            </a:r>
+            <a:r>
+              <a:rPr lang="en-US" cap="none" dirty="0" err="1">
+                <a:latin typeface="Calibri" panose="020F0502020204030204" pitchFamily="34" charset="0"/>
+                <a:cs typeface="Calibri" panose="020F0502020204030204" pitchFamily="34" charset="0"/>
+              </a:rPr>
+              <a:t>OnCompleted</a:t>
+            </a:r>
+            <a:r>
+              <a:rPr lang="en-US" cap="none" dirty="0">
+                <a:latin typeface="Calibri" panose="020F0502020204030204" pitchFamily="34" charset="0"/>
+                <a:cs typeface="Calibri" panose="020F0502020204030204" pitchFamily="34" charset="0"/>
+              </a:rPr>
+              <a:t>();</a:t>
+            </a:r>
+          </a:p>
+          <a:p>
+            <a:r>
+              <a:rPr lang="en-US" cap="none" dirty="0">
+                <a:latin typeface="Calibri" panose="020F0502020204030204" pitchFamily="34" charset="0"/>
+                <a:cs typeface="Calibri" panose="020F0502020204030204" pitchFamily="34" charset="0"/>
+              </a:rPr>
+              <a:t>    void </a:t>
+            </a:r>
+            <a:r>
+              <a:rPr lang="en-US" cap="none" dirty="0" err="1">
+                <a:latin typeface="Calibri" panose="020F0502020204030204" pitchFamily="34" charset="0"/>
+                <a:cs typeface="Calibri" panose="020F0502020204030204" pitchFamily="34" charset="0"/>
+              </a:rPr>
+              <a:t>OnException</a:t>
+            </a:r>
+            <a:r>
+              <a:rPr lang="en-US" cap="none" dirty="0">
+                <a:latin typeface="Calibri" panose="020F0502020204030204" pitchFamily="34" charset="0"/>
+                <a:cs typeface="Calibri" panose="020F0502020204030204" pitchFamily="34" charset="0"/>
+              </a:rPr>
+              <a:t>(Exception error);</a:t>
+            </a:r>
+          </a:p>
+          <a:p>
+            <a:r>
+              <a:rPr lang="en-US" cap="none" dirty="0">
+                <a:latin typeface="Calibri" panose="020F0502020204030204" pitchFamily="34" charset="0"/>
+                <a:cs typeface="Calibri" panose="020F0502020204030204" pitchFamily="34" charset="0"/>
+              </a:rPr>
+              <a:t>}</a:t>
+            </a:r>
+          </a:p>
+        </p:txBody>
+      </p:sp>
+    </p:spTree>
+    <p:extLst>
+      <p:ext uri="{BB962C8B-B14F-4D97-AF65-F5344CB8AC3E}">
+        <p14:creationId xmlns:p14="http://schemas.microsoft.com/office/powerpoint/2010/main" val="4122846998"/>
+      </p:ext>
+    </p:extLst>
+  </p:cSld>
+  <p:clrMapOvr>
+    <a:masterClrMapping/>
+  </p:clrMapOvr>
+</p:sld>
+</file>
+
+<file path=ppt/slides/slide24.xml><?xml version="1.0" encoding="utf-8"?>
+<p:sld xmlns:a="http://schemas.openxmlformats.org/drawingml/2006/main" xmlns:r="http://schemas.openxmlformats.org/officeDocument/2006/relationships" xmlns:p="http://schemas.openxmlformats.org/presentationml/2006/main">
+  <p:cSld>
+    <p:spTree>
+      <p:nvGrpSpPr>
+        <p:cNvPr id="1" name=""/>
+        <p:cNvGrpSpPr/>
+        <p:nvPr/>
+      </p:nvGrpSpPr>
+      <p:grpSpPr>
+        <a:xfrm>
+          <a:off x="0" y="0"/>
+          <a:ext cx="0" cy="0"/>
+          <a:chOff x="0" y="0"/>
+          <a:chExt cx="0" cy="0"/>
+        </a:xfrm>
+      </p:grpSpPr>
+      <p:sp>
+        <p:nvSpPr>
+          <p:cNvPr id="2" name="Title 1">
+            <a:extLst>
+              <a:ext uri="{FF2B5EF4-FFF2-40B4-BE49-F238E27FC236}">
+                <a16:creationId xmlns:a16="http://schemas.microsoft.com/office/drawing/2014/main" id="{F8ADAE79-72C3-4128-BC87-DBC5B059028E}"/>
+              </a:ext>
+            </a:extLst>
+          </p:cNvPr>
+          <p:cNvSpPr>
+            <a:spLocks noGrp="1"/>
+          </p:cNvSpPr>
+          <p:nvPr>
+            <p:ph type="ctrTitle"/>
+          </p:nvPr>
+        </p:nvSpPr>
+        <p:spPr>
+          <a:xfrm>
+            <a:off x="1154955" y="776494"/>
+            <a:ext cx="8825658" cy="741021"/>
+          </a:xfrm>
+        </p:spPr>
+        <p:txBody>
+          <a:bodyPr/>
+          <a:lstStyle/>
+          <a:p>
+            <a:r>
+              <a:rPr lang="en-US" sz="4400" dirty="0" err="1"/>
+              <a:t>IObservable</a:t>
+            </a:r>
+            <a:endParaRPr lang="en-US" sz="4400" dirty="0"/>
+          </a:p>
+        </p:txBody>
+      </p:sp>
+      <p:sp>
+        <p:nvSpPr>
+          <p:cNvPr id="3" name="Subtitle 2">
+            <a:extLst>
+              <a:ext uri="{FF2B5EF4-FFF2-40B4-BE49-F238E27FC236}">
+                <a16:creationId xmlns:a16="http://schemas.microsoft.com/office/drawing/2014/main" id="{60C395F4-B5A3-4F2F-855A-0006FCE96DD0}"/>
+              </a:ext>
+            </a:extLst>
+          </p:cNvPr>
+          <p:cNvSpPr>
+            <a:spLocks noGrp="1"/>
+          </p:cNvSpPr>
+          <p:nvPr>
+            <p:ph type="subTitle" idx="1"/>
+          </p:nvPr>
+        </p:nvSpPr>
+        <p:spPr>
+          <a:xfrm>
             <a:off x="1154955" y="2861733"/>
             <a:ext cx="8825658" cy="2777067"/>
           </a:xfrm>
@@ -14046,17 +15117,1454 @@
           <a:lstStyle/>
           <a:p>
             <a:r>
-              <a:rPr lang="ru-RU" dirty="0"/>
-              <a:t>Почему последнее время Реативные расширения становятся столь популярны?</a:t>
-            </a:r>
-            <a:endParaRPr lang="en-US" dirty="0"/>
+              <a:rPr lang="ru-RU" dirty="0">
+                <a:latin typeface="Calibri" panose="020F0502020204030204" pitchFamily="34" charset="0"/>
+                <a:cs typeface="Calibri" panose="020F0502020204030204" pitchFamily="34" charset="0"/>
+              </a:rPr>
+              <a:t>Паттерн «</a:t>
+            </a:r>
+            <a:r>
+              <a:rPr lang="ru-RU" sz="2400" b="1" dirty="0">
+                <a:latin typeface="Calibri" panose="020F0502020204030204" pitchFamily="34" charset="0"/>
+                <a:cs typeface="Calibri" panose="020F0502020204030204" pitchFamily="34" charset="0"/>
+              </a:rPr>
+              <a:t>Наблюдатель</a:t>
+            </a:r>
+            <a:r>
+              <a:rPr lang="ru-RU" dirty="0">
+                <a:latin typeface="Calibri" panose="020F0502020204030204" pitchFamily="34" charset="0"/>
+                <a:cs typeface="Calibri" panose="020F0502020204030204" pitchFamily="34" charset="0"/>
+              </a:rPr>
+              <a:t>» является типичным представителем «</a:t>
+            </a:r>
+            <a:r>
+              <a:rPr lang="ru-RU" sz="2400" b="1" dirty="0">
+                <a:latin typeface="Calibri" panose="020F0502020204030204" pitchFamily="34" charset="0"/>
+                <a:cs typeface="Calibri" panose="020F0502020204030204" pitchFamily="34" charset="0"/>
+              </a:rPr>
+              <a:t>реактивного</a:t>
+            </a:r>
+            <a:r>
+              <a:rPr lang="ru-RU" dirty="0">
+                <a:latin typeface="Calibri" panose="020F0502020204030204" pitchFamily="34" charset="0"/>
+                <a:cs typeface="Calibri" panose="020F0502020204030204" pitchFamily="34" charset="0"/>
+              </a:rPr>
+              <a:t>» программирования (или </a:t>
+            </a:r>
+            <a:r>
+              <a:rPr lang="ru-RU" sz="2400" b="1" dirty="0">
+                <a:latin typeface="Calibri" panose="020F0502020204030204" pitchFamily="34" charset="0"/>
+                <a:cs typeface="Calibri" panose="020F0502020204030204" pitchFamily="34" charset="0"/>
+              </a:rPr>
+              <a:t>push-модели</a:t>
+            </a:r>
+            <a:r>
+              <a:rPr lang="ru-RU" dirty="0">
+                <a:latin typeface="Calibri" panose="020F0502020204030204" pitchFamily="34" charset="0"/>
+                <a:cs typeface="Calibri" panose="020F0502020204030204" pitchFamily="34" charset="0"/>
+              </a:rPr>
+              <a:t>).</a:t>
+            </a:r>
+            <a:endParaRPr lang="en-US" dirty="0">
+              <a:latin typeface="Calibri" panose="020F0502020204030204" pitchFamily="34" charset="0"/>
+              <a:cs typeface="Calibri" panose="020F0502020204030204" pitchFamily="34" charset="0"/>
+            </a:endParaRPr>
           </a:p>
         </p:txBody>
       </p:sp>
     </p:spTree>
     <p:extLst>
       <p:ext uri="{BB962C8B-B14F-4D97-AF65-F5344CB8AC3E}">
-        <p14:creationId xmlns:p14="http://schemas.microsoft.com/office/powerpoint/2010/main" val="64754934"/>
+        <p14:creationId xmlns:p14="http://schemas.microsoft.com/office/powerpoint/2010/main" val="3786053168"/>
+      </p:ext>
+    </p:extLst>
+  </p:cSld>
+  <p:clrMapOvr>
+    <a:masterClrMapping/>
+  </p:clrMapOvr>
+</p:sld>
+</file>
+
+<file path=ppt/slides/slide25.xml><?xml version="1.0" encoding="utf-8"?>
+<p:sld xmlns:a="http://schemas.openxmlformats.org/drawingml/2006/main" xmlns:r="http://schemas.openxmlformats.org/officeDocument/2006/relationships" xmlns:p="http://schemas.openxmlformats.org/presentationml/2006/main">
+  <p:cSld>
+    <p:spTree>
+      <p:nvGrpSpPr>
+        <p:cNvPr id="1" name=""/>
+        <p:cNvGrpSpPr/>
+        <p:nvPr/>
+      </p:nvGrpSpPr>
+      <p:grpSpPr>
+        <a:xfrm>
+          <a:off x="0" y="0"/>
+          <a:ext cx="0" cy="0"/>
+          <a:chOff x="0" y="0"/>
+          <a:chExt cx="0" cy="0"/>
+        </a:xfrm>
+      </p:grpSpPr>
+      <p:sp>
+        <p:nvSpPr>
+          <p:cNvPr id="2" name="Title 1">
+            <a:extLst>
+              <a:ext uri="{FF2B5EF4-FFF2-40B4-BE49-F238E27FC236}">
+                <a16:creationId xmlns:a16="http://schemas.microsoft.com/office/drawing/2014/main" id="{F8ADAE79-72C3-4128-BC87-DBC5B059028E}"/>
+              </a:ext>
+            </a:extLst>
+          </p:cNvPr>
+          <p:cNvSpPr>
+            <a:spLocks noGrp="1"/>
+          </p:cNvSpPr>
+          <p:nvPr>
+            <p:ph type="ctrTitle"/>
+          </p:nvPr>
+        </p:nvSpPr>
+        <p:spPr>
+          <a:xfrm>
+            <a:off x="1154955" y="776494"/>
+            <a:ext cx="8825658" cy="741021"/>
+          </a:xfrm>
+        </p:spPr>
+        <p:txBody>
+          <a:bodyPr/>
+          <a:lstStyle/>
+          <a:p>
+            <a:r>
+              <a:rPr lang="en-US" sz="4400" dirty="0" err="1"/>
+              <a:t>IEnumerable</a:t>
+            </a:r>
+            <a:r>
+              <a:rPr lang="en-US" sz="4400" dirty="0"/>
+              <a:t> / </a:t>
+            </a:r>
+            <a:r>
+              <a:rPr lang="en-US" sz="4400" dirty="0" err="1"/>
+              <a:t>IObservable</a:t>
+            </a:r>
+            <a:endParaRPr lang="en-US" sz="4400" dirty="0"/>
+          </a:p>
+        </p:txBody>
+      </p:sp>
+      <p:graphicFrame>
+        <p:nvGraphicFramePr>
+          <p:cNvPr id="4" name="Table 4">
+            <a:extLst>
+              <a:ext uri="{FF2B5EF4-FFF2-40B4-BE49-F238E27FC236}">
+                <a16:creationId xmlns:a16="http://schemas.microsoft.com/office/drawing/2014/main" id="{A1398DBA-277A-4458-82FE-A11736F82BCA}"/>
+              </a:ext>
+            </a:extLst>
+          </p:cNvPr>
+          <p:cNvGraphicFramePr>
+            <a:graphicFrameLocks noGrp="1"/>
+          </p:cNvGraphicFramePr>
+          <p:nvPr>
+            <p:extLst>
+              <p:ext uri="{D42A27DB-BD31-4B8C-83A1-F6EECF244321}">
+                <p14:modId xmlns:p14="http://schemas.microsoft.com/office/powerpoint/2010/main" val="3971859777"/>
+              </p:ext>
+            </p:extLst>
+          </p:nvPr>
+        </p:nvGraphicFramePr>
+        <p:xfrm>
+          <a:off x="1939636" y="2176111"/>
+          <a:ext cx="8127999" cy="1559560"/>
+        </p:xfrm>
+        <a:graphic>
+          <a:graphicData uri="http://schemas.openxmlformats.org/drawingml/2006/table">
+            <a:tbl>
+              <a:tblPr firstRow="1" bandRow="1">
+                <a:tableStyleId>{5C22544A-7EE6-4342-B048-85BDC9FD1C3A}</a:tableStyleId>
+              </a:tblPr>
+              <a:tblGrid>
+                <a:gridCol w="2709333">
+                  <a:extLst>
+                    <a:ext uri="{9D8B030D-6E8A-4147-A177-3AD203B41FA5}">
+                      <a16:colId xmlns:a16="http://schemas.microsoft.com/office/drawing/2014/main" val="3974937264"/>
+                    </a:ext>
+                  </a:extLst>
+                </a:gridCol>
+                <a:gridCol w="2709333">
+                  <a:extLst>
+                    <a:ext uri="{9D8B030D-6E8A-4147-A177-3AD203B41FA5}">
+                      <a16:colId xmlns:a16="http://schemas.microsoft.com/office/drawing/2014/main" val="3458799417"/>
+                    </a:ext>
+                  </a:extLst>
+                </a:gridCol>
+                <a:gridCol w="2709333">
+                  <a:extLst>
+                    <a:ext uri="{9D8B030D-6E8A-4147-A177-3AD203B41FA5}">
+                      <a16:colId xmlns:a16="http://schemas.microsoft.com/office/drawing/2014/main" val="1681325413"/>
+                    </a:ext>
+                  </a:extLst>
+                </a:gridCol>
+              </a:tblGrid>
+              <a:tr h="370840">
+                <a:tc>
+                  <a:txBody>
+                    <a:bodyPr/>
+                    <a:lstStyle/>
+                    <a:p>
+                      <a:r>
+                        <a:rPr lang="en-US" sz="1800" b="1" i="0" kern="1200" dirty="0">
+                          <a:solidFill>
+                            <a:schemeClr val="lt1"/>
+                          </a:solidFill>
+                          <a:effectLst/>
+                          <a:latin typeface="Calibri" panose="020F0502020204030204" pitchFamily="34" charset="0"/>
+                          <a:ea typeface="+mn-ea"/>
+                          <a:cs typeface="Calibri" panose="020F0502020204030204" pitchFamily="34" charset="0"/>
+                        </a:rPr>
+                        <a:t>Enumerable   </a:t>
+                      </a:r>
+                      <a:endParaRPr lang="en-US" dirty="0">
+                        <a:latin typeface="Calibri" panose="020F0502020204030204" pitchFamily="34" charset="0"/>
+                        <a:cs typeface="Calibri" panose="020F0502020204030204" pitchFamily="34" charset="0"/>
+                      </a:endParaRPr>
+                    </a:p>
+                  </a:txBody>
+                  <a:tcPr/>
+                </a:tc>
+                <a:tc>
+                  <a:txBody>
+                    <a:bodyPr/>
+                    <a:lstStyle/>
+                    <a:p>
+                      <a:r>
+                        <a:rPr lang="en-US" sz="1800" b="1" i="0" kern="1200" dirty="0">
+                          <a:solidFill>
+                            <a:schemeClr val="lt1"/>
+                          </a:solidFill>
+                          <a:effectLst/>
+                          <a:latin typeface="Calibri" panose="020F0502020204030204" pitchFamily="34" charset="0"/>
+                          <a:ea typeface="+mn-ea"/>
+                          <a:cs typeface="Calibri" panose="020F0502020204030204" pitchFamily="34" charset="0"/>
+                        </a:rPr>
+                        <a:t>Observable</a:t>
+                      </a:r>
+                      <a:endParaRPr lang="en-US" dirty="0">
+                        <a:latin typeface="Calibri" panose="020F0502020204030204" pitchFamily="34" charset="0"/>
+                        <a:cs typeface="Calibri" panose="020F0502020204030204" pitchFamily="34" charset="0"/>
+                      </a:endParaRPr>
+                    </a:p>
+                  </a:txBody>
+                  <a:tcPr/>
+                </a:tc>
+                <a:tc>
+                  <a:txBody>
+                    <a:bodyPr/>
+                    <a:lstStyle/>
+                    <a:p>
+                      <a:endParaRPr lang="en-US" dirty="0">
+                        <a:latin typeface="Calibri" panose="020F0502020204030204" pitchFamily="34" charset="0"/>
+                        <a:cs typeface="Calibri" panose="020F0502020204030204" pitchFamily="34" charset="0"/>
+                      </a:endParaRPr>
+                    </a:p>
+                  </a:txBody>
+                  <a:tcPr/>
+                </a:tc>
+                <a:extLst>
+                  <a:ext uri="{0D108BD9-81ED-4DB2-BD59-A6C34878D82A}">
+                    <a16:rowId xmlns:a16="http://schemas.microsoft.com/office/drawing/2014/main" val="3431010865"/>
+                  </a:ext>
+                </a:extLst>
+              </a:tr>
+              <a:tr h="370840">
+                <a:tc>
+                  <a:txBody>
+                    <a:bodyPr/>
+                    <a:lstStyle/>
+                    <a:p>
+                      <a:r>
+                        <a:rPr lang="en-US" dirty="0" err="1">
+                          <a:latin typeface="Calibri" panose="020F0502020204030204" pitchFamily="34" charset="0"/>
+                          <a:cs typeface="Calibri" panose="020F0502020204030204" pitchFamily="34" charset="0"/>
+                        </a:rPr>
+                        <a:t>IEnumerable</a:t>
+                      </a:r>
+                      <a:r>
+                        <a:rPr lang="en-US" dirty="0">
+                          <a:latin typeface="Calibri" panose="020F0502020204030204" pitchFamily="34" charset="0"/>
+                          <a:cs typeface="Calibri" panose="020F0502020204030204" pitchFamily="34" charset="0"/>
+                        </a:rPr>
+                        <a:t>&lt;T&gt;.</a:t>
+                      </a:r>
+                    </a:p>
+                    <a:p>
+                      <a:r>
+                        <a:rPr lang="en-US" dirty="0" err="1">
+                          <a:latin typeface="Calibri" panose="020F0502020204030204" pitchFamily="34" charset="0"/>
+                          <a:cs typeface="Calibri" panose="020F0502020204030204" pitchFamily="34" charset="0"/>
+                        </a:rPr>
+                        <a:t>GetEnumerator</a:t>
+                      </a:r>
+                      <a:r>
+                        <a:rPr lang="en-US" dirty="0">
+                          <a:latin typeface="Calibri" panose="020F0502020204030204" pitchFamily="34" charset="0"/>
+                          <a:cs typeface="Calibri" panose="020F0502020204030204" pitchFamily="34" charset="0"/>
+                        </a:rPr>
+                        <a:t>()</a:t>
+                      </a:r>
+                    </a:p>
+                  </a:txBody>
+                  <a:tcPr/>
+                </a:tc>
+                <a:tc>
+                  <a:txBody>
+                    <a:bodyPr/>
+                    <a:lstStyle/>
+                    <a:p>
+                      <a:r>
+                        <a:rPr lang="en-US" dirty="0" err="1">
+                          <a:latin typeface="Calibri" panose="020F0502020204030204" pitchFamily="34" charset="0"/>
+                          <a:cs typeface="Calibri" panose="020F0502020204030204" pitchFamily="34" charset="0"/>
+                        </a:rPr>
+                        <a:t>IObservable</a:t>
+                      </a:r>
+                      <a:r>
+                        <a:rPr lang="en-US" dirty="0">
+                          <a:latin typeface="Calibri" panose="020F0502020204030204" pitchFamily="34" charset="0"/>
+                          <a:cs typeface="Calibri" panose="020F0502020204030204" pitchFamily="34" charset="0"/>
+                        </a:rPr>
+                        <a:t>&lt;T&gt;.</a:t>
+                      </a:r>
+                    </a:p>
+                    <a:p>
+                      <a:r>
+                        <a:rPr lang="en-US" dirty="0">
+                          <a:latin typeface="Calibri" panose="020F0502020204030204" pitchFamily="34" charset="0"/>
+                          <a:cs typeface="Calibri" panose="020F0502020204030204" pitchFamily="34" charset="0"/>
+                        </a:rPr>
+                        <a:t>Subscribe()</a:t>
+                      </a:r>
+                    </a:p>
+                  </a:txBody>
+                  <a:tcPr/>
+                </a:tc>
+                <a:tc>
+                  <a:txBody>
+                    <a:bodyPr/>
+                    <a:lstStyle/>
+                    <a:p>
+                      <a:r>
+                        <a:rPr lang="ru-RU" dirty="0">
+                          <a:latin typeface="Calibri" panose="020F0502020204030204" pitchFamily="34" charset="0"/>
+                          <a:cs typeface="Calibri" panose="020F0502020204030204" pitchFamily="34" charset="0"/>
+                        </a:rPr>
+                        <a:t>Получение итератора/подписка на события наблюдаемого объекта.</a:t>
+                      </a:r>
+                      <a:endParaRPr lang="en-US" dirty="0">
+                        <a:latin typeface="Calibri" panose="020F0502020204030204" pitchFamily="34" charset="0"/>
+                        <a:cs typeface="Calibri" panose="020F0502020204030204" pitchFamily="34" charset="0"/>
+                      </a:endParaRPr>
+                    </a:p>
+                  </a:txBody>
+                  <a:tcPr/>
+                </a:tc>
+                <a:extLst>
+                  <a:ext uri="{0D108BD9-81ED-4DB2-BD59-A6C34878D82A}">
+                    <a16:rowId xmlns:a16="http://schemas.microsoft.com/office/drawing/2014/main" val="2198758469"/>
+                  </a:ext>
+                </a:extLst>
+              </a:tr>
+            </a:tbl>
+          </a:graphicData>
+        </a:graphic>
+      </p:graphicFrame>
+    </p:spTree>
+    <p:extLst>
+      <p:ext uri="{BB962C8B-B14F-4D97-AF65-F5344CB8AC3E}">
+        <p14:creationId xmlns:p14="http://schemas.microsoft.com/office/powerpoint/2010/main" val="2344681574"/>
+      </p:ext>
+    </p:extLst>
+  </p:cSld>
+  <p:clrMapOvr>
+    <a:masterClrMapping/>
+  </p:clrMapOvr>
+</p:sld>
+</file>
+
+<file path=ppt/slides/slide26.xml><?xml version="1.0" encoding="utf-8"?>
+<p:sld xmlns:a="http://schemas.openxmlformats.org/drawingml/2006/main" xmlns:r="http://schemas.openxmlformats.org/officeDocument/2006/relationships" xmlns:p="http://schemas.openxmlformats.org/presentationml/2006/main">
+  <p:cSld>
+    <p:spTree>
+      <p:nvGrpSpPr>
+        <p:cNvPr id="1" name=""/>
+        <p:cNvGrpSpPr/>
+        <p:nvPr/>
+      </p:nvGrpSpPr>
+      <p:grpSpPr>
+        <a:xfrm>
+          <a:off x="0" y="0"/>
+          <a:ext cx="0" cy="0"/>
+          <a:chOff x="0" y="0"/>
+          <a:chExt cx="0" cy="0"/>
+        </a:xfrm>
+      </p:grpSpPr>
+      <p:sp>
+        <p:nvSpPr>
+          <p:cNvPr id="2" name="Title 1">
+            <a:extLst>
+              <a:ext uri="{FF2B5EF4-FFF2-40B4-BE49-F238E27FC236}">
+                <a16:creationId xmlns:a16="http://schemas.microsoft.com/office/drawing/2014/main" id="{F8ADAE79-72C3-4128-BC87-DBC5B059028E}"/>
+              </a:ext>
+            </a:extLst>
+          </p:cNvPr>
+          <p:cNvSpPr>
+            <a:spLocks noGrp="1"/>
+          </p:cNvSpPr>
+          <p:nvPr>
+            <p:ph type="ctrTitle"/>
+          </p:nvPr>
+        </p:nvSpPr>
+        <p:spPr>
+          <a:xfrm>
+            <a:off x="1154955" y="776494"/>
+            <a:ext cx="8825658" cy="741021"/>
+          </a:xfrm>
+        </p:spPr>
+        <p:txBody>
+          <a:bodyPr/>
+          <a:lstStyle/>
+          <a:p>
+            <a:r>
+              <a:rPr lang="en-US" sz="4400" dirty="0" err="1"/>
+              <a:t>IEnumerable</a:t>
+            </a:r>
+            <a:r>
+              <a:rPr lang="en-US" sz="4400" dirty="0"/>
+              <a:t> / </a:t>
+            </a:r>
+            <a:r>
+              <a:rPr lang="en-US" sz="4400" dirty="0" err="1"/>
+              <a:t>IObservable</a:t>
+            </a:r>
+            <a:endParaRPr lang="en-US" sz="4400" dirty="0"/>
+          </a:p>
+        </p:txBody>
+      </p:sp>
+      <p:graphicFrame>
+        <p:nvGraphicFramePr>
+          <p:cNvPr id="4" name="Table 4">
+            <a:extLst>
+              <a:ext uri="{FF2B5EF4-FFF2-40B4-BE49-F238E27FC236}">
+                <a16:creationId xmlns:a16="http://schemas.microsoft.com/office/drawing/2014/main" id="{A1398DBA-277A-4458-82FE-A11736F82BCA}"/>
+              </a:ext>
+            </a:extLst>
+          </p:cNvPr>
+          <p:cNvGraphicFramePr>
+            <a:graphicFrameLocks noGrp="1"/>
+          </p:cNvGraphicFramePr>
+          <p:nvPr>
+            <p:extLst>
+              <p:ext uri="{D42A27DB-BD31-4B8C-83A1-F6EECF244321}">
+                <p14:modId xmlns:p14="http://schemas.microsoft.com/office/powerpoint/2010/main" val="1624386475"/>
+              </p:ext>
+            </p:extLst>
+          </p:nvPr>
+        </p:nvGraphicFramePr>
+        <p:xfrm>
+          <a:off x="1939636" y="2176111"/>
+          <a:ext cx="8127999" cy="1559560"/>
+        </p:xfrm>
+        <a:graphic>
+          <a:graphicData uri="http://schemas.openxmlformats.org/drawingml/2006/table">
+            <a:tbl>
+              <a:tblPr firstRow="1" bandRow="1">
+                <a:tableStyleId>{5C22544A-7EE6-4342-B048-85BDC9FD1C3A}</a:tableStyleId>
+              </a:tblPr>
+              <a:tblGrid>
+                <a:gridCol w="2709333">
+                  <a:extLst>
+                    <a:ext uri="{9D8B030D-6E8A-4147-A177-3AD203B41FA5}">
+                      <a16:colId xmlns:a16="http://schemas.microsoft.com/office/drawing/2014/main" val="3974937264"/>
+                    </a:ext>
+                  </a:extLst>
+                </a:gridCol>
+                <a:gridCol w="2709333">
+                  <a:extLst>
+                    <a:ext uri="{9D8B030D-6E8A-4147-A177-3AD203B41FA5}">
+                      <a16:colId xmlns:a16="http://schemas.microsoft.com/office/drawing/2014/main" val="3458799417"/>
+                    </a:ext>
+                  </a:extLst>
+                </a:gridCol>
+                <a:gridCol w="2709333">
+                  <a:extLst>
+                    <a:ext uri="{9D8B030D-6E8A-4147-A177-3AD203B41FA5}">
+                      <a16:colId xmlns:a16="http://schemas.microsoft.com/office/drawing/2014/main" val="1681325413"/>
+                    </a:ext>
+                  </a:extLst>
+                </a:gridCol>
+              </a:tblGrid>
+              <a:tr h="370840">
+                <a:tc>
+                  <a:txBody>
+                    <a:bodyPr/>
+                    <a:lstStyle/>
+                    <a:p>
+                      <a:r>
+                        <a:rPr lang="en-US" sz="1800" b="1" i="0" kern="1200" dirty="0">
+                          <a:solidFill>
+                            <a:schemeClr val="lt1"/>
+                          </a:solidFill>
+                          <a:effectLst/>
+                          <a:latin typeface="Calibri" panose="020F0502020204030204" pitchFamily="34" charset="0"/>
+                          <a:ea typeface="+mn-ea"/>
+                          <a:cs typeface="Calibri" panose="020F0502020204030204" pitchFamily="34" charset="0"/>
+                        </a:rPr>
+                        <a:t>Enumerable   </a:t>
+                      </a:r>
+                      <a:endParaRPr lang="en-US" dirty="0">
+                        <a:latin typeface="Calibri" panose="020F0502020204030204" pitchFamily="34" charset="0"/>
+                        <a:cs typeface="Calibri" panose="020F0502020204030204" pitchFamily="34" charset="0"/>
+                      </a:endParaRPr>
+                    </a:p>
+                  </a:txBody>
+                  <a:tcPr/>
+                </a:tc>
+                <a:tc>
+                  <a:txBody>
+                    <a:bodyPr/>
+                    <a:lstStyle/>
+                    <a:p>
+                      <a:r>
+                        <a:rPr lang="en-US" sz="1800" b="1" i="0" kern="1200" dirty="0">
+                          <a:solidFill>
+                            <a:schemeClr val="lt1"/>
+                          </a:solidFill>
+                          <a:effectLst/>
+                          <a:latin typeface="Calibri" panose="020F0502020204030204" pitchFamily="34" charset="0"/>
+                          <a:ea typeface="+mn-ea"/>
+                          <a:cs typeface="Calibri" panose="020F0502020204030204" pitchFamily="34" charset="0"/>
+                        </a:rPr>
+                        <a:t>Observable</a:t>
+                      </a:r>
+                      <a:endParaRPr lang="en-US" dirty="0">
+                        <a:latin typeface="Calibri" panose="020F0502020204030204" pitchFamily="34" charset="0"/>
+                        <a:cs typeface="Calibri" panose="020F0502020204030204" pitchFamily="34" charset="0"/>
+                      </a:endParaRPr>
+                    </a:p>
+                  </a:txBody>
+                  <a:tcPr/>
+                </a:tc>
+                <a:tc>
+                  <a:txBody>
+                    <a:bodyPr/>
+                    <a:lstStyle/>
+                    <a:p>
+                      <a:endParaRPr lang="en-US" dirty="0">
+                        <a:latin typeface="Calibri" panose="020F0502020204030204" pitchFamily="34" charset="0"/>
+                        <a:cs typeface="Calibri" panose="020F0502020204030204" pitchFamily="34" charset="0"/>
+                      </a:endParaRPr>
+                    </a:p>
+                  </a:txBody>
+                  <a:tcPr/>
+                </a:tc>
+                <a:extLst>
+                  <a:ext uri="{0D108BD9-81ED-4DB2-BD59-A6C34878D82A}">
+                    <a16:rowId xmlns:a16="http://schemas.microsoft.com/office/drawing/2014/main" val="3431010865"/>
+                  </a:ext>
+                </a:extLst>
+              </a:tr>
+              <a:tr h="370840">
+                <a:tc>
+                  <a:txBody>
+                    <a:bodyPr/>
+                    <a:lstStyle/>
+                    <a:p>
+                      <a:r>
+                        <a:rPr lang="en-US" dirty="0" err="1">
+                          <a:latin typeface="Calibri" panose="020F0502020204030204" pitchFamily="34" charset="0"/>
+                          <a:cs typeface="Calibri" panose="020F0502020204030204" pitchFamily="34" charset="0"/>
+                        </a:rPr>
+                        <a:t>IEnumerator</a:t>
+                      </a:r>
+                      <a:r>
+                        <a:rPr lang="en-US" dirty="0">
+                          <a:latin typeface="Calibri" panose="020F0502020204030204" pitchFamily="34" charset="0"/>
+                          <a:cs typeface="Calibri" panose="020F0502020204030204" pitchFamily="34" charset="0"/>
+                        </a:rPr>
+                        <a:t>&lt;T&gt;.</a:t>
+                      </a:r>
+                    </a:p>
+                    <a:p>
+                      <a:r>
+                        <a:rPr lang="en-US" dirty="0">
+                          <a:latin typeface="Calibri" panose="020F0502020204030204" pitchFamily="34" charset="0"/>
+                          <a:cs typeface="Calibri" panose="020F0502020204030204" pitchFamily="34" charset="0"/>
+                        </a:rPr>
+                        <a:t>Current</a:t>
+                      </a:r>
+                    </a:p>
+                  </a:txBody>
+                  <a:tcPr/>
+                </a:tc>
+                <a:tc>
+                  <a:txBody>
+                    <a:bodyPr/>
+                    <a:lstStyle/>
+                    <a:p>
+                      <a:r>
+                        <a:rPr lang="fr-FR" dirty="0">
+                          <a:latin typeface="Calibri" panose="020F0502020204030204" pitchFamily="34" charset="0"/>
+                          <a:cs typeface="Calibri" panose="020F0502020204030204" pitchFamily="34" charset="0"/>
+                        </a:rPr>
+                        <a:t>1) </a:t>
+                      </a:r>
+                      <a:r>
+                        <a:rPr lang="fr-FR" dirty="0" err="1">
+                          <a:latin typeface="Calibri" panose="020F0502020204030204" pitchFamily="34" charset="0"/>
+                          <a:cs typeface="Calibri" panose="020F0502020204030204" pitchFamily="34" charset="0"/>
+                        </a:rPr>
+                        <a:t>IObserver</a:t>
+                      </a:r>
+                      <a:r>
+                        <a:rPr lang="fr-FR" dirty="0">
+                          <a:latin typeface="Calibri" panose="020F0502020204030204" pitchFamily="34" charset="0"/>
+                          <a:cs typeface="Calibri" panose="020F0502020204030204" pitchFamily="34" charset="0"/>
+                        </a:rPr>
+                        <a:t>&lt;T&gt;.</a:t>
+                      </a:r>
+                    </a:p>
+                    <a:p>
+                      <a:r>
+                        <a:rPr lang="fr-FR" dirty="0" err="1">
+                          <a:latin typeface="Calibri" panose="020F0502020204030204" pitchFamily="34" charset="0"/>
+                          <a:cs typeface="Calibri" panose="020F0502020204030204" pitchFamily="34" charset="0"/>
+                        </a:rPr>
+                        <a:t>OnNext</a:t>
+                      </a:r>
+                      <a:r>
+                        <a:rPr lang="fr-FR" dirty="0">
+                          <a:latin typeface="Calibri" panose="020F0502020204030204" pitchFamily="34" charset="0"/>
+                          <a:cs typeface="Calibri" panose="020F0502020204030204" pitchFamily="34" charset="0"/>
+                        </a:rPr>
+                        <a:t>()</a:t>
+                      </a:r>
+                    </a:p>
+                    <a:p>
+                      <a:r>
+                        <a:rPr lang="fr-FR" dirty="0">
+                          <a:latin typeface="Calibri" panose="020F0502020204030204" pitchFamily="34" charset="0"/>
+                          <a:cs typeface="Calibri" panose="020F0502020204030204" pitchFamily="34" charset="0"/>
+                        </a:rPr>
+                        <a:t>2) </a:t>
+                      </a:r>
+                      <a:r>
+                        <a:rPr lang="fr-FR" dirty="0" err="1">
+                          <a:latin typeface="Calibri" panose="020F0502020204030204" pitchFamily="34" charset="0"/>
+                          <a:cs typeface="Calibri" panose="020F0502020204030204" pitchFamily="34" charset="0"/>
+                        </a:rPr>
+                        <a:t>IObserver</a:t>
+                      </a:r>
+                      <a:r>
+                        <a:rPr lang="fr-FR" dirty="0">
+                          <a:latin typeface="Calibri" panose="020F0502020204030204" pitchFamily="34" charset="0"/>
+                          <a:cs typeface="Calibri" panose="020F0502020204030204" pitchFamily="34" charset="0"/>
+                        </a:rPr>
+                        <a:t>&lt;T&gt;.</a:t>
+                      </a:r>
+                    </a:p>
+                    <a:p>
+                      <a:r>
+                        <a:rPr lang="fr-FR" dirty="0" err="1">
+                          <a:latin typeface="Calibri" panose="020F0502020204030204" pitchFamily="34" charset="0"/>
+                          <a:cs typeface="Calibri" panose="020F0502020204030204" pitchFamily="34" charset="0"/>
+                        </a:rPr>
+                        <a:t>OnException</a:t>
+                      </a:r>
+                      <a:r>
+                        <a:rPr lang="fr-FR" dirty="0">
+                          <a:latin typeface="Calibri" panose="020F0502020204030204" pitchFamily="34" charset="0"/>
+                          <a:cs typeface="Calibri" panose="020F0502020204030204" pitchFamily="34" charset="0"/>
+                        </a:rPr>
+                        <a:t>()</a:t>
+                      </a:r>
+                      <a:endParaRPr lang="en-US" dirty="0">
+                        <a:latin typeface="Calibri" panose="020F0502020204030204" pitchFamily="34" charset="0"/>
+                        <a:cs typeface="Calibri" panose="020F0502020204030204" pitchFamily="34" charset="0"/>
+                      </a:endParaRPr>
+                    </a:p>
+                  </a:txBody>
+                  <a:tcPr/>
+                </a:tc>
+                <a:tc>
+                  <a:txBody>
+                    <a:bodyPr/>
+                    <a:lstStyle/>
+                    <a:p>
+                      <a:r>
+                        <a:rPr lang="ru-RU" dirty="0">
+                          <a:latin typeface="Calibri" panose="020F0502020204030204" pitchFamily="34" charset="0"/>
+                          <a:cs typeface="Calibri" panose="020F0502020204030204" pitchFamily="34" charset="0"/>
+                        </a:rPr>
+                        <a:t>Получить (и обработать) очередной элемент. </a:t>
+                      </a:r>
+                      <a:endParaRPr lang="en-US" dirty="0">
+                        <a:latin typeface="Calibri" panose="020F0502020204030204" pitchFamily="34" charset="0"/>
+                        <a:cs typeface="Calibri" panose="020F0502020204030204" pitchFamily="34" charset="0"/>
+                      </a:endParaRPr>
+                    </a:p>
+                  </a:txBody>
+                  <a:tcPr/>
+                </a:tc>
+                <a:extLst>
+                  <a:ext uri="{0D108BD9-81ED-4DB2-BD59-A6C34878D82A}">
+                    <a16:rowId xmlns:a16="http://schemas.microsoft.com/office/drawing/2014/main" val="2198758469"/>
+                  </a:ext>
+                </a:extLst>
+              </a:tr>
+            </a:tbl>
+          </a:graphicData>
+        </a:graphic>
+      </p:graphicFrame>
+    </p:spTree>
+    <p:extLst>
+      <p:ext uri="{BB962C8B-B14F-4D97-AF65-F5344CB8AC3E}">
+        <p14:creationId xmlns:p14="http://schemas.microsoft.com/office/powerpoint/2010/main" val="3693830570"/>
+      </p:ext>
+    </p:extLst>
+  </p:cSld>
+  <p:clrMapOvr>
+    <a:masterClrMapping/>
+  </p:clrMapOvr>
+</p:sld>
+</file>
+
+<file path=ppt/slides/slide27.xml><?xml version="1.0" encoding="utf-8"?>
+<p:sld xmlns:a="http://schemas.openxmlformats.org/drawingml/2006/main" xmlns:r="http://schemas.openxmlformats.org/officeDocument/2006/relationships" xmlns:p="http://schemas.openxmlformats.org/presentationml/2006/main">
+  <p:cSld>
+    <p:spTree>
+      <p:nvGrpSpPr>
+        <p:cNvPr id="1" name=""/>
+        <p:cNvGrpSpPr/>
+        <p:nvPr/>
+      </p:nvGrpSpPr>
+      <p:grpSpPr>
+        <a:xfrm>
+          <a:off x="0" y="0"/>
+          <a:ext cx="0" cy="0"/>
+          <a:chOff x="0" y="0"/>
+          <a:chExt cx="0" cy="0"/>
+        </a:xfrm>
+      </p:grpSpPr>
+      <p:sp>
+        <p:nvSpPr>
+          <p:cNvPr id="2" name="Title 1">
+            <a:extLst>
+              <a:ext uri="{FF2B5EF4-FFF2-40B4-BE49-F238E27FC236}">
+                <a16:creationId xmlns:a16="http://schemas.microsoft.com/office/drawing/2014/main" id="{F8ADAE79-72C3-4128-BC87-DBC5B059028E}"/>
+              </a:ext>
+            </a:extLst>
+          </p:cNvPr>
+          <p:cNvSpPr>
+            <a:spLocks noGrp="1"/>
+          </p:cNvSpPr>
+          <p:nvPr>
+            <p:ph type="ctrTitle"/>
+          </p:nvPr>
+        </p:nvSpPr>
+        <p:spPr>
+          <a:xfrm>
+            <a:off x="1154955" y="776494"/>
+            <a:ext cx="8825658" cy="741021"/>
+          </a:xfrm>
+        </p:spPr>
+        <p:txBody>
+          <a:bodyPr/>
+          <a:lstStyle/>
+          <a:p>
+            <a:r>
+              <a:rPr lang="en-US" sz="4400" dirty="0" err="1"/>
+              <a:t>IEnumerable</a:t>
+            </a:r>
+            <a:r>
+              <a:rPr lang="en-US" sz="4400" dirty="0"/>
+              <a:t> / </a:t>
+            </a:r>
+            <a:r>
+              <a:rPr lang="en-US" sz="4400" dirty="0" err="1"/>
+              <a:t>IObservable</a:t>
+            </a:r>
+            <a:endParaRPr lang="en-US" sz="4400" dirty="0"/>
+          </a:p>
+        </p:txBody>
+      </p:sp>
+      <p:graphicFrame>
+        <p:nvGraphicFramePr>
+          <p:cNvPr id="4" name="Table 4">
+            <a:extLst>
+              <a:ext uri="{FF2B5EF4-FFF2-40B4-BE49-F238E27FC236}">
+                <a16:creationId xmlns:a16="http://schemas.microsoft.com/office/drawing/2014/main" id="{A1398DBA-277A-4458-82FE-A11736F82BCA}"/>
+              </a:ext>
+            </a:extLst>
+          </p:cNvPr>
+          <p:cNvGraphicFramePr>
+            <a:graphicFrameLocks noGrp="1"/>
+          </p:cNvGraphicFramePr>
+          <p:nvPr>
+            <p:extLst>
+              <p:ext uri="{D42A27DB-BD31-4B8C-83A1-F6EECF244321}">
+                <p14:modId xmlns:p14="http://schemas.microsoft.com/office/powerpoint/2010/main" val="2505812157"/>
+              </p:ext>
+            </p:extLst>
+          </p:nvPr>
+        </p:nvGraphicFramePr>
+        <p:xfrm>
+          <a:off x="1939636" y="2176111"/>
+          <a:ext cx="8127999" cy="1010920"/>
+        </p:xfrm>
+        <a:graphic>
+          <a:graphicData uri="http://schemas.openxmlformats.org/drawingml/2006/table">
+            <a:tbl>
+              <a:tblPr firstRow="1" bandRow="1">
+                <a:tableStyleId>{5C22544A-7EE6-4342-B048-85BDC9FD1C3A}</a:tableStyleId>
+              </a:tblPr>
+              <a:tblGrid>
+                <a:gridCol w="2709333">
+                  <a:extLst>
+                    <a:ext uri="{9D8B030D-6E8A-4147-A177-3AD203B41FA5}">
+                      <a16:colId xmlns:a16="http://schemas.microsoft.com/office/drawing/2014/main" val="3974937264"/>
+                    </a:ext>
+                  </a:extLst>
+                </a:gridCol>
+                <a:gridCol w="2709333">
+                  <a:extLst>
+                    <a:ext uri="{9D8B030D-6E8A-4147-A177-3AD203B41FA5}">
+                      <a16:colId xmlns:a16="http://schemas.microsoft.com/office/drawing/2014/main" val="3458799417"/>
+                    </a:ext>
+                  </a:extLst>
+                </a:gridCol>
+                <a:gridCol w="2709333">
+                  <a:extLst>
+                    <a:ext uri="{9D8B030D-6E8A-4147-A177-3AD203B41FA5}">
+                      <a16:colId xmlns:a16="http://schemas.microsoft.com/office/drawing/2014/main" val="1681325413"/>
+                    </a:ext>
+                  </a:extLst>
+                </a:gridCol>
+              </a:tblGrid>
+              <a:tr h="370840">
+                <a:tc>
+                  <a:txBody>
+                    <a:bodyPr/>
+                    <a:lstStyle/>
+                    <a:p>
+                      <a:r>
+                        <a:rPr lang="en-US" sz="1800" b="1" i="0" kern="1200" dirty="0">
+                          <a:solidFill>
+                            <a:schemeClr val="lt1"/>
+                          </a:solidFill>
+                          <a:effectLst/>
+                          <a:latin typeface="Calibri" panose="020F0502020204030204" pitchFamily="34" charset="0"/>
+                          <a:ea typeface="+mn-ea"/>
+                          <a:cs typeface="Calibri" panose="020F0502020204030204" pitchFamily="34" charset="0"/>
+                        </a:rPr>
+                        <a:t>Enumerable   </a:t>
+                      </a:r>
+                      <a:endParaRPr lang="en-US" dirty="0">
+                        <a:latin typeface="Calibri" panose="020F0502020204030204" pitchFamily="34" charset="0"/>
+                        <a:cs typeface="Calibri" panose="020F0502020204030204" pitchFamily="34" charset="0"/>
+                      </a:endParaRPr>
+                    </a:p>
+                  </a:txBody>
+                  <a:tcPr/>
+                </a:tc>
+                <a:tc>
+                  <a:txBody>
+                    <a:bodyPr/>
+                    <a:lstStyle/>
+                    <a:p>
+                      <a:r>
+                        <a:rPr lang="en-US" sz="1800" b="1" i="0" kern="1200" dirty="0">
+                          <a:solidFill>
+                            <a:schemeClr val="lt1"/>
+                          </a:solidFill>
+                          <a:effectLst/>
+                          <a:latin typeface="Calibri" panose="020F0502020204030204" pitchFamily="34" charset="0"/>
+                          <a:ea typeface="+mn-ea"/>
+                          <a:cs typeface="Calibri" panose="020F0502020204030204" pitchFamily="34" charset="0"/>
+                        </a:rPr>
+                        <a:t>Observable</a:t>
+                      </a:r>
+                      <a:endParaRPr lang="en-US" dirty="0">
+                        <a:latin typeface="Calibri" panose="020F0502020204030204" pitchFamily="34" charset="0"/>
+                        <a:cs typeface="Calibri" panose="020F0502020204030204" pitchFamily="34" charset="0"/>
+                      </a:endParaRPr>
+                    </a:p>
+                  </a:txBody>
+                  <a:tcPr/>
+                </a:tc>
+                <a:tc>
+                  <a:txBody>
+                    <a:bodyPr/>
+                    <a:lstStyle/>
+                    <a:p>
+                      <a:endParaRPr lang="en-US" dirty="0">
+                        <a:latin typeface="Calibri" panose="020F0502020204030204" pitchFamily="34" charset="0"/>
+                        <a:cs typeface="Calibri" panose="020F0502020204030204" pitchFamily="34" charset="0"/>
+                      </a:endParaRPr>
+                    </a:p>
+                  </a:txBody>
+                  <a:tcPr/>
+                </a:tc>
+                <a:extLst>
+                  <a:ext uri="{0D108BD9-81ED-4DB2-BD59-A6C34878D82A}">
+                    <a16:rowId xmlns:a16="http://schemas.microsoft.com/office/drawing/2014/main" val="3431010865"/>
+                  </a:ext>
+                </a:extLst>
+              </a:tr>
+              <a:tr h="370840">
+                <a:tc>
+                  <a:txBody>
+                    <a:bodyPr/>
+                    <a:lstStyle/>
+                    <a:p>
+                      <a:r>
+                        <a:rPr lang="en-US" dirty="0" err="1">
+                          <a:latin typeface="Calibri" panose="020F0502020204030204" pitchFamily="34" charset="0"/>
+                          <a:cs typeface="Calibri" panose="020F0502020204030204" pitchFamily="34" charset="0"/>
+                        </a:rPr>
+                        <a:t>IEnumerator</a:t>
+                      </a:r>
+                      <a:r>
+                        <a:rPr lang="en-US" dirty="0">
+                          <a:latin typeface="Calibri" panose="020F0502020204030204" pitchFamily="34" charset="0"/>
+                          <a:cs typeface="Calibri" panose="020F0502020204030204" pitchFamily="34" charset="0"/>
+                        </a:rPr>
+                        <a:t>&lt;T&gt;.</a:t>
+                      </a:r>
+                    </a:p>
+                    <a:p>
+                      <a:r>
+                        <a:rPr lang="en-US" dirty="0" err="1">
+                          <a:latin typeface="Calibri" panose="020F0502020204030204" pitchFamily="34" charset="0"/>
+                          <a:cs typeface="Calibri" panose="020F0502020204030204" pitchFamily="34" charset="0"/>
+                        </a:rPr>
+                        <a:t>MoveNext</a:t>
+                      </a:r>
+                      <a:r>
+                        <a:rPr lang="en-US" dirty="0">
+                          <a:latin typeface="Calibri" panose="020F0502020204030204" pitchFamily="34" charset="0"/>
+                          <a:cs typeface="Calibri" panose="020F0502020204030204" pitchFamily="34" charset="0"/>
+                        </a:rPr>
+                        <a:t>()</a:t>
+                      </a:r>
+                    </a:p>
+                  </a:txBody>
+                  <a:tcPr/>
+                </a:tc>
+                <a:tc>
+                  <a:txBody>
+                    <a:bodyPr/>
+                    <a:lstStyle/>
+                    <a:p>
+                      <a:r>
+                        <a:rPr lang="en-US" dirty="0" err="1">
+                          <a:latin typeface="Calibri" panose="020F0502020204030204" pitchFamily="34" charset="0"/>
+                          <a:cs typeface="Calibri" panose="020F0502020204030204" pitchFamily="34" charset="0"/>
+                        </a:rPr>
+                        <a:t>IObserver</a:t>
+                      </a:r>
+                      <a:r>
+                        <a:rPr lang="en-US" dirty="0">
+                          <a:latin typeface="Calibri" panose="020F0502020204030204" pitchFamily="34" charset="0"/>
+                          <a:cs typeface="Calibri" panose="020F0502020204030204" pitchFamily="34" charset="0"/>
+                        </a:rPr>
+                        <a:t>&lt;T&gt;.</a:t>
+                      </a:r>
+                    </a:p>
+                    <a:p>
+                      <a:r>
+                        <a:rPr lang="en-US" dirty="0" err="1">
+                          <a:latin typeface="Calibri" panose="020F0502020204030204" pitchFamily="34" charset="0"/>
+                          <a:cs typeface="Calibri" panose="020F0502020204030204" pitchFamily="34" charset="0"/>
+                        </a:rPr>
+                        <a:t>OnComplete</a:t>
+                      </a:r>
+                      <a:r>
+                        <a:rPr lang="en-US" dirty="0">
+                          <a:latin typeface="Calibri" panose="020F0502020204030204" pitchFamily="34" charset="0"/>
+                          <a:cs typeface="Calibri" panose="020F0502020204030204" pitchFamily="34" charset="0"/>
+                        </a:rPr>
+                        <a:t>()</a:t>
+                      </a:r>
+                    </a:p>
+                  </a:txBody>
+                  <a:tcPr/>
+                </a:tc>
+                <a:tc>
+                  <a:txBody>
+                    <a:bodyPr/>
+                    <a:lstStyle/>
+                    <a:p>
+                      <a:endParaRPr lang="en-US" dirty="0">
+                        <a:latin typeface="Calibri" panose="020F0502020204030204" pitchFamily="34" charset="0"/>
+                        <a:cs typeface="Calibri" panose="020F0502020204030204" pitchFamily="34" charset="0"/>
+                      </a:endParaRPr>
+                    </a:p>
+                  </a:txBody>
+                  <a:tcPr/>
+                </a:tc>
+                <a:extLst>
+                  <a:ext uri="{0D108BD9-81ED-4DB2-BD59-A6C34878D82A}">
+                    <a16:rowId xmlns:a16="http://schemas.microsoft.com/office/drawing/2014/main" val="2198758469"/>
+                  </a:ext>
+                </a:extLst>
+              </a:tr>
+            </a:tbl>
+          </a:graphicData>
+        </a:graphic>
+      </p:graphicFrame>
+    </p:spTree>
+    <p:extLst>
+      <p:ext uri="{BB962C8B-B14F-4D97-AF65-F5344CB8AC3E}">
+        <p14:creationId xmlns:p14="http://schemas.microsoft.com/office/powerpoint/2010/main" val="2609154315"/>
+      </p:ext>
+    </p:extLst>
+  </p:cSld>
+  <p:clrMapOvr>
+    <a:masterClrMapping/>
+  </p:clrMapOvr>
+</p:sld>
+</file>
+
+<file path=ppt/slides/slide28.xml><?xml version="1.0" encoding="utf-8"?>
+<p:sld xmlns:a="http://schemas.openxmlformats.org/drawingml/2006/main" xmlns:r="http://schemas.openxmlformats.org/officeDocument/2006/relationships" xmlns:p="http://schemas.openxmlformats.org/presentationml/2006/main">
+  <p:cSld>
+    <p:spTree>
+      <p:nvGrpSpPr>
+        <p:cNvPr id="1" name=""/>
+        <p:cNvGrpSpPr/>
+        <p:nvPr/>
+      </p:nvGrpSpPr>
+      <p:grpSpPr>
+        <a:xfrm>
+          <a:off x="0" y="0"/>
+          <a:ext cx="0" cy="0"/>
+          <a:chOff x="0" y="0"/>
+          <a:chExt cx="0" cy="0"/>
+        </a:xfrm>
+      </p:grpSpPr>
+      <p:sp>
+        <p:nvSpPr>
+          <p:cNvPr id="2" name="Title 1">
+            <a:extLst>
+              <a:ext uri="{FF2B5EF4-FFF2-40B4-BE49-F238E27FC236}">
+                <a16:creationId xmlns:a16="http://schemas.microsoft.com/office/drawing/2014/main" id="{F8ADAE79-72C3-4128-BC87-DBC5B059028E}"/>
+              </a:ext>
+            </a:extLst>
+          </p:cNvPr>
+          <p:cNvSpPr>
+            <a:spLocks noGrp="1"/>
+          </p:cNvSpPr>
+          <p:nvPr>
+            <p:ph type="ctrTitle"/>
+          </p:nvPr>
+        </p:nvSpPr>
+        <p:spPr>
+          <a:xfrm>
+            <a:off x="1154955" y="776494"/>
+            <a:ext cx="8825658" cy="741021"/>
+          </a:xfrm>
+        </p:spPr>
+        <p:txBody>
+          <a:bodyPr/>
+          <a:lstStyle/>
+          <a:p>
+            <a:r>
+              <a:rPr lang="en-US" sz="4400" dirty="0" err="1"/>
+              <a:t>IEnumerable</a:t>
+            </a:r>
+            <a:r>
+              <a:rPr lang="en-US" sz="4400" dirty="0"/>
+              <a:t> / </a:t>
+            </a:r>
+            <a:r>
+              <a:rPr lang="en-US" sz="4400" dirty="0" err="1"/>
+              <a:t>IObservable</a:t>
+            </a:r>
+            <a:endParaRPr lang="en-US" sz="4400" dirty="0"/>
+          </a:p>
+        </p:txBody>
+      </p:sp>
+      <p:graphicFrame>
+        <p:nvGraphicFramePr>
+          <p:cNvPr id="4" name="Table 4">
+            <a:extLst>
+              <a:ext uri="{FF2B5EF4-FFF2-40B4-BE49-F238E27FC236}">
+                <a16:creationId xmlns:a16="http://schemas.microsoft.com/office/drawing/2014/main" id="{A1398DBA-277A-4458-82FE-A11736F82BCA}"/>
+              </a:ext>
+            </a:extLst>
+          </p:cNvPr>
+          <p:cNvGraphicFramePr>
+            <a:graphicFrameLocks noGrp="1"/>
+          </p:cNvGraphicFramePr>
+          <p:nvPr>
+            <p:extLst>
+              <p:ext uri="{D42A27DB-BD31-4B8C-83A1-F6EECF244321}">
+                <p14:modId xmlns:p14="http://schemas.microsoft.com/office/powerpoint/2010/main" val="1535768520"/>
+              </p:ext>
+            </p:extLst>
+          </p:nvPr>
+        </p:nvGraphicFramePr>
+        <p:xfrm>
+          <a:off x="1939636" y="2176111"/>
+          <a:ext cx="8127999" cy="2108200"/>
+        </p:xfrm>
+        <a:graphic>
+          <a:graphicData uri="http://schemas.openxmlformats.org/drawingml/2006/table">
+            <a:tbl>
+              <a:tblPr firstRow="1" bandRow="1">
+                <a:tableStyleId>{5C22544A-7EE6-4342-B048-85BDC9FD1C3A}</a:tableStyleId>
+              </a:tblPr>
+              <a:tblGrid>
+                <a:gridCol w="2709333">
+                  <a:extLst>
+                    <a:ext uri="{9D8B030D-6E8A-4147-A177-3AD203B41FA5}">
+                      <a16:colId xmlns:a16="http://schemas.microsoft.com/office/drawing/2014/main" val="3974937264"/>
+                    </a:ext>
+                  </a:extLst>
+                </a:gridCol>
+                <a:gridCol w="2709333">
+                  <a:extLst>
+                    <a:ext uri="{9D8B030D-6E8A-4147-A177-3AD203B41FA5}">
+                      <a16:colId xmlns:a16="http://schemas.microsoft.com/office/drawing/2014/main" val="3458799417"/>
+                    </a:ext>
+                  </a:extLst>
+                </a:gridCol>
+                <a:gridCol w="2709333">
+                  <a:extLst>
+                    <a:ext uri="{9D8B030D-6E8A-4147-A177-3AD203B41FA5}">
+                      <a16:colId xmlns:a16="http://schemas.microsoft.com/office/drawing/2014/main" val="1681325413"/>
+                    </a:ext>
+                  </a:extLst>
+                </a:gridCol>
+              </a:tblGrid>
+              <a:tr h="370840">
+                <a:tc>
+                  <a:txBody>
+                    <a:bodyPr/>
+                    <a:lstStyle/>
+                    <a:p>
+                      <a:r>
+                        <a:rPr lang="en-US" sz="1800" b="1" i="0" kern="1200" dirty="0">
+                          <a:solidFill>
+                            <a:schemeClr val="lt1"/>
+                          </a:solidFill>
+                          <a:effectLst/>
+                          <a:latin typeface="Calibri" panose="020F0502020204030204" pitchFamily="34" charset="0"/>
+                          <a:ea typeface="+mn-ea"/>
+                          <a:cs typeface="Calibri" panose="020F0502020204030204" pitchFamily="34" charset="0"/>
+                        </a:rPr>
+                        <a:t>Enumerable   </a:t>
+                      </a:r>
+                      <a:endParaRPr lang="en-US" dirty="0">
+                        <a:latin typeface="Calibri" panose="020F0502020204030204" pitchFamily="34" charset="0"/>
+                        <a:cs typeface="Calibri" panose="020F0502020204030204" pitchFamily="34" charset="0"/>
+                      </a:endParaRPr>
+                    </a:p>
+                  </a:txBody>
+                  <a:tcPr/>
+                </a:tc>
+                <a:tc>
+                  <a:txBody>
+                    <a:bodyPr/>
+                    <a:lstStyle/>
+                    <a:p>
+                      <a:r>
+                        <a:rPr lang="en-US" sz="1800" b="1" i="0" kern="1200" dirty="0">
+                          <a:solidFill>
+                            <a:schemeClr val="lt1"/>
+                          </a:solidFill>
+                          <a:effectLst/>
+                          <a:latin typeface="Calibri" panose="020F0502020204030204" pitchFamily="34" charset="0"/>
+                          <a:ea typeface="+mn-ea"/>
+                          <a:cs typeface="Calibri" panose="020F0502020204030204" pitchFamily="34" charset="0"/>
+                        </a:rPr>
+                        <a:t>Observable</a:t>
+                      </a:r>
+                      <a:endParaRPr lang="en-US" dirty="0">
+                        <a:latin typeface="Calibri" panose="020F0502020204030204" pitchFamily="34" charset="0"/>
+                        <a:cs typeface="Calibri" panose="020F0502020204030204" pitchFamily="34" charset="0"/>
+                      </a:endParaRPr>
+                    </a:p>
+                  </a:txBody>
+                  <a:tcPr/>
+                </a:tc>
+                <a:tc>
+                  <a:txBody>
+                    <a:bodyPr/>
+                    <a:lstStyle/>
+                    <a:p>
+                      <a:endParaRPr lang="en-US" dirty="0">
+                        <a:latin typeface="Calibri" panose="020F0502020204030204" pitchFamily="34" charset="0"/>
+                        <a:cs typeface="Calibri" panose="020F0502020204030204" pitchFamily="34" charset="0"/>
+                      </a:endParaRPr>
+                    </a:p>
+                  </a:txBody>
+                  <a:tcPr/>
+                </a:tc>
+                <a:extLst>
+                  <a:ext uri="{0D108BD9-81ED-4DB2-BD59-A6C34878D82A}">
+                    <a16:rowId xmlns:a16="http://schemas.microsoft.com/office/drawing/2014/main" val="3431010865"/>
+                  </a:ext>
+                </a:extLst>
+              </a:tr>
+              <a:tr h="370840">
+                <a:tc>
+                  <a:txBody>
+                    <a:bodyPr/>
+                    <a:lstStyle/>
+                    <a:p>
+                      <a:r>
+                        <a:rPr lang="en-US" dirty="0" err="1">
+                          <a:latin typeface="Calibri" panose="020F0502020204030204" pitchFamily="34" charset="0"/>
+                          <a:cs typeface="Calibri" panose="020F0502020204030204" pitchFamily="34" charset="0"/>
+                        </a:rPr>
+                        <a:t>IEnumerable</a:t>
+                      </a:r>
+                      <a:r>
+                        <a:rPr lang="en-US" dirty="0">
+                          <a:latin typeface="Calibri" panose="020F0502020204030204" pitchFamily="34" charset="0"/>
+                          <a:cs typeface="Calibri" panose="020F0502020204030204" pitchFamily="34" charset="0"/>
+                        </a:rPr>
+                        <a:t>&lt;T&gt;.</a:t>
+                      </a:r>
+                    </a:p>
+                    <a:p>
+                      <a:r>
+                        <a:rPr lang="en-US" dirty="0">
+                          <a:latin typeface="Calibri" panose="020F0502020204030204" pitchFamily="34" charset="0"/>
+                          <a:cs typeface="Calibri" panose="020F0502020204030204" pitchFamily="34" charset="0"/>
+                        </a:rPr>
+                        <a:t>Dispose()</a:t>
+                      </a:r>
+                    </a:p>
+                  </a:txBody>
+                  <a:tcPr/>
+                </a:tc>
+                <a:tc>
+                  <a:txBody>
+                    <a:bodyPr/>
+                    <a:lstStyle/>
+                    <a:p>
+                      <a:r>
+                        <a:rPr lang="en-US" dirty="0" err="1">
+                          <a:latin typeface="Calibri" panose="020F0502020204030204" pitchFamily="34" charset="0"/>
+                          <a:cs typeface="Calibri" panose="020F0502020204030204" pitchFamily="34" charset="0"/>
+                        </a:rPr>
+                        <a:t>IDisposable</a:t>
+                      </a:r>
+                      <a:r>
+                        <a:rPr lang="en-US" dirty="0">
+                          <a:latin typeface="Calibri" panose="020F0502020204030204" pitchFamily="34" charset="0"/>
+                          <a:cs typeface="Calibri" panose="020F0502020204030204" pitchFamily="34" charset="0"/>
+                        </a:rPr>
+                        <a:t> </a:t>
+                      </a:r>
+                      <a:r>
+                        <a:rPr lang="en-US" dirty="0" err="1">
+                          <a:latin typeface="Calibri" panose="020F0502020204030204" pitchFamily="34" charset="0"/>
+                          <a:cs typeface="Calibri" panose="020F0502020204030204" pitchFamily="34" charset="0"/>
+                        </a:rPr>
+                        <a:t>IObservable</a:t>
+                      </a:r>
+                      <a:r>
+                        <a:rPr lang="en-US" dirty="0">
+                          <a:latin typeface="Calibri" panose="020F0502020204030204" pitchFamily="34" charset="0"/>
+                          <a:cs typeface="Calibri" panose="020F0502020204030204" pitchFamily="34" charset="0"/>
+                        </a:rPr>
+                        <a:t>&lt;T&gt;.</a:t>
+                      </a:r>
+                    </a:p>
+                    <a:p>
+                      <a:r>
+                        <a:rPr lang="en-US" dirty="0" err="1">
+                          <a:latin typeface="Calibri" panose="020F0502020204030204" pitchFamily="34" charset="0"/>
+                          <a:cs typeface="Calibri" panose="020F0502020204030204" pitchFamily="34" charset="0"/>
+                        </a:rPr>
+                        <a:t>Subscibe</a:t>
+                      </a:r>
+                      <a:r>
+                        <a:rPr lang="en-US" dirty="0">
+                          <a:latin typeface="Calibri" panose="020F0502020204030204" pitchFamily="34" charset="0"/>
+                          <a:cs typeface="Calibri" panose="020F0502020204030204" pitchFamily="34" charset="0"/>
+                        </a:rPr>
+                        <a:t>()</a:t>
+                      </a:r>
+                    </a:p>
+                  </a:txBody>
+                  <a:tcPr/>
+                </a:tc>
+                <a:tc>
+                  <a:txBody>
+                    <a:bodyPr/>
+                    <a:lstStyle/>
+                    <a:p>
+                      <a:r>
+                        <a:rPr lang="en-US" dirty="0">
+                          <a:latin typeface="Calibri" panose="020F0502020204030204" pitchFamily="34" charset="0"/>
+                          <a:cs typeface="Calibri" panose="020F0502020204030204" pitchFamily="34" charset="0"/>
+                        </a:rPr>
+                        <a:t>Enumerable – </a:t>
+                      </a:r>
+                      <a:r>
+                        <a:rPr lang="ru-RU" dirty="0">
+                          <a:latin typeface="Calibri" panose="020F0502020204030204" pitchFamily="34" charset="0"/>
+                          <a:cs typeface="Calibri" panose="020F0502020204030204" pitchFamily="34" charset="0"/>
+                        </a:rPr>
+                        <a:t>очистка ресурсов.</a:t>
+                      </a:r>
+                    </a:p>
+                    <a:p>
+                      <a:r>
+                        <a:rPr lang="en-US" dirty="0">
+                          <a:latin typeface="Calibri" panose="020F0502020204030204" pitchFamily="34" charset="0"/>
+                          <a:cs typeface="Calibri" panose="020F0502020204030204" pitchFamily="34" charset="0"/>
+                        </a:rPr>
+                        <a:t>Observable</a:t>
+                      </a:r>
+                      <a:r>
+                        <a:rPr lang="ru-RU" dirty="0">
+                          <a:latin typeface="Calibri" panose="020F0502020204030204" pitchFamily="34" charset="0"/>
+                          <a:cs typeface="Calibri" panose="020F0502020204030204" pitchFamily="34" charset="0"/>
+                        </a:rPr>
+                        <a:t> – отписка от наблюдателя. (типа оператора </a:t>
+                      </a:r>
+                      <a:r>
+                        <a:rPr lang="en-US" dirty="0">
+                          <a:latin typeface="Calibri" panose="020F0502020204030204" pitchFamily="34" charset="0"/>
+                          <a:cs typeface="Calibri" panose="020F0502020204030204" pitchFamily="34" charset="0"/>
+                        </a:rPr>
+                        <a:t>break</a:t>
+                      </a:r>
+                      <a:r>
+                        <a:rPr lang="ru-RU" dirty="0">
+                          <a:latin typeface="Calibri" panose="020F0502020204030204" pitchFamily="34" charset="0"/>
+                          <a:cs typeface="Calibri" panose="020F0502020204030204" pitchFamily="34" charset="0"/>
+                        </a:rPr>
+                        <a:t>) </a:t>
+                      </a:r>
+                    </a:p>
+                    <a:p>
+                      <a:endParaRPr lang="en-US" dirty="0">
+                        <a:latin typeface="Calibri" panose="020F0502020204030204" pitchFamily="34" charset="0"/>
+                        <a:cs typeface="Calibri" panose="020F0502020204030204" pitchFamily="34" charset="0"/>
+                      </a:endParaRPr>
+                    </a:p>
+                  </a:txBody>
+                  <a:tcPr/>
+                </a:tc>
+                <a:extLst>
+                  <a:ext uri="{0D108BD9-81ED-4DB2-BD59-A6C34878D82A}">
+                    <a16:rowId xmlns:a16="http://schemas.microsoft.com/office/drawing/2014/main" val="2198758469"/>
+                  </a:ext>
+                </a:extLst>
+              </a:tr>
+            </a:tbl>
+          </a:graphicData>
+        </a:graphic>
+      </p:graphicFrame>
+    </p:spTree>
+    <p:extLst>
+      <p:ext uri="{BB962C8B-B14F-4D97-AF65-F5344CB8AC3E}">
+        <p14:creationId xmlns:p14="http://schemas.microsoft.com/office/powerpoint/2010/main" val="522574723"/>
+      </p:ext>
+    </p:extLst>
+  </p:cSld>
+  <p:clrMapOvr>
+    <a:masterClrMapping/>
+  </p:clrMapOvr>
+</p:sld>
+</file>
+
+<file path=ppt/slides/slide29.xml><?xml version="1.0" encoding="utf-8"?>
+<p:sld xmlns:a="http://schemas.openxmlformats.org/drawingml/2006/main" xmlns:r="http://schemas.openxmlformats.org/officeDocument/2006/relationships" xmlns:p="http://schemas.openxmlformats.org/presentationml/2006/main">
+  <p:cSld>
+    <p:spTree>
+      <p:nvGrpSpPr>
+        <p:cNvPr id="1" name=""/>
+        <p:cNvGrpSpPr/>
+        <p:nvPr/>
+      </p:nvGrpSpPr>
+      <p:grpSpPr>
+        <a:xfrm>
+          <a:off x="0" y="0"/>
+          <a:ext cx="0" cy="0"/>
+          <a:chOff x="0" y="0"/>
+          <a:chExt cx="0" cy="0"/>
+        </a:xfrm>
+      </p:grpSpPr>
+      <p:sp>
+        <p:nvSpPr>
+          <p:cNvPr id="2" name="Title 1">
+            <a:extLst>
+              <a:ext uri="{FF2B5EF4-FFF2-40B4-BE49-F238E27FC236}">
+                <a16:creationId xmlns:a16="http://schemas.microsoft.com/office/drawing/2014/main" id="{F8ADAE79-72C3-4128-BC87-DBC5B059028E}"/>
+              </a:ext>
+            </a:extLst>
+          </p:cNvPr>
+          <p:cNvSpPr>
+            <a:spLocks noGrp="1"/>
+          </p:cNvSpPr>
+          <p:nvPr>
+            <p:ph type="ctrTitle"/>
+          </p:nvPr>
+        </p:nvSpPr>
+        <p:spPr>
+          <a:xfrm>
+            <a:off x="1154955" y="776494"/>
+            <a:ext cx="8825658" cy="713639"/>
+          </a:xfrm>
+        </p:spPr>
+        <p:txBody>
+          <a:bodyPr/>
+          <a:lstStyle/>
+          <a:p>
+            <a:r>
+              <a:rPr lang="en-US" sz="4400" dirty="0"/>
+              <a:t>Rx Pattern?</a:t>
+            </a:r>
+          </a:p>
+        </p:txBody>
+      </p:sp>
+      <p:sp>
+        <p:nvSpPr>
+          <p:cNvPr id="3" name="Subtitle 2">
+            <a:extLst>
+              <a:ext uri="{FF2B5EF4-FFF2-40B4-BE49-F238E27FC236}">
+                <a16:creationId xmlns:a16="http://schemas.microsoft.com/office/drawing/2014/main" id="{60C395F4-B5A3-4F2F-855A-0006FCE96DD0}"/>
+              </a:ext>
+            </a:extLst>
+          </p:cNvPr>
+          <p:cNvSpPr>
+            <a:spLocks noGrp="1"/>
+          </p:cNvSpPr>
+          <p:nvPr>
+            <p:ph type="subTitle" idx="1"/>
+          </p:nvPr>
+        </p:nvSpPr>
+        <p:spPr>
+          <a:xfrm>
+            <a:off x="1154955" y="2861733"/>
+            <a:ext cx="8825658" cy="2777067"/>
+          </a:xfrm>
+        </p:spPr>
+        <p:txBody>
+          <a:bodyPr>
+            <a:normAutofit/>
+          </a:bodyPr>
+          <a:lstStyle/>
+          <a:p>
+            <a:endParaRPr lang="en-US" sz="2400" dirty="0">
+              <a:latin typeface="Calibri" panose="020F0502020204030204" pitchFamily="34" charset="0"/>
+              <a:cs typeface="Calibri" panose="020F0502020204030204" pitchFamily="34" charset="0"/>
+            </a:endParaRPr>
+          </a:p>
+        </p:txBody>
+      </p:sp>
+    </p:spTree>
+    <p:extLst>
+      <p:ext uri="{BB962C8B-B14F-4D97-AF65-F5344CB8AC3E}">
+        <p14:creationId xmlns:p14="http://schemas.microsoft.com/office/powerpoint/2010/main" val="405368261"/>
       </p:ext>
     </p:extLst>
   </p:cSld>
@@ -14172,6 +16680,1221 @@
 </p:sld>
 </file>
 
+<file path=ppt/slides/slide30.xml><?xml version="1.0" encoding="utf-8"?>
+<p:sld xmlns:a="http://schemas.openxmlformats.org/drawingml/2006/main" xmlns:r="http://schemas.openxmlformats.org/officeDocument/2006/relationships" xmlns:p="http://schemas.openxmlformats.org/presentationml/2006/main">
+  <p:cSld>
+    <p:spTree>
+      <p:nvGrpSpPr>
+        <p:cNvPr id="1" name=""/>
+        <p:cNvGrpSpPr/>
+        <p:nvPr/>
+      </p:nvGrpSpPr>
+      <p:grpSpPr>
+        <a:xfrm>
+          <a:off x="0" y="0"/>
+          <a:ext cx="0" cy="0"/>
+          <a:chOff x="0" y="0"/>
+          <a:chExt cx="0" cy="0"/>
+        </a:xfrm>
+      </p:grpSpPr>
+      <p:sp>
+        <p:nvSpPr>
+          <p:cNvPr id="2" name="Title 1">
+            <a:extLst>
+              <a:ext uri="{FF2B5EF4-FFF2-40B4-BE49-F238E27FC236}">
+                <a16:creationId xmlns:a16="http://schemas.microsoft.com/office/drawing/2014/main" id="{F8ADAE79-72C3-4128-BC87-DBC5B059028E}"/>
+              </a:ext>
+            </a:extLst>
+          </p:cNvPr>
+          <p:cNvSpPr>
+            <a:spLocks noGrp="1"/>
+          </p:cNvSpPr>
+          <p:nvPr>
+            <p:ph type="ctrTitle"/>
+          </p:nvPr>
+        </p:nvSpPr>
+        <p:spPr>
+          <a:xfrm>
+            <a:off x="1154955" y="776494"/>
+            <a:ext cx="8825658" cy="713639"/>
+          </a:xfrm>
+        </p:spPr>
+        <p:txBody>
+          <a:bodyPr/>
+          <a:lstStyle/>
+          <a:p>
+            <a:r>
+              <a:rPr lang="en-US" sz="4400" dirty="0"/>
+              <a:t>Rx Pattern …</a:t>
+            </a:r>
+          </a:p>
+        </p:txBody>
+      </p:sp>
+      <p:sp>
+        <p:nvSpPr>
+          <p:cNvPr id="3" name="Subtitle 2">
+            <a:extLst>
+              <a:ext uri="{FF2B5EF4-FFF2-40B4-BE49-F238E27FC236}">
+                <a16:creationId xmlns:a16="http://schemas.microsoft.com/office/drawing/2014/main" id="{60C395F4-B5A3-4F2F-855A-0006FCE96DD0}"/>
+              </a:ext>
+            </a:extLst>
+          </p:cNvPr>
+          <p:cNvSpPr>
+            <a:spLocks noGrp="1"/>
+          </p:cNvSpPr>
+          <p:nvPr>
+            <p:ph type="subTitle" idx="1"/>
+          </p:nvPr>
+        </p:nvSpPr>
+        <p:spPr>
+          <a:xfrm>
+            <a:off x="1154955" y="2861733"/>
+            <a:ext cx="8825658" cy="2777067"/>
+          </a:xfrm>
+        </p:spPr>
+        <p:txBody>
+          <a:bodyPr>
+            <a:normAutofit/>
+          </a:bodyPr>
+          <a:lstStyle/>
+          <a:p>
+            <a:r>
+              <a:rPr lang="en-US" sz="2400" dirty="0">
+                <a:latin typeface="Calibri" panose="020F0502020204030204" pitchFamily="34" charset="0"/>
+                <a:cs typeface="Calibri" panose="020F0502020204030204" pitchFamily="34" charset="0"/>
+              </a:rPr>
+              <a:t>… = Observable Pattern + Iterator Pattern</a:t>
+            </a:r>
+          </a:p>
+        </p:txBody>
+      </p:sp>
+    </p:spTree>
+    <p:extLst>
+      <p:ext uri="{BB962C8B-B14F-4D97-AF65-F5344CB8AC3E}">
+        <p14:creationId xmlns:p14="http://schemas.microsoft.com/office/powerpoint/2010/main" val="3243588851"/>
+      </p:ext>
+    </p:extLst>
+  </p:cSld>
+  <p:clrMapOvr>
+    <a:masterClrMapping/>
+  </p:clrMapOvr>
+</p:sld>
+</file>
+
+<file path=ppt/slides/slide31.xml><?xml version="1.0" encoding="utf-8"?>
+<p:sld xmlns:a="http://schemas.openxmlformats.org/drawingml/2006/main" xmlns:r="http://schemas.openxmlformats.org/officeDocument/2006/relationships" xmlns:p="http://schemas.openxmlformats.org/presentationml/2006/main">
+  <p:cSld>
+    <p:spTree>
+      <p:nvGrpSpPr>
+        <p:cNvPr id="1" name=""/>
+        <p:cNvGrpSpPr/>
+        <p:nvPr/>
+      </p:nvGrpSpPr>
+      <p:grpSpPr>
+        <a:xfrm>
+          <a:off x="0" y="0"/>
+          <a:ext cx="0" cy="0"/>
+          <a:chOff x="0" y="0"/>
+          <a:chExt cx="0" cy="0"/>
+        </a:xfrm>
+      </p:grpSpPr>
+      <p:sp>
+        <p:nvSpPr>
+          <p:cNvPr id="2" name="Title 1">
+            <a:extLst>
+              <a:ext uri="{FF2B5EF4-FFF2-40B4-BE49-F238E27FC236}">
+                <a16:creationId xmlns:a16="http://schemas.microsoft.com/office/drawing/2014/main" id="{F8ADAE79-72C3-4128-BC87-DBC5B059028E}"/>
+              </a:ext>
+            </a:extLst>
+          </p:cNvPr>
+          <p:cNvSpPr>
+            <a:spLocks noGrp="1"/>
+          </p:cNvSpPr>
+          <p:nvPr>
+            <p:ph type="ctrTitle"/>
+          </p:nvPr>
+        </p:nvSpPr>
+        <p:spPr>
+          <a:xfrm>
+            <a:off x="1154955" y="776494"/>
+            <a:ext cx="8825658" cy="713639"/>
+          </a:xfrm>
+        </p:spPr>
+        <p:txBody>
+          <a:bodyPr/>
+          <a:lstStyle/>
+          <a:p>
+            <a:r>
+              <a:rPr lang="ru-RU" sz="4400" dirty="0"/>
+              <a:t>Что нового?</a:t>
+            </a:r>
+            <a:endParaRPr lang="en-US" sz="4400" dirty="0"/>
+          </a:p>
+        </p:txBody>
+      </p:sp>
+      <p:sp>
+        <p:nvSpPr>
+          <p:cNvPr id="3" name="Subtitle 2">
+            <a:extLst>
+              <a:ext uri="{FF2B5EF4-FFF2-40B4-BE49-F238E27FC236}">
+                <a16:creationId xmlns:a16="http://schemas.microsoft.com/office/drawing/2014/main" id="{60C395F4-B5A3-4F2F-855A-0006FCE96DD0}"/>
+              </a:ext>
+            </a:extLst>
+          </p:cNvPr>
+          <p:cNvSpPr>
+            <a:spLocks noGrp="1"/>
+          </p:cNvSpPr>
+          <p:nvPr>
+            <p:ph type="subTitle" idx="1"/>
+          </p:nvPr>
+        </p:nvSpPr>
+        <p:spPr>
+          <a:xfrm>
+            <a:off x="1154955" y="2861733"/>
+            <a:ext cx="8825658" cy="2777067"/>
+          </a:xfrm>
+        </p:spPr>
+        <p:txBody>
+          <a:bodyPr/>
+          <a:lstStyle/>
+          <a:p>
+            <a:endParaRPr lang="en-US" dirty="0"/>
+          </a:p>
+        </p:txBody>
+      </p:sp>
+    </p:spTree>
+    <p:extLst>
+      <p:ext uri="{BB962C8B-B14F-4D97-AF65-F5344CB8AC3E}">
+        <p14:creationId xmlns:p14="http://schemas.microsoft.com/office/powerpoint/2010/main" val="365145755"/>
+      </p:ext>
+    </p:extLst>
+  </p:cSld>
+  <p:clrMapOvr>
+    <a:masterClrMapping/>
+  </p:clrMapOvr>
+</p:sld>
+</file>
+
+<file path=ppt/slides/slide32.xml><?xml version="1.0" encoding="utf-8"?>
+<p:sld xmlns:a="http://schemas.openxmlformats.org/drawingml/2006/main" xmlns:r="http://schemas.openxmlformats.org/officeDocument/2006/relationships" xmlns:p="http://schemas.openxmlformats.org/presentationml/2006/main">
+  <p:cSld>
+    <p:spTree>
+      <p:nvGrpSpPr>
+        <p:cNvPr id="1" name=""/>
+        <p:cNvGrpSpPr/>
+        <p:nvPr/>
+      </p:nvGrpSpPr>
+      <p:grpSpPr>
+        <a:xfrm>
+          <a:off x="0" y="0"/>
+          <a:ext cx="0" cy="0"/>
+          <a:chOff x="0" y="0"/>
+          <a:chExt cx="0" cy="0"/>
+        </a:xfrm>
+      </p:grpSpPr>
+      <p:sp>
+        <p:nvSpPr>
+          <p:cNvPr id="2" name="Title 1">
+            <a:extLst>
+              <a:ext uri="{FF2B5EF4-FFF2-40B4-BE49-F238E27FC236}">
+                <a16:creationId xmlns:a16="http://schemas.microsoft.com/office/drawing/2014/main" id="{F8ADAE79-72C3-4128-BC87-DBC5B059028E}"/>
+              </a:ext>
+            </a:extLst>
+          </p:cNvPr>
+          <p:cNvSpPr>
+            <a:spLocks noGrp="1"/>
+          </p:cNvSpPr>
+          <p:nvPr>
+            <p:ph type="ctrTitle"/>
+          </p:nvPr>
+        </p:nvSpPr>
+        <p:spPr>
+          <a:xfrm>
+            <a:off x="1154955" y="776494"/>
+            <a:ext cx="8825658" cy="713639"/>
+          </a:xfrm>
+        </p:spPr>
+        <p:txBody>
+          <a:bodyPr/>
+          <a:lstStyle/>
+          <a:p>
+            <a:r>
+              <a:rPr lang="ru-RU" sz="4400" dirty="0"/>
+              <a:t>Что нового?</a:t>
+            </a:r>
+            <a:endParaRPr lang="en-US" sz="4400" dirty="0"/>
+          </a:p>
+        </p:txBody>
+      </p:sp>
+      <p:sp>
+        <p:nvSpPr>
+          <p:cNvPr id="3" name="Subtitle 2">
+            <a:extLst>
+              <a:ext uri="{FF2B5EF4-FFF2-40B4-BE49-F238E27FC236}">
+                <a16:creationId xmlns:a16="http://schemas.microsoft.com/office/drawing/2014/main" id="{60C395F4-B5A3-4F2F-855A-0006FCE96DD0}"/>
+              </a:ext>
+            </a:extLst>
+          </p:cNvPr>
+          <p:cNvSpPr>
+            <a:spLocks noGrp="1"/>
+          </p:cNvSpPr>
+          <p:nvPr>
+            <p:ph type="subTitle" idx="1"/>
+          </p:nvPr>
+        </p:nvSpPr>
+        <p:spPr>
+          <a:xfrm>
+            <a:off x="1154955" y="2861733"/>
+            <a:ext cx="8825658" cy="2777067"/>
+          </a:xfrm>
+        </p:spPr>
+        <p:txBody>
+          <a:bodyPr>
+            <a:normAutofit/>
+          </a:bodyPr>
+          <a:lstStyle/>
+          <a:p>
+            <a:r>
+              <a:rPr lang="ru-RU" sz="2400" dirty="0">
+                <a:latin typeface="Calibri" panose="020F0502020204030204" pitchFamily="34" charset="0"/>
+                <a:cs typeface="Calibri" panose="020F0502020204030204" pitchFamily="34" charset="0"/>
+              </a:rPr>
+              <a:t>А Ничего</a:t>
+            </a:r>
+            <a:r>
+              <a:rPr lang="en-US" sz="2400" dirty="0">
+                <a:latin typeface="Calibri" panose="020F0502020204030204" pitchFamily="34" charset="0"/>
+                <a:cs typeface="Calibri" panose="020F0502020204030204" pitchFamily="34" charset="0"/>
+              </a:rPr>
+              <a:t> …</a:t>
+            </a:r>
+          </a:p>
+        </p:txBody>
+      </p:sp>
+    </p:spTree>
+    <p:extLst>
+      <p:ext uri="{BB962C8B-B14F-4D97-AF65-F5344CB8AC3E}">
+        <p14:creationId xmlns:p14="http://schemas.microsoft.com/office/powerpoint/2010/main" val="2490571679"/>
+      </p:ext>
+    </p:extLst>
+  </p:cSld>
+  <p:clrMapOvr>
+    <a:masterClrMapping/>
+  </p:clrMapOvr>
+</p:sld>
+</file>
+
+<file path=ppt/slides/slide33.xml><?xml version="1.0" encoding="utf-8"?>
+<p:sld xmlns:a="http://schemas.openxmlformats.org/drawingml/2006/main" xmlns:r="http://schemas.openxmlformats.org/officeDocument/2006/relationships" xmlns:p="http://schemas.openxmlformats.org/presentationml/2006/main">
+  <p:cSld>
+    <p:spTree>
+      <p:nvGrpSpPr>
+        <p:cNvPr id="1" name=""/>
+        <p:cNvGrpSpPr/>
+        <p:nvPr/>
+      </p:nvGrpSpPr>
+      <p:grpSpPr>
+        <a:xfrm>
+          <a:off x="0" y="0"/>
+          <a:ext cx="0" cy="0"/>
+          <a:chOff x="0" y="0"/>
+          <a:chExt cx="0" cy="0"/>
+        </a:xfrm>
+      </p:grpSpPr>
+      <p:sp>
+        <p:nvSpPr>
+          <p:cNvPr id="2" name="Title 1">
+            <a:extLst>
+              <a:ext uri="{FF2B5EF4-FFF2-40B4-BE49-F238E27FC236}">
+                <a16:creationId xmlns:a16="http://schemas.microsoft.com/office/drawing/2014/main" id="{F8ADAE79-72C3-4128-BC87-DBC5B059028E}"/>
+              </a:ext>
+            </a:extLst>
+          </p:cNvPr>
+          <p:cNvSpPr>
+            <a:spLocks noGrp="1"/>
+          </p:cNvSpPr>
+          <p:nvPr>
+            <p:ph type="ctrTitle"/>
+          </p:nvPr>
+        </p:nvSpPr>
+        <p:spPr>
+          <a:xfrm>
+            <a:off x="1154955" y="776494"/>
+            <a:ext cx="8825658" cy="713639"/>
+          </a:xfrm>
+        </p:spPr>
+        <p:txBody>
+          <a:bodyPr/>
+          <a:lstStyle/>
+          <a:p>
+            <a:r>
+              <a:rPr lang="ru-RU" sz="4400" dirty="0"/>
+              <a:t>Что нового?</a:t>
+            </a:r>
+            <a:endParaRPr lang="en-US" sz="4400" dirty="0"/>
+          </a:p>
+        </p:txBody>
+      </p:sp>
+      <p:sp>
+        <p:nvSpPr>
+          <p:cNvPr id="3" name="Subtitle 2">
+            <a:extLst>
+              <a:ext uri="{FF2B5EF4-FFF2-40B4-BE49-F238E27FC236}">
+                <a16:creationId xmlns:a16="http://schemas.microsoft.com/office/drawing/2014/main" id="{60C395F4-B5A3-4F2F-855A-0006FCE96DD0}"/>
+              </a:ext>
+            </a:extLst>
+          </p:cNvPr>
+          <p:cNvSpPr>
+            <a:spLocks noGrp="1"/>
+          </p:cNvSpPr>
+          <p:nvPr>
+            <p:ph type="subTitle" idx="1"/>
+          </p:nvPr>
+        </p:nvSpPr>
+        <p:spPr>
+          <a:xfrm>
+            <a:off x="1154955" y="2861733"/>
+            <a:ext cx="8825658" cy="2777067"/>
+          </a:xfrm>
+        </p:spPr>
+        <p:txBody>
+          <a:bodyPr/>
+          <a:lstStyle/>
+          <a:p>
+            <a:r>
+              <a:rPr lang="ru-RU" sz="2400" dirty="0">
+                <a:latin typeface="Calibri" panose="020F0502020204030204" pitchFamily="34" charset="0"/>
+                <a:cs typeface="Calibri" panose="020F0502020204030204" pitchFamily="34" charset="0"/>
+              </a:rPr>
+              <a:t>А Ничего</a:t>
+            </a:r>
+            <a:r>
+              <a:rPr lang="en-US" sz="2400" dirty="0">
+                <a:latin typeface="Calibri" panose="020F0502020204030204" pitchFamily="34" charset="0"/>
+                <a:cs typeface="Calibri" panose="020F0502020204030204" pitchFamily="34" charset="0"/>
+              </a:rPr>
+              <a:t> …</a:t>
+            </a:r>
+            <a:endParaRPr lang="ru-RU" sz="2400" dirty="0">
+              <a:latin typeface="Calibri" panose="020F0502020204030204" pitchFamily="34" charset="0"/>
+              <a:cs typeface="Calibri" panose="020F0502020204030204" pitchFamily="34" charset="0"/>
+            </a:endParaRPr>
+          </a:p>
+          <a:p>
+            <a:pPr marL="285750" indent="-285750">
+              <a:buFont typeface="Arial" panose="020B0604020202020204" pitchFamily="34" charset="0"/>
+              <a:buChar char="•"/>
+            </a:pPr>
+            <a:r>
+              <a:rPr lang="ru-RU" b="1" dirty="0">
+                <a:latin typeface="Calibri" panose="020F0502020204030204" pitchFamily="34" charset="0"/>
+                <a:cs typeface="Calibri" panose="020F0502020204030204" pitchFamily="34" charset="0"/>
+              </a:rPr>
+              <a:t>За всем что меняется можно наблюдать и реагировать</a:t>
+            </a:r>
+          </a:p>
+        </p:txBody>
+      </p:sp>
+    </p:spTree>
+    <p:extLst>
+      <p:ext uri="{BB962C8B-B14F-4D97-AF65-F5344CB8AC3E}">
+        <p14:creationId xmlns:p14="http://schemas.microsoft.com/office/powerpoint/2010/main" val="2653499621"/>
+      </p:ext>
+    </p:extLst>
+  </p:cSld>
+  <p:clrMapOvr>
+    <a:masterClrMapping/>
+  </p:clrMapOvr>
+</p:sld>
+</file>
+
+<file path=ppt/slides/slide34.xml><?xml version="1.0" encoding="utf-8"?>
+<p:sld xmlns:a="http://schemas.openxmlformats.org/drawingml/2006/main" xmlns:r="http://schemas.openxmlformats.org/officeDocument/2006/relationships" xmlns:p="http://schemas.openxmlformats.org/presentationml/2006/main">
+  <p:cSld>
+    <p:spTree>
+      <p:nvGrpSpPr>
+        <p:cNvPr id="1" name=""/>
+        <p:cNvGrpSpPr/>
+        <p:nvPr/>
+      </p:nvGrpSpPr>
+      <p:grpSpPr>
+        <a:xfrm>
+          <a:off x="0" y="0"/>
+          <a:ext cx="0" cy="0"/>
+          <a:chOff x="0" y="0"/>
+          <a:chExt cx="0" cy="0"/>
+        </a:xfrm>
+      </p:grpSpPr>
+      <p:sp>
+        <p:nvSpPr>
+          <p:cNvPr id="2" name="Title 1">
+            <a:extLst>
+              <a:ext uri="{FF2B5EF4-FFF2-40B4-BE49-F238E27FC236}">
+                <a16:creationId xmlns:a16="http://schemas.microsoft.com/office/drawing/2014/main" id="{F8ADAE79-72C3-4128-BC87-DBC5B059028E}"/>
+              </a:ext>
+            </a:extLst>
+          </p:cNvPr>
+          <p:cNvSpPr>
+            <a:spLocks noGrp="1"/>
+          </p:cNvSpPr>
+          <p:nvPr>
+            <p:ph type="ctrTitle"/>
+          </p:nvPr>
+        </p:nvSpPr>
+        <p:spPr>
+          <a:xfrm>
+            <a:off x="1154955" y="776494"/>
+            <a:ext cx="8825658" cy="713639"/>
+          </a:xfrm>
+        </p:spPr>
+        <p:txBody>
+          <a:bodyPr/>
+          <a:lstStyle/>
+          <a:p>
+            <a:r>
+              <a:rPr lang="ru-RU" sz="4400" dirty="0"/>
+              <a:t>Что нового?</a:t>
+            </a:r>
+            <a:endParaRPr lang="en-US" sz="4400" dirty="0"/>
+          </a:p>
+        </p:txBody>
+      </p:sp>
+      <p:sp>
+        <p:nvSpPr>
+          <p:cNvPr id="3" name="Subtitle 2">
+            <a:extLst>
+              <a:ext uri="{FF2B5EF4-FFF2-40B4-BE49-F238E27FC236}">
+                <a16:creationId xmlns:a16="http://schemas.microsoft.com/office/drawing/2014/main" id="{60C395F4-B5A3-4F2F-855A-0006FCE96DD0}"/>
+              </a:ext>
+            </a:extLst>
+          </p:cNvPr>
+          <p:cNvSpPr>
+            <a:spLocks noGrp="1"/>
+          </p:cNvSpPr>
+          <p:nvPr>
+            <p:ph type="subTitle" idx="1"/>
+          </p:nvPr>
+        </p:nvSpPr>
+        <p:spPr>
+          <a:xfrm>
+            <a:off x="1154955" y="2861733"/>
+            <a:ext cx="8825658" cy="2777067"/>
+          </a:xfrm>
+        </p:spPr>
+        <p:txBody>
+          <a:bodyPr/>
+          <a:lstStyle/>
+          <a:p>
+            <a:r>
+              <a:rPr lang="ru-RU" sz="2400" dirty="0">
+                <a:latin typeface="Calibri" panose="020F0502020204030204" pitchFamily="34" charset="0"/>
+                <a:cs typeface="Calibri" panose="020F0502020204030204" pitchFamily="34" charset="0"/>
+              </a:rPr>
+              <a:t>А Ничего</a:t>
+            </a:r>
+            <a:r>
+              <a:rPr lang="en-US" sz="2400" dirty="0">
+                <a:latin typeface="Calibri" panose="020F0502020204030204" pitchFamily="34" charset="0"/>
+                <a:cs typeface="Calibri" panose="020F0502020204030204" pitchFamily="34" charset="0"/>
+              </a:rPr>
+              <a:t> …</a:t>
+            </a:r>
+            <a:endParaRPr lang="ru-RU" sz="2400" dirty="0">
+              <a:latin typeface="Calibri" panose="020F0502020204030204" pitchFamily="34" charset="0"/>
+              <a:cs typeface="Calibri" panose="020F0502020204030204" pitchFamily="34" charset="0"/>
+            </a:endParaRPr>
+          </a:p>
+          <a:p>
+            <a:pPr marL="285750" indent="-285750">
+              <a:buFont typeface="Arial" panose="020B0604020202020204" pitchFamily="34" charset="0"/>
+              <a:buChar char="•"/>
+            </a:pPr>
+            <a:r>
+              <a:rPr lang="ru-RU" sz="1400" dirty="0">
+                <a:latin typeface="Calibri" panose="020F0502020204030204" pitchFamily="34" charset="0"/>
+                <a:cs typeface="Calibri" panose="020F0502020204030204" pitchFamily="34" charset="0"/>
+              </a:rPr>
+              <a:t>За всем что меняется можно наблюдать и реагировать</a:t>
+            </a:r>
+          </a:p>
+          <a:p>
+            <a:pPr marL="285750" indent="-285750">
+              <a:buFont typeface="Arial" panose="020B0604020202020204" pitchFamily="34" charset="0"/>
+              <a:buChar char="•"/>
+            </a:pPr>
+            <a:r>
+              <a:rPr lang="en-US" b="1" dirty="0">
+                <a:latin typeface="Calibri" panose="020F0502020204030204" pitchFamily="34" charset="0"/>
+                <a:cs typeface="Calibri" panose="020F0502020204030204" pitchFamily="34" charset="0"/>
+              </a:rPr>
+              <a:t>Observable</a:t>
+            </a:r>
+          </a:p>
+        </p:txBody>
+      </p:sp>
+    </p:spTree>
+    <p:extLst>
+      <p:ext uri="{BB962C8B-B14F-4D97-AF65-F5344CB8AC3E}">
+        <p14:creationId xmlns:p14="http://schemas.microsoft.com/office/powerpoint/2010/main" val="3748695232"/>
+      </p:ext>
+    </p:extLst>
+  </p:cSld>
+  <p:clrMapOvr>
+    <a:masterClrMapping/>
+  </p:clrMapOvr>
+</p:sld>
+</file>
+
+<file path=ppt/slides/slide35.xml><?xml version="1.0" encoding="utf-8"?>
+<p:sld xmlns:a="http://schemas.openxmlformats.org/drawingml/2006/main" xmlns:r="http://schemas.openxmlformats.org/officeDocument/2006/relationships" xmlns:p="http://schemas.openxmlformats.org/presentationml/2006/main">
+  <p:cSld>
+    <p:spTree>
+      <p:nvGrpSpPr>
+        <p:cNvPr id="1" name=""/>
+        <p:cNvGrpSpPr/>
+        <p:nvPr/>
+      </p:nvGrpSpPr>
+      <p:grpSpPr>
+        <a:xfrm>
+          <a:off x="0" y="0"/>
+          <a:ext cx="0" cy="0"/>
+          <a:chOff x="0" y="0"/>
+          <a:chExt cx="0" cy="0"/>
+        </a:xfrm>
+      </p:grpSpPr>
+      <p:sp>
+        <p:nvSpPr>
+          <p:cNvPr id="2" name="Title 1">
+            <a:extLst>
+              <a:ext uri="{FF2B5EF4-FFF2-40B4-BE49-F238E27FC236}">
+                <a16:creationId xmlns:a16="http://schemas.microsoft.com/office/drawing/2014/main" id="{F8ADAE79-72C3-4128-BC87-DBC5B059028E}"/>
+              </a:ext>
+            </a:extLst>
+          </p:cNvPr>
+          <p:cNvSpPr>
+            <a:spLocks noGrp="1"/>
+          </p:cNvSpPr>
+          <p:nvPr>
+            <p:ph type="ctrTitle"/>
+          </p:nvPr>
+        </p:nvSpPr>
+        <p:spPr>
+          <a:xfrm>
+            <a:off x="1154955" y="776494"/>
+            <a:ext cx="8825658" cy="713639"/>
+          </a:xfrm>
+        </p:spPr>
+        <p:txBody>
+          <a:bodyPr/>
+          <a:lstStyle/>
+          <a:p>
+            <a:r>
+              <a:rPr lang="ru-RU" sz="4400" dirty="0"/>
+              <a:t>Что нового?</a:t>
+            </a:r>
+            <a:endParaRPr lang="en-US" sz="4400" dirty="0"/>
+          </a:p>
+        </p:txBody>
+      </p:sp>
+      <p:sp>
+        <p:nvSpPr>
+          <p:cNvPr id="3" name="Subtitle 2">
+            <a:extLst>
+              <a:ext uri="{FF2B5EF4-FFF2-40B4-BE49-F238E27FC236}">
+                <a16:creationId xmlns:a16="http://schemas.microsoft.com/office/drawing/2014/main" id="{60C395F4-B5A3-4F2F-855A-0006FCE96DD0}"/>
+              </a:ext>
+            </a:extLst>
+          </p:cNvPr>
+          <p:cNvSpPr>
+            <a:spLocks noGrp="1"/>
+          </p:cNvSpPr>
+          <p:nvPr>
+            <p:ph type="subTitle" idx="1"/>
+          </p:nvPr>
+        </p:nvSpPr>
+        <p:spPr>
+          <a:xfrm>
+            <a:off x="1154955" y="2861733"/>
+            <a:ext cx="8825658" cy="2777067"/>
+          </a:xfrm>
+        </p:spPr>
+        <p:txBody>
+          <a:bodyPr/>
+          <a:lstStyle/>
+          <a:p>
+            <a:r>
+              <a:rPr lang="ru-RU" sz="2400" dirty="0">
+                <a:latin typeface="Calibri" panose="020F0502020204030204" pitchFamily="34" charset="0"/>
+                <a:cs typeface="Calibri" panose="020F0502020204030204" pitchFamily="34" charset="0"/>
+              </a:rPr>
+              <a:t>А Ничего</a:t>
+            </a:r>
+            <a:r>
+              <a:rPr lang="en-US" sz="2400" dirty="0">
+                <a:latin typeface="Calibri" panose="020F0502020204030204" pitchFamily="34" charset="0"/>
+                <a:cs typeface="Calibri" panose="020F0502020204030204" pitchFamily="34" charset="0"/>
+              </a:rPr>
+              <a:t> …</a:t>
+            </a:r>
+            <a:endParaRPr lang="ru-RU" sz="2400" dirty="0">
+              <a:latin typeface="Calibri" panose="020F0502020204030204" pitchFamily="34" charset="0"/>
+              <a:cs typeface="Calibri" panose="020F0502020204030204" pitchFamily="34" charset="0"/>
+            </a:endParaRPr>
+          </a:p>
+          <a:p>
+            <a:pPr marL="285750" indent="-285750">
+              <a:buFont typeface="Arial" panose="020B0604020202020204" pitchFamily="34" charset="0"/>
+              <a:buChar char="•"/>
+            </a:pPr>
+            <a:r>
+              <a:rPr lang="ru-RU" sz="1400" dirty="0">
+                <a:latin typeface="Calibri" panose="020F0502020204030204" pitchFamily="34" charset="0"/>
+                <a:cs typeface="Calibri" panose="020F0502020204030204" pitchFamily="34" charset="0"/>
+              </a:rPr>
+              <a:t>За всем что меняется можно наблюдать и реагировать</a:t>
+            </a:r>
+          </a:p>
+          <a:p>
+            <a:pPr marL="285750" indent="-285750">
+              <a:buFont typeface="Arial" panose="020B0604020202020204" pitchFamily="34" charset="0"/>
+              <a:buChar char="•"/>
+            </a:pPr>
+            <a:r>
+              <a:rPr lang="en-US" sz="1400" dirty="0">
+                <a:latin typeface="Calibri" panose="020F0502020204030204" pitchFamily="34" charset="0"/>
+                <a:cs typeface="Calibri" panose="020F0502020204030204" pitchFamily="34" charset="0"/>
+              </a:rPr>
+              <a:t>Observable</a:t>
+            </a:r>
+          </a:p>
+          <a:p>
+            <a:pPr marL="285750" indent="-285750">
+              <a:buFont typeface="Arial" panose="020B0604020202020204" pitchFamily="34" charset="0"/>
+              <a:buChar char="•"/>
+            </a:pPr>
+            <a:r>
+              <a:rPr lang="en-US" b="1" dirty="0">
+                <a:latin typeface="Calibri" panose="020F0502020204030204" pitchFamily="34" charset="0"/>
+                <a:cs typeface="Calibri" panose="020F0502020204030204" pitchFamily="34" charset="0"/>
+              </a:rPr>
+              <a:t>Event == Observable</a:t>
+            </a:r>
+          </a:p>
+        </p:txBody>
+      </p:sp>
+    </p:spTree>
+    <p:extLst>
+      <p:ext uri="{BB962C8B-B14F-4D97-AF65-F5344CB8AC3E}">
+        <p14:creationId xmlns:p14="http://schemas.microsoft.com/office/powerpoint/2010/main" val="213210093"/>
+      </p:ext>
+    </p:extLst>
+  </p:cSld>
+  <p:clrMapOvr>
+    <a:masterClrMapping/>
+  </p:clrMapOvr>
+</p:sld>
+</file>
+
+<file path=ppt/slides/slide36.xml><?xml version="1.0" encoding="utf-8"?>
+<p:sld xmlns:a="http://schemas.openxmlformats.org/drawingml/2006/main" xmlns:r="http://schemas.openxmlformats.org/officeDocument/2006/relationships" xmlns:p="http://schemas.openxmlformats.org/presentationml/2006/main">
+  <p:cSld>
+    <p:spTree>
+      <p:nvGrpSpPr>
+        <p:cNvPr id="1" name=""/>
+        <p:cNvGrpSpPr/>
+        <p:nvPr/>
+      </p:nvGrpSpPr>
+      <p:grpSpPr>
+        <a:xfrm>
+          <a:off x="0" y="0"/>
+          <a:ext cx="0" cy="0"/>
+          <a:chOff x="0" y="0"/>
+          <a:chExt cx="0" cy="0"/>
+        </a:xfrm>
+      </p:grpSpPr>
+      <p:sp>
+        <p:nvSpPr>
+          <p:cNvPr id="2" name="Title 1">
+            <a:extLst>
+              <a:ext uri="{FF2B5EF4-FFF2-40B4-BE49-F238E27FC236}">
+                <a16:creationId xmlns:a16="http://schemas.microsoft.com/office/drawing/2014/main" id="{F8ADAE79-72C3-4128-BC87-DBC5B059028E}"/>
+              </a:ext>
+            </a:extLst>
+          </p:cNvPr>
+          <p:cNvSpPr>
+            <a:spLocks noGrp="1"/>
+          </p:cNvSpPr>
+          <p:nvPr>
+            <p:ph type="ctrTitle"/>
+          </p:nvPr>
+        </p:nvSpPr>
+        <p:spPr>
+          <a:xfrm>
+            <a:off x="1154955" y="776494"/>
+            <a:ext cx="8825658" cy="713639"/>
+          </a:xfrm>
+        </p:spPr>
+        <p:txBody>
+          <a:bodyPr/>
+          <a:lstStyle/>
+          <a:p>
+            <a:r>
+              <a:rPr lang="ru-RU" sz="4400" dirty="0"/>
+              <a:t>Что нового?</a:t>
+            </a:r>
+            <a:endParaRPr lang="en-US" sz="4400" dirty="0"/>
+          </a:p>
+        </p:txBody>
+      </p:sp>
+      <p:sp>
+        <p:nvSpPr>
+          <p:cNvPr id="3" name="Subtitle 2">
+            <a:extLst>
+              <a:ext uri="{FF2B5EF4-FFF2-40B4-BE49-F238E27FC236}">
+                <a16:creationId xmlns:a16="http://schemas.microsoft.com/office/drawing/2014/main" id="{60C395F4-B5A3-4F2F-855A-0006FCE96DD0}"/>
+              </a:ext>
+            </a:extLst>
+          </p:cNvPr>
+          <p:cNvSpPr>
+            <a:spLocks noGrp="1"/>
+          </p:cNvSpPr>
+          <p:nvPr>
+            <p:ph type="subTitle" idx="1"/>
+          </p:nvPr>
+        </p:nvSpPr>
+        <p:spPr>
+          <a:xfrm>
+            <a:off x="1154955" y="2861733"/>
+            <a:ext cx="8825658" cy="2777067"/>
+          </a:xfrm>
+        </p:spPr>
+        <p:txBody>
+          <a:bodyPr/>
+          <a:lstStyle/>
+          <a:p>
+            <a:r>
+              <a:rPr lang="ru-RU" sz="2400" dirty="0">
+                <a:latin typeface="Calibri" panose="020F0502020204030204" pitchFamily="34" charset="0"/>
+                <a:cs typeface="Calibri" panose="020F0502020204030204" pitchFamily="34" charset="0"/>
+              </a:rPr>
+              <a:t>А Ничего</a:t>
+            </a:r>
+            <a:r>
+              <a:rPr lang="en-US" sz="2400" dirty="0">
+                <a:latin typeface="Calibri" panose="020F0502020204030204" pitchFamily="34" charset="0"/>
+                <a:cs typeface="Calibri" panose="020F0502020204030204" pitchFamily="34" charset="0"/>
+              </a:rPr>
+              <a:t> …</a:t>
+            </a:r>
+            <a:endParaRPr lang="ru-RU" sz="2400" dirty="0">
+              <a:latin typeface="Calibri" panose="020F0502020204030204" pitchFamily="34" charset="0"/>
+              <a:cs typeface="Calibri" panose="020F0502020204030204" pitchFamily="34" charset="0"/>
+            </a:endParaRPr>
+          </a:p>
+          <a:p>
+            <a:pPr marL="285750" indent="-285750">
+              <a:buFont typeface="Arial" panose="020B0604020202020204" pitchFamily="34" charset="0"/>
+              <a:buChar char="•"/>
+            </a:pPr>
+            <a:r>
+              <a:rPr lang="ru-RU" sz="1400" dirty="0">
+                <a:latin typeface="Calibri" panose="020F0502020204030204" pitchFamily="34" charset="0"/>
+                <a:cs typeface="Calibri" panose="020F0502020204030204" pitchFamily="34" charset="0"/>
+              </a:rPr>
+              <a:t>За всем что меняется можно наблюдать и реагировать</a:t>
+            </a:r>
+          </a:p>
+          <a:p>
+            <a:pPr marL="285750" indent="-285750">
+              <a:buFont typeface="Arial" panose="020B0604020202020204" pitchFamily="34" charset="0"/>
+              <a:buChar char="•"/>
+            </a:pPr>
+            <a:r>
+              <a:rPr lang="en-US" sz="1400" dirty="0">
+                <a:latin typeface="Calibri" panose="020F0502020204030204" pitchFamily="34" charset="0"/>
+                <a:cs typeface="Calibri" panose="020F0502020204030204" pitchFamily="34" charset="0"/>
+              </a:rPr>
+              <a:t>Observable</a:t>
+            </a:r>
+          </a:p>
+          <a:p>
+            <a:pPr marL="285750" indent="-285750">
+              <a:buFont typeface="Arial" panose="020B0604020202020204" pitchFamily="34" charset="0"/>
+              <a:buChar char="•"/>
+            </a:pPr>
+            <a:r>
+              <a:rPr lang="en-US" sz="1400" dirty="0">
+                <a:latin typeface="Calibri" panose="020F0502020204030204" pitchFamily="34" charset="0"/>
+                <a:cs typeface="Calibri" panose="020F0502020204030204" pitchFamily="34" charset="0"/>
+              </a:rPr>
+              <a:t>Event == Observable</a:t>
+            </a:r>
+          </a:p>
+          <a:p>
+            <a:pPr marL="285750" indent="-285750">
+              <a:buFont typeface="Arial" panose="020B0604020202020204" pitchFamily="34" charset="0"/>
+              <a:buChar char="•"/>
+            </a:pPr>
+            <a:r>
+              <a:rPr lang="en-US" b="1" dirty="0">
+                <a:latin typeface="Calibri" panose="020F0502020204030204" pitchFamily="34" charset="0"/>
+                <a:cs typeface="Calibri" panose="020F0502020204030204" pitchFamily="34" charset="0"/>
+              </a:rPr>
+              <a:t>Async == Observable</a:t>
+            </a:r>
+          </a:p>
+        </p:txBody>
+      </p:sp>
+    </p:spTree>
+    <p:extLst>
+      <p:ext uri="{BB962C8B-B14F-4D97-AF65-F5344CB8AC3E}">
+        <p14:creationId xmlns:p14="http://schemas.microsoft.com/office/powerpoint/2010/main" val="1029918151"/>
+      </p:ext>
+    </p:extLst>
+  </p:cSld>
+  <p:clrMapOvr>
+    <a:masterClrMapping/>
+  </p:clrMapOvr>
+</p:sld>
+</file>
+
+<file path=ppt/slides/slide37.xml><?xml version="1.0" encoding="utf-8"?>
+<p:sld xmlns:a="http://schemas.openxmlformats.org/drawingml/2006/main" xmlns:r="http://schemas.openxmlformats.org/officeDocument/2006/relationships" xmlns:p="http://schemas.openxmlformats.org/presentationml/2006/main">
+  <p:cSld>
+    <p:spTree>
+      <p:nvGrpSpPr>
+        <p:cNvPr id="1" name=""/>
+        <p:cNvGrpSpPr/>
+        <p:nvPr/>
+      </p:nvGrpSpPr>
+      <p:grpSpPr>
+        <a:xfrm>
+          <a:off x="0" y="0"/>
+          <a:ext cx="0" cy="0"/>
+          <a:chOff x="0" y="0"/>
+          <a:chExt cx="0" cy="0"/>
+        </a:xfrm>
+      </p:grpSpPr>
+      <p:sp>
+        <p:nvSpPr>
+          <p:cNvPr id="2" name="Title 1">
+            <a:extLst>
+              <a:ext uri="{FF2B5EF4-FFF2-40B4-BE49-F238E27FC236}">
+                <a16:creationId xmlns:a16="http://schemas.microsoft.com/office/drawing/2014/main" id="{F8ADAE79-72C3-4128-BC87-DBC5B059028E}"/>
+              </a:ext>
+            </a:extLst>
+          </p:cNvPr>
+          <p:cNvSpPr>
+            <a:spLocks noGrp="1"/>
+          </p:cNvSpPr>
+          <p:nvPr>
+            <p:ph type="ctrTitle"/>
+          </p:nvPr>
+        </p:nvSpPr>
+        <p:spPr>
+          <a:xfrm>
+            <a:off x="1154955" y="776494"/>
+            <a:ext cx="8825658" cy="713639"/>
+          </a:xfrm>
+        </p:spPr>
+        <p:txBody>
+          <a:bodyPr/>
+          <a:lstStyle/>
+          <a:p>
+            <a:r>
+              <a:rPr lang="ru-RU" sz="4400" dirty="0"/>
+              <a:t>Откуда ноги ростут?</a:t>
+            </a:r>
+            <a:endParaRPr lang="en-US" sz="4400" dirty="0"/>
+          </a:p>
+        </p:txBody>
+      </p:sp>
+      <p:sp>
+        <p:nvSpPr>
+          <p:cNvPr id="3" name="Subtitle 2">
+            <a:extLst>
+              <a:ext uri="{FF2B5EF4-FFF2-40B4-BE49-F238E27FC236}">
+                <a16:creationId xmlns:a16="http://schemas.microsoft.com/office/drawing/2014/main" id="{60C395F4-B5A3-4F2F-855A-0006FCE96DD0}"/>
+              </a:ext>
+            </a:extLst>
+          </p:cNvPr>
+          <p:cNvSpPr>
+            <a:spLocks noGrp="1"/>
+          </p:cNvSpPr>
+          <p:nvPr>
+            <p:ph type="subTitle" idx="1"/>
+          </p:nvPr>
+        </p:nvSpPr>
+        <p:spPr>
+          <a:xfrm>
+            <a:off x="1154955" y="2861733"/>
+            <a:ext cx="8825658" cy="2777067"/>
+          </a:xfrm>
+        </p:spPr>
+        <p:txBody>
+          <a:bodyPr/>
+          <a:lstStyle/>
+          <a:p>
+            <a:endParaRPr lang="en-US" dirty="0"/>
+          </a:p>
+        </p:txBody>
+      </p:sp>
+    </p:spTree>
+    <p:extLst>
+      <p:ext uri="{BB962C8B-B14F-4D97-AF65-F5344CB8AC3E}">
+        <p14:creationId xmlns:p14="http://schemas.microsoft.com/office/powerpoint/2010/main" val="3692161473"/>
+      </p:ext>
+    </p:extLst>
+  </p:cSld>
+  <p:clrMapOvr>
+    <a:masterClrMapping/>
+  </p:clrMapOvr>
+</p:sld>
+</file>
+
+<file path=ppt/slides/slide38.xml><?xml version="1.0" encoding="utf-8"?>
+<p:sld xmlns:a="http://schemas.openxmlformats.org/drawingml/2006/main" xmlns:r="http://schemas.openxmlformats.org/officeDocument/2006/relationships" xmlns:p="http://schemas.openxmlformats.org/presentationml/2006/main">
+  <p:cSld>
+    <p:spTree>
+      <p:nvGrpSpPr>
+        <p:cNvPr id="1" name=""/>
+        <p:cNvGrpSpPr/>
+        <p:nvPr/>
+      </p:nvGrpSpPr>
+      <p:grpSpPr>
+        <a:xfrm>
+          <a:off x="0" y="0"/>
+          <a:ext cx="0" cy="0"/>
+          <a:chOff x="0" y="0"/>
+          <a:chExt cx="0" cy="0"/>
+        </a:xfrm>
+      </p:grpSpPr>
+      <p:sp>
+        <p:nvSpPr>
+          <p:cNvPr id="2" name="Title 1">
+            <a:extLst>
+              <a:ext uri="{FF2B5EF4-FFF2-40B4-BE49-F238E27FC236}">
+                <a16:creationId xmlns:a16="http://schemas.microsoft.com/office/drawing/2014/main" id="{F8ADAE79-72C3-4128-BC87-DBC5B059028E}"/>
+              </a:ext>
+            </a:extLst>
+          </p:cNvPr>
+          <p:cNvSpPr>
+            <a:spLocks noGrp="1"/>
+          </p:cNvSpPr>
+          <p:nvPr>
+            <p:ph type="ctrTitle"/>
+          </p:nvPr>
+        </p:nvSpPr>
+        <p:spPr>
+          <a:xfrm>
+            <a:off x="1154955" y="776494"/>
+            <a:ext cx="8825658" cy="713639"/>
+          </a:xfrm>
+        </p:spPr>
+        <p:txBody>
+          <a:bodyPr/>
+          <a:lstStyle/>
+          <a:p>
+            <a:r>
+              <a:rPr lang="ru-RU" sz="4400" dirty="0"/>
+              <a:t>Откуда ноги ростут?</a:t>
+            </a:r>
+            <a:endParaRPr lang="en-US" sz="4400" dirty="0"/>
+          </a:p>
+        </p:txBody>
+      </p:sp>
+      <p:sp>
+        <p:nvSpPr>
+          <p:cNvPr id="3" name="Subtitle 2">
+            <a:extLst>
+              <a:ext uri="{FF2B5EF4-FFF2-40B4-BE49-F238E27FC236}">
+                <a16:creationId xmlns:a16="http://schemas.microsoft.com/office/drawing/2014/main" id="{60C395F4-B5A3-4F2F-855A-0006FCE96DD0}"/>
+              </a:ext>
+            </a:extLst>
+          </p:cNvPr>
+          <p:cNvSpPr>
+            <a:spLocks noGrp="1"/>
+          </p:cNvSpPr>
+          <p:nvPr>
+            <p:ph type="subTitle" idx="1"/>
+          </p:nvPr>
+        </p:nvSpPr>
+        <p:spPr>
+          <a:xfrm>
+            <a:off x="1154955" y="2937753"/>
+            <a:ext cx="8825658" cy="2701047"/>
+          </a:xfrm>
+        </p:spPr>
+        <p:txBody>
+          <a:bodyPr/>
+          <a:lstStyle/>
+          <a:p>
+            <a:r>
+              <a:rPr lang="ru-RU" dirty="0">
+                <a:latin typeface="Calibri" panose="020F0502020204030204" pitchFamily="34" charset="0"/>
+                <a:cs typeface="Calibri" panose="020F0502020204030204" pitchFamily="34" charset="0"/>
+              </a:rPr>
+              <a:t>От </a:t>
+            </a:r>
+            <a:r>
+              <a:rPr lang="en-US" dirty="0">
+                <a:latin typeface="Calibri" panose="020F0502020204030204" pitchFamily="34" charset="0"/>
+                <a:cs typeface="Calibri" panose="020F0502020204030204" pitchFamily="34" charset="0"/>
+              </a:rPr>
+              <a:t>…</a:t>
+            </a:r>
+          </a:p>
+          <a:p>
+            <a:endParaRPr lang="en-US" dirty="0">
+              <a:latin typeface="Calibri" panose="020F0502020204030204" pitchFamily="34" charset="0"/>
+              <a:cs typeface="Calibri" panose="020F0502020204030204" pitchFamily="34" charset="0"/>
+            </a:endParaRPr>
+          </a:p>
+        </p:txBody>
+      </p:sp>
+    </p:spTree>
+    <p:extLst>
+      <p:ext uri="{BB962C8B-B14F-4D97-AF65-F5344CB8AC3E}">
+        <p14:creationId xmlns:p14="http://schemas.microsoft.com/office/powerpoint/2010/main" val="300070751"/>
+      </p:ext>
+    </p:extLst>
+  </p:cSld>
+  <p:clrMapOvr>
+    <a:masterClrMapping/>
+  </p:clrMapOvr>
+</p:sld>
+</file>
+
+<file path=ppt/slides/slide39.xml><?xml version="1.0" encoding="utf-8"?>
+<p:sld xmlns:a="http://schemas.openxmlformats.org/drawingml/2006/main" xmlns:r="http://schemas.openxmlformats.org/officeDocument/2006/relationships" xmlns:p="http://schemas.openxmlformats.org/presentationml/2006/main">
+  <p:cSld>
+    <p:spTree>
+      <p:nvGrpSpPr>
+        <p:cNvPr id="1" name=""/>
+        <p:cNvGrpSpPr/>
+        <p:nvPr/>
+      </p:nvGrpSpPr>
+      <p:grpSpPr>
+        <a:xfrm>
+          <a:off x="0" y="0"/>
+          <a:ext cx="0" cy="0"/>
+          <a:chOff x="0" y="0"/>
+          <a:chExt cx="0" cy="0"/>
+        </a:xfrm>
+      </p:grpSpPr>
+      <p:sp>
+        <p:nvSpPr>
+          <p:cNvPr id="2" name="Title 1">
+            <a:extLst>
+              <a:ext uri="{FF2B5EF4-FFF2-40B4-BE49-F238E27FC236}">
+                <a16:creationId xmlns:a16="http://schemas.microsoft.com/office/drawing/2014/main" id="{F8ADAE79-72C3-4128-BC87-DBC5B059028E}"/>
+              </a:ext>
+            </a:extLst>
+          </p:cNvPr>
+          <p:cNvSpPr>
+            <a:spLocks noGrp="1"/>
+          </p:cNvSpPr>
+          <p:nvPr>
+            <p:ph type="ctrTitle"/>
+          </p:nvPr>
+        </p:nvSpPr>
+        <p:spPr>
+          <a:xfrm>
+            <a:off x="1154955" y="776494"/>
+            <a:ext cx="8825658" cy="713639"/>
+          </a:xfrm>
+        </p:spPr>
+        <p:txBody>
+          <a:bodyPr/>
+          <a:lstStyle/>
+          <a:p>
+            <a:r>
+              <a:rPr lang="ru-RU" sz="4400" dirty="0"/>
+              <a:t>Откуда ноги ростут?</a:t>
+            </a:r>
+            <a:endParaRPr lang="en-US" sz="4400" dirty="0"/>
+          </a:p>
+        </p:txBody>
+      </p:sp>
+      <p:sp>
+        <p:nvSpPr>
+          <p:cNvPr id="3" name="Subtitle 2">
+            <a:extLst>
+              <a:ext uri="{FF2B5EF4-FFF2-40B4-BE49-F238E27FC236}">
+                <a16:creationId xmlns:a16="http://schemas.microsoft.com/office/drawing/2014/main" id="{60C395F4-B5A3-4F2F-855A-0006FCE96DD0}"/>
+              </a:ext>
+            </a:extLst>
+          </p:cNvPr>
+          <p:cNvSpPr>
+            <a:spLocks noGrp="1"/>
+          </p:cNvSpPr>
+          <p:nvPr>
+            <p:ph type="subTitle" idx="1"/>
+          </p:nvPr>
+        </p:nvSpPr>
+        <p:spPr>
+          <a:xfrm>
+            <a:off x="1154955" y="2861733"/>
+            <a:ext cx="8825658" cy="2777067"/>
+          </a:xfrm>
+        </p:spPr>
+        <p:txBody>
+          <a:bodyPr/>
+          <a:lstStyle/>
+          <a:p>
+            <a:r>
+              <a:rPr lang="ru-RU" dirty="0">
+                <a:latin typeface="Calibri" panose="020F0502020204030204" pitchFamily="34" charset="0"/>
+                <a:cs typeface="Calibri" panose="020F0502020204030204" pitchFamily="34" charset="0"/>
+              </a:rPr>
+              <a:t>От </a:t>
+            </a:r>
+            <a:r>
+              <a:rPr lang="en-US" dirty="0">
+                <a:latin typeface="Calibri" panose="020F0502020204030204" pitchFamily="34" charset="0"/>
+                <a:cs typeface="Calibri" panose="020F0502020204030204" pitchFamily="34" charset="0"/>
+              </a:rPr>
+              <a:t>… </a:t>
+            </a:r>
+            <a:r>
+              <a:rPr lang="en-US" sz="2400" b="1" dirty="0">
+                <a:latin typeface="Calibri" panose="020F0502020204030204" pitchFamily="34" charset="0"/>
+                <a:cs typeface="Calibri" panose="020F0502020204030204" pitchFamily="34" charset="0"/>
+              </a:rPr>
+              <a:t>Microsoft</a:t>
+            </a:r>
+            <a:endParaRPr lang="en-US" b="1" dirty="0">
+              <a:latin typeface="Calibri" panose="020F0502020204030204" pitchFamily="34" charset="0"/>
+              <a:cs typeface="Calibri" panose="020F0502020204030204" pitchFamily="34" charset="0"/>
+            </a:endParaRPr>
+          </a:p>
+          <a:p>
+            <a:endParaRPr lang="ru-RU" dirty="0">
+              <a:latin typeface="Calibri" panose="020F0502020204030204" pitchFamily="34" charset="0"/>
+              <a:cs typeface="Calibri" panose="020F0502020204030204" pitchFamily="34" charset="0"/>
+            </a:endParaRPr>
+          </a:p>
+          <a:p>
+            <a:endParaRPr lang="en-US" dirty="0">
+              <a:latin typeface="Calibri" panose="020F0502020204030204" pitchFamily="34" charset="0"/>
+              <a:cs typeface="Calibri" panose="020F0502020204030204" pitchFamily="34" charset="0"/>
+            </a:endParaRPr>
+          </a:p>
+        </p:txBody>
+      </p:sp>
+    </p:spTree>
+    <p:extLst>
+      <p:ext uri="{BB962C8B-B14F-4D97-AF65-F5344CB8AC3E}">
+        <p14:creationId xmlns:p14="http://schemas.microsoft.com/office/powerpoint/2010/main" val="3577867714"/>
+      </p:ext>
+    </p:extLst>
+  </p:cSld>
+  <p:clrMapOvr>
+    <a:masterClrMapping/>
+  </p:clrMapOvr>
+</p:sld>
+</file>
+
 <file path=ppt/slides/slide4.xml><?xml version="1.0" encoding="utf-8"?>
 <p:sld xmlns:a="http://schemas.openxmlformats.org/drawingml/2006/main" xmlns:r="http://schemas.openxmlformats.org/officeDocument/2006/relationships" xmlns:p="http://schemas.openxmlformats.org/presentationml/2006/main">
   <p:cSld>
@@ -14208,7 +17931,7 @@
         <p:spPr>
           <a:xfrm>
             <a:off x="1154955" y="776494"/>
-            <a:ext cx="8825658" cy="1314773"/>
+            <a:ext cx="8825658" cy="713639"/>
           </a:xfrm>
         </p:spPr>
         <p:txBody>
@@ -14216,8 +17939,12 @@
           <a:lstStyle/>
           <a:p>
             <a:r>
-              <a:rPr lang="ru-RU" sz="4400" dirty="0"/>
-              <a:t>Какие причины возникновения этой библиотеки?</a:t>
+              <a:rPr lang="en-US" sz="4400" dirty="0"/>
+              <a:t>Reactive </a:t>
+            </a:r>
+            <a:r>
+              <a:rPr lang="en-US" sz="4400" dirty="0" err="1"/>
+              <a:t>Extentions</a:t>
             </a:r>
             <a:endParaRPr lang="en-US" sz="4400" dirty="0"/>
           </a:p>
@@ -14249,14 +17976,1944 @@
           <a:bodyPr/>
           <a:lstStyle/>
           <a:p>
-            <a:endParaRPr lang="en-US" dirty="0"/>
+            <a:r>
+              <a:rPr lang="ru-RU" dirty="0">
+                <a:latin typeface="Calibri" panose="020F0502020204030204" pitchFamily="34" charset="0"/>
+                <a:cs typeface="Calibri" panose="020F0502020204030204" pitchFamily="34" charset="0"/>
+              </a:rPr>
+              <a:t>Реактивное программирование </a:t>
+            </a:r>
+            <a:endParaRPr lang="en-US" dirty="0">
+              <a:latin typeface="Calibri" panose="020F0502020204030204" pitchFamily="34" charset="0"/>
+              <a:cs typeface="Calibri" panose="020F0502020204030204" pitchFamily="34" charset="0"/>
+            </a:endParaRPr>
+          </a:p>
+          <a:p>
+            <a:r>
+              <a:rPr lang="ru-RU" b="1" dirty="0">
+                <a:latin typeface="Calibri" panose="020F0502020204030204" pitchFamily="34" charset="0"/>
+                <a:cs typeface="Calibri" panose="020F0502020204030204" pitchFamily="34" charset="0"/>
+              </a:rPr>
+              <a:t>— программирование с асинхронными потоками данных</a:t>
+            </a:r>
+            <a:r>
+              <a:rPr lang="en-US" b="1" dirty="0">
+                <a:latin typeface="Calibri" panose="020F0502020204030204" pitchFamily="34" charset="0"/>
+                <a:cs typeface="Calibri" panose="020F0502020204030204" pitchFamily="34" charset="0"/>
+              </a:rPr>
+              <a:t>.</a:t>
+            </a:r>
           </a:p>
         </p:txBody>
       </p:sp>
     </p:spTree>
     <p:extLst>
       <p:ext uri="{BB962C8B-B14F-4D97-AF65-F5344CB8AC3E}">
-        <p14:creationId xmlns:p14="http://schemas.microsoft.com/office/powerpoint/2010/main" val="3514693486"/>
+        <p14:creationId xmlns:p14="http://schemas.microsoft.com/office/powerpoint/2010/main" val="992808077"/>
+      </p:ext>
+    </p:extLst>
+  </p:cSld>
+  <p:clrMapOvr>
+    <a:masterClrMapping/>
+  </p:clrMapOvr>
+</p:sld>
+</file>
+
+<file path=ppt/slides/slide40.xml><?xml version="1.0" encoding="utf-8"?>
+<p:sld xmlns:a="http://schemas.openxmlformats.org/drawingml/2006/main" xmlns:r="http://schemas.openxmlformats.org/officeDocument/2006/relationships" xmlns:p="http://schemas.openxmlformats.org/presentationml/2006/main">
+  <p:cSld>
+    <p:spTree>
+      <p:nvGrpSpPr>
+        <p:cNvPr id="1" name=""/>
+        <p:cNvGrpSpPr/>
+        <p:nvPr/>
+      </p:nvGrpSpPr>
+      <p:grpSpPr>
+        <a:xfrm>
+          <a:off x="0" y="0"/>
+          <a:ext cx="0" cy="0"/>
+          <a:chOff x="0" y="0"/>
+          <a:chExt cx="0" cy="0"/>
+        </a:xfrm>
+      </p:grpSpPr>
+      <p:sp>
+        <p:nvSpPr>
+          <p:cNvPr id="2" name="Title 1">
+            <a:extLst>
+              <a:ext uri="{FF2B5EF4-FFF2-40B4-BE49-F238E27FC236}">
+                <a16:creationId xmlns:a16="http://schemas.microsoft.com/office/drawing/2014/main" id="{F8ADAE79-72C3-4128-BC87-DBC5B059028E}"/>
+              </a:ext>
+            </a:extLst>
+          </p:cNvPr>
+          <p:cNvSpPr>
+            <a:spLocks noGrp="1"/>
+          </p:cNvSpPr>
+          <p:nvPr>
+            <p:ph type="ctrTitle"/>
+          </p:nvPr>
+        </p:nvSpPr>
+        <p:spPr>
+          <a:xfrm>
+            <a:off x="1154955" y="776494"/>
+            <a:ext cx="8825658" cy="713639"/>
+          </a:xfrm>
+        </p:spPr>
+        <p:txBody>
+          <a:bodyPr/>
+          <a:lstStyle/>
+          <a:p>
+            <a:endParaRPr lang="en-US" sz="4400" dirty="0"/>
+          </a:p>
+        </p:txBody>
+      </p:sp>
+      <p:sp>
+        <p:nvSpPr>
+          <p:cNvPr id="3" name="Subtitle 2">
+            <a:extLst>
+              <a:ext uri="{FF2B5EF4-FFF2-40B4-BE49-F238E27FC236}">
+                <a16:creationId xmlns:a16="http://schemas.microsoft.com/office/drawing/2014/main" id="{60C395F4-B5A3-4F2F-855A-0006FCE96DD0}"/>
+              </a:ext>
+            </a:extLst>
+          </p:cNvPr>
+          <p:cNvSpPr>
+            <a:spLocks noGrp="1"/>
+          </p:cNvSpPr>
+          <p:nvPr>
+            <p:ph type="subTitle" idx="1"/>
+          </p:nvPr>
+        </p:nvSpPr>
+        <p:spPr>
+          <a:xfrm>
+            <a:off x="1154955" y="2861733"/>
+            <a:ext cx="8825658" cy="2777067"/>
+          </a:xfrm>
+        </p:spPr>
+        <p:txBody>
+          <a:bodyPr/>
+          <a:lstStyle/>
+          <a:p>
+            <a:endParaRPr lang="en-US" dirty="0">
+              <a:latin typeface="Calibri" panose="020F0502020204030204" pitchFamily="34" charset="0"/>
+              <a:cs typeface="Calibri" panose="020F0502020204030204" pitchFamily="34" charset="0"/>
+            </a:endParaRPr>
+          </a:p>
+        </p:txBody>
+      </p:sp>
+      <p:pic>
+        <p:nvPicPr>
+          <p:cNvPr id="5" name="Picture 4">
+            <a:extLst>
+              <a:ext uri="{FF2B5EF4-FFF2-40B4-BE49-F238E27FC236}">
+                <a16:creationId xmlns:a16="http://schemas.microsoft.com/office/drawing/2014/main" id="{6395D0E9-A550-47A6-9140-66DBB98AF727}"/>
+              </a:ext>
+            </a:extLst>
+          </p:cNvPr>
+          <p:cNvPicPr>
+            <a:picLocks noChangeAspect="1"/>
+          </p:cNvPicPr>
+          <p:nvPr/>
+        </p:nvPicPr>
+        <p:blipFill>
+          <a:blip r:embed="rId2">
+            <a:extLst>
+              <a:ext uri="{28A0092B-C50C-407E-A947-70E740481C1C}">
+                <a14:useLocalDpi xmlns:a14="http://schemas.microsoft.com/office/drawing/2010/main" val="0"/>
+              </a:ext>
+            </a:extLst>
+          </a:blip>
+          <a:stretch>
+            <a:fillRect/>
+          </a:stretch>
+        </p:blipFill>
+        <p:spPr>
+          <a:xfrm>
+            <a:off x="13081" y="0"/>
+            <a:ext cx="12165837" cy="6858000"/>
+          </a:xfrm>
+          <a:prstGeom prst="rect">
+            <a:avLst/>
+          </a:prstGeom>
+        </p:spPr>
+      </p:pic>
+    </p:spTree>
+    <p:extLst>
+      <p:ext uri="{BB962C8B-B14F-4D97-AF65-F5344CB8AC3E}">
+        <p14:creationId xmlns:p14="http://schemas.microsoft.com/office/powerpoint/2010/main" val="2737993210"/>
+      </p:ext>
+    </p:extLst>
+  </p:cSld>
+  <p:clrMapOvr>
+    <a:masterClrMapping/>
+  </p:clrMapOvr>
+</p:sld>
+</file>
+
+<file path=ppt/slides/slide41.xml><?xml version="1.0" encoding="utf-8"?>
+<p:sld xmlns:a="http://schemas.openxmlformats.org/drawingml/2006/main" xmlns:r="http://schemas.openxmlformats.org/officeDocument/2006/relationships" xmlns:p="http://schemas.openxmlformats.org/presentationml/2006/main">
+  <p:cSld>
+    <p:spTree>
+      <p:nvGrpSpPr>
+        <p:cNvPr id="1" name=""/>
+        <p:cNvGrpSpPr/>
+        <p:nvPr/>
+      </p:nvGrpSpPr>
+      <p:grpSpPr>
+        <a:xfrm>
+          <a:off x="0" y="0"/>
+          <a:ext cx="0" cy="0"/>
+          <a:chOff x="0" y="0"/>
+          <a:chExt cx="0" cy="0"/>
+        </a:xfrm>
+      </p:grpSpPr>
+      <p:sp>
+        <p:nvSpPr>
+          <p:cNvPr id="2" name="Title 1">
+            <a:extLst>
+              <a:ext uri="{FF2B5EF4-FFF2-40B4-BE49-F238E27FC236}">
+                <a16:creationId xmlns:a16="http://schemas.microsoft.com/office/drawing/2014/main" id="{F8ADAE79-72C3-4128-BC87-DBC5B059028E}"/>
+              </a:ext>
+            </a:extLst>
+          </p:cNvPr>
+          <p:cNvSpPr>
+            <a:spLocks noGrp="1"/>
+          </p:cNvSpPr>
+          <p:nvPr>
+            <p:ph type="ctrTitle"/>
+          </p:nvPr>
+        </p:nvSpPr>
+        <p:spPr>
+          <a:xfrm>
+            <a:off x="1154955" y="776494"/>
+            <a:ext cx="8825658" cy="713639"/>
+          </a:xfrm>
+        </p:spPr>
+        <p:txBody>
+          <a:bodyPr/>
+          <a:lstStyle/>
+          <a:p>
+            <a:r>
+              <a:rPr lang="ru-RU" sz="4400" dirty="0"/>
+              <a:t>Откуда ноги ростут?</a:t>
+            </a:r>
+            <a:endParaRPr lang="en-US" sz="4400" dirty="0"/>
+          </a:p>
+        </p:txBody>
+      </p:sp>
+      <p:sp>
+        <p:nvSpPr>
+          <p:cNvPr id="3" name="Subtitle 2">
+            <a:extLst>
+              <a:ext uri="{FF2B5EF4-FFF2-40B4-BE49-F238E27FC236}">
+                <a16:creationId xmlns:a16="http://schemas.microsoft.com/office/drawing/2014/main" id="{60C395F4-B5A3-4F2F-855A-0006FCE96DD0}"/>
+              </a:ext>
+            </a:extLst>
+          </p:cNvPr>
+          <p:cNvSpPr>
+            <a:spLocks noGrp="1"/>
+          </p:cNvSpPr>
+          <p:nvPr>
+            <p:ph type="subTitle" idx="1"/>
+          </p:nvPr>
+        </p:nvSpPr>
+        <p:spPr>
+          <a:xfrm>
+            <a:off x="1154955" y="2861733"/>
+            <a:ext cx="8825658" cy="2777067"/>
+          </a:xfrm>
+        </p:spPr>
+        <p:txBody>
+          <a:bodyPr/>
+          <a:lstStyle/>
+          <a:p>
+            <a:r>
+              <a:rPr lang="ru-RU" dirty="0">
+                <a:latin typeface="Calibri" panose="020F0502020204030204" pitchFamily="34" charset="0"/>
+                <a:cs typeface="Calibri" panose="020F0502020204030204" pitchFamily="34" charset="0"/>
+              </a:rPr>
+              <a:t>А именно </a:t>
+            </a:r>
+            <a:r>
+              <a:rPr lang="ru-RU" sz="2400" b="1" dirty="0">
+                <a:latin typeface="Calibri" panose="020F0502020204030204" pitchFamily="34" charset="0"/>
+                <a:cs typeface="Calibri" panose="020F0502020204030204" pitchFamily="34" charset="0"/>
+              </a:rPr>
+              <a:t>эрик мейер</a:t>
+            </a:r>
+            <a:r>
+              <a:rPr lang="ru-RU" dirty="0">
+                <a:latin typeface="Calibri" panose="020F0502020204030204" pitchFamily="34" charset="0"/>
+                <a:cs typeface="Calibri" panose="020F0502020204030204" pitchFamily="34" charset="0"/>
+              </a:rPr>
+              <a:t>. </a:t>
+            </a:r>
+          </a:p>
+          <a:p>
+            <a:r>
+              <a:rPr lang="ru-RU" dirty="0">
+                <a:latin typeface="Calibri" panose="020F0502020204030204" pitchFamily="34" charset="0"/>
+                <a:cs typeface="Calibri" panose="020F0502020204030204" pitchFamily="34" charset="0"/>
+              </a:rPr>
+              <a:t>Он же занимался созданием </a:t>
+            </a:r>
+            <a:r>
+              <a:rPr lang="en-US" sz="2400" b="1" dirty="0">
+                <a:latin typeface="Calibri" panose="020F0502020204030204" pitchFamily="34" charset="0"/>
+                <a:cs typeface="Calibri" panose="020F0502020204030204" pitchFamily="34" charset="0"/>
+              </a:rPr>
+              <a:t>LINQ</a:t>
+            </a:r>
+            <a:r>
+              <a:rPr lang="en-US" dirty="0">
+                <a:latin typeface="Calibri" panose="020F0502020204030204" pitchFamily="34" charset="0"/>
+                <a:cs typeface="Calibri" panose="020F0502020204030204" pitchFamily="34" charset="0"/>
+              </a:rPr>
+              <a:t>.</a:t>
+            </a:r>
+          </a:p>
+          <a:p>
+            <a:endParaRPr lang="ru-RU" dirty="0">
+              <a:latin typeface="Calibri" panose="020F0502020204030204" pitchFamily="34" charset="0"/>
+              <a:cs typeface="Calibri" panose="020F0502020204030204" pitchFamily="34" charset="0"/>
+            </a:endParaRPr>
+          </a:p>
+          <a:p>
+            <a:endParaRPr lang="en-US" dirty="0">
+              <a:latin typeface="Calibri" panose="020F0502020204030204" pitchFamily="34" charset="0"/>
+              <a:cs typeface="Calibri" panose="020F0502020204030204" pitchFamily="34" charset="0"/>
+            </a:endParaRPr>
+          </a:p>
+        </p:txBody>
+      </p:sp>
+    </p:spTree>
+    <p:extLst>
+      <p:ext uri="{BB962C8B-B14F-4D97-AF65-F5344CB8AC3E}">
+        <p14:creationId xmlns:p14="http://schemas.microsoft.com/office/powerpoint/2010/main" val="2935667717"/>
+      </p:ext>
+    </p:extLst>
+  </p:cSld>
+  <p:clrMapOvr>
+    <a:masterClrMapping/>
+  </p:clrMapOvr>
+</p:sld>
+</file>
+
+<file path=ppt/slides/slide42.xml><?xml version="1.0" encoding="utf-8"?>
+<p:sld xmlns:a="http://schemas.openxmlformats.org/drawingml/2006/main" xmlns:r="http://schemas.openxmlformats.org/officeDocument/2006/relationships" xmlns:p="http://schemas.openxmlformats.org/presentationml/2006/main">
+  <p:cSld>
+    <p:spTree>
+      <p:nvGrpSpPr>
+        <p:cNvPr id="1" name=""/>
+        <p:cNvGrpSpPr/>
+        <p:nvPr/>
+      </p:nvGrpSpPr>
+      <p:grpSpPr>
+        <a:xfrm>
+          <a:off x="0" y="0"/>
+          <a:ext cx="0" cy="0"/>
+          <a:chOff x="0" y="0"/>
+          <a:chExt cx="0" cy="0"/>
+        </a:xfrm>
+      </p:grpSpPr>
+      <p:sp>
+        <p:nvSpPr>
+          <p:cNvPr id="2" name="Title 1">
+            <a:extLst>
+              <a:ext uri="{FF2B5EF4-FFF2-40B4-BE49-F238E27FC236}">
+                <a16:creationId xmlns:a16="http://schemas.microsoft.com/office/drawing/2014/main" id="{F8ADAE79-72C3-4128-BC87-DBC5B059028E}"/>
+              </a:ext>
+            </a:extLst>
+          </p:cNvPr>
+          <p:cNvSpPr>
+            <a:spLocks noGrp="1"/>
+          </p:cNvSpPr>
+          <p:nvPr>
+            <p:ph type="ctrTitle"/>
+          </p:nvPr>
+        </p:nvSpPr>
+        <p:spPr>
+          <a:xfrm>
+            <a:off x="1154955" y="776494"/>
+            <a:ext cx="9199778" cy="713639"/>
+          </a:xfrm>
+        </p:spPr>
+        <p:txBody>
+          <a:bodyPr/>
+          <a:lstStyle/>
+          <a:p>
+            <a:r>
+              <a:rPr lang="en-US" sz="4400" dirty="0"/>
+              <a:t>Cold Observable</a:t>
+            </a:r>
+          </a:p>
+        </p:txBody>
+      </p:sp>
+      <p:sp>
+        <p:nvSpPr>
+          <p:cNvPr id="3" name="Subtitle 2">
+            <a:extLst>
+              <a:ext uri="{FF2B5EF4-FFF2-40B4-BE49-F238E27FC236}">
+                <a16:creationId xmlns:a16="http://schemas.microsoft.com/office/drawing/2014/main" id="{60C395F4-B5A3-4F2F-855A-0006FCE96DD0}"/>
+              </a:ext>
+            </a:extLst>
+          </p:cNvPr>
+          <p:cNvSpPr>
+            <a:spLocks noGrp="1"/>
+          </p:cNvSpPr>
+          <p:nvPr>
+            <p:ph type="subTitle" idx="1"/>
+          </p:nvPr>
+        </p:nvSpPr>
+        <p:spPr>
+          <a:xfrm>
+            <a:off x="1154955" y="2861733"/>
+            <a:ext cx="8825658" cy="2777067"/>
+          </a:xfrm>
+        </p:spPr>
+        <p:txBody>
+          <a:bodyPr/>
+          <a:lstStyle/>
+          <a:p>
+            <a:endParaRPr lang="en-US" dirty="0"/>
+          </a:p>
+        </p:txBody>
+      </p:sp>
+    </p:spTree>
+    <p:extLst>
+      <p:ext uri="{BB962C8B-B14F-4D97-AF65-F5344CB8AC3E}">
+        <p14:creationId xmlns:p14="http://schemas.microsoft.com/office/powerpoint/2010/main" val="907882589"/>
+      </p:ext>
+    </p:extLst>
+  </p:cSld>
+  <p:clrMapOvr>
+    <a:masterClrMapping/>
+  </p:clrMapOvr>
+</p:sld>
+</file>
+
+<file path=ppt/slides/slide43.xml><?xml version="1.0" encoding="utf-8"?>
+<p:sld xmlns:a="http://schemas.openxmlformats.org/drawingml/2006/main" xmlns:r="http://schemas.openxmlformats.org/officeDocument/2006/relationships" xmlns:p="http://schemas.openxmlformats.org/presentationml/2006/main">
+  <p:cSld>
+    <p:spTree>
+      <p:nvGrpSpPr>
+        <p:cNvPr id="1" name=""/>
+        <p:cNvGrpSpPr/>
+        <p:nvPr/>
+      </p:nvGrpSpPr>
+      <p:grpSpPr>
+        <a:xfrm>
+          <a:off x="0" y="0"/>
+          <a:ext cx="0" cy="0"/>
+          <a:chOff x="0" y="0"/>
+          <a:chExt cx="0" cy="0"/>
+        </a:xfrm>
+      </p:grpSpPr>
+      <p:sp>
+        <p:nvSpPr>
+          <p:cNvPr id="2" name="Title 1">
+            <a:extLst>
+              <a:ext uri="{FF2B5EF4-FFF2-40B4-BE49-F238E27FC236}">
+                <a16:creationId xmlns:a16="http://schemas.microsoft.com/office/drawing/2014/main" id="{F8ADAE79-72C3-4128-BC87-DBC5B059028E}"/>
+              </a:ext>
+            </a:extLst>
+          </p:cNvPr>
+          <p:cNvSpPr>
+            <a:spLocks noGrp="1"/>
+          </p:cNvSpPr>
+          <p:nvPr>
+            <p:ph type="ctrTitle"/>
+          </p:nvPr>
+        </p:nvSpPr>
+        <p:spPr>
+          <a:xfrm>
+            <a:off x="1154955" y="776494"/>
+            <a:ext cx="9199778" cy="713639"/>
+          </a:xfrm>
+        </p:spPr>
+        <p:txBody>
+          <a:bodyPr/>
+          <a:lstStyle/>
+          <a:p>
+            <a:r>
+              <a:rPr lang="en-US" sz="4400" dirty="0"/>
+              <a:t>Cold Observable</a:t>
+            </a:r>
+          </a:p>
+        </p:txBody>
+      </p:sp>
+      <p:sp>
+        <p:nvSpPr>
+          <p:cNvPr id="3" name="Subtitle 2">
+            <a:extLst>
+              <a:ext uri="{FF2B5EF4-FFF2-40B4-BE49-F238E27FC236}">
+                <a16:creationId xmlns:a16="http://schemas.microsoft.com/office/drawing/2014/main" id="{60C395F4-B5A3-4F2F-855A-0006FCE96DD0}"/>
+              </a:ext>
+            </a:extLst>
+          </p:cNvPr>
+          <p:cNvSpPr>
+            <a:spLocks noGrp="1"/>
+          </p:cNvSpPr>
+          <p:nvPr>
+            <p:ph type="subTitle" idx="1"/>
+          </p:nvPr>
+        </p:nvSpPr>
+        <p:spPr>
+          <a:xfrm>
+            <a:off x="1154955" y="2861733"/>
+            <a:ext cx="8825658" cy="2777067"/>
+          </a:xfrm>
+        </p:spPr>
+        <p:txBody>
+          <a:bodyPr/>
+          <a:lstStyle/>
+          <a:p>
+            <a:pPr marL="285750" indent="-285750">
+              <a:buFont typeface="Arial" panose="020B0604020202020204" pitchFamily="34" charset="0"/>
+              <a:buChar char="•"/>
+            </a:pPr>
+            <a:r>
+              <a:rPr lang="ru-RU" dirty="0">
+                <a:latin typeface="Calibri" panose="020F0502020204030204" pitchFamily="34" charset="0"/>
+                <a:cs typeface="Calibri" panose="020F0502020204030204" pitchFamily="34" charset="0"/>
+              </a:rPr>
+              <a:t>Уведомляют о событиях, когда на них кто-то подписывается.</a:t>
+            </a:r>
+          </a:p>
+          <a:p>
+            <a:pPr marL="285750" indent="-285750">
+              <a:buFont typeface="Arial" panose="020B0604020202020204" pitchFamily="34" charset="0"/>
+              <a:buChar char="•"/>
+            </a:pPr>
+            <a:r>
+              <a:rPr lang="ru-RU" dirty="0">
+                <a:latin typeface="Calibri" panose="020F0502020204030204" pitchFamily="34" charset="0"/>
+                <a:cs typeface="Calibri" panose="020F0502020204030204" pitchFamily="34" charset="0"/>
+              </a:rPr>
+              <a:t>Весь поток данных отправляется заново каждому подписчику независимо от времени подписки.</a:t>
+            </a:r>
+          </a:p>
+          <a:p>
+            <a:pPr marL="285750" indent="-285750">
+              <a:buFont typeface="Arial" panose="020B0604020202020204" pitchFamily="34" charset="0"/>
+              <a:buChar char="•"/>
+            </a:pPr>
+            <a:r>
+              <a:rPr lang="ru-RU" dirty="0">
+                <a:latin typeface="Calibri" panose="020F0502020204030204" pitchFamily="34" charset="0"/>
+                <a:cs typeface="Calibri" panose="020F0502020204030204" pitchFamily="34" charset="0"/>
+              </a:rPr>
+              <a:t>Данные копируются для каждого подписчика.</a:t>
+            </a:r>
+            <a:endParaRPr lang="en-US" dirty="0">
+              <a:latin typeface="Calibri" panose="020F0502020204030204" pitchFamily="34" charset="0"/>
+              <a:cs typeface="Calibri" panose="020F0502020204030204" pitchFamily="34" charset="0"/>
+            </a:endParaRPr>
+          </a:p>
+        </p:txBody>
+      </p:sp>
+    </p:spTree>
+    <p:extLst>
+      <p:ext uri="{BB962C8B-B14F-4D97-AF65-F5344CB8AC3E}">
+        <p14:creationId xmlns:p14="http://schemas.microsoft.com/office/powerpoint/2010/main" val="4136132158"/>
+      </p:ext>
+    </p:extLst>
+  </p:cSld>
+  <p:clrMapOvr>
+    <a:masterClrMapping/>
+  </p:clrMapOvr>
+</p:sld>
+</file>
+
+<file path=ppt/slides/slide44.xml><?xml version="1.0" encoding="utf-8"?>
+<p:sld xmlns:a="http://schemas.openxmlformats.org/drawingml/2006/main" xmlns:r="http://schemas.openxmlformats.org/officeDocument/2006/relationships" xmlns:p="http://schemas.openxmlformats.org/presentationml/2006/main">
+  <p:cSld>
+    <p:spTree>
+      <p:nvGrpSpPr>
+        <p:cNvPr id="1" name=""/>
+        <p:cNvGrpSpPr/>
+        <p:nvPr/>
+      </p:nvGrpSpPr>
+      <p:grpSpPr>
+        <a:xfrm>
+          <a:off x="0" y="0"/>
+          <a:ext cx="0" cy="0"/>
+          <a:chOff x="0" y="0"/>
+          <a:chExt cx="0" cy="0"/>
+        </a:xfrm>
+      </p:grpSpPr>
+      <p:sp>
+        <p:nvSpPr>
+          <p:cNvPr id="2" name="Title 1">
+            <a:extLst>
+              <a:ext uri="{FF2B5EF4-FFF2-40B4-BE49-F238E27FC236}">
+                <a16:creationId xmlns:a16="http://schemas.microsoft.com/office/drawing/2014/main" id="{F8ADAE79-72C3-4128-BC87-DBC5B059028E}"/>
+              </a:ext>
+            </a:extLst>
+          </p:cNvPr>
+          <p:cNvSpPr>
+            <a:spLocks noGrp="1"/>
+          </p:cNvSpPr>
+          <p:nvPr>
+            <p:ph type="ctrTitle"/>
+          </p:nvPr>
+        </p:nvSpPr>
+        <p:spPr>
+          <a:xfrm>
+            <a:off x="1154955" y="776494"/>
+            <a:ext cx="9199778" cy="713639"/>
+          </a:xfrm>
+        </p:spPr>
+        <p:txBody>
+          <a:bodyPr/>
+          <a:lstStyle/>
+          <a:p>
+            <a:r>
+              <a:rPr lang="en-US" sz="4400" dirty="0"/>
+              <a:t>Hot Observable</a:t>
+            </a:r>
+          </a:p>
+        </p:txBody>
+      </p:sp>
+      <p:sp>
+        <p:nvSpPr>
+          <p:cNvPr id="3" name="Subtitle 2">
+            <a:extLst>
+              <a:ext uri="{FF2B5EF4-FFF2-40B4-BE49-F238E27FC236}">
+                <a16:creationId xmlns:a16="http://schemas.microsoft.com/office/drawing/2014/main" id="{60C395F4-B5A3-4F2F-855A-0006FCE96DD0}"/>
+              </a:ext>
+            </a:extLst>
+          </p:cNvPr>
+          <p:cNvSpPr>
+            <a:spLocks noGrp="1"/>
+          </p:cNvSpPr>
+          <p:nvPr>
+            <p:ph type="subTitle" idx="1"/>
+          </p:nvPr>
+        </p:nvSpPr>
+        <p:spPr>
+          <a:xfrm>
+            <a:off x="1154955" y="2861733"/>
+            <a:ext cx="8825658" cy="2777067"/>
+          </a:xfrm>
+        </p:spPr>
+        <p:txBody>
+          <a:bodyPr/>
+          <a:lstStyle/>
+          <a:p>
+            <a:endParaRPr lang="en-US" dirty="0"/>
+          </a:p>
+        </p:txBody>
+      </p:sp>
+    </p:spTree>
+    <p:extLst>
+      <p:ext uri="{BB962C8B-B14F-4D97-AF65-F5344CB8AC3E}">
+        <p14:creationId xmlns:p14="http://schemas.microsoft.com/office/powerpoint/2010/main" val="3540414963"/>
+      </p:ext>
+    </p:extLst>
+  </p:cSld>
+  <p:clrMapOvr>
+    <a:masterClrMapping/>
+  </p:clrMapOvr>
+</p:sld>
+</file>
+
+<file path=ppt/slides/slide45.xml><?xml version="1.0" encoding="utf-8"?>
+<p:sld xmlns:a="http://schemas.openxmlformats.org/drawingml/2006/main" xmlns:r="http://schemas.openxmlformats.org/officeDocument/2006/relationships" xmlns:p="http://schemas.openxmlformats.org/presentationml/2006/main">
+  <p:cSld>
+    <p:spTree>
+      <p:nvGrpSpPr>
+        <p:cNvPr id="1" name=""/>
+        <p:cNvGrpSpPr/>
+        <p:nvPr/>
+      </p:nvGrpSpPr>
+      <p:grpSpPr>
+        <a:xfrm>
+          <a:off x="0" y="0"/>
+          <a:ext cx="0" cy="0"/>
+          <a:chOff x="0" y="0"/>
+          <a:chExt cx="0" cy="0"/>
+        </a:xfrm>
+      </p:grpSpPr>
+      <p:sp>
+        <p:nvSpPr>
+          <p:cNvPr id="2" name="Title 1">
+            <a:extLst>
+              <a:ext uri="{FF2B5EF4-FFF2-40B4-BE49-F238E27FC236}">
+                <a16:creationId xmlns:a16="http://schemas.microsoft.com/office/drawing/2014/main" id="{F8ADAE79-72C3-4128-BC87-DBC5B059028E}"/>
+              </a:ext>
+            </a:extLst>
+          </p:cNvPr>
+          <p:cNvSpPr>
+            <a:spLocks noGrp="1"/>
+          </p:cNvSpPr>
+          <p:nvPr>
+            <p:ph type="ctrTitle"/>
+          </p:nvPr>
+        </p:nvSpPr>
+        <p:spPr>
+          <a:xfrm>
+            <a:off x="1154955" y="776494"/>
+            <a:ext cx="9199778" cy="713639"/>
+          </a:xfrm>
+        </p:spPr>
+        <p:txBody>
+          <a:bodyPr/>
+          <a:lstStyle/>
+          <a:p>
+            <a:r>
+              <a:rPr lang="en-US" sz="4400" dirty="0"/>
+              <a:t>Hot Observable</a:t>
+            </a:r>
+          </a:p>
+        </p:txBody>
+      </p:sp>
+      <p:sp>
+        <p:nvSpPr>
+          <p:cNvPr id="3" name="Subtitle 2">
+            <a:extLst>
+              <a:ext uri="{FF2B5EF4-FFF2-40B4-BE49-F238E27FC236}">
+                <a16:creationId xmlns:a16="http://schemas.microsoft.com/office/drawing/2014/main" id="{60C395F4-B5A3-4F2F-855A-0006FCE96DD0}"/>
+              </a:ext>
+            </a:extLst>
+          </p:cNvPr>
+          <p:cNvSpPr>
+            <a:spLocks noGrp="1"/>
+          </p:cNvSpPr>
+          <p:nvPr>
+            <p:ph type="subTitle" idx="1"/>
+          </p:nvPr>
+        </p:nvSpPr>
+        <p:spPr>
+          <a:xfrm>
+            <a:off x="1154955" y="2861733"/>
+            <a:ext cx="8825658" cy="2777067"/>
+          </a:xfrm>
+        </p:spPr>
+        <p:txBody>
+          <a:bodyPr/>
+          <a:lstStyle/>
+          <a:p>
+            <a:r>
+              <a:rPr lang="ru-RU" dirty="0">
+                <a:latin typeface="Calibri" panose="020F0502020204030204" pitchFamily="34" charset="0"/>
+                <a:cs typeface="Calibri" panose="020F0502020204030204" pitchFamily="34" charset="0"/>
+              </a:rPr>
+              <a:t>Пытаются уведомлять о событии независимо от наличия подписчиков. Если на момент события не было подписчиков — данные теряются.</a:t>
+            </a:r>
+            <a:endParaRPr lang="en-US" dirty="0">
+              <a:latin typeface="Calibri" panose="020F0502020204030204" pitchFamily="34" charset="0"/>
+              <a:cs typeface="Calibri" panose="020F0502020204030204" pitchFamily="34" charset="0"/>
+            </a:endParaRPr>
+          </a:p>
+        </p:txBody>
+      </p:sp>
+    </p:spTree>
+    <p:extLst>
+      <p:ext uri="{BB962C8B-B14F-4D97-AF65-F5344CB8AC3E}">
+        <p14:creationId xmlns:p14="http://schemas.microsoft.com/office/powerpoint/2010/main" val="4015319512"/>
+      </p:ext>
+    </p:extLst>
+  </p:cSld>
+  <p:clrMapOvr>
+    <a:masterClrMapping/>
+  </p:clrMapOvr>
+</p:sld>
+</file>
+
+<file path=ppt/slides/slide46.xml><?xml version="1.0" encoding="utf-8"?>
+<p:sld xmlns:a="http://schemas.openxmlformats.org/drawingml/2006/main" xmlns:r="http://schemas.openxmlformats.org/officeDocument/2006/relationships" xmlns:p="http://schemas.openxmlformats.org/presentationml/2006/main">
+  <p:cSld>
+    <p:spTree>
+      <p:nvGrpSpPr>
+        <p:cNvPr id="1" name=""/>
+        <p:cNvGrpSpPr/>
+        <p:nvPr/>
+      </p:nvGrpSpPr>
+      <p:grpSpPr>
+        <a:xfrm>
+          <a:off x="0" y="0"/>
+          <a:ext cx="0" cy="0"/>
+          <a:chOff x="0" y="0"/>
+          <a:chExt cx="0" cy="0"/>
+        </a:xfrm>
+      </p:grpSpPr>
+      <p:sp>
+        <p:nvSpPr>
+          <p:cNvPr id="2" name="Title 1">
+            <a:extLst>
+              <a:ext uri="{FF2B5EF4-FFF2-40B4-BE49-F238E27FC236}">
+                <a16:creationId xmlns:a16="http://schemas.microsoft.com/office/drawing/2014/main" id="{F8ADAE79-72C3-4128-BC87-DBC5B059028E}"/>
+              </a:ext>
+            </a:extLst>
+          </p:cNvPr>
+          <p:cNvSpPr>
+            <a:spLocks noGrp="1"/>
+          </p:cNvSpPr>
+          <p:nvPr>
+            <p:ph type="ctrTitle"/>
+          </p:nvPr>
+        </p:nvSpPr>
+        <p:spPr>
+          <a:xfrm>
+            <a:off x="1154955" y="776494"/>
+            <a:ext cx="9199778" cy="719797"/>
+          </a:xfrm>
+        </p:spPr>
+        <p:txBody>
+          <a:bodyPr/>
+          <a:lstStyle/>
+          <a:p>
+            <a:r>
+              <a:rPr lang="ru-RU" sz="4400" dirty="0"/>
+              <a:t>Когда использовать?</a:t>
+            </a:r>
+            <a:endParaRPr lang="en-US" sz="4400" dirty="0"/>
+          </a:p>
+        </p:txBody>
+      </p:sp>
+      <p:sp>
+        <p:nvSpPr>
+          <p:cNvPr id="3" name="Subtitle 2">
+            <a:extLst>
+              <a:ext uri="{FF2B5EF4-FFF2-40B4-BE49-F238E27FC236}">
+                <a16:creationId xmlns:a16="http://schemas.microsoft.com/office/drawing/2014/main" id="{60C395F4-B5A3-4F2F-855A-0006FCE96DD0}"/>
+              </a:ext>
+            </a:extLst>
+          </p:cNvPr>
+          <p:cNvSpPr>
+            <a:spLocks noGrp="1"/>
+          </p:cNvSpPr>
+          <p:nvPr>
+            <p:ph type="subTitle" idx="1"/>
+          </p:nvPr>
+        </p:nvSpPr>
+        <p:spPr>
+          <a:xfrm>
+            <a:off x="1154955" y="2861733"/>
+            <a:ext cx="8825658" cy="2777067"/>
+          </a:xfrm>
+        </p:spPr>
+        <p:txBody>
+          <a:bodyPr/>
+          <a:lstStyle/>
+          <a:p>
+            <a:endParaRPr lang="en-US" dirty="0">
+              <a:latin typeface="Calibri" panose="020F0502020204030204" pitchFamily="34" charset="0"/>
+              <a:cs typeface="Calibri" panose="020F0502020204030204" pitchFamily="34" charset="0"/>
+            </a:endParaRPr>
+          </a:p>
+        </p:txBody>
+      </p:sp>
+    </p:spTree>
+    <p:extLst>
+      <p:ext uri="{BB962C8B-B14F-4D97-AF65-F5344CB8AC3E}">
+        <p14:creationId xmlns:p14="http://schemas.microsoft.com/office/powerpoint/2010/main" val="4003927247"/>
+      </p:ext>
+    </p:extLst>
+  </p:cSld>
+  <p:clrMapOvr>
+    <a:masterClrMapping/>
+  </p:clrMapOvr>
+</p:sld>
+</file>
+
+<file path=ppt/slides/slide47.xml><?xml version="1.0" encoding="utf-8"?>
+<p:sld xmlns:a="http://schemas.openxmlformats.org/drawingml/2006/main" xmlns:r="http://schemas.openxmlformats.org/officeDocument/2006/relationships" xmlns:p="http://schemas.openxmlformats.org/presentationml/2006/main">
+  <p:cSld>
+    <p:spTree>
+      <p:nvGrpSpPr>
+        <p:cNvPr id="1" name=""/>
+        <p:cNvGrpSpPr/>
+        <p:nvPr/>
+      </p:nvGrpSpPr>
+      <p:grpSpPr>
+        <a:xfrm>
+          <a:off x="0" y="0"/>
+          <a:ext cx="0" cy="0"/>
+          <a:chOff x="0" y="0"/>
+          <a:chExt cx="0" cy="0"/>
+        </a:xfrm>
+      </p:grpSpPr>
+      <p:sp>
+        <p:nvSpPr>
+          <p:cNvPr id="2" name="Title 1">
+            <a:extLst>
+              <a:ext uri="{FF2B5EF4-FFF2-40B4-BE49-F238E27FC236}">
+                <a16:creationId xmlns:a16="http://schemas.microsoft.com/office/drawing/2014/main" id="{F8ADAE79-72C3-4128-BC87-DBC5B059028E}"/>
+              </a:ext>
+            </a:extLst>
+          </p:cNvPr>
+          <p:cNvSpPr>
+            <a:spLocks noGrp="1"/>
+          </p:cNvSpPr>
+          <p:nvPr>
+            <p:ph type="ctrTitle"/>
+          </p:nvPr>
+        </p:nvSpPr>
+        <p:spPr>
+          <a:xfrm>
+            <a:off x="1154955" y="776494"/>
+            <a:ext cx="9199778" cy="719797"/>
+          </a:xfrm>
+        </p:spPr>
+        <p:txBody>
+          <a:bodyPr/>
+          <a:lstStyle/>
+          <a:p>
+            <a:r>
+              <a:rPr lang="ru-RU" sz="4400" dirty="0"/>
+              <a:t>Когда использовать?</a:t>
+            </a:r>
+            <a:endParaRPr lang="en-US" sz="4400" dirty="0"/>
+          </a:p>
+        </p:txBody>
+      </p:sp>
+      <p:sp>
+        <p:nvSpPr>
+          <p:cNvPr id="3" name="Subtitle 2">
+            <a:extLst>
+              <a:ext uri="{FF2B5EF4-FFF2-40B4-BE49-F238E27FC236}">
+                <a16:creationId xmlns:a16="http://schemas.microsoft.com/office/drawing/2014/main" id="{60C395F4-B5A3-4F2F-855A-0006FCE96DD0}"/>
+              </a:ext>
+            </a:extLst>
+          </p:cNvPr>
+          <p:cNvSpPr>
+            <a:spLocks noGrp="1"/>
+          </p:cNvSpPr>
+          <p:nvPr>
+            <p:ph type="subTitle" idx="1"/>
+          </p:nvPr>
+        </p:nvSpPr>
+        <p:spPr>
+          <a:xfrm>
+            <a:off x="1154955" y="2861733"/>
+            <a:ext cx="8825658" cy="2777067"/>
+          </a:xfrm>
+        </p:spPr>
+        <p:txBody>
+          <a:bodyPr/>
+          <a:lstStyle/>
+          <a:p>
+            <a:r>
+              <a:rPr lang="ru-RU" dirty="0">
+                <a:latin typeface="Calibri" panose="020F0502020204030204" pitchFamily="34" charset="0"/>
+                <a:cs typeface="Calibri" panose="020F0502020204030204" pitchFamily="34" charset="0"/>
+              </a:rPr>
+              <a:t>Когда есть поток данных, распределённый во времени.</a:t>
+            </a:r>
+            <a:endParaRPr lang="en-US" dirty="0">
+              <a:latin typeface="Calibri" panose="020F0502020204030204" pitchFamily="34" charset="0"/>
+              <a:cs typeface="Calibri" panose="020F0502020204030204" pitchFamily="34" charset="0"/>
+            </a:endParaRPr>
+          </a:p>
+        </p:txBody>
+      </p:sp>
+    </p:spTree>
+    <p:extLst>
+      <p:ext uri="{BB962C8B-B14F-4D97-AF65-F5344CB8AC3E}">
+        <p14:creationId xmlns:p14="http://schemas.microsoft.com/office/powerpoint/2010/main" val="805646627"/>
+      </p:ext>
+    </p:extLst>
+  </p:cSld>
+  <p:clrMapOvr>
+    <a:masterClrMapping/>
+  </p:clrMapOvr>
+</p:sld>
+</file>
+
+<file path=ppt/slides/slide48.xml><?xml version="1.0" encoding="utf-8"?>
+<p:sld xmlns:a="http://schemas.openxmlformats.org/drawingml/2006/main" xmlns:r="http://schemas.openxmlformats.org/officeDocument/2006/relationships" xmlns:p="http://schemas.openxmlformats.org/presentationml/2006/main">
+  <p:cSld>
+    <p:spTree>
+      <p:nvGrpSpPr>
+        <p:cNvPr id="1" name=""/>
+        <p:cNvGrpSpPr/>
+        <p:nvPr/>
+      </p:nvGrpSpPr>
+      <p:grpSpPr>
+        <a:xfrm>
+          <a:off x="0" y="0"/>
+          <a:ext cx="0" cy="0"/>
+          <a:chOff x="0" y="0"/>
+          <a:chExt cx="0" cy="0"/>
+        </a:xfrm>
+      </p:grpSpPr>
+      <p:pic>
+        <p:nvPicPr>
+          <p:cNvPr id="5" name="Picture 4">
+            <a:extLst>
+              <a:ext uri="{FF2B5EF4-FFF2-40B4-BE49-F238E27FC236}">
+                <a16:creationId xmlns:a16="http://schemas.microsoft.com/office/drawing/2014/main" id="{32514189-4577-4353-997C-9E74CB5C7104}"/>
+              </a:ext>
+            </a:extLst>
+          </p:cNvPr>
+          <p:cNvPicPr>
+            <a:picLocks noChangeAspect="1"/>
+          </p:cNvPicPr>
+          <p:nvPr/>
+        </p:nvPicPr>
+        <p:blipFill>
+          <a:blip r:embed="rId2">
+            <a:extLst>
+              <a:ext uri="{28A0092B-C50C-407E-A947-70E740481C1C}">
+                <a14:useLocalDpi xmlns:a14="http://schemas.microsoft.com/office/drawing/2010/main" val="0"/>
+              </a:ext>
+            </a:extLst>
+          </a:blip>
+          <a:stretch>
+            <a:fillRect/>
+          </a:stretch>
+        </p:blipFill>
+        <p:spPr>
+          <a:xfrm>
+            <a:off x="3657600" y="4762"/>
+            <a:ext cx="4876800" cy="6848475"/>
+          </a:xfrm>
+          <a:prstGeom prst="rect">
+            <a:avLst/>
+          </a:prstGeom>
+        </p:spPr>
+      </p:pic>
+    </p:spTree>
+    <p:extLst>
+      <p:ext uri="{BB962C8B-B14F-4D97-AF65-F5344CB8AC3E}">
+        <p14:creationId xmlns:p14="http://schemas.microsoft.com/office/powerpoint/2010/main" val="1109581173"/>
+      </p:ext>
+    </p:extLst>
+  </p:cSld>
+  <p:clrMapOvr>
+    <a:masterClrMapping/>
+  </p:clrMapOvr>
+</p:sld>
+</file>
+
+<file path=ppt/slides/slide49.xml><?xml version="1.0" encoding="utf-8"?>
+<p:sld xmlns:a="http://schemas.openxmlformats.org/drawingml/2006/main" xmlns:r="http://schemas.openxmlformats.org/officeDocument/2006/relationships" xmlns:p="http://schemas.openxmlformats.org/presentationml/2006/main">
+  <p:cSld>
+    <p:spTree>
+      <p:nvGrpSpPr>
+        <p:cNvPr id="1" name=""/>
+        <p:cNvGrpSpPr/>
+        <p:nvPr/>
+      </p:nvGrpSpPr>
+      <p:grpSpPr>
+        <a:xfrm>
+          <a:off x="0" y="0"/>
+          <a:ext cx="0" cy="0"/>
+          <a:chOff x="0" y="0"/>
+          <a:chExt cx="0" cy="0"/>
+        </a:xfrm>
+      </p:grpSpPr>
+      <p:sp>
+        <p:nvSpPr>
+          <p:cNvPr id="2" name="Title 1">
+            <a:extLst>
+              <a:ext uri="{FF2B5EF4-FFF2-40B4-BE49-F238E27FC236}">
+                <a16:creationId xmlns:a16="http://schemas.microsoft.com/office/drawing/2014/main" id="{F8ADAE79-72C3-4128-BC87-DBC5B059028E}"/>
+              </a:ext>
+            </a:extLst>
+          </p:cNvPr>
+          <p:cNvSpPr>
+            <a:spLocks noGrp="1"/>
+          </p:cNvSpPr>
+          <p:nvPr>
+            <p:ph type="ctrTitle"/>
+          </p:nvPr>
+        </p:nvSpPr>
+        <p:spPr>
+          <a:xfrm>
+            <a:off x="1154955" y="776494"/>
+            <a:ext cx="9199778" cy="713639"/>
+          </a:xfrm>
+        </p:spPr>
+        <p:txBody>
+          <a:bodyPr/>
+          <a:lstStyle/>
+          <a:p>
+            <a:r>
+              <a:rPr lang="en-US" sz="4400" dirty="0"/>
+              <a:t>Languages</a:t>
+            </a:r>
+          </a:p>
+        </p:txBody>
+      </p:sp>
+      <p:sp>
+        <p:nvSpPr>
+          <p:cNvPr id="3" name="Subtitle 2">
+            <a:extLst>
+              <a:ext uri="{FF2B5EF4-FFF2-40B4-BE49-F238E27FC236}">
+                <a16:creationId xmlns:a16="http://schemas.microsoft.com/office/drawing/2014/main" id="{60C395F4-B5A3-4F2F-855A-0006FCE96DD0}"/>
+              </a:ext>
+            </a:extLst>
+          </p:cNvPr>
+          <p:cNvSpPr>
+            <a:spLocks noGrp="1"/>
+          </p:cNvSpPr>
+          <p:nvPr>
+            <p:ph type="subTitle" idx="1"/>
+          </p:nvPr>
+        </p:nvSpPr>
+        <p:spPr>
+          <a:xfrm>
+            <a:off x="1154955" y="2861733"/>
+            <a:ext cx="1985409" cy="2777067"/>
+          </a:xfrm>
+        </p:spPr>
+        <p:txBody>
+          <a:bodyPr>
+            <a:normAutofit/>
+          </a:bodyPr>
+          <a:lstStyle/>
+          <a:p>
+            <a:r>
+              <a:rPr lang="en-US" dirty="0">
+                <a:latin typeface="Calibri" panose="020F0502020204030204" pitchFamily="34" charset="0"/>
+                <a:cs typeface="Calibri" panose="020F0502020204030204" pitchFamily="34" charset="0"/>
+              </a:rPr>
+              <a:t>Java: </a:t>
+            </a:r>
+            <a:r>
+              <a:rPr lang="en-US" dirty="0" err="1">
+                <a:latin typeface="Calibri" panose="020F0502020204030204" pitchFamily="34" charset="0"/>
+                <a:cs typeface="Calibri" panose="020F0502020204030204" pitchFamily="34" charset="0"/>
+              </a:rPr>
+              <a:t>RxJava</a:t>
+            </a:r>
+            <a:endParaRPr lang="en-US" dirty="0">
+              <a:latin typeface="Calibri" panose="020F0502020204030204" pitchFamily="34" charset="0"/>
+              <a:cs typeface="Calibri" panose="020F0502020204030204" pitchFamily="34" charset="0"/>
+            </a:endParaRPr>
+          </a:p>
+          <a:p>
+            <a:r>
+              <a:rPr lang="en-US" dirty="0">
+                <a:latin typeface="Calibri" panose="020F0502020204030204" pitchFamily="34" charset="0"/>
+                <a:cs typeface="Calibri" panose="020F0502020204030204" pitchFamily="34" charset="0"/>
+              </a:rPr>
+              <a:t>JavaScript: </a:t>
+            </a:r>
+            <a:r>
+              <a:rPr lang="en-US" dirty="0" err="1">
+                <a:latin typeface="Calibri" panose="020F0502020204030204" pitchFamily="34" charset="0"/>
+                <a:cs typeface="Calibri" panose="020F0502020204030204" pitchFamily="34" charset="0"/>
+              </a:rPr>
+              <a:t>RxJS</a:t>
+            </a:r>
+            <a:endParaRPr lang="en-US" dirty="0">
+              <a:latin typeface="Calibri" panose="020F0502020204030204" pitchFamily="34" charset="0"/>
+              <a:cs typeface="Calibri" panose="020F0502020204030204" pitchFamily="34" charset="0"/>
+            </a:endParaRPr>
+          </a:p>
+          <a:p>
+            <a:r>
+              <a:rPr lang="en-US" dirty="0">
+                <a:latin typeface="Calibri" panose="020F0502020204030204" pitchFamily="34" charset="0"/>
+                <a:cs typeface="Calibri" panose="020F0502020204030204" pitchFamily="34" charset="0"/>
+              </a:rPr>
+              <a:t>C#: Rx.NET</a:t>
+            </a:r>
+          </a:p>
+          <a:p>
+            <a:r>
+              <a:rPr lang="en-US" dirty="0">
+                <a:latin typeface="Calibri" panose="020F0502020204030204" pitchFamily="34" charset="0"/>
+                <a:cs typeface="Calibri" panose="020F0502020204030204" pitchFamily="34" charset="0"/>
+              </a:rPr>
+              <a:t>C#(Unity): </a:t>
+            </a:r>
+            <a:r>
+              <a:rPr lang="en-US" dirty="0" err="1">
+                <a:latin typeface="Calibri" panose="020F0502020204030204" pitchFamily="34" charset="0"/>
+                <a:cs typeface="Calibri" panose="020F0502020204030204" pitchFamily="34" charset="0"/>
+              </a:rPr>
+              <a:t>UniRx</a:t>
+            </a:r>
+            <a:endParaRPr lang="en-US" dirty="0">
+              <a:latin typeface="Calibri" panose="020F0502020204030204" pitchFamily="34" charset="0"/>
+              <a:cs typeface="Calibri" panose="020F0502020204030204" pitchFamily="34" charset="0"/>
+            </a:endParaRPr>
+          </a:p>
+          <a:p>
+            <a:r>
+              <a:rPr lang="en-US" dirty="0">
+                <a:latin typeface="Calibri" panose="020F0502020204030204" pitchFamily="34" charset="0"/>
+                <a:cs typeface="Calibri" panose="020F0502020204030204" pitchFamily="34" charset="0"/>
+              </a:rPr>
+              <a:t>Scala: </a:t>
+            </a:r>
+            <a:r>
+              <a:rPr lang="en-US" dirty="0" err="1">
+                <a:latin typeface="Calibri" panose="020F0502020204030204" pitchFamily="34" charset="0"/>
+                <a:cs typeface="Calibri" panose="020F0502020204030204" pitchFamily="34" charset="0"/>
+              </a:rPr>
+              <a:t>RxScala</a:t>
+            </a:r>
+            <a:endParaRPr lang="en-US" dirty="0">
+              <a:latin typeface="Calibri" panose="020F0502020204030204" pitchFamily="34" charset="0"/>
+              <a:cs typeface="Calibri" panose="020F0502020204030204" pitchFamily="34" charset="0"/>
+            </a:endParaRPr>
+          </a:p>
+          <a:p>
+            <a:r>
+              <a:rPr lang="en-US" dirty="0">
+                <a:latin typeface="Calibri" panose="020F0502020204030204" pitchFamily="34" charset="0"/>
+                <a:cs typeface="Calibri" panose="020F0502020204030204" pitchFamily="34" charset="0"/>
+              </a:rPr>
+              <a:t>Clojure: </a:t>
+            </a:r>
+            <a:r>
+              <a:rPr lang="en-US" dirty="0" err="1">
+                <a:latin typeface="Calibri" panose="020F0502020204030204" pitchFamily="34" charset="0"/>
+                <a:cs typeface="Calibri" panose="020F0502020204030204" pitchFamily="34" charset="0"/>
+              </a:rPr>
+              <a:t>RxClojure</a:t>
+            </a:r>
+            <a:endParaRPr lang="en-US" dirty="0">
+              <a:latin typeface="Calibri" panose="020F0502020204030204" pitchFamily="34" charset="0"/>
+              <a:cs typeface="Calibri" panose="020F0502020204030204" pitchFamily="34" charset="0"/>
+            </a:endParaRPr>
+          </a:p>
+        </p:txBody>
+      </p:sp>
+      <p:sp>
+        <p:nvSpPr>
+          <p:cNvPr id="4" name="Subtitle 2">
+            <a:extLst>
+              <a:ext uri="{FF2B5EF4-FFF2-40B4-BE49-F238E27FC236}">
+                <a16:creationId xmlns:a16="http://schemas.microsoft.com/office/drawing/2014/main" id="{1C6B8FEB-8EC8-4AB7-A130-ACF0A4D91E71}"/>
+              </a:ext>
+            </a:extLst>
+          </p:cNvPr>
+          <p:cNvSpPr txBox="1">
+            <a:spLocks/>
+          </p:cNvSpPr>
+          <p:nvPr/>
+        </p:nvSpPr>
+        <p:spPr>
+          <a:xfrm>
+            <a:off x="4530845" y="2861732"/>
+            <a:ext cx="1985409" cy="2777067"/>
+          </a:xfrm>
+          <a:prstGeom prst="rect">
+            <a:avLst/>
+          </a:prstGeom>
+        </p:spPr>
+        <p:txBody>
+          <a:bodyPr vert="horz" lIns="91440" tIns="45720" rIns="91440" bIns="45720" rtlCol="0" anchor="t">
+            <a:normAutofit/>
+          </a:bodyPr>
+          <a:lstStyle>
+            <a:lvl1pPr marL="0" indent="0" algn="l" defTabSz="457200" rtl="0" eaLnBrk="1" latinLnBrk="0" hangingPunct="1">
+              <a:spcBef>
+                <a:spcPts val="1000"/>
+              </a:spcBef>
+              <a:spcAft>
+                <a:spcPts val="0"/>
+              </a:spcAft>
+              <a:buClr>
+                <a:schemeClr val="accent1"/>
+              </a:buClr>
+              <a:buSzPct val="80000"/>
+              <a:buFont typeface="Wingdings 3" charset="2"/>
+              <a:buNone/>
+              <a:defRPr sz="1800" b="0" i="0" kern="1200" cap="all">
+                <a:solidFill>
+                  <a:schemeClr val="tx2">
+                    <a:lumMod val="40000"/>
+                    <a:lumOff val="60000"/>
+                  </a:schemeClr>
+                </a:solidFill>
+                <a:latin typeface="+mn-lt"/>
+                <a:ea typeface="+mn-ea"/>
+                <a:cs typeface="+mn-cs"/>
+              </a:defRPr>
+            </a:lvl1pPr>
+            <a:lvl2pPr marL="457200" indent="0" algn="ctr" defTabSz="457200" rtl="0" eaLnBrk="1" latinLnBrk="0" hangingPunct="1">
+              <a:spcBef>
+                <a:spcPts val="1000"/>
+              </a:spcBef>
+              <a:spcAft>
+                <a:spcPts val="0"/>
+              </a:spcAft>
+              <a:buClr>
+                <a:schemeClr val="accent1"/>
+              </a:buClr>
+              <a:buSzPct val="80000"/>
+              <a:buFont typeface="Wingdings 3" charset="2"/>
+              <a:buNone/>
+              <a:defRPr sz="1600" b="0" i="0" kern="1200">
+                <a:solidFill>
+                  <a:schemeClr val="tx1">
+                    <a:tint val="75000"/>
+                  </a:schemeClr>
+                </a:solidFill>
+                <a:latin typeface="+mn-lt"/>
+                <a:ea typeface="+mn-ea"/>
+                <a:cs typeface="+mn-cs"/>
+              </a:defRPr>
+            </a:lvl2pPr>
+            <a:lvl3pPr marL="914400" indent="0" algn="ctr" defTabSz="457200" rtl="0" eaLnBrk="1" latinLnBrk="0" hangingPunct="1">
+              <a:spcBef>
+                <a:spcPts val="1000"/>
+              </a:spcBef>
+              <a:spcAft>
+                <a:spcPts val="0"/>
+              </a:spcAft>
+              <a:buClr>
+                <a:schemeClr val="accent1"/>
+              </a:buClr>
+              <a:buSzPct val="80000"/>
+              <a:buFont typeface="Wingdings 3" charset="2"/>
+              <a:buNone/>
+              <a:defRPr sz="1400" b="0" i="0" kern="1200">
+                <a:solidFill>
+                  <a:schemeClr val="tx1">
+                    <a:tint val="75000"/>
+                  </a:schemeClr>
+                </a:solidFill>
+                <a:latin typeface="+mn-lt"/>
+                <a:ea typeface="+mn-ea"/>
+                <a:cs typeface="+mn-cs"/>
+              </a:defRPr>
+            </a:lvl3pPr>
+            <a:lvl4pPr marL="1371600" indent="0" algn="ctr" defTabSz="457200" rtl="0" eaLnBrk="1" latinLnBrk="0" hangingPunct="1">
+              <a:spcBef>
+                <a:spcPts val="1000"/>
+              </a:spcBef>
+              <a:spcAft>
+                <a:spcPts val="0"/>
+              </a:spcAft>
+              <a:buClr>
+                <a:schemeClr val="accent1"/>
+              </a:buClr>
+              <a:buSzPct val="80000"/>
+              <a:buFont typeface="Wingdings 3" charset="2"/>
+              <a:buNone/>
+              <a:defRPr sz="1200" b="0" i="0" kern="1200">
+                <a:solidFill>
+                  <a:schemeClr val="tx1">
+                    <a:tint val="75000"/>
+                  </a:schemeClr>
+                </a:solidFill>
+                <a:latin typeface="+mn-lt"/>
+                <a:ea typeface="+mn-ea"/>
+                <a:cs typeface="+mn-cs"/>
+              </a:defRPr>
+            </a:lvl4pPr>
+            <a:lvl5pPr marL="1828800" indent="0" algn="ctr" defTabSz="457200" rtl="0" eaLnBrk="1" latinLnBrk="0" hangingPunct="1">
+              <a:spcBef>
+                <a:spcPts val="1000"/>
+              </a:spcBef>
+              <a:spcAft>
+                <a:spcPts val="0"/>
+              </a:spcAft>
+              <a:buClr>
+                <a:schemeClr val="accent1"/>
+              </a:buClr>
+              <a:buSzPct val="80000"/>
+              <a:buFont typeface="Wingdings 3" charset="2"/>
+              <a:buNone/>
+              <a:defRPr sz="1200" b="0" i="0" kern="1200">
+                <a:solidFill>
+                  <a:schemeClr val="tx1">
+                    <a:tint val="75000"/>
+                  </a:schemeClr>
+                </a:solidFill>
+                <a:latin typeface="+mn-lt"/>
+                <a:ea typeface="+mn-ea"/>
+                <a:cs typeface="+mn-cs"/>
+              </a:defRPr>
+            </a:lvl5pPr>
+            <a:lvl6pPr marL="2286000" indent="0" algn="ctr" defTabSz="457200" rtl="0" eaLnBrk="1" latinLnBrk="0" hangingPunct="1">
+              <a:spcBef>
+                <a:spcPts val="1000"/>
+              </a:spcBef>
+              <a:spcAft>
+                <a:spcPts val="0"/>
+              </a:spcAft>
+              <a:buClr>
+                <a:schemeClr val="accent1"/>
+              </a:buClr>
+              <a:buSzPct val="80000"/>
+              <a:buFont typeface="Wingdings 3" charset="2"/>
+              <a:buNone/>
+              <a:defRPr sz="1200" b="0" i="0" kern="1200">
+                <a:solidFill>
+                  <a:schemeClr val="tx1">
+                    <a:tint val="75000"/>
+                  </a:schemeClr>
+                </a:solidFill>
+                <a:latin typeface="+mn-lt"/>
+                <a:ea typeface="+mn-ea"/>
+                <a:cs typeface="+mn-cs"/>
+              </a:defRPr>
+            </a:lvl6pPr>
+            <a:lvl7pPr marL="2743200" indent="0" algn="ctr" defTabSz="457200" rtl="0" eaLnBrk="1" latinLnBrk="0" hangingPunct="1">
+              <a:spcBef>
+                <a:spcPts val="1000"/>
+              </a:spcBef>
+              <a:spcAft>
+                <a:spcPts val="0"/>
+              </a:spcAft>
+              <a:buClr>
+                <a:schemeClr val="accent1"/>
+              </a:buClr>
+              <a:buSzPct val="80000"/>
+              <a:buFont typeface="Wingdings 3" charset="2"/>
+              <a:buNone/>
+              <a:defRPr sz="1200" b="0" i="0" kern="1200">
+                <a:solidFill>
+                  <a:schemeClr val="tx1">
+                    <a:tint val="75000"/>
+                  </a:schemeClr>
+                </a:solidFill>
+                <a:latin typeface="+mn-lt"/>
+                <a:ea typeface="+mn-ea"/>
+                <a:cs typeface="+mn-cs"/>
+              </a:defRPr>
+            </a:lvl7pPr>
+            <a:lvl8pPr marL="3200400" indent="0" algn="ctr" defTabSz="457200" rtl="0" eaLnBrk="1" latinLnBrk="0" hangingPunct="1">
+              <a:spcBef>
+                <a:spcPts val="1000"/>
+              </a:spcBef>
+              <a:spcAft>
+                <a:spcPts val="0"/>
+              </a:spcAft>
+              <a:buClr>
+                <a:schemeClr val="accent1"/>
+              </a:buClr>
+              <a:buSzPct val="80000"/>
+              <a:buFont typeface="Wingdings 3" charset="2"/>
+              <a:buNone/>
+              <a:defRPr sz="1200" b="0" i="0" kern="1200">
+                <a:solidFill>
+                  <a:schemeClr val="tx1">
+                    <a:tint val="75000"/>
+                  </a:schemeClr>
+                </a:solidFill>
+                <a:latin typeface="+mn-lt"/>
+                <a:ea typeface="+mn-ea"/>
+                <a:cs typeface="+mn-cs"/>
+              </a:defRPr>
+            </a:lvl8pPr>
+            <a:lvl9pPr marL="3657600" indent="0" algn="ctr" defTabSz="457200" rtl="0" eaLnBrk="1" latinLnBrk="0" hangingPunct="1">
+              <a:spcBef>
+                <a:spcPts val="1000"/>
+              </a:spcBef>
+              <a:spcAft>
+                <a:spcPts val="0"/>
+              </a:spcAft>
+              <a:buClr>
+                <a:schemeClr val="accent1"/>
+              </a:buClr>
+              <a:buSzPct val="80000"/>
+              <a:buFont typeface="Wingdings 3" charset="2"/>
+              <a:buNone/>
+              <a:defRPr sz="1200" b="0" i="0" kern="1200">
+                <a:solidFill>
+                  <a:schemeClr val="tx1">
+                    <a:tint val="75000"/>
+                  </a:schemeClr>
+                </a:solidFill>
+                <a:latin typeface="+mn-lt"/>
+                <a:ea typeface="+mn-ea"/>
+                <a:cs typeface="+mn-cs"/>
+              </a:defRPr>
+            </a:lvl9pPr>
+          </a:lstStyle>
+          <a:p>
+            <a:r>
+              <a:rPr lang="en-US" dirty="0">
+                <a:latin typeface="Calibri" panose="020F0502020204030204" pitchFamily="34" charset="0"/>
+                <a:cs typeface="Calibri" panose="020F0502020204030204" pitchFamily="34" charset="0"/>
+              </a:rPr>
+              <a:t>C++: </a:t>
+            </a:r>
+            <a:r>
+              <a:rPr lang="en-US" dirty="0" err="1">
+                <a:latin typeface="Calibri" panose="020F0502020204030204" pitchFamily="34" charset="0"/>
+                <a:cs typeface="Calibri" panose="020F0502020204030204" pitchFamily="34" charset="0"/>
+              </a:rPr>
+              <a:t>RxCpp</a:t>
+            </a:r>
+            <a:endParaRPr lang="en-US" dirty="0">
+              <a:latin typeface="Calibri" panose="020F0502020204030204" pitchFamily="34" charset="0"/>
+              <a:cs typeface="Calibri" panose="020F0502020204030204" pitchFamily="34" charset="0"/>
+            </a:endParaRPr>
+          </a:p>
+          <a:p>
+            <a:r>
+              <a:rPr lang="en-US" dirty="0">
+                <a:latin typeface="Calibri" panose="020F0502020204030204" pitchFamily="34" charset="0"/>
+                <a:cs typeface="Calibri" panose="020F0502020204030204" pitchFamily="34" charset="0"/>
+              </a:rPr>
+              <a:t>Lua: </a:t>
+            </a:r>
+            <a:r>
+              <a:rPr lang="en-US" dirty="0" err="1">
+                <a:latin typeface="Calibri" panose="020F0502020204030204" pitchFamily="34" charset="0"/>
+                <a:cs typeface="Calibri" panose="020F0502020204030204" pitchFamily="34" charset="0"/>
+              </a:rPr>
+              <a:t>RxLua</a:t>
+            </a:r>
+            <a:endParaRPr lang="en-US" dirty="0">
+              <a:latin typeface="Calibri" panose="020F0502020204030204" pitchFamily="34" charset="0"/>
+              <a:cs typeface="Calibri" panose="020F0502020204030204" pitchFamily="34" charset="0"/>
+            </a:endParaRPr>
+          </a:p>
+          <a:p>
+            <a:r>
+              <a:rPr lang="en-US" dirty="0">
+                <a:latin typeface="Calibri" panose="020F0502020204030204" pitchFamily="34" charset="0"/>
+                <a:cs typeface="Calibri" panose="020F0502020204030204" pitchFamily="34" charset="0"/>
+              </a:rPr>
+              <a:t>Ruby: </a:t>
+            </a:r>
+            <a:r>
+              <a:rPr lang="en-US" dirty="0" err="1">
+                <a:latin typeface="Calibri" panose="020F0502020204030204" pitchFamily="34" charset="0"/>
+                <a:cs typeface="Calibri" panose="020F0502020204030204" pitchFamily="34" charset="0"/>
+              </a:rPr>
+              <a:t>Rx.rb</a:t>
+            </a:r>
+            <a:endParaRPr lang="en-US" dirty="0">
+              <a:latin typeface="Calibri" panose="020F0502020204030204" pitchFamily="34" charset="0"/>
+              <a:cs typeface="Calibri" panose="020F0502020204030204" pitchFamily="34" charset="0"/>
+            </a:endParaRPr>
+          </a:p>
+          <a:p>
+            <a:r>
+              <a:rPr lang="en-US" dirty="0">
+                <a:latin typeface="Calibri" panose="020F0502020204030204" pitchFamily="34" charset="0"/>
+                <a:cs typeface="Calibri" panose="020F0502020204030204" pitchFamily="34" charset="0"/>
+              </a:rPr>
+              <a:t>Python: </a:t>
+            </a:r>
+            <a:r>
+              <a:rPr lang="en-US" dirty="0" err="1">
+                <a:latin typeface="Calibri" panose="020F0502020204030204" pitchFamily="34" charset="0"/>
+                <a:cs typeface="Calibri" panose="020F0502020204030204" pitchFamily="34" charset="0"/>
+              </a:rPr>
+              <a:t>RxPY</a:t>
+            </a:r>
+            <a:endParaRPr lang="en-US" dirty="0">
+              <a:latin typeface="Calibri" panose="020F0502020204030204" pitchFamily="34" charset="0"/>
+              <a:cs typeface="Calibri" panose="020F0502020204030204" pitchFamily="34" charset="0"/>
+            </a:endParaRPr>
+          </a:p>
+          <a:p>
+            <a:r>
+              <a:rPr lang="en-US" dirty="0">
+                <a:latin typeface="Calibri" panose="020F0502020204030204" pitchFamily="34" charset="0"/>
+                <a:cs typeface="Calibri" panose="020F0502020204030204" pitchFamily="34" charset="0"/>
+              </a:rPr>
+              <a:t>Go: </a:t>
+            </a:r>
+            <a:r>
+              <a:rPr lang="en-US" dirty="0" err="1">
+                <a:latin typeface="Calibri" panose="020F0502020204030204" pitchFamily="34" charset="0"/>
+                <a:cs typeface="Calibri" panose="020F0502020204030204" pitchFamily="34" charset="0"/>
+              </a:rPr>
+              <a:t>RxGo</a:t>
+            </a:r>
+            <a:endParaRPr lang="en-US" dirty="0">
+              <a:latin typeface="Calibri" panose="020F0502020204030204" pitchFamily="34" charset="0"/>
+              <a:cs typeface="Calibri" panose="020F0502020204030204" pitchFamily="34" charset="0"/>
+            </a:endParaRPr>
+          </a:p>
+          <a:p>
+            <a:r>
+              <a:rPr lang="en-US" dirty="0">
+                <a:latin typeface="Calibri" panose="020F0502020204030204" pitchFamily="34" charset="0"/>
+                <a:cs typeface="Calibri" panose="020F0502020204030204" pitchFamily="34" charset="0"/>
+              </a:rPr>
+              <a:t>Groovy: </a:t>
+            </a:r>
+            <a:r>
+              <a:rPr lang="en-US" dirty="0" err="1">
+                <a:latin typeface="Calibri" panose="020F0502020204030204" pitchFamily="34" charset="0"/>
+                <a:cs typeface="Calibri" panose="020F0502020204030204" pitchFamily="34" charset="0"/>
+              </a:rPr>
+              <a:t>RxGroovy</a:t>
+            </a:r>
+            <a:endParaRPr lang="en-US" dirty="0">
+              <a:latin typeface="Calibri" panose="020F0502020204030204" pitchFamily="34" charset="0"/>
+              <a:cs typeface="Calibri" panose="020F0502020204030204" pitchFamily="34" charset="0"/>
+            </a:endParaRPr>
+          </a:p>
+        </p:txBody>
+      </p:sp>
+      <p:sp>
+        <p:nvSpPr>
+          <p:cNvPr id="5" name="Subtitle 2">
+            <a:extLst>
+              <a:ext uri="{FF2B5EF4-FFF2-40B4-BE49-F238E27FC236}">
+                <a16:creationId xmlns:a16="http://schemas.microsoft.com/office/drawing/2014/main" id="{D3CA42F1-03DB-49CD-8B7D-96EC85C63EDE}"/>
+              </a:ext>
+            </a:extLst>
+          </p:cNvPr>
+          <p:cNvSpPr txBox="1">
+            <a:spLocks/>
+          </p:cNvSpPr>
+          <p:nvPr/>
+        </p:nvSpPr>
+        <p:spPr>
+          <a:xfrm>
+            <a:off x="7689681" y="2861732"/>
+            <a:ext cx="1985409" cy="2777067"/>
+          </a:xfrm>
+          <a:prstGeom prst="rect">
+            <a:avLst/>
+          </a:prstGeom>
+        </p:spPr>
+        <p:txBody>
+          <a:bodyPr vert="horz" lIns="91440" tIns="45720" rIns="91440" bIns="45720" rtlCol="0" anchor="t">
+            <a:normAutofit/>
+          </a:bodyPr>
+          <a:lstStyle>
+            <a:lvl1pPr marL="0" indent="0" algn="l" defTabSz="457200" rtl="0" eaLnBrk="1" latinLnBrk="0" hangingPunct="1">
+              <a:spcBef>
+                <a:spcPts val="1000"/>
+              </a:spcBef>
+              <a:spcAft>
+                <a:spcPts val="0"/>
+              </a:spcAft>
+              <a:buClr>
+                <a:schemeClr val="accent1"/>
+              </a:buClr>
+              <a:buSzPct val="80000"/>
+              <a:buFont typeface="Wingdings 3" charset="2"/>
+              <a:buNone/>
+              <a:defRPr sz="1800" b="0" i="0" kern="1200" cap="all">
+                <a:solidFill>
+                  <a:schemeClr val="tx2">
+                    <a:lumMod val="40000"/>
+                    <a:lumOff val="60000"/>
+                  </a:schemeClr>
+                </a:solidFill>
+                <a:latin typeface="+mn-lt"/>
+                <a:ea typeface="+mn-ea"/>
+                <a:cs typeface="+mn-cs"/>
+              </a:defRPr>
+            </a:lvl1pPr>
+            <a:lvl2pPr marL="457200" indent="0" algn="ctr" defTabSz="457200" rtl="0" eaLnBrk="1" latinLnBrk="0" hangingPunct="1">
+              <a:spcBef>
+                <a:spcPts val="1000"/>
+              </a:spcBef>
+              <a:spcAft>
+                <a:spcPts val="0"/>
+              </a:spcAft>
+              <a:buClr>
+                <a:schemeClr val="accent1"/>
+              </a:buClr>
+              <a:buSzPct val="80000"/>
+              <a:buFont typeface="Wingdings 3" charset="2"/>
+              <a:buNone/>
+              <a:defRPr sz="1600" b="0" i="0" kern="1200">
+                <a:solidFill>
+                  <a:schemeClr val="tx1">
+                    <a:tint val="75000"/>
+                  </a:schemeClr>
+                </a:solidFill>
+                <a:latin typeface="+mn-lt"/>
+                <a:ea typeface="+mn-ea"/>
+                <a:cs typeface="+mn-cs"/>
+              </a:defRPr>
+            </a:lvl2pPr>
+            <a:lvl3pPr marL="914400" indent="0" algn="ctr" defTabSz="457200" rtl="0" eaLnBrk="1" latinLnBrk="0" hangingPunct="1">
+              <a:spcBef>
+                <a:spcPts val="1000"/>
+              </a:spcBef>
+              <a:spcAft>
+                <a:spcPts val="0"/>
+              </a:spcAft>
+              <a:buClr>
+                <a:schemeClr val="accent1"/>
+              </a:buClr>
+              <a:buSzPct val="80000"/>
+              <a:buFont typeface="Wingdings 3" charset="2"/>
+              <a:buNone/>
+              <a:defRPr sz="1400" b="0" i="0" kern="1200">
+                <a:solidFill>
+                  <a:schemeClr val="tx1">
+                    <a:tint val="75000"/>
+                  </a:schemeClr>
+                </a:solidFill>
+                <a:latin typeface="+mn-lt"/>
+                <a:ea typeface="+mn-ea"/>
+                <a:cs typeface="+mn-cs"/>
+              </a:defRPr>
+            </a:lvl3pPr>
+            <a:lvl4pPr marL="1371600" indent="0" algn="ctr" defTabSz="457200" rtl="0" eaLnBrk="1" latinLnBrk="0" hangingPunct="1">
+              <a:spcBef>
+                <a:spcPts val="1000"/>
+              </a:spcBef>
+              <a:spcAft>
+                <a:spcPts val="0"/>
+              </a:spcAft>
+              <a:buClr>
+                <a:schemeClr val="accent1"/>
+              </a:buClr>
+              <a:buSzPct val="80000"/>
+              <a:buFont typeface="Wingdings 3" charset="2"/>
+              <a:buNone/>
+              <a:defRPr sz="1200" b="0" i="0" kern="1200">
+                <a:solidFill>
+                  <a:schemeClr val="tx1">
+                    <a:tint val="75000"/>
+                  </a:schemeClr>
+                </a:solidFill>
+                <a:latin typeface="+mn-lt"/>
+                <a:ea typeface="+mn-ea"/>
+                <a:cs typeface="+mn-cs"/>
+              </a:defRPr>
+            </a:lvl4pPr>
+            <a:lvl5pPr marL="1828800" indent="0" algn="ctr" defTabSz="457200" rtl="0" eaLnBrk="1" latinLnBrk="0" hangingPunct="1">
+              <a:spcBef>
+                <a:spcPts val="1000"/>
+              </a:spcBef>
+              <a:spcAft>
+                <a:spcPts val="0"/>
+              </a:spcAft>
+              <a:buClr>
+                <a:schemeClr val="accent1"/>
+              </a:buClr>
+              <a:buSzPct val="80000"/>
+              <a:buFont typeface="Wingdings 3" charset="2"/>
+              <a:buNone/>
+              <a:defRPr sz="1200" b="0" i="0" kern="1200">
+                <a:solidFill>
+                  <a:schemeClr val="tx1">
+                    <a:tint val="75000"/>
+                  </a:schemeClr>
+                </a:solidFill>
+                <a:latin typeface="+mn-lt"/>
+                <a:ea typeface="+mn-ea"/>
+                <a:cs typeface="+mn-cs"/>
+              </a:defRPr>
+            </a:lvl5pPr>
+            <a:lvl6pPr marL="2286000" indent="0" algn="ctr" defTabSz="457200" rtl="0" eaLnBrk="1" latinLnBrk="0" hangingPunct="1">
+              <a:spcBef>
+                <a:spcPts val="1000"/>
+              </a:spcBef>
+              <a:spcAft>
+                <a:spcPts val="0"/>
+              </a:spcAft>
+              <a:buClr>
+                <a:schemeClr val="accent1"/>
+              </a:buClr>
+              <a:buSzPct val="80000"/>
+              <a:buFont typeface="Wingdings 3" charset="2"/>
+              <a:buNone/>
+              <a:defRPr sz="1200" b="0" i="0" kern="1200">
+                <a:solidFill>
+                  <a:schemeClr val="tx1">
+                    <a:tint val="75000"/>
+                  </a:schemeClr>
+                </a:solidFill>
+                <a:latin typeface="+mn-lt"/>
+                <a:ea typeface="+mn-ea"/>
+                <a:cs typeface="+mn-cs"/>
+              </a:defRPr>
+            </a:lvl6pPr>
+            <a:lvl7pPr marL="2743200" indent="0" algn="ctr" defTabSz="457200" rtl="0" eaLnBrk="1" latinLnBrk="0" hangingPunct="1">
+              <a:spcBef>
+                <a:spcPts val="1000"/>
+              </a:spcBef>
+              <a:spcAft>
+                <a:spcPts val="0"/>
+              </a:spcAft>
+              <a:buClr>
+                <a:schemeClr val="accent1"/>
+              </a:buClr>
+              <a:buSzPct val="80000"/>
+              <a:buFont typeface="Wingdings 3" charset="2"/>
+              <a:buNone/>
+              <a:defRPr sz="1200" b="0" i="0" kern="1200">
+                <a:solidFill>
+                  <a:schemeClr val="tx1">
+                    <a:tint val="75000"/>
+                  </a:schemeClr>
+                </a:solidFill>
+                <a:latin typeface="+mn-lt"/>
+                <a:ea typeface="+mn-ea"/>
+                <a:cs typeface="+mn-cs"/>
+              </a:defRPr>
+            </a:lvl7pPr>
+            <a:lvl8pPr marL="3200400" indent="0" algn="ctr" defTabSz="457200" rtl="0" eaLnBrk="1" latinLnBrk="0" hangingPunct="1">
+              <a:spcBef>
+                <a:spcPts val="1000"/>
+              </a:spcBef>
+              <a:spcAft>
+                <a:spcPts val="0"/>
+              </a:spcAft>
+              <a:buClr>
+                <a:schemeClr val="accent1"/>
+              </a:buClr>
+              <a:buSzPct val="80000"/>
+              <a:buFont typeface="Wingdings 3" charset="2"/>
+              <a:buNone/>
+              <a:defRPr sz="1200" b="0" i="0" kern="1200">
+                <a:solidFill>
+                  <a:schemeClr val="tx1">
+                    <a:tint val="75000"/>
+                  </a:schemeClr>
+                </a:solidFill>
+                <a:latin typeface="+mn-lt"/>
+                <a:ea typeface="+mn-ea"/>
+                <a:cs typeface="+mn-cs"/>
+              </a:defRPr>
+            </a:lvl8pPr>
+            <a:lvl9pPr marL="3657600" indent="0" algn="ctr" defTabSz="457200" rtl="0" eaLnBrk="1" latinLnBrk="0" hangingPunct="1">
+              <a:spcBef>
+                <a:spcPts val="1000"/>
+              </a:spcBef>
+              <a:spcAft>
+                <a:spcPts val="0"/>
+              </a:spcAft>
+              <a:buClr>
+                <a:schemeClr val="accent1"/>
+              </a:buClr>
+              <a:buSzPct val="80000"/>
+              <a:buFont typeface="Wingdings 3" charset="2"/>
+              <a:buNone/>
+              <a:defRPr sz="1200" b="0" i="0" kern="1200">
+                <a:solidFill>
+                  <a:schemeClr val="tx1">
+                    <a:tint val="75000"/>
+                  </a:schemeClr>
+                </a:solidFill>
+                <a:latin typeface="+mn-lt"/>
+                <a:ea typeface="+mn-ea"/>
+                <a:cs typeface="+mn-cs"/>
+              </a:defRPr>
+            </a:lvl9pPr>
+          </a:lstStyle>
+          <a:p>
+            <a:r>
+              <a:rPr lang="en-US" dirty="0">
+                <a:latin typeface="Calibri" panose="020F0502020204030204" pitchFamily="34" charset="0"/>
+                <a:cs typeface="Calibri" panose="020F0502020204030204" pitchFamily="34" charset="0"/>
+              </a:rPr>
+              <a:t>Ruby: </a:t>
+            </a:r>
+            <a:r>
+              <a:rPr lang="en-US" dirty="0" err="1">
+                <a:latin typeface="Calibri" panose="020F0502020204030204" pitchFamily="34" charset="0"/>
+                <a:cs typeface="Calibri" panose="020F0502020204030204" pitchFamily="34" charset="0"/>
+              </a:rPr>
+              <a:t>RxJRuby</a:t>
+            </a:r>
+            <a:endParaRPr lang="en-US" dirty="0">
+              <a:latin typeface="Calibri" panose="020F0502020204030204" pitchFamily="34" charset="0"/>
+              <a:cs typeface="Calibri" panose="020F0502020204030204" pitchFamily="34" charset="0"/>
+            </a:endParaRPr>
+          </a:p>
+          <a:p>
+            <a:r>
+              <a:rPr lang="en-US" dirty="0">
+                <a:latin typeface="Calibri" panose="020F0502020204030204" pitchFamily="34" charset="0"/>
+                <a:cs typeface="Calibri" panose="020F0502020204030204" pitchFamily="34" charset="0"/>
+              </a:rPr>
+              <a:t>Kotlin: </a:t>
+            </a:r>
+            <a:r>
+              <a:rPr lang="en-US" dirty="0" err="1">
+                <a:latin typeface="Calibri" panose="020F0502020204030204" pitchFamily="34" charset="0"/>
+                <a:cs typeface="Calibri" panose="020F0502020204030204" pitchFamily="34" charset="0"/>
+              </a:rPr>
+              <a:t>RxKotlin</a:t>
+            </a:r>
+            <a:endParaRPr lang="en-US" dirty="0">
+              <a:latin typeface="Calibri" panose="020F0502020204030204" pitchFamily="34" charset="0"/>
+              <a:cs typeface="Calibri" panose="020F0502020204030204" pitchFamily="34" charset="0"/>
+            </a:endParaRPr>
+          </a:p>
+          <a:p>
+            <a:r>
+              <a:rPr lang="en-US" dirty="0">
+                <a:latin typeface="Calibri" panose="020F0502020204030204" pitchFamily="34" charset="0"/>
+                <a:cs typeface="Calibri" panose="020F0502020204030204" pitchFamily="34" charset="0"/>
+              </a:rPr>
+              <a:t>Swift: </a:t>
+            </a:r>
+            <a:r>
+              <a:rPr lang="en-US" dirty="0" err="1">
+                <a:latin typeface="Calibri" panose="020F0502020204030204" pitchFamily="34" charset="0"/>
+                <a:cs typeface="Calibri" panose="020F0502020204030204" pitchFamily="34" charset="0"/>
+              </a:rPr>
+              <a:t>RxSwift</a:t>
+            </a:r>
+            <a:endParaRPr lang="en-US" dirty="0">
+              <a:latin typeface="Calibri" panose="020F0502020204030204" pitchFamily="34" charset="0"/>
+              <a:cs typeface="Calibri" panose="020F0502020204030204" pitchFamily="34" charset="0"/>
+            </a:endParaRPr>
+          </a:p>
+          <a:p>
+            <a:r>
+              <a:rPr lang="en-US" dirty="0">
+                <a:latin typeface="Calibri" panose="020F0502020204030204" pitchFamily="34" charset="0"/>
+                <a:cs typeface="Calibri" panose="020F0502020204030204" pitchFamily="34" charset="0"/>
+              </a:rPr>
+              <a:t>PHP: </a:t>
+            </a:r>
+            <a:r>
+              <a:rPr lang="en-US" dirty="0" err="1">
+                <a:latin typeface="Calibri" panose="020F0502020204030204" pitchFamily="34" charset="0"/>
+                <a:cs typeface="Calibri" panose="020F0502020204030204" pitchFamily="34" charset="0"/>
+              </a:rPr>
+              <a:t>RxPHP</a:t>
+            </a:r>
+            <a:endParaRPr lang="en-US" dirty="0">
+              <a:latin typeface="Calibri" panose="020F0502020204030204" pitchFamily="34" charset="0"/>
+              <a:cs typeface="Calibri" panose="020F0502020204030204" pitchFamily="34" charset="0"/>
+            </a:endParaRPr>
+          </a:p>
+          <a:p>
+            <a:r>
+              <a:rPr lang="en-US" dirty="0">
+                <a:latin typeface="Calibri" panose="020F0502020204030204" pitchFamily="34" charset="0"/>
+                <a:cs typeface="Calibri" panose="020F0502020204030204" pitchFamily="34" charset="0"/>
+              </a:rPr>
+              <a:t>Elixir: </a:t>
+            </a:r>
+            <a:r>
+              <a:rPr lang="en-US" dirty="0" err="1">
+                <a:latin typeface="Calibri" panose="020F0502020204030204" pitchFamily="34" charset="0"/>
+                <a:cs typeface="Calibri" panose="020F0502020204030204" pitchFamily="34" charset="0"/>
+              </a:rPr>
+              <a:t>reaxive</a:t>
+            </a:r>
+            <a:endParaRPr lang="en-US" dirty="0">
+              <a:latin typeface="Calibri" panose="020F0502020204030204" pitchFamily="34" charset="0"/>
+              <a:cs typeface="Calibri" panose="020F0502020204030204" pitchFamily="34" charset="0"/>
+            </a:endParaRPr>
+          </a:p>
+          <a:p>
+            <a:r>
+              <a:rPr lang="en-US" dirty="0">
+                <a:latin typeface="Calibri" panose="020F0502020204030204" pitchFamily="34" charset="0"/>
+                <a:cs typeface="Calibri" panose="020F0502020204030204" pitchFamily="34" charset="0"/>
+              </a:rPr>
+              <a:t>Dart: </a:t>
+            </a:r>
+            <a:r>
+              <a:rPr lang="en-US" dirty="0" err="1">
+                <a:latin typeface="Calibri" panose="020F0502020204030204" pitchFamily="34" charset="0"/>
+                <a:cs typeface="Calibri" panose="020F0502020204030204" pitchFamily="34" charset="0"/>
+              </a:rPr>
+              <a:t>RxDart</a:t>
+            </a:r>
+            <a:endParaRPr lang="en-US" dirty="0">
+              <a:latin typeface="Calibri" panose="020F0502020204030204" pitchFamily="34" charset="0"/>
+              <a:cs typeface="Calibri" panose="020F0502020204030204" pitchFamily="34" charset="0"/>
+            </a:endParaRPr>
+          </a:p>
+        </p:txBody>
+      </p:sp>
+    </p:spTree>
+    <p:extLst>
+      <p:ext uri="{BB962C8B-B14F-4D97-AF65-F5344CB8AC3E}">
+        <p14:creationId xmlns:p14="http://schemas.microsoft.com/office/powerpoint/2010/main" val="3004143073"/>
       </p:ext>
     </p:extLst>
   </p:cSld>
@@ -14310,8 +19967,12 @@
           <a:lstStyle/>
           <a:p>
             <a:r>
-              <a:rPr lang="ru-RU" sz="4400" dirty="0"/>
-              <a:t>Что нового?</a:t>
+              <a:rPr lang="en-US" sz="4400" dirty="0"/>
+              <a:t>Reactive </a:t>
+            </a:r>
+            <a:r>
+              <a:rPr lang="en-US" sz="4400" dirty="0" err="1"/>
+              <a:t>Extentions</a:t>
             </a:r>
             <a:endParaRPr lang="en-US" sz="4400" dirty="0"/>
           </a:p>
@@ -14343,14 +20004,575 @@
           <a:bodyPr/>
           <a:lstStyle/>
           <a:p>
-            <a:endParaRPr lang="en-US" dirty="0"/>
+            <a:r>
+              <a:rPr lang="ru-RU" dirty="0">
+                <a:latin typeface="Calibri" panose="020F0502020204030204" pitchFamily="34" charset="0"/>
+                <a:cs typeface="Calibri" panose="020F0502020204030204" pitchFamily="34" charset="0"/>
+              </a:rPr>
+              <a:t>Реактивное программирование </a:t>
+            </a:r>
+            <a:endParaRPr lang="en-US" dirty="0">
+              <a:latin typeface="Calibri" panose="020F0502020204030204" pitchFamily="34" charset="0"/>
+              <a:cs typeface="Calibri" panose="020F0502020204030204" pitchFamily="34" charset="0"/>
+            </a:endParaRPr>
+          </a:p>
+          <a:p>
+            <a:r>
+              <a:rPr lang="ru-RU" sz="1400" dirty="0">
+                <a:latin typeface="Calibri" panose="020F0502020204030204" pitchFamily="34" charset="0"/>
+                <a:cs typeface="Calibri" panose="020F0502020204030204" pitchFamily="34" charset="0"/>
+              </a:rPr>
+              <a:t>— программирование с асинхронными потоками данных</a:t>
+            </a:r>
+            <a:r>
+              <a:rPr lang="en-US" sz="1400" dirty="0">
+                <a:latin typeface="Calibri" panose="020F0502020204030204" pitchFamily="34" charset="0"/>
+                <a:cs typeface="Calibri" panose="020F0502020204030204" pitchFamily="34" charset="0"/>
+              </a:rPr>
+              <a:t>.</a:t>
+            </a:r>
+          </a:p>
+          <a:p>
+            <a:r>
+              <a:rPr lang="ru-RU" b="1" dirty="0">
+                <a:latin typeface="Calibri" panose="020F0502020204030204" pitchFamily="34" charset="0"/>
+                <a:cs typeface="Calibri" panose="020F0502020204030204" pitchFamily="34" charset="0"/>
+              </a:rPr>
+              <a:t>— парадигма программирования, ориентированная на потоки данных и распространение изменений.</a:t>
+            </a:r>
+            <a:endParaRPr lang="en-US" b="1" dirty="0">
+              <a:latin typeface="Calibri" panose="020F0502020204030204" pitchFamily="34" charset="0"/>
+              <a:cs typeface="Calibri" panose="020F0502020204030204" pitchFamily="34" charset="0"/>
+            </a:endParaRPr>
           </a:p>
         </p:txBody>
       </p:sp>
     </p:spTree>
     <p:extLst>
       <p:ext uri="{BB962C8B-B14F-4D97-AF65-F5344CB8AC3E}">
-        <p14:creationId xmlns:p14="http://schemas.microsoft.com/office/powerpoint/2010/main" val="4035409235"/>
+        <p14:creationId xmlns:p14="http://schemas.microsoft.com/office/powerpoint/2010/main" val="684165270"/>
+      </p:ext>
+    </p:extLst>
+  </p:cSld>
+  <p:clrMapOvr>
+    <a:masterClrMapping/>
+  </p:clrMapOvr>
+</p:sld>
+</file>
+
+<file path=ppt/slides/slide50.xml><?xml version="1.0" encoding="utf-8"?>
+<p:sld xmlns:a="http://schemas.openxmlformats.org/drawingml/2006/main" xmlns:r="http://schemas.openxmlformats.org/officeDocument/2006/relationships" xmlns:p="http://schemas.openxmlformats.org/presentationml/2006/main">
+  <p:cSld>
+    <p:spTree>
+      <p:nvGrpSpPr>
+        <p:cNvPr id="1" name=""/>
+        <p:cNvGrpSpPr/>
+        <p:nvPr/>
+      </p:nvGrpSpPr>
+      <p:grpSpPr>
+        <a:xfrm>
+          <a:off x="0" y="0"/>
+          <a:ext cx="0" cy="0"/>
+          <a:chOff x="0" y="0"/>
+          <a:chExt cx="0" cy="0"/>
+        </a:xfrm>
+      </p:grpSpPr>
+      <p:pic>
+        <p:nvPicPr>
+          <p:cNvPr id="5" name="Picture 4">
+            <a:extLst>
+              <a:ext uri="{FF2B5EF4-FFF2-40B4-BE49-F238E27FC236}">
+                <a16:creationId xmlns:a16="http://schemas.microsoft.com/office/drawing/2014/main" id="{930C1626-6139-4076-90C6-B9FC65F13C6A}"/>
+              </a:ext>
+            </a:extLst>
+          </p:cNvPr>
+          <p:cNvPicPr>
+            <a:picLocks noChangeAspect="1"/>
+          </p:cNvPicPr>
+          <p:nvPr/>
+        </p:nvPicPr>
+        <p:blipFill>
+          <a:blip r:embed="rId2">
+            <a:extLst>
+              <a:ext uri="{28A0092B-C50C-407E-A947-70E740481C1C}">
+                <a14:useLocalDpi xmlns:a14="http://schemas.microsoft.com/office/drawing/2010/main" val="0"/>
+              </a:ext>
+            </a:extLst>
+          </a:blip>
+          <a:stretch>
+            <a:fillRect/>
+          </a:stretch>
+        </p:blipFill>
+        <p:spPr>
+          <a:xfrm>
+            <a:off x="-2004385" y="-1"/>
+            <a:ext cx="15184582" cy="6848989"/>
+          </a:xfrm>
+          <a:prstGeom prst="rect">
+            <a:avLst/>
+          </a:prstGeom>
+        </p:spPr>
+      </p:pic>
+    </p:spTree>
+    <p:extLst>
+      <p:ext uri="{BB962C8B-B14F-4D97-AF65-F5344CB8AC3E}">
+        <p14:creationId xmlns:p14="http://schemas.microsoft.com/office/powerpoint/2010/main" val="1626380394"/>
+      </p:ext>
+    </p:extLst>
+  </p:cSld>
+  <p:clrMapOvr>
+    <a:masterClrMapping/>
+  </p:clrMapOvr>
+</p:sld>
+</file>
+
+<file path=ppt/slides/slide51.xml><?xml version="1.0" encoding="utf-8"?>
+<p:sld xmlns:a="http://schemas.openxmlformats.org/drawingml/2006/main" xmlns:r="http://schemas.openxmlformats.org/officeDocument/2006/relationships" xmlns:p="http://schemas.openxmlformats.org/presentationml/2006/main">
+  <p:cSld>
+    <p:spTree>
+      <p:nvGrpSpPr>
+        <p:cNvPr id="1" name=""/>
+        <p:cNvGrpSpPr/>
+        <p:nvPr/>
+      </p:nvGrpSpPr>
+      <p:grpSpPr>
+        <a:xfrm>
+          <a:off x="0" y="0"/>
+          <a:ext cx="0" cy="0"/>
+          <a:chOff x="0" y="0"/>
+          <a:chExt cx="0" cy="0"/>
+        </a:xfrm>
+      </p:grpSpPr>
+      <p:sp>
+        <p:nvSpPr>
+          <p:cNvPr id="2" name="Title 1">
+            <a:extLst>
+              <a:ext uri="{FF2B5EF4-FFF2-40B4-BE49-F238E27FC236}">
+                <a16:creationId xmlns:a16="http://schemas.microsoft.com/office/drawing/2014/main" id="{F8ADAE79-72C3-4128-BC87-DBC5B059028E}"/>
+              </a:ext>
+            </a:extLst>
+          </p:cNvPr>
+          <p:cNvSpPr>
+            <a:spLocks noGrp="1"/>
+          </p:cNvSpPr>
+          <p:nvPr>
+            <p:ph type="ctrTitle"/>
+          </p:nvPr>
+        </p:nvSpPr>
+        <p:spPr>
+          <a:xfrm>
+            <a:off x="1154955" y="776494"/>
+            <a:ext cx="9199778" cy="713639"/>
+          </a:xfrm>
+        </p:spPr>
+        <p:txBody>
+          <a:bodyPr/>
+          <a:lstStyle/>
+          <a:p>
+            <a:r>
+              <a:rPr lang="ru-RU" sz="4400" dirty="0"/>
+              <a:t>Итого</a:t>
+            </a:r>
+            <a:endParaRPr lang="en-US" sz="4400" dirty="0"/>
+          </a:p>
+        </p:txBody>
+      </p:sp>
+      <p:sp>
+        <p:nvSpPr>
+          <p:cNvPr id="3" name="Subtitle 2">
+            <a:extLst>
+              <a:ext uri="{FF2B5EF4-FFF2-40B4-BE49-F238E27FC236}">
+                <a16:creationId xmlns:a16="http://schemas.microsoft.com/office/drawing/2014/main" id="{60C395F4-B5A3-4F2F-855A-0006FCE96DD0}"/>
+              </a:ext>
+            </a:extLst>
+          </p:cNvPr>
+          <p:cNvSpPr>
+            <a:spLocks noGrp="1"/>
+          </p:cNvSpPr>
+          <p:nvPr>
+            <p:ph type="subTitle" idx="1"/>
+          </p:nvPr>
+        </p:nvSpPr>
+        <p:spPr>
+          <a:xfrm>
+            <a:off x="1154955" y="2861733"/>
+            <a:ext cx="8825658" cy="2777067"/>
+          </a:xfrm>
+        </p:spPr>
+        <p:txBody>
+          <a:bodyPr>
+            <a:normAutofit/>
+          </a:bodyPr>
+          <a:lstStyle/>
+          <a:p>
+            <a:endParaRPr lang="en-US" dirty="0">
+              <a:latin typeface="Calibri" panose="020F0502020204030204" pitchFamily="34" charset="0"/>
+              <a:cs typeface="Calibri" panose="020F0502020204030204" pitchFamily="34" charset="0"/>
+            </a:endParaRPr>
+          </a:p>
+        </p:txBody>
+      </p:sp>
+    </p:spTree>
+    <p:extLst>
+      <p:ext uri="{BB962C8B-B14F-4D97-AF65-F5344CB8AC3E}">
+        <p14:creationId xmlns:p14="http://schemas.microsoft.com/office/powerpoint/2010/main" val="3318353367"/>
+      </p:ext>
+    </p:extLst>
+  </p:cSld>
+  <p:clrMapOvr>
+    <a:masterClrMapping/>
+  </p:clrMapOvr>
+</p:sld>
+</file>
+
+<file path=ppt/slides/slide52.xml><?xml version="1.0" encoding="utf-8"?>
+<p:sld xmlns:a="http://schemas.openxmlformats.org/drawingml/2006/main" xmlns:r="http://schemas.openxmlformats.org/officeDocument/2006/relationships" xmlns:p="http://schemas.openxmlformats.org/presentationml/2006/main">
+  <p:cSld>
+    <p:spTree>
+      <p:nvGrpSpPr>
+        <p:cNvPr id="1" name=""/>
+        <p:cNvGrpSpPr/>
+        <p:nvPr/>
+      </p:nvGrpSpPr>
+      <p:grpSpPr>
+        <a:xfrm>
+          <a:off x="0" y="0"/>
+          <a:ext cx="0" cy="0"/>
+          <a:chOff x="0" y="0"/>
+          <a:chExt cx="0" cy="0"/>
+        </a:xfrm>
+      </p:grpSpPr>
+      <p:sp>
+        <p:nvSpPr>
+          <p:cNvPr id="2" name="Title 1">
+            <a:extLst>
+              <a:ext uri="{FF2B5EF4-FFF2-40B4-BE49-F238E27FC236}">
+                <a16:creationId xmlns:a16="http://schemas.microsoft.com/office/drawing/2014/main" id="{F8ADAE79-72C3-4128-BC87-DBC5B059028E}"/>
+              </a:ext>
+            </a:extLst>
+          </p:cNvPr>
+          <p:cNvSpPr>
+            <a:spLocks noGrp="1"/>
+          </p:cNvSpPr>
+          <p:nvPr>
+            <p:ph type="ctrTitle"/>
+          </p:nvPr>
+        </p:nvSpPr>
+        <p:spPr>
+          <a:xfrm>
+            <a:off x="1154955" y="776494"/>
+            <a:ext cx="9199778" cy="713639"/>
+          </a:xfrm>
+        </p:spPr>
+        <p:txBody>
+          <a:bodyPr/>
+          <a:lstStyle/>
+          <a:p>
+            <a:r>
+              <a:rPr lang="ru-RU" sz="4400" dirty="0"/>
+              <a:t>Итого</a:t>
+            </a:r>
+            <a:endParaRPr lang="en-US" sz="4400" dirty="0"/>
+          </a:p>
+        </p:txBody>
+      </p:sp>
+      <p:sp>
+        <p:nvSpPr>
+          <p:cNvPr id="3" name="Subtitle 2">
+            <a:extLst>
+              <a:ext uri="{FF2B5EF4-FFF2-40B4-BE49-F238E27FC236}">
+                <a16:creationId xmlns:a16="http://schemas.microsoft.com/office/drawing/2014/main" id="{60C395F4-B5A3-4F2F-855A-0006FCE96DD0}"/>
+              </a:ext>
+            </a:extLst>
+          </p:cNvPr>
+          <p:cNvSpPr>
+            <a:spLocks noGrp="1"/>
+          </p:cNvSpPr>
+          <p:nvPr>
+            <p:ph type="subTitle" idx="1"/>
+          </p:nvPr>
+        </p:nvSpPr>
+        <p:spPr>
+          <a:xfrm>
+            <a:off x="1154955" y="2861733"/>
+            <a:ext cx="8825658" cy="2777067"/>
+          </a:xfrm>
+        </p:spPr>
+        <p:txBody>
+          <a:bodyPr>
+            <a:normAutofit/>
+          </a:bodyPr>
+          <a:lstStyle/>
+          <a:p>
+            <a:pPr marL="285750" indent="-285750">
+              <a:buFont typeface="Arial" panose="020B0604020202020204" pitchFamily="34" charset="0"/>
+              <a:buChar char="•"/>
+            </a:pPr>
+            <a:r>
+              <a:rPr lang="en-US" dirty="0" err="1">
+                <a:latin typeface="Calibri" panose="020F0502020204030204" pitchFamily="34" charset="0"/>
+                <a:cs typeface="Calibri" panose="020F0502020204030204" pitchFamily="34" charset="0"/>
+              </a:rPr>
+              <a:t>пользовательских</a:t>
+            </a:r>
+            <a:r>
+              <a:rPr lang="en-US" dirty="0">
+                <a:latin typeface="Calibri" panose="020F0502020204030204" pitchFamily="34" charset="0"/>
+                <a:cs typeface="Calibri" panose="020F0502020204030204" pitchFamily="34" charset="0"/>
+              </a:rPr>
+              <a:t> </a:t>
+            </a:r>
+            <a:r>
+              <a:rPr lang="en-US" dirty="0" err="1">
+                <a:latin typeface="Calibri" panose="020F0502020204030204" pitchFamily="34" charset="0"/>
+                <a:cs typeface="Calibri" panose="020F0502020204030204" pitchFamily="34" charset="0"/>
+              </a:rPr>
+              <a:t>интерфейсов</a:t>
+            </a:r>
+            <a:endParaRPr lang="en-US" dirty="0">
+              <a:latin typeface="Calibri" panose="020F0502020204030204" pitchFamily="34" charset="0"/>
+              <a:cs typeface="Calibri" panose="020F0502020204030204" pitchFamily="34" charset="0"/>
+            </a:endParaRPr>
+          </a:p>
+          <a:p>
+            <a:pPr marL="285750" indent="-285750">
+              <a:buFont typeface="Arial" panose="020B0604020202020204" pitchFamily="34" charset="0"/>
+              <a:buChar char="•"/>
+            </a:pPr>
+            <a:r>
+              <a:rPr lang="ru-RU" dirty="0">
+                <a:latin typeface="Calibri" panose="020F0502020204030204" pitchFamily="34" charset="0"/>
+                <a:cs typeface="Calibri" panose="020F0502020204030204" pitchFamily="34" charset="0"/>
+              </a:rPr>
+              <a:t>А</a:t>
+            </a:r>
+            <a:r>
+              <a:rPr lang="en-US" dirty="0" err="1">
+                <a:latin typeface="Calibri" panose="020F0502020204030204" pitchFamily="34" charset="0"/>
+                <a:cs typeface="Calibri" panose="020F0502020204030204" pitchFamily="34" charset="0"/>
+              </a:rPr>
+              <a:t>нимации</a:t>
+            </a:r>
+            <a:endParaRPr lang="en-US" dirty="0">
+              <a:latin typeface="Calibri" panose="020F0502020204030204" pitchFamily="34" charset="0"/>
+              <a:cs typeface="Calibri" panose="020F0502020204030204" pitchFamily="34" charset="0"/>
+            </a:endParaRPr>
+          </a:p>
+          <a:p>
+            <a:pPr marL="285750" indent="-285750">
+              <a:buFont typeface="Arial" panose="020B0604020202020204" pitchFamily="34" charset="0"/>
+              <a:buChar char="•"/>
+            </a:pPr>
+            <a:r>
+              <a:rPr lang="en-US" dirty="0" err="1">
+                <a:latin typeface="Calibri" panose="020F0502020204030204" pitchFamily="34" charset="0"/>
+                <a:cs typeface="Calibri" panose="020F0502020204030204" pitchFamily="34" charset="0"/>
+              </a:rPr>
+              <a:t>моделирования</a:t>
+            </a:r>
+            <a:r>
+              <a:rPr lang="en-US" dirty="0">
+                <a:latin typeface="Calibri" panose="020F0502020204030204" pitchFamily="34" charset="0"/>
+                <a:cs typeface="Calibri" panose="020F0502020204030204" pitchFamily="34" charset="0"/>
+              </a:rPr>
+              <a:t> </a:t>
+            </a:r>
+            <a:r>
+              <a:rPr lang="en-US" dirty="0" err="1">
+                <a:latin typeface="Calibri" panose="020F0502020204030204" pitchFamily="34" charset="0"/>
+                <a:cs typeface="Calibri" panose="020F0502020204030204" pitchFamily="34" charset="0"/>
+              </a:rPr>
+              <a:t>систем</a:t>
+            </a:r>
+            <a:r>
+              <a:rPr lang="en-US" dirty="0">
+                <a:latin typeface="Calibri" panose="020F0502020204030204" pitchFamily="34" charset="0"/>
+                <a:cs typeface="Calibri" panose="020F0502020204030204" pitchFamily="34" charset="0"/>
+              </a:rPr>
+              <a:t>, </a:t>
+            </a:r>
+            <a:r>
+              <a:rPr lang="en-US" dirty="0" err="1">
+                <a:latin typeface="Calibri" panose="020F0502020204030204" pitchFamily="34" charset="0"/>
+                <a:cs typeface="Calibri" panose="020F0502020204030204" pitchFamily="34" charset="0"/>
+              </a:rPr>
+              <a:t>изменяющихся</a:t>
+            </a:r>
+            <a:r>
+              <a:rPr lang="en-US" dirty="0">
+                <a:latin typeface="Calibri" panose="020F0502020204030204" pitchFamily="34" charset="0"/>
+                <a:cs typeface="Calibri" panose="020F0502020204030204" pitchFamily="34" charset="0"/>
+              </a:rPr>
+              <a:t> </a:t>
+            </a:r>
+            <a:r>
+              <a:rPr lang="en-US" dirty="0" err="1">
+                <a:latin typeface="Calibri" panose="020F0502020204030204" pitchFamily="34" charset="0"/>
+                <a:cs typeface="Calibri" panose="020F0502020204030204" pitchFamily="34" charset="0"/>
+              </a:rPr>
+              <a:t>во</a:t>
+            </a:r>
+            <a:r>
+              <a:rPr lang="en-US" dirty="0">
+                <a:latin typeface="Calibri" panose="020F0502020204030204" pitchFamily="34" charset="0"/>
+                <a:cs typeface="Calibri" panose="020F0502020204030204" pitchFamily="34" charset="0"/>
+              </a:rPr>
+              <a:t> </a:t>
+            </a:r>
+            <a:r>
+              <a:rPr lang="en-US" dirty="0" err="1">
+                <a:latin typeface="Calibri" panose="020F0502020204030204" pitchFamily="34" charset="0"/>
+                <a:cs typeface="Calibri" panose="020F0502020204030204" pitchFamily="34" charset="0"/>
+              </a:rPr>
+              <a:t>времени</a:t>
+            </a:r>
+            <a:endParaRPr lang="en-US" dirty="0">
+              <a:latin typeface="Calibri" panose="020F0502020204030204" pitchFamily="34" charset="0"/>
+              <a:cs typeface="Calibri" panose="020F0502020204030204" pitchFamily="34" charset="0"/>
+            </a:endParaRPr>
+          </a:p>
+          <a:p>
+            <a:endParaRPr lang="en-US" dirty="0">
+              <a:latin typeface="Calibri" panose="020F0502020204030204" pitchFamily="34" charset="0"/>
+              <a:cs typeface="Calibri" panose="020F0502020204030204" pitchFamily="34" charset="0"/>
+            </a:endParaRPr>
+          </a:p>
+        </p:txBody>
+      </p:sp>
+    </p:spTree>
+    <p:extLst>
+      <p:ext uri="{BB962C8B-B14F-4D97-AF65-F5344CB8AC3E}">
+        <p14:creationId xmlns:p14="http://schemas.microsoft.com/office/powerpoint/2010/main" val="2990504620"/>
+      </p:ext>
+    </p:extLst>
+  </p:cSld>
+  <p:clrMapOvr>
+    <a:masterClrMapping/>
+  </p:clrMapOvr>
+</p:sld>
+</file>
+
+<file path=ppt/slides/slide53.xml><?xml version="1.0" encoding="utf-8"?>
+<p:sld xmlns:a="http://schemas.openxmlformats.org/drawingml/2006/main" xmlns:r="http://schemas.openxmlformats.org/officeDocument/2006/relationships" xmlns:p="http://schemas.openxmlformats.org/presentationml/2006/main">
+  <p:cSld>
+    <p:spTree>
+      <p:nvGrpSpPr>
+        <p:cNvPr id="1" name=""/>
+        <p:cNvGrpSpPr/>
+        <p:nvPr/>
+      </p:nvGrpSpPr>
+      <p:grpSpPr>
+        <a:xfrm>
+          <a:off x="0" y="0"/>
+          <a:ext cx="0" cy="0"/>
+          <a:chOff x="0" y="0"/>
+          <a:chExt cx="0" cy="0"/>
+        </a:xfrm>
+      </p:grpSpPr>
+      <p:sp>
+        <p:nvSpPr>
+          <p:cNvPr id="2" name="Title 1">
+            <a:extLst>
+              <a:ext uri="{FF2B5EF4-FFF2-40B4-BE49-F238E27FC236}">
+                <a16:creationId xmlns:a16="http://schemas.microsoft.com/office/drawing/2014/main" id="{F8ADAE79-72C3-4128-BC87-DBC5B059028E}"/>
+              </a:ext>
+            </a:extLst>
+          </p:cNvPr>
+          <p:cNvSpPr>
+            <a:spLocks noGrp="1"/>
+          </p:cNvSpPr>
+          <p:nvPr>
+            <p:ph type="ctrTitle"/>
+          </p:nvPr>
+        </p:nvSpPr>
+        <p:spPr>
+          <a:xfrm>
+            <a:off x="3983952" y="3072180"/>
+            <a:ext cx="3167663" cy="713639"/>
+          </a:xfrm>
+        </p:spPr>
+        <p:txBody>
+          <a:bodyPr/>
+          <a:lstStyle/>
+          <a:p>
+            <a:r>
+              <a:rPr lang="ru-RU" sz="4400" dirty="0"/>
+              <a:t>Спасибо</a:t>
+            </a:r>
+            <a:endParaRPr lang="en-US" sz="4400" dirty="0"/>
+          </a:p>
+        </p:txBody>
+      </p:sp>
+    </p:spTree>
+    <p:extLst>
+      <p:ext uri="{BB962C8B-B14F-4D97-AF65-F5344CB8AC3E}">
+        <p14:creationId xmlns:p14="http://schemas.microsoft.com/office/powerpoint/2010/main" val="2856712717"/>
+      </p:ext>
+    </p:extLst>
+  </p:cSld>
+  <p:clrMapOvr>
+    <a:masterClrMapping/>
+  </p:clrMapOvr>
+</p:sld>
+</file>
+
+<file path=ppt/slides/slide54.xml><?xml version="1.0" encoding="utf-8"?>
+<p:sld xmlns:a="http://schemas.openxmlformats.org/drawingml/2006/main" xmlns:r="http://schemas.openxmlformats.org/officeDocument/2006/relationships" xmlns:p="http://schemas.openxmlformats.org/presentationml/2006/main">
+  <p:cSld>
+    <p:spTree>
+      <p:nvGrpSpPr>
+        <p:cNvPr id="1" name=""/>
+        <p:cNvGrpSpPr/>
+        <p:nvPr/>
+      </p:nvGrpSpPr>
+      <p:grpSpPr>
+        <a:xfrm>
+          <a:off x="0" y="0"/>
+          <a:ext cx="0" cy="0"/>
+          <a:chOff x="0" y="0"/>
+          <a:chExt cx="0" cy="0"/>
+        </a:xfrm>
+      </p:grpSpPr>
+      <p:pic>
+        <p:nvPicPr>
+          <p:cNvPr id="5" name="Picture 4">
+            <a:extLst>
+              <a:ext uri="{FF2B5EF4-FFF2-40B4-BE49-F238E27FC236}">
+                <a16:creationId xmlns:a16="http://schemas.microsoft.com/office/drawing/2014/main" id="{1E28853A-CE8E-4A1D-A388-98BB802B5E8F}"/>
+              </a:ext>
+            </a:extLst>
+          </p:cNvPr>
+          <p:cNvPicPr>
+            <a:picLocks noChangeAspect="1"/>
+          </p:cNvPicPr>
+          <p:nvPr/>
+        </p:nvPicPr>
+        <p:blipFill>
+          <a:blip r:embed="rId2">
+            <a:extLst>
+              <a:ext uri="{28A0092B-C50C-407E-A947-70E740481C1C}">
+                <a14:useLocalDpi xmlns:a14="http://schemas.microsoft.com/office/drawing/2010/main" val="0"/>
+              </a:ext>
+            </a:extLst>
+          </a:blip>
+          <a:stretch>
+            <a:fillRect/>
+          </a:stretch>
+        </p:blipFill>
+        <p:spPr>
+          <a:xfrm>
+            <a:off x="2378363" y="-13461"/>
+            <a:ext cx="7435273" cy="6871461"/>
+          </a:xfrm>
+          <a:prstGeom prst="rect">
+            <a:avLst/>
+          </a:prstGeom>
+        </p:spPr>
+      </p:pic>
+    </p:spTree>
+    <p:extLst>
+      <p:ext uri="{BB962C8B-B14F-4D97-AF65-F5344CB8AC3E}">
+        <p14:creationId xmlns:p14="http://schemas.microsoft.com/office/powerpoint/2010/main" val="265413778"/>
       </p:ext>
     </p:extLst>
   </p:cSld>
@@ -14404,8 +20626,12 @@
           <a:lstStyle/>
           <a:p>
             <a:r>
-              <a:rPr lang="ru-RU" sz="4400" dirty="0"/>
-              <a:t>Что нового?</a:t>
+              <a:rPr lang="en-US" sz="4400" dirty="0"/>
+              <a:t>Reactive </a:t>
+            </a:r>
+            <a:r>
+              <a:rPr lang="en-US" sz="4400" dirty="0" err="1"/>
+              <a:t>Extentions</a:t>
             </a:r>
             <a:endParaRPr lang="en-US" sz="4400" dirty="0"/>
           </a:p>
@@ -14434,26 +20660,90 @@
           </a:xfrm>
         </p:spPr>
         <p:txBody>
-          <a:bodyPr>
-            <a:normAutofit/>
-          </a:bodyPr>
+          <a:bodyPr/>
           <a:lstStyle/>
           <a:p>
             <a:r>
-              <a:rPr lang="ru-RU" sz="2400" dirty="0"/>
-              <a:t>Ничего</a:t>
-            </a:r>
-            <a:r>
-              <a:rPr lang="en-US" sz="2400" dirty="0"/>
-              <a:t> …</a:t>
-            </a:r>
+              <a:rPr lang="ru-RU" dirty="0">
+                <a:latin typeface="Calibri" panose="020F0502020204030204" pitchFamily="34" charset="0"/>
+                <a:cs typeface="Calibri" panose="020F0502020204030204" pitchFamily="34" charset="0"/>
+              </a:rPr>
+              <a:t>Реактивное программирование </a:t>
+            </a:r>
+            <a:endParaRPr lang="en-US" dirty="0">
+              <a:latin typeface="Calibri" panose="020F0502020204030204" pitchFamily="34" charset="0"/>
+              <a:cs typeface="Calibri" panose="020F0502020204030204" pitchFamily="34" charset="0"/>
+            </a:endParaRPr>
+          </a:p>
+          <a:p>
+            <a:r>
+              <a:rPr lang="ru-RU" sz="1400" dirty="0">
+                <a:latin typeface="Calibri" panose="020F0502020204030204" pitchFamily="34" charset="0"/>
+                <a:cs typeface="Calibri" panose="020F0502020204030204" pitchFamily="34" charset="0"/>
+              </a:rPr>
+              <a:t>— программирование с асинхронными потоками данных</a:t>
+            </a:r>
+            <a:r>
+              <a:rPr lang="en-US" sz="1400" dirty="0">
+                <a:latin typeface="Calibri" panose="020F0502020204030204" pitchFamily="34" charset="0"/>
+                <a:cs typeface="Calibri" panose="020F0502020204030204" pitchFamily="34" charset="0"/>
+              </a:rPr>
+              <a:t>.</a:t>
+            </a:r>
+          </a:p>
+          <a:p>
+            <a:r>
+              <a:rPr lang="ru-RU" sz="1400" dirty="0">
+                <a:latin typeface="Calibri" panose="020F0502020204030204" pitchFamily="34" charset="0"/>
+                <a:cs typeface="Calibri" panose="020F0502020204030204" pitchFamily="34" charset="0"/>
+              </a:rPr>
+              <a:t>— парадигма программирования, ориентированная на потоки данных и распространение изменений.</a:t>
+            </a:r>
+            <a:endParaRPr lang="en-US" sz="1400" dirty="0">
+              <a:latin typeface="Calibri" panose="020F0502020204030204" pitchFamily="34" charset="0"/>
+              <a:cs typeface="Calibri" panose="020F0502020204030204" pitchFamily="34" charset="0"/>
+            </a:endParaRPr>
+          </a:p>
+          <a:p>
+            <a:r>
+              <a:rPr lang="ru-RU" b="1" dirty="0">
+                <a:latin typeface="Calibri" panose="020F0502020204030204" pitchFamily="34" charset="0"/>
+                <a:cs typeface="Calibri" panose="020F0502020204030204" pitchFamily="34" charset="0"/>
+              </a:rPr>
+              <a:t>— Приложение должно быть быстрым, отказоустойчивым и хорошо масштабироваться</a:t>
+            </a:r>
+            <a:r>
+              <a:rPr lang="en-US" b="1" dirty="0">
+                <a:latin typeface="Calibri" panose="020F0502020204030204" pitchFamily="34" charset="0"/>
+                <a:cs typeface="Calibri" panose="020F0502020204030204" pitchFamily="34" charset="0"/>
+              </a:rPr>
+              <a:t> </a:t>
+            </a:r>
+            <a:r>
+              <a:rPr lang="en-US" dirty="0">
+                <a:latin typeface="Calibri" panose="020F0502020204030204" pitchFamily="34" charset="0"/>
+                <a:cs typeface="Calibri" panose="020F0502020204030204" pitchFamily="34" charset="0"/>
+              </a:rPr>
+              <a:t>(The Reactive Manifesto)</a:t>
+            </a:r>
+            <a:r>
+              <a:rPr lang="ru-RU" b="1" dirty="0">
+                <a:latin typeface="Calibri" panose="020F0502020204030204" pitchFamily="34" charset="0"/>
+                <a:cs typeface="Calibri" panose="020F0502020204030204" pitchFamily="34" charset="0"/>
+              </a:rPr>
+              <a:t>.</a:t>
+            </a:r>
+            <a:endParaRPr lang="en-US" b="1" dirty="0">
+              <a:latin typeface="Calibri" panose="020F0502020204030204" pitchFamily="34" charset="0"/>
+              <a:cs typeface="Calibri" panose="020F0502020204030204" pitchFamily="34" charset="0"/>
+            </a:endParaRPr>
           </a:p>
         </p:txBody>
       </p:sp>
     </p:spTree>
     <p:extLst>
       <p:ext uri="{BB962C8B-B14F-4D97-AF65-F5344CB8AC3E}">
-        <p14:creationId xmlns:p14="http://schemas.microsoft.com/office/powerpoint/2010/main" val="2639351724"/>
+        <p14:creationId xmlns:p14="http://schemas.microsoft.com/office/powerpoint/2010/main" val="3094372667"/>
       </p:ext>
     </p:extLst>
   </p:cSld>
@@ -14480,122 +20770,49 @@
           <a:chExt cx="0" cy="0"/>
         </a:xfrm>
       </p:grpSpPr>
-      <p:sp>
-        <p:nvSpPr>
-          <p:cNvPr id="2" name="Title 1">
+      <p:pic>
+        <p:nvPicPr>
+          <p:cNvPr id="5" name="Graphic 4">
             <a:extLst>
               <a:ext uri="{FF2B5EF4-FFF2-40B4-BE49-F238E27FC236}">
-                <a16:creationId xmlns:a16="http://schemas.microsoft.com/office/drawing/2014/main" id="{F8ADAE79-72C3-4128-BC87-DBC5B059028E}"/>
+                <a16:creationId xmlns:a16="http://schemas.microsoft.com/office/drawing/2014/main" id="{E3963235-19CA-48C0-9AAB-D0326C49998D}"/>
               </a:ext>
             </a:extLst>
           </p:cNvPr>
-          <p:cNvSpPr>
-            <a:spLocks noGrp="1"/>
-          </p:cNvSpPr>
-          <p:nvPr>
-            <p:ph type="ctrTitle"/>
-          </p:nvPr>
-        </p:nvSpPr>
+          <p:cNvPicPr>
+            <a:picLocks noChangeAspect="1"/>
+          </p:cNvPicPr>
+          <p:nvPr/>
+        </p:nvPicPr>
+        <p:blipFill>
+          <a:blip r:embed="rId2">
+            <a:extLst>
+              <a:ext uri="{28A0092B-C50C-407E-A947-70E740481C1C}">
+                <a14:useLocalDpi xmlns:a14="http://schemas.microsoft.com/office/drawing/2010/main" val="0"/>
+              </a:ext>
+              <a:ext uri="{96DAC541-7B7A-43D3-8B79-37D633B846F1}">
+                <asvg:svgBlip xmlns:asvg="http://schemas.microsoft.com/office/drawing/2016/SVG/main" r:embed="rId3"/>
+              </a:ext>
+            </a:extLst>
+          </a:blip>
+          <a:stretch>
+            <a:fillRect/>
+          </a:stretch>
+        </p:blipFill>
         <p:spPr>
           <a:xfrm>
-            <a:off x="1154955" y="776494"/>
-            <a:ext cx="8825658" cy="713639"/>
+            <a:off x="110932" y="1601352"/>
+            <a:ext cx="11970135" cy="4115955"/>
           </a:xfrm>
+          <a:prstGeom prst="rect">
+            <a:avLst/>
+          </a:prstGeom>
         </p:spPr>
-        <p:txBody>
-          <a:bodyPr/>
-          <a:lstStyle/>
-          <a:p>
-            <a:r>
-              <a:rPr lang="ru-RU" sz="4400" dirty="0"/>
-              <a:t>Что нового?</a:t>
-            </a:r>
-            <a:endParaRPr lang="en-US" sz="4400" dirty="0"/>
-          </a:p>
-        </p:txBody>
-      </p:sp>
-      <p:sp>
-        <p:nvSpPr>
-          <p:cNvPr id="3" name="Subtitle 2">
-            <a:extLst>
-              <a:ext uri="{FF2B5EF4-FFF2-40B4-BE49-F238E27FC236}">
-                <a16:creationId xmlns:a16="http://schemas.microsoft.com/office/drawing/2014/main" id="{60C395F4-B5A3-4F2F-855A-0006FCE96DD0}"/>
-              </a:ext>
-            </a:extLst>
-          </p:cNvPr>
-          <p:cNvSpPr>
-            <a:spLocks noGrp="1"/>
-          </p:cNvSpPr>
-          <p:nvPr>
-            <p:ph type="subTitle" idx="1"/>
-          </p:nvPr>
-        </p:nvSpPr>
-        <p:spPr>
-          <a:xfrm>
-            <a:off x="1154955" y="2861733"/>
-            <a:ext cx="8825658" cy="2777067"/>
-          </a:xfrm>
-        </p:spPr>
-        <p:txBody>
-          <a:bodyPr/>
-          <a:lstStyle/>
-          <a:p>
-            <a:r>
-              <a:rPr lang="ru-RU" sz="2400" dirty="0"/>
-              <a:t>Ничего</a:t>
-            </a:r>
-            <a:r>
-              <a:rPr lang="en-US" sz="2400" dirty="0"/>
-              <a:t> …</a:t>
-            </a:r>
-            <a:endParaRPr lang="ru-RU" sz="2400" dirty="0"/>
-          </a:p>
-          <a:p>
-            <a:pPr marL="285750" indent="-285750">
-              <a:buFont typeface="Arial" panose="020B0604020202020204" pitchFamily="34" charset="0"/>
-              <a:buChar char="•"/>
-            </a:pPr>
-            <a:r>
-              <a:rPr lang="ru-RU" b="1" dirty="0"/>
-              <a:t>За всем что меняется можно наблюдать и реагировать</a:t>
-            </a:r>
-          </a:p>
-          <a:p>
-            <a:pPr marL="285750" indent="-285750">
-              <a:buFont typeface="Arial" panose="020B0604020202020204" pitchFamily="34" charset="0"/>
-              <a:buChar char="•"/>
-            </a:pPr>
-            <a:r>
-              <a:rPr lang="en-US" b="1" dirty="0"/>
-              <a:t>Observable</a:t>
-            </a:r>
-          </a:p>
-          <a:p>
-            <a:pPr marL="285750" indent="-285750">
-              <a:buFont typeface="Arial" panose="020B0604020202020204" pitchFamily="34" charset="0"/>
-              <a:buChar char="•"/>
-            </a:pPr>
-            <a:r>
-              <a:rPr lang="en-US" b="1" dirty="0"/>
-              <a:t>Event == Observable</a:t>
-            </a:r>
-          </a:p>
-          <a:p>
-            <a:pPr marL="285750" indent="-285750">
-              <a:buFont typeface="Arial" panose="020B0604020202020204" pitchFamily="34" charset="0"/>
-              <a:buChar char="•"/>
-            </a:pPr>
-            <a:r>
-              <a:rPr lang="en-US" b="1" dirty="0"/>
-              <a:t>Async == Observable</a:t>
-            </a:r>
-          </a:p>
-        </p:txBody>
-      </p:sp>
+      </p:pic>
     </p:spTree>
     <p:extLst>
       <p:ext uri="{BB962C8B-B14F-4D97-AF65-F5344CB8AC3E}">
-        <p14:creationId xmlns:p14="http://schemas.microsoft.com/office/powerpoint/2010/main" val="468149894"/>
+        <p14:creationId xmlns:p14="http://schemas.microsoft.com/office/powerpoint/2010/main" val="3514693486"/>
       </p:ext>
     </p:extLst>
   </p:cSld>
@@ -14640,8 +20857,8 @@
         </p:nvSpPr>
         <p:spPr>
           <a:xfrm>
-            <a:off x="1154955" y="776494"/>
-            <a:ext cx="8825658" cy="713639"/>
+            <a:off x="1154954" y="776495"/>
+            <a:ext cx="9234185" cy="721566"/>
           </a:xfrm>
         </p:spPr>
         <p:txBody>
@@ -14650,7 +20867,7 @@
           <a:p>
             <a:r>
               <a:rPr lang="ru-RU" sz="4400" dirty="0"/>
-              <a:t>Откуда ноги ростут?</a:t>
+              <a:t>Какие причины возникновения?</a:t>
             </a:r>
             <a:endParaRPr lang="en-US" sz="4400" dirty="0"/>
           </a:p>
@@ -14682,14 +20899,17 @@
           <a:bodyPr/>
           <a:lstStyle/>
           <a:p>
-            <a:endParaRPr lang="en-US" dirty="0"/>
+            <a:endParaRPr lang="en-US" dirty="0">
+              <a:latin typeface="Calibri" panose="020F0502020204030204" pitchFamily="34" charset="0"/>
+              <a:cs typeface="Calibri" panose="020F0502020204030204" pitchFamily="34" charset="0"/>
+            </a:endParaRPr>
           </a:p>
         </p:txBody>
       </p:sp>
     </p:spTree>
     <p:extLst>
       <p:ext uri="{BB962C8B-B14F-4D97-AF65-F5344CB8AC3E}">
-        <p14:creationId xmlns:p14="http://schemas.microsoft.com/office/powerpoint/2010/main" val="685208879"/>
+        <p14:creationId xmlns:p14="http://schemas.microsoft.com/office/powerpoint/2010/main" val="248323049"/>
       </p:ext>
     </p:extLst>
   </p:cSld>
@@ -14734,8 +20954,8 @@
         </p:nvSpPr>
         <p:spPr>
           <a:xfrm>
-            <a:off x="1154955" y="776494"/>
-            <a:ext cx="8825658" cy="713639"/>
+            <a:off x="1154954" y="776495"/>
+            <a:ext cx="9234185" cy="721566"/>
           </a:xfrm>
         </p:spPr>
         <p:txBody>
@@ -14744,7 +20964,7 @@
           <a:p>
             <a:r>
               <a:rPr lang="ru-RU" sz="4400" dirty="0"/>
-              <a:t>Откуда ноги ростут?</a:t>
+              <a:t>Причины возникновения</a:t>
             </a:r>
             <a:endParaRPr lang="en-US" sz="4400" dirty="0"/>
           </a:p>
@@ -14777,23 +20997,137 @@
           <a:lstStyle/>
           <a:p>
             <a:r>
-              <a:rPr lang="ru-RU" dirty="0"/>
-              <a:t>От </a:t>
-            </a:r>
-            <a:r>
-              <a:rPr lang="en-US" dirty="0"/>
-              <a:t>…</a:t>
-            </a:r>
-          </a:p>
-          <a:p>
-            <a:endParaRPr lang="en-US" dirty="0"/>
+              <a:rPr lang="en-US" dirty="0" err="1">
+                <a:latin typeface="Calibri" panose="020F0502020204030204" pitchFamily="34" charset="0"/>
+                <a:cs typeface="Calibri" panose="020F0502020204030204" pitchFamily="34" charset="0"/>
+              </a:rPr>
+              <a:t>Реактивное</a:t>
+            </a:r>
+            <a:r>
+              <a:rPr lang="en-US" dirty="0">
+                <a:latin typeface="Calibri" panose="020F0502020204030204" pitchFamily="34" charset="0"/>
+                <a:cs typeface="Calibri" panose="020F0502020204030204" pitchFamily="34" charset="0"/>
+              </a:rPr>
+              <a:t> </a:t>
+            </a:r>
+            <a:r>
+              <a:rPr lang="en-US" dirty="0" err="1">
+                <a:latin typeface="Calibri" panose="020F0502020204030204" pitchFamily="34" charset="0"/>
+                <a:cs typeface="Calibri" panose="020F0502020204030204" pitchFamily="34" charset="0"/>
+              </a:rPr>
+              <a:t>программирование</a:t>
+            </a:r>
+            <a:r>
+              <a:rPr lang="en-US" dirty="0">
+                <a:latin typeface="Calibri" panose="020F0502020204030204" pitchFamily="34" charset="0"/>
+                <a:cs typeface="Calibri" panose="020F0502020204030204" pitchFamily="34" charset="0"/>
+              </a:rPr>
+              <a:t> </a:t>
+            </a:r>
+            <a:r>
+              <a:rPr lang="en-US" dirty="0" err="1">
+                <a:latin typeface="Calibri" panose="020F0502020204030204" pitchFamily="34" charset="0"/>
+                <a:cs typeface="Calibri" panose="020F0502020204030204" pitchFamily="34" charset="0"/>
+              </a:rPr>
+              <a:t>предлагалось</a:t>
+            </a:r>
+            <a:r>
+              <a:rPr lang="en-US" dirty="0">
+                <a:latin typeface="Calibri" panose="020F0502020204030204" pitchFamily="34" charset="0"/>
+                <a:cs typeface="Calibri" panose="020F0502020204030204" pitchFamily="34" charset="0"/>
+              </a:rPr>
+              <a:t> </a:t>
+            </a:r>
+            <a:r>
+              <a:rPr lang="en-US" dirty="0" err="1">
+                <a:latin typeface="Calibri" panose="020F0502020204030204" pitchFamily="34" charset="0"/>
+                <a:cs typeface="Calibri" panose="020F0502020204030204" pitchFamily="34" charset="0"/>
+              </a:rPr>
+              <a:t>как</a:t>
+            </a:r>
+            <a:r>
+              <a:rPr lang="en-US" dirty="0">
+                <a:latin typeface="Calibri" panose="020F0502020204030204" pitchFamily="34" charset="0"/>
+                <a:cs typeface="Calibri" panose="020F0502020204030204" pitchFamily="34" charset="0"/>
+              </a:rPr>
+              <a:t> </a:t>
+            </a:r>
+            <a:r>
+              <a:rPr lang="en-US" dirty="0" err="1">
+                <a:latin typeface="Calibri" panose="020F0502020204030204" pitchFamily="34" charset="0"/>
+                <a:cs typeface="Calibri" panose="020F0502020204030204" pitchFamily="34" charset="0"/>
+              </a:rPr>
+              <a:t>путь</a:t>
+            </a:r>
+            <a:r>
+              <a:rPr lang="en-US" dirty="0">
+                <a:latin typeface="Calibri" panose="020F0502020204030204" pitchFamily="34" charset="0"/>
+                <a:cs typeface="Calibri" panose="020F0502020204030204" pitchFamily="34" charset="0"/>
+              </a:rPr>
+              <a:t> </a:t>
+            </a:r>
+            <a:r>
+              <a:rPr lang="en-US" dirty="0" err="1">
+                <a:latin typeface="Calibri" panose="020F0502020204030204" pitchFamily="34" charset="0"/>
+                <a:cs typeface="Calibri" panose="020F0502020204030204" pitchFamily="34" charset="0"/>
+              </a:rPr>
+              <a:t>для</a:t>
+            </a:r>
+            <a:r>
+              <a:rPr lang="en-US" dirty="0">
+                <a:latin typeface="Calibri" panose="020F0502020204030204" pitchFamily="34" charset="0"/>
+                <a:cs typeface="Calibri" panose="020F0502020204030204" pitchFamily="34" charset="0"/>
+              </a:rPr>
+              <a:t> </a:t>
+            </a:r>
+            <a:r>
+              <a:rPr lang="en-US" dirty="0" err="1">
+                <a:latin typeface="Calibri" panose="020F0502020204030204" pitchFamily="34" charset="0"/>
+                <a:cs typeface="Calibri" panose="020F0502020204030204" pitchFamily="34" charset="0"/>
+              </a:rPr>
+              <a:t>лёгкого</a:t>
+            </a:r>
+            <a:r>
+              <a:rPr lang="en-US" dirty="0">
+                <a:latin typeface="Calibri" panose="020F0502020204030204" pitchFamily="34" charset="0"/>
+                <a:cs typeface="Calibri" panose="020F0502020204030204" pitchFamily="34" charset="0"/>
+              </a:rPr>
+              <a:t> </a:t>
+            </a:r>
+            <a:r>
+              <a:rPr lang="en-US" dirty="0" err="1">
+                <a:latin typeface="Calibri" panose="020F0502020204030204" pitchFamily="34" charset="0"/>
+                <a:cs typeface="Calibri" panose="020F0502020204030204" pitchFamily="34" charset="0"/>
+              </a:rPr>
+              <a:t>создани</a:t>
+            </a:r>
+            <a:r>
+              <a:rPr lang="ru-RU" dirty="0">
+                <a:latin typeface="Calibri" panose="020F0502020204030204" pitchFamily="34" charset="0"/>
+                <a:cs typeface="Calibri" panose="020F0502020204030204" pitchFamily="34" charset="0"/>
+              </a:rPr>
+              <a:t>я</a:t>
+            </a:r>
+            <a:r>
+              <a:rPr lang="en-US" dirty="0">
+                <a:latin typeface="Calibri" panose="020F0502020204030204" pitchFamily="34" charset="0"/>
+                <a:cs typeface="Calibri" panose="020F0502020204030204" pitchFamily="34" charset="0"/>
+              </a:rPr>
+              <a:t>:</a:t>
+            </a:r>
+          </a:p>
+          <a:p>
+            <a:endParaRPr lang="en-US" dirty="0">
+              <a:latin typeface="Calibri" panose="020F0502020204030204" pitchFamily="34" charset="0"/>
+              <a:cs typeface="Calibri" panose="020F0502020204030204" pitchFamily="34" charset="0"/>
+            </a:endParaRPr>
           </a:p>
         </p:txBody>
       </p:sp>
     </p:spTree>
     <p:extLst>
       <p:ext uri="{BB962C8B-B14F-4D97-AF65-F5344CB8AC3E}">
-        <p14:creationId xmlns:p14="http://schemas.microsoft.com/office/powerpoint/2010/main" val="3557030923"/>
+        <p14:creationId xmlns:p14="http://schemas.microsoft.com/office/powerpoint/2010/main" val="2631865772"/>
       </p:ext>
     </p:extLst>
   </p:cSld>

--- a/reactiveX/reactiveX.pptx
+++ b/reactiveX/reactiveX.pptx
@@ -5,60 +5,61 @@
     <p:sldMasterId id="2147483839" r:id="rId1"/>
   </p:sldMasterIdLst>
   <p:sldIdLst>
-    <p:sldId id="257" r:id="rId2"/>
-    <p:sldId id="256" r:id="rId3"/>
-    <p:sldId id="280" r:id="rId4"/>
-    <p:sldId id="303" r:id="rId5"/>
-    <p:sldId id="304" r:id="rId6"/>
-    <p:sldId id="305" r:id="rId7"/>
-    <p:sldId id="281" r:id="rId8"/>
-    <p:sldId id="306" r:id="rId9"/>
-    <p:sldId id="302" r:id="rId10"/>
-    <p:sldId id="307" r:id="rId11"/>
-    <p:sldId id="308" r:id="rId12"/>
-    <p:sldId id="309" r:id="rId13"/>
-    <p:sldId id="283" r:id="rId14"/>
-    <p:sldId id="317" r:id="rId15"/>
-    <p:sldId id="285" r:id="rId16"/>
-    <p:sldId id="282" r:id="rId17"/>
-    <p:sldId id="316" r:id="rId18"/>
-    <p:sldId id="315" r:id="rId19"/>
-    <p:sldId id="318" r:id="rId20"/>
-    <p:sldId id="314" r:id="rId21"/>
-    <p:sldId id="286" r:id="rId22"/>
-    <p:sldId id="319" r:id="rId23"/>
-    <p:sldId id="321" r:id="rId24"/>
-    <p:sldId id="320" r:id="rId25"/>
-    <p:sldId id="322" r:id="rId26"/>
-    <p:sldId id="323" r:id="rId27"/>
-    <p:sldId id="324" r:id="rId28"/>
-    <p:sldId id="325" r:id="rId29"/>
-    <p:sldId id="327" r:id="rId30"/>
-    <p:sldId id="326" r:id="rId31"/>
-    <p:sldId id="294" r:id="rId32"/>
-    <p:sldId id="295" r:id="rId33"/>
-    <p:sldId id="297" r:id="rId34"/>
-    <p:sldId id="310" r:id="rId35"/>
-    <p:sldId id="311" r:id="rId36"/>
-    <p:sldId id="312" r:id="rId37"/>
-    <p:sldId id="298" r:id="rId38"/>
-    <p:sldId id="299" r:id="rId39"/>
-    <p:sldId id="300" r:id="rId40"/>
-    <p:sldId id="313" r:id="rId41"/>
-    <p:sldId id="301" r:id="rId42"/>
-    <p:sldId id="289" r:id="rId43"/>
-    <p:sldId id="328" r:id="rId44"/>
-    <p:sldId id="290" r:id="rId45"/>
-    <p:sldId id="329" r:id="rId46"/>
-    <p:sldId id="334" r:id="rId47"/>
-    <p:sldId id="335" r:id="rId48"/>
-    <p:sldId id="331" r:id="rId49"/>
-    <p:sldId id="332" r:id="rId50"/>
-    <p:sldId id="333" r:id="rId51"/>
-    <p:sldId id="336" r:id="rId52"/>
-    <p:sldId id="339" r:id="rId53"/>
-    <p:sldId id="340" r:id="rId54"/>
-    <p:sldId id="337" r:id="rId55"/>
+    <p:sldId id="256" r:id="rId2"/>
+    <p:sldId id="257" r:id="rId3"/>
+    <p:sldId id="341" r:id="rId4"/>
+    <p:sldId id="280" r:id="rId5"/>
+    <p:sldId id="303" r:id="rId6"/>
+    <p:sldId id="304" r:id="rId7"/>
+    <p:sldId id="305" r:id="rId8"/>
+    <p:sldId id="281" r:id="rId9"/>
+    <p:sldId id="306" r:id="rId10"/>
+    <p:sldId id="302" r:id="rId11"/>
+    <p:sldId id="307" r:id="rId12"/>
+    <p:sldId id="308" r:id="rId13"/>
+    <p:sldId id="309" r:id="rId14"/>
+    <p:sldId id="283" r:id="rId15"/>
+    <p:sldId id="317" r:id="rId16"/>
+    <p:sldId id="285" r:id="rId17"/>
+    <p:sldId id="282" r:id="rId18"/>
+    <p:sldId id="316" r:id="rId19"/>
+    <p:sldId id="315" r:id="rId20"/>
+    <p:sldId id="318" r:id="rId21"/>
+    <p:sldId id="314" r:id="rId22"/>
+    <p:sldId id="286" r:id="rId23"/>
+    <p:sldId id="319" r:id="rId24"/>
+    <p:sldId id="321" r:id="rId25"/>
+    <p:sldId id="320" r:id="rId26"/>
+    <p:sldId id="322" r:id="rId27"/>
+    <p:sldId id="323" r:id="rId28"/>
+    <p:sldId id="324" r:id="rId29"/>
+    <p:sldId id="325" r:id="rId30"/>
+    <p:sldId id="327" r:id="rId31"/>
+    <p:sldId id="326" r:id="rId32"/>
+    <p:sldId id="294" r:id="rId33"/>
+    <p:sldId id="295" r:id="rId34"/>
+    <p:sldId id="297" r:id="rId35"/>
+    <p:sldId id="310" r:id="rId36"/>
+    <p:sldId id="311" r:id="rId37"/>
+    <p:sldId id="312" r:id="rId38"/>
+    <p:sldId id="298" r:id="rId39"/>
+    <p:sldId id="299" r:id="rId40"/>
+    <p:sldId id="300" r:id="rId41"/>
+    <p:sldId id="313" r:id="rId42"/>
+    <p:sldId id="301" r:id="rId43"/>
+    <p:sldId id="289" r:id="rId44"/>
+    <p:sldId id="328" r:id="rId45"/>
+    <p:sldId id="290" r:id="rId46"/>
+    <p:sldId id="329" r:id="rId47"/>
+    <p:sldId id="334" r:id="rId48"/>
+    <p:sldId id="335" r:id="rId49"/>
+    <p:sldId id="331" r:id="rId50"/>
+    <p:sldId id="332" r:id="rId51"/>
+    <p:sldId id="333" r:id="rId52"/>
+    <p:sldId id="336" r:id="rId53"/>
+    <p:sldId id="339" r:id="rId54"/>
+    <p:sldId id="340" r:id="rId55"/>
+    <p:sldId id="337" r:id="rId56"/>
   </p:sldIdLst>
   <p:sldSz cx="12192000" cy="6858000"/>
   <p:notesSz cx="6858000" cy="9144000"/>
@@ -12485,6 +12486,1809 @@
         </p:nvSpPr>
         <p:spPr>
           <a:xfrm>
+            <a:off x="5328318" y="3022472"/>
+            <a:ext cx="1535364" cy="813055"/>
+          </a:xfrm>
+        </p:spPr>
+        <p:txBody>
+          <a:bodyPr/>
+          <a:lstStyle/>
+          <a:p>
+            <a:r>
+              <a:rPr lang="en-US" sz="6600" dirty="0">
+                <a:solidFill>
+                  <a:srgbClr val="B01513"/>
+                </a:solidFill>
+              </a:rPr>
+              <a:t>X?</a:t>
+            </a:r>
+          </a:p>
+        </p:txBody>
+      </p:sp>
+      <p:sp>
+        <p:nvSpPr>
+          <p:cNvPr id="3" name="Subtitle 2">
+            <a:extLst>
+              <a:ext uri="{FF2B5EF4-FFF2-40B4-BE49-F238E27FC236}">
+                <a16:creationId xmlns:a16="http://schemas.microsoft.com/office/drawing/2014/main" id="{60C395F4-B5A3-4F2F-855A-0006FCE96DD0}"/>
+              </a:ext>
+            </a:extLst>
+          </p:cNvPr>
+          <p:cNvSpPr>
+            <a:spLocks noGrp="1"/>
+          </p:cNvSpPr>
+          <p:nvPr>
+            <p:ph type="subTitle" idx="1"/>
+          </p:nvPr>
+        </p:nvSpPr>
+        <p:spPr/>
+        <p:txBody>
+          <a:bodyPr/>
+          <a:lstStyle/>
+          <a:p>
+            <a:endParaRPr lang="en-US" dirty="0"/>
+          </a:p>
+        </p:txBody>
+      </p:sp>
+    </p:spTree>
+    <p:extLst>
+      <p:ext uri="{BB962C8B-B14F-4D97-AF65-F5344CB8AC3E}">
+        <p14:creationId xmlns:p14="http://schemas.microsoft.com/office/powerpoint/2010/main" val="1665975282"/>
+      </p:ext>
+    </p:extLst>
+  </p:cSld>
+  <p:clrMapOvr>
+    <a:masterClrMapping/>
+  </p:clrMapOvr>
+</p:sld>
+</file>
+
+<file path=ppt/slides/slide10.xml><?xml version="1.0" encoding="utf-8"?>
+<p:sld xmlns:a="http://schemas.openxmlformats.org/drawingml/2006/main" xmlns:r="http://schemas.openxmlformats.org/officeDocument/2006/relationships" xmlns:p="http://schemas.openxmlformats.org/presentationml/2006/main">
+  <p:cSld>
+    <p:spTree>
+      <p:nvGrpSpPr>
+        <p:cNvPr id="1" name=""/>
+        <p:cNvGrpSpPr/>
+        <p:nvPr/>
+      </p:nvGrpSpPr>
+      <p:grpSpPr>
+        <a:xfrm>
+          <a:off x="0" y="0"/>
+          <a:ext cx="0" cy="0"/>
+          <a:chOff x="0" y="0"/>
+          <a:chExt cx="0" cy="0"/>
+        </a:xfrm>
+      </p:grpSpPr>
+      <p:sp>
+        <p:nvSpPr>
+          <p:cNvPr id="2" name="Title 1">
+            <a:extLst>
+              <a:ext uri="{FF2B5EF4-FFF2-40B4-BE49-F238E27FC236}">
+                <a16:creationId xmlns:a16="http://schemas.microsoft.com/office/drawing/2014/main" id="{F8ADAE79-72C3-4128-BC87-DBC5B059028E}"/>
+              </a:ext>
+            </a:extLst>
+          </p:cNvPr>
+          <p:cNvSpPr>
+            <a:spLocks noGrp="1"/>
+          </p:cNvSpPr>
+          <p:nvPr>
+            <p:ph type="ctrTitle"/>
+          </p:nvPr>
+        </p:nvSpPr>
+        <p:spPr>
+          <a:xfrm>
+            <a:off x="1154954" y="776495"/>
+            <a:ext cx="9234185" cy="721566"/>
+          </a:xfrm>
+        </p:spPr>
+        <p:txBody>
+          <a:bodyPr/>
+          <a:lstStyle/>
+          <a:p>
+            <a:r>
+              <a:rPr lang="ru-RU" sz="4400" dirty="0"/>
+              <a:t>Причины возникновения</a:t>
+            </a:r>
+            <a:endParaRPr lang="en-US" sz="4400" dirty="0"/>
+          </a:p>
+        </p:txBody>
+      </p:sp>
+      <p:sp>
+        <p:nvSpPr>
+          <p:cNvPr id="3" name="Subtitle 2">
+            <a:extLst>
+              <a:ext uri="{FF2B5EF4-FFF2-40B4-BE49-F238E27FC236}">
+                <a16:creationId xmlns:a16="http://schemas.microsoft.com/office/drawing/2014/main" id="{60C395F4-B5A3-4F2F-855A-0006FCE96DD0}"/>
+              </a:ext>
+            </a:extLst>
+          </p:cNvPr>
+          <p:cNvSpPr>
+            <a:spLocks noGrp="1"/>
+          </p:cNvSpPr>
+          <p:nvPr>
+            <p:ph type="subTitle" idx="1"/>
+          </p:nvPr>
+        </p:nvSpPr>
+        <p:spPr>
+          <a:xfrm>
+            <a:off x="1154955" y="2861733"/>
+            <a:ext cx="8825658" cy="2777067"/>
+          </a:xfrm>
+        </p:spPr>
+        <p:txBody>
+          <a:bodyPr/>
+          <a:lstStyle/>
+          <a:p>
+            <a:r>
+              <a:rPr lang="en-US" dirty="0" err="1">
+                <a:latin typeface="Calibri" panose="020F0502020204030204" pitchFamily="34" charset="0"/>
+                <a:cs typeface="Calibri" panose="020F0502020204030204" pitchFamily="34" charset="0"/>
+              </a:rPr>
+              <a:t>Реактивное</a:t>
+            </a:r>
+            <a:r>
+              <a:rPr lang="en-US" dirty="0">
+                <a:latin typeface="Calibri" panose="020F0502020204030204" pitchFamily="34" charset="0"/>
+                <a:cs typeface="Calibri" panose="020F0502020204030204" pitchFamily="34" charset="0"/>
+              </a:rPr>
+              <a:t> </a:t>
+            </a:r>
+            <a:r>
+              <a:rPr lang="en-US" dirty="0" err="1">
+                <a:latin typeface="Calibri" panose="020F0502020204030204" pitchFamily="34" charset="0"/>
+                <a:cs typeface="Calibri" panose="020F0502020204030204" pitchFamily="34" charset="0"/>
+              </a:rPr>
+              <a:t>программирование</a:t>
+            </a:r>
+            <a:r>
+              <a:rPr lang="en-US" dirty="0">
+                <a:latin typeface="Calibri" panose="020F0502020204030204" pitchFamily="34" charset="0"/>
+                <a:cs typeface="Calibri" panose="020F0502020204030204" pitchFamily="34" charset="0"/>
+              </a:rPr>
+              <a:t> </a:t>
+            </a:r>
+            <a:r>
+              <a:rPr lang="en-US" dirty="0" err="1">
+                <a:latin typeface="Calibri" panose="020F0502020204030204" pitchFamily="34" charset="0"/>
+                <a:cs typeface="Calibri" panose="020F0502020204030204" pitchFamily="34" charset="0"/>
+              </a:rPr>
+              <a:t>предлагалось</a:t>
+            </a:r>
+            <a:r>
+              <a:rPr lang="en-US" dirty="0">
+                <a:latin typeface="Calibri" panose="020F0502020204030204" pitchFamily="34" charset="0"/>
+                <a:cs typeface="Calibri" panose="020F0502020204030204" pitchFamily="34" charset="0"/>
+              </a:rPr>
+              <a:t> </a:t>
+            </a:r>
+            <a:r>
+              <a:rPr lang="en-US" dirty="0" err="1">
+                <a:latin typeface="Calibri" panose="020F0502020204030204" pitchFamily="34" charset="0"/>
+                <a:cs typeface="Calibri" panose="020F0502020204030204" pitchFamily="34" charset="0"/>
+              </a:rPr>
+              <a:t>как</a:t>
+            </a:r>
+            <a:r>
+              <a:rPr lang="en-US" dirty="0">
+                <a:latin typeface="Calibri" panose="020F0502020204030204" pitchFamily="34" charset="0"/>
+                <a:cs typeface="Calibri" panose="020F0502020204030204" pitchFamily="34" charset="0"/>
+              </a:rPr>
+              <a:t> </a:t>
+            </a:r>
+            <a:r>
+              <a:rPr lang="en-US" dirty="0" err="1">
+                <a:latin typeface="Calibri" panose="020F0502020204030204" pitchFamily="34" charset="0"/>
+                <a:cs typeface="Calibri" panose="020F0502020204030204" pitchFamily="34" charset="0"/>
+              </a:rPr>
+              <a:t>путь</a:t>
+            </a:r>
+            <a:r>
+              <a:rPr lang="en-US" dirty="0">
+                <a:latin typeface="Calibri" panose="020F0502020204030204" pitchFamily="34" charset="0"/>
+                <a:cs typeface="Calibri" panose="020F0502020204030204" pitchFamily="34" charset="0"/>
+              </a:rPr>
+              <a:t> </a:t>
+            </a:r>
+            <a:r>
+              <a:rPr lang="en-US" dirty="0" err="1">
+                <a:latin typeface="Calibri" panose="020F0502020204030204" pitchFamily="34" charset="0"/>
+                <a:cs typeface="Calibri" panose="020F0502020204030204" pitchFamily="34" charset="0"/>
+              </a:rPr>
+              <a:t>для</a:t>
+            </a:r>
+            <a:r>
+              <a:rPr lang="en-US" dirty="0">
+                <a:latin typeface="Calibri" panose="020F0502020204030204" pitchFamily="34" charset="0"/>
+                <a:cs typeface="Calibri" panose="020F0502020204030204" pitchFamily="34" charset="0"/>
+              </a:rPr>
+              <a:t> </a:t>
+            </a:r>
+            <a:r>
+              <a:rPr lang="en-US" dirty="0" err="1">
+                <a:latin typeface="Calibri" panose="020F0502020204030204" pitchFamily="34" charset="0"/>
+                <a:cs typeface="Calibri" panose="020F0502020204030204" pitchFamily="34" charset="0"/>
+              </a:rPr>
+              <a:t>лёгкого</a:t>
+            </a:r>
+            <a:r>
+              <a:rPr lang="en-US" dirty="0">
+                <a:latin typeface="Calibri" panose="020F0502020204030204" pitchFamily="34" charset="0"/>
+                <a:cs typeface="Calibri" panose="020F0502020204030204" pitchFamily="34" charset="0"/>
+              </a:rPr>
+              <a:t> </a:t>
+            </a:r>
+            <a:r>
+              <a:rPr lang="en-US" dirty="0" err="1">
+                <a:latin typeface="Calibri" panose="020F0502020204030204" pitchFamily="34" charset="0"/>
+                <a:cs typeface="Calibri" panose="020F0502020204030204" pitchFamily="34" charset="0"/>
+              </a:rPr>
+              <a:t>создани</a:t>
+            </a:r>
+            <a:r>
+              <a:rPr lang="ru-RU" dirty="0">
+                <a:latin typeface="Calibri" panose="020F0502020204030204" pitchFamily="34" charset="0"/>
+                <a:cs typeface="Calibri" panose="020F0502020204030204" pitchFamily="34" charset="0"/>
+              </a:rPr>
+              <a:t>я</a:t>
+            </a:r>
+            <a:r>
+              <a:rPr lang="en-US" dirty="0">
+                <a:latin typeface="Calibri" panose="020F0502020204030204" pitchFamily="34" charset="0"/>
+                <a:cs typeface="Calibri" panose="020F0502020204030204" pitchFamily="34" charset="0"/>
+              </a:rPr>
+              <a:t>:</a:t>
+            </a:r>
+          </a:p>
+          <a:p>
+            <a:endParaRPr lang="en-US" dirty="0">
+              <a:latin typeface="Calibri" panose="020F0502020204030204" pitchFamily="34" charset="0"/>
+              <a:cs typeface="Calibri" panose="020F0502020204030204" pitchFamily="34" charset="0"/>
+            </a:endParaRPr>
+          </a:p>
+        </p:txBody>
+      </p:sp>
+    </p:spTree>
+    <p:extLst>
+      <p:ext uri="{BB962C8B-B14F-4D97-AF65-F5344CB8AC3E}">
+        <p14:creationId xmlns:p14="http://schemas.microsoft.com/office/powerpoint/2010/main" val="2631865772"/>
+      </p:ext>
+    </p:extLst>
+  </p:cSld>
+  <p:clrMapOvr>
+    <a:masterClrMapping/>
+  </p:clrMapOvr>
+</p:sld>
+</file>
+
+<file path=ppt/slides/slide11.xml><?xml version="1.0" encoding="utf-8"?>
+<p:sld xmlns:a="http://schemas.openxmlformats.org/drawingml/2006/main" xmlns:r="http://schemas.openxmlformats.org/officeDocument/2006/relationships" xmlns:p="http://schemas.openxmlformats.org/presentationml/2006/main">
+  <p:cSld>
+    <p:spTree>
+      <p:nvGrpSpPr>
+        <p:cNvPr id="1" name=""/>
+        <p:cNvGrpSpPr/>
+        <p:nvPr/>
+      </p:nvGrpSpPr>
+      <p:grpSpPr>
+        <a:xfrm>
+          <a:off x="0" y="0"/>
+          <a:ext cx="0" cy="0"/>
+          <a:chOff x="0" y="0"/>
+          <a:chExt cx="0" cy="0"/>
+        </a:xfrm>
+      </p:grpSpPr>
+      <p:sp>
+        <p:nvSpPr>
+          <p:cNvPr id="2" name="Title 1">
+            <a:extLst>
+              <a:ext uri="{FF2B5EF4-FFF2-40B4-BE49-F238E27FC236}">
+                <a16:creationId xmlns:a16="http://schemas.microsoft.com/office/drawing/2014/main" id="{F8ADAE79-72C3-4128-BC87-DBC5B059028E}"/>
+              </a:ext>
+            </a:extLst>
+          </p:cNvPr>
+          <p:cNvSpPr>
+            <a:spLocks noGrp="1"/>
+          </p:cNvSpPr>
+          <p:nvPr>
+            <p:ph type="ctrTitle"/>
+          </p:nvPr>
+        </p:nvSpPr>
+        <p:spPr>
+          <a:xfrm>
+            <a:off x="1154954" y="776495"/>
+            <a:ext cx="9234185" cy="721566"/>
+          </a:xfrm>
+        </p:spPr>
+        <p:txBody>
+          <a:bodyPr/>
+          <a:lstStyle/>
+          <a:p>
+            <a:r>
+              <a:rPr lang="ru-RU" sz="4400" dirty="0"/>
+              <a:t>Причины возникновения</a:t>
+            </a:r>
+            <a:endParaRPr lang="en-US" sz="4400" dirty="0"/>
+          </a:p>
+        </p:txBody>
+      </p:sp>
+      <p:sp>
+        <p:nvSpPr>
+          <p:cNvPr id="3" name="Subtitle 2">
+            <a:extLst>
+              <a:ext uri="{FF2B5EF4-FFF2-40B4-BE49-F238E27FC236}">
+                <a16:creationId xmlns:a16="http://schemas.microsoft.com/office/drawing/2014/main" id="{60C395F4-B5A3-4F2F-855A-0006FCE96DD0}"/>
+              </a:ext>
+            </a:extLst>
+          </p:cNvPr>
+          <p:cNvSpPr>
+            <a:spLocks noGrp="1"/>
+          </p:cNvSpPr>
+          <p:nvPr>
+            <p:ph type="subTitle" idx="1"/>
+          </p:nvPr>
+        </p:nvSpPr>
+        <p:spPr>
+          <a:xfrm>
+            <a:off x="1154955" y="2861733"/>
+            <a:ext cx="8825658" cy="2777067"/>
+          </a:xfrm>
+        </p:spPr>
+        <p:txBody>
+          <a:bodyPr/>
+          <a:lstStyle/>
+          <a:p>
+            <a:r>
+              <a:rPr lang="en-US" dirty="0" err="1">
+                <a:latin typeface="Calibri" panose="020F0502020204030204" pitchFamily="34" charset="0"/>
+                <a:cs typeface="Calibri" panose="020F0502020204030204" pitchFamily="34" charset="0"/>
+              </a:rPr>
+              <a:t>Реактивное</a:t>
+            </a:r>
+            <a:r>
+              <a:rPr lang="en-US" dirty="0">
+                <a:latin typeface="Calibri" panose="020F0502020204030204" pitchFamily="34" charset="0"/>
+                <a:cs typeface="Calibri" panose="020F0502020204030204" pitchFamily="34" charset="0"/>
+              </a:rPr>
+              <a:t> </a:t>
+            </a:r>
+            <a:r>
+              <a:rPr lang="en-US" dirty="0" err="1">
+                <a:latin typeface="Calibri" panose="020F0502020204030204" pitchFamily="34" charset="0"/>
+                <a:cs typeface="Calibri" panose="020F0502020204030204" pitchFamily="34" charset="0"/>
+              </a:rPr>
+              <a:t>программирование</a:t>
+            </a:r>
+            <a:r>
+              <a:rPr lang="en-US" dirty="0">
+                <a:latin typeface="Calibri" panose="020F0502020204030204" pitchFamily="34" charset="0"/>
+                <a:cs typeface="Calibri" panose="020F0502020204030204" pitchFamily="34" charset="0"/>
+              </a:rPr>
+              <a:t> </a:t>
+            </a:r>
+            <a:r>
+              <a:rPr lang="en-US" dirty="0" err="1">
+                <a:latin typeface="Calibri" panose="020F0502020204030204" pitchFamily="34" charset="0"/>
+                <a:cs typeface="Calibri" panose="020F0502020204030204" pitchFamily="34" charset="0"/>
+              </a:rPr>
+              <a:t>предлагалось</a:t>
+            </a:r>
+            <a:r>
+              <a:rPr lang="en-US" dirty="0">
+                <a:latin typeface="Calibri" panose="020F0502020204030204" pitchFamily="34" charset="0"/>
+                <a:cs typeface="Calibri" panose="020F0502020204030204" pitchFamily="34" charset="0"/>
+              </a:rPr>
+              <a:t> </a:t>
+            </a:r>
+            <a:r>
+              <a:rPr lang="en-US" dirty="0" err="1">
+                <a:latin typeface="Calibri" panose="020F0502020204030204" pitchFamily="34" charset="0"/>
+                <a:cs typeface="Calibri" panose="020F0502020204030204" pitchFamily="34" charset="0"/>
+              </a:rPr>
+              <a:t>как</a:t>
+            </a:r>
+            <a:r>
+              <a:rPr lang="en-US" dirty="0">
+                <a:latin typeface="Calibri" panose="020F0502020204030204" pitchFamily="34" charset="0"/>
+                <a:cs typeface="Calibri" panose="020F0502020204030204" pitchFamily="34" charset="0"/>
+              </a:rPr>
+              <a:t> </a:t>
+            </a:r>
+            <a:r>
+              <a:rPr lang="en-US" dirty="0" err="1">
+                <a:latin typeface="Calibri" panose="020F0502020204030204" pitchFamily="34" charset="0"/>
+                <a:cs typeface="Calibri" panose="020F0502020204030204" pitchFamily="34" charset="0"/>
+              </a:rPr>
+              <a:t>путь</a:t>
+            </a:r>
+            <a:r>
+              <a:rPr lang="en-US" dirty="0">
+                <a:latin typeface="Calibri" panose="020F0502020204030204" pitchFamily="34" charset="0"/>
+                <a:cs typeface="Calibri" panose="020F0502020204030204" pitchFamily="34" charset="0"/>
+              </a:rPr>
+              <a:t> </a:t>
+            </a:r>
+            <a:r>
+              <a:rPr lang="en-US" dirty="0" err="1">
+                <a:latin typeface="Calibri" panose="020F0502020204030204" pitchFamily="34" charset="0"/>
+                <a:cs typeface="Calibri" panose="020F0502020204030204" pitchFamily="34" charset="0"/>
+              </a:rPr>
+              <a:t>для</a:t>
+            </a:r>
+            <a:r>
+              <a:rPr lang="en-US" dirty="0">
+                <a:latin typeface="Calibri" panose="020F0502020204030204" pitchFamily="34" charset="0"/>
+                <a:cs typeface="Calibri" panose="020F0502020204030204" pitchFamily="34" charset="0"/>
+              </a:rPr>
+              <a:t> </a:t>
+            </a:r>
+            <a:r>
+              <a:rPr lang="en-US" dirty="0" err="1">
+                <a:latin typeface="Calibri" panose="020F0502020204030204" pitchFamily="34" charset="0"/>
+                <a:cs typeface="Calibri" panose="020F0502020204030204" pitchFamily="34" charset="0"/>
+              </a:rPr>
+              <a:t>лёгкого</a:t>
+            </a:r>
+            <a:r>
+              <a:rPr lang="en-US" dirty="0">
+                <a:latin typeface="Calibri" panose="020F0502020204030204" pitchFamily="34" charset="0"/>
+                <a:cs typeface="Calibri" panose="020F0502020204030204" pitchFamily="34" charset="0"/>
+              </a:rPr>
+              <a:t> </a:t>
+            </a:r>
+            <a:r>
+              <a:rPr lang="en-US" dirty="0" err="1">
+                <a:latin typeface="Calibri" panose="020F0502020204030204" pitchFamily="34" charset="0"/>
+                <a:cs typeface="Calibri" panose="020F0502020204030204" pitchFamily="34" charset="0"/>
+              </a:rPr>
+              <a:t>создани</a:t>
+            </a:r>
+            <a:r>
+              <a:rPr lang="ru-RU" dirty="0">
+                <a:latin typeface="Calibri" panose="020F0502020204030204" pitchFamily="34" charset="0"/>
+                <a:cs typeface="Calibri" panose="020F0502020204030204" pitchFamily="34" charset="0"/>
+              </a:rPr>
+              <a:t>я</a:t>
+            </a:r>
+            <a:r>
+              <a:rPr lang="en-US" dirty="0">
+                <a:latin typeface="Calibri" panose="020F0502020204030204" pitchFamily="34" charset="0"/>
+                <a:cs typeface="Calibri" panose="020F0502020204030204" pitchFamily="34" charset="0"/>
+              </a:rPr>
+              <a:t>:</a:t>
+            </a:r>
+          </a:p>
+          <a:p>
+            <a:pPr marL="285750" indent="-285750">
+              <a:buFont typeface="Arial" panose="020B0604020202020204" pitchFamily="34" charset="0"/>
+              <a:buChar char="•"/>
+            </a:pPr>
+            <a:r>
+              <a:rPr lang="en-US" b="1" dirty="0" err="1">
+                <a:latin typeface="Calibri" panose="020F0502020204030204" pitchFamily="34" charset="0"/>
+                <a:cs typeface="Calibri" panose="020F0502020204030204" pitchFamily="34" charset="0"/>
+              </a:rPr>
+              <a:t>пользовательских</a:t>
+            </a:r>
+            <a:r>
+              <a:rPr lang="en-US" b="1" dirty="0">
+                <a:latin typeface="Calibri" panose="020F0502020204030204" pitchFamily="34" charset="0"/>
+                <a:cs typeface="Calibri" panose="020F0502020204030204" pitchFamily="34" charset="0"/>
+              </a:rPr>
+              <a:t> </a:t>
+            </a:r>
+            <a:r>
+              <a:rPr lang="en-US" b="1" dirty="0" err="1">
+                <a:latin typeface="Calibri" panose="020F0502020204030204" pitchFamily="34" charset="0"/>
+                <a:cs typeface="Calibri" panose="020F0502020204030204" pitchFamily="34" charset="0"/>
+              </a:rPr>
+              <a:t>интерфейсов</a:t>
+            </a:r>
+            <a:r>
+              <a:rPr lang="en-US" b="1" dirty="0">
+                <a:latin typeface="Calibri" panose="020F0502020204030204" pitchFamily="34" charset="0"/>
+                <a:cs typeface="Calibri" panose="020F0502020204030204" pitchFamily="34" charset="0"/>
+              </a:rPr>
+              <a:t>.</a:t>
+            </a:r>
+          </a:p>
+          <a:p>
+            <a:endParaRPr lang="en-US" dirty="0">
+              <a:latin typeface="Calibri" panose="020F0502020204030204" pitchFamily="34" charset="0"/>
+              <a:cs typeface="Calibri" panose="020F0502020204030204" pitchFamily="34" charset="0"/>
+            </a:endParaRPr>
+          </a:p>
+        </p:txBody>
+      </p:sp>
+    </p:spTree>
+    <p:extLst>
+      <p:ext uri="{BB962C8B-B14F-4D97-AF65-F5344CB8AC3E}">
+        <p14:creationId xmlns:p14="http://schemas.microsoft.com/office/powerpoint/2010/main" val="2057554031"/>
+      </p:ext>
+    </p:extLst>
+  </p:cSld>
+  <p:clrMapOvr>
+    <a:masterClrMapping/>
+  </p:clrMapOvr>
+</p:sld>
+</file>
+
+<file path=ppt/slides/slide12.xml><?xml version="1.0" encoding="utf-8"?>
+<p:sld xmlns:a="http://schemas.openxmlformats.org/drawingml/2006/main" xmlns:r="http://schemas.openxmlformats.org/officeDocument/2006/relationships" xmlns:p="http://schemas.openxmlformats.org/presentationml/2006/main">
+  <p:cSld>
+    <p:spTree>
+      <p:nvGrpSpPr>
+        <p:cNvPr id="1" name=""/>
+        <p:cNvGrpSpPr/>
+        <p:nvPr/>
+      </p:nvGrpSpPr>
+      <p:grpSpPr>
+        <a:xfrm>
+          <a:off x="0" y="0"/>
+          <a:ext cx="0" cy="0"/>
+          <a:chOff x="0" y="0"/>
+          <a:chExt cx="0" cy="0"/>
+        </a:xfrm>
+      </p:grpSpPr>
+      <p:sp>
+        <p:nvSpPr>
+          <p:cNvPr id="2" name="Title 1">
+            <a:extLst>
+              <a:ext uri="{FF2B5EF4-FFF2-40B4-BE49-F238E27FC236}">
+                <a16:creationId xmlns:a16="http://schemas.microsoft.com/office/drawing/2014/main" id="{F8ADAE79-72C3-4128-BC87-DBC5B059028E}"/>
+              </a:ext>
+            </a:extLst>
+          </p:cNvPr>
+          <p:cNvSpPr>
+            <a:spLocks noGrp="1"/>
+          </p:cNvSpPr>
+          <p:nvPr>
+            <p:ph type="ctrTitle"/>
+          </p:nvPr>
+        </p:nvSpPr>
+        <p:spPr>
+          <a:xfrm>
+            <a:off x="1154954" y="776495"/>
+            <a:ext cx="9234185" cy="721566"/>
+          </a:xfrm>
+        </p:spPr>
+        <p:txBody>
+          <a:bodyPr/>
+          <a:lstStyle/>
+          <a:p>
+            <a:r>
+              <a:rPr lang="ru-RU" sz="4400" dirty="0"/>
+              <a:t>Причины возникновения</a:t>
+            </a:r>
+            <a:endParaRPr lang="en-US" sz="4400" dirty="0"/>
+          </a:p>
+        </p:txBody>
+      </p:sp>
+      <p:sp>
+        <p:nvSpPr>
+          <p:cNvPr id="3" name="Subtitle 2">
+            <a:extLst>
+              <a:ext uri="{FF2B5EF4-FFF2-40B4-BE49-F238E27FC236}">
+                <a16:creationId xmlns:a16="http://schemas.microsoft.com/office/drawing/2014/main" id="{60C395F4-B5A3-4F2F-855A-0006FCE96DD0}"/>
+              </a:ext>
+            </a:extLst>
+          </p:cNvPr>
+          <p:cNvSpPr>
+            <a:spLocks noGrp="1"/>
+          </p:cNvSpPr>
+          <p:nvPr>
+            <p:ph type="subTitle" idx="1"/>
+          </p:nvPr>
+        </p:nvSpPr>
+        <p:spPr>
+          <a:xfrm>
+            <a:off x="1154955" y="2861733"/>
+            <a:ext cx="8825658" cy="2777067"/>
+          </a:xfrm>
+        </p:spPr>
+        <p:txBody>
+          <a:bodyPr/>
+          <a:lstStyle/>
+          <a:p>
+            <a:r>
+              <a:rPr lang="en-US" dirty="0" err="1">
+                <a:latin typeface="Calibri" panose="020F0502020204030204" pitchFamily="34" charset="0"/>
+                <a:cs typeface="Calibri" panose="020F0502020204030204" pitchFamily="34" charset="0"/>
+              </a:rPr>
+              <a:t>Реактивное</a:t>
+            </a:r>
+            <a:r>
+              <a:rPr lang="en-US" dirty="0">
+                <a:latin typeface="Calibri" panose="020F0502020204030204" pitchFamily="34" charset="0"/>
+                <a:cs typeface="Calibri" panose="020F0502020204030204" pitchFamily="34" charset="0"/>
+              </a:rPr>
+              <a:t> </a:t>
+            </a:r>
+            <a:r>
+              <a:rPr lang="en-US" dirty="0" err="1">
+                <a:latin typeface="Calibri" panose="020F0502020204030204" pitchFamily="34" charset="0"/>
+                <a:cs typeface="Calibri" panose="020F0502020204030204" pitchFamily="34" charset="0"/>
+              </a:rPr>
+              <a:t>программирование</a:t>
+            </a:r>
+            <a:r>
+              <a:rPr lang="en-US" dirty="0">
+                <a:latin typeface="Calibri" panose="020F0502020204030204" pitchFamily="34" charset="0"/>
+                <a:cs typeface="Calibri" panose="020F0502020204030204" pitchFamily="34" charset="0"/>
+              </a:rPr>
+              <a:t> </a:t>
+            </a:r>
+            <a:r>
+              <a:rPr lang="en-US" dirty="0" err="1">
+                <a:latin typeface="Calibri" panose="020F0502020204030204" pitchFamily="34" charset="0"/>
+                <a:cs typeface="Calibri" panose="020F0502020204030204" pitchFamily="34" charset="0"/>
+              </a:rPr>
+              <a:t>предлагалось</a:t>
+            </a:r>
+            <a:r>
+              <a:rPr lang="en-US" dirty="0">
+                <a:latin typeface="Calibri" panose="020F0502020204030204" pitchFamily="34" charset="0"/>
+                <a:cs typeface="Calibri" panose="020F0502020204030204" pitchFamily="34" charset="0"/>
+              </a:rPr>
+              <a:t> </a:t>
+            </a:r>
+            <a:r>
+              <a:rPr lang="en-US" dirty="0" err="1">
+                <a:latin typeface="Calibri" panose="020F0502020204030204" pitchFamily="34" charset="0"/>
+                <a:cs typeface="Calibri" panose="020F0502020204030204" pitchFamily="34" charset="0"/>
+              </a:rPr>
+              <a:t>как</a:t>
+            </a:r>
+            <a:r>
+              <a:rPr lang="en-US" dirty="0">
+                <a:latin typeface="Calibri" panose="020F0502020204030204" pitchFamily="34" charset="0"/>
+                <a:cs typeface="Calibri" panose="020F0502020204030204" pitchFamily="34" charset="0"/>
+              </a:rPr>
+              <a:t> </a:t>
+            </a:r>
+            <a:r>
+              <a:rPr lang="en-US" dirty="0" err="1">
+                <a:latin typeface="Calibri" panose="020F0502020204030204" pitchFamily="34" charset="0"/>
+                <a:cs typeface="Calibri" panose="020F0502020204030204" pitchFamily="34" charset="0"/>
+              </a:rPr>
+              <a:t>путь</a:t>
+            </a:r>
+            <a:r>
+              <a:rPr lang="en-US" dirty="0">
+                <a:latin typeface="Calibri" panose="020F0502020204030204" pitchFamily="34" charset="0"/>
+                <a:cs typeface="Calibri" panose="020F0502020204030204" pitchFamily="34" charset="0"/>
+              </a:rPr>
+              <a:t> </a:t>
+            </a:r>
+            <a:r>
+              <a:rPr lang="en-US" dirty="0" err="1">
+                <a:latin typeface="Calibri" panose="020F0502020204030204" pitchFamily="34" charset="0"/>
+                <a:cs typeface="Calibri" panose="020F0502020204030204" pitchFamily="34" charset="0"/>
+              </a:rPr>
+              <a:t>для</a:t>
+            </a:r>
+            <a:r>
+              <a:rPr lang="en-US" dirty="0">
+                <a:latin typeface="Calibri" panose="020F0502020204030204" pitchFamily="34" charset="0"/>
+                <a:cs typeface="Calibri" panose="020F0502020204030204" pitchFamily="34" charset="0"/>
+              </a:rPr>
+              <a:t> </a:t>
+            </a:r>
+            <a:r>
+              <a:rPr lang="en-US" dirty="0" err="1">
+                <a:latin typeface="Calibri" panose="020F0502020204030204" pitchFamily="34" charset="0"/>
+                <a:cs typeface="Calibri" panose="020F0502020204030204" pitchFamily="34" charset="0"/>
+              </a:rPr>
+              <a:t>лёгкого</a:t>
+            </a:r>
+            <a:r>
+              <a:rPr lang="en-US" dirty="0">
+                <a:latin typeface="Calibri" panose="020F0502020204030204" pitchFamily="34" charset="0"/>
+                <a:cs typeface="Calibri" panose="020F0502020204030204" pitchFamily="34" charset="0"/>
+              </a:rPr>
+              <a:t> </a:t>
+            </a:r>
+            <a:r>
+              <a:rPr lang="en-US" dirty="0" err="1">
+                <a:latin typeface="Calibri" panose="020F0502020204030204" pitchFamily="34" charset="0"/>
+                <a:cs typeface="Calibri" panose="020F0502020204030204" pitchFamily="34" charset="0"/>
+              </a:rPr>
+              <a:t>создани</a:t>
+            </a:r>
+            <a:r>
+              <a:rPr lang="ru-RU" dirty="0">
+                <a:latin typeface="Calibri" panose="020F0502020204030204" pitchFamily="34" charset="0"/>
+                <a:cs typeface="Calibri" panose="020F0502020204030204" pitchFamily="34" charset="0"/>
+              </a:rPr>
+              <a:t>я</a:t>
+            </a:r>
+            <a:r>
+              <a:rPr lang="en-US" dirty="0">
+                <a:latin typeface="Calibri" panose="020F0502020204030204" pitchFamily="34" charset="0"/>
+                <a:cs typeface="Calibri" panose="020F0502020204030204" pitchFamily="34" charset="0"/>
+              </a:rPr>
+              <a:t>:</a:t>
+            </a:r>
+          </a:p>
+          <a:p>
+            <a:pPr marL="285750" indent="-285750">
+              <a:buFont typeface="Arial" panose="020B0604020202020204" pitchFamily="34" charset="0"/>
+              <a:buChar char="•"/>
+            </a:pPr>
+            <a:r>
+              <a:rPr lang="en-US" sz="1400" dirty="0" err="1">
+                <a:latin typeface="Calibri" panose="020F0502020204030204" pitchFamily="34" charset="0"/>
+                <a:cs typeface="Calibri" panose="020F0502020204030204" pitchFamily="34" charset="0"/>
+              </a:rPr>
+              <a:t>пользовательских</a:t>
+            </a:r>
+            <a:r>
+              <a:rPr lang="en-US" sz="1400" dirty="0">
+                <a:latin typeface="Calibri" panose="020F0502020204030204" pitchFamily="34" charset="0"/>
+                <a:cs typeface="Calibri" panose="020F0502020204030204" pitchFamily="34" charset="0"/>
+              </a:rPr>
+              <a:t> </a:t>
+            </a:r>
+            <a:r>
+              <a:rPr lang="en-US" sz="1400" dirty="0" err="1">
+                <a:latin typeface="Calibri" panose="020F0502020204030204" pitchFamily="34" charset="0"/>
+                <a:cs typeface="Calibri" panose="020F0502020204030204" pitchFamily="34" charset="0"/>
+              </a:rPr>
+              <a:t>интерфейсов</a:t>
+            </a:r>
+            <a:r>
+              <a:rPr lang="en-US" sz="1400" dirty="0">
+                <a:latin typeface="Calibri" panose="020F0502020204030204" pitchFamily="34" charset="0"/>
+                <a:cs typeface="Calibri" panose="020F0502020204030204" pitchFamily="34" charset="0"/>
+              </a:rPr>
+              <a:t>.</a:t>
+            </a:r>
+          </a:p>
+          <a:p>
+            <a:pPr marL="285750" indent="-285750">
+              <a:buFont typeface="Arial" panose="020B0604020202020204" pitchFamily="34" charset="0"/>
+              <a:buChar char="•"/>
+            </a:pPr>
+            <a:r>
+              <a:rPr lang="ru-RU" b="1" dirty="0">
+                <a:latin typeface="Calibri" panose="020F0502020204030204" pitchFamily="34" charset="0"/>
+                <a:cs typeface="Calibri" panose="020F0502020204030204" pitchFamily="34" charset="0"/>
+              </a:rPr>
+              <a:t>А</a:t>
+            </a:r>
+            <a:r>
+              <a:rPr lang="en-US" b="1" dirty="0" err="1">
+                <a:latin typeface="Calibri" panose="020F0502020204030204" pitchFamily="34" charset="0"/>
+                <a:cs typeface="Calibri" panose="020F0502020204030204" pitchFamily="34" charset="0"/>
+              </a:rPr>
+              <a:t>нимации</a:t>
+            </a:r>
+            <a:r>
+              <a:rPr lang="en-US" b="1" dirty="0">
+                <a:latin typeface="Calibri" panose="020F0502020204030204" pitchFamily="34" charset="0"/>
+                <a:cs typeface="Calibri" panose="020F0502020204030204" pitchFamily="34" charset="0"/>
+              </a:rPr>
+              <a:t>.</a:t>
+            </a:r>
+          </a:p>
+        </p:txBody>
+      </p:sp>
+    </p:spTree>
+    <p:extLst>
+      <p:ext uri="{BB962C8B-B14F-4D97-AF65-F5344CB8AC3E}">
+        <p14:creationId xmlns:p14="http://schemas.microsoft.com/office/powerpoint/2010/main" val="4115716075"/>
+      </p:ext>
+    </p:extLst>
+  </p:cSld>
+  <p:clrMapOvr>
+    <a:masterClrMapping/>
+  </p:clrMapOvr>
+</p:sld>
+</file>
+
+<file path=ppt/slides/slide13.xml><?xml version="1.0" encoding="utf-8"?>
+<p:sld xmlns:a="http://schemas.openxmlformats.org/drawingml/2006/main" xmlns:r="http://schemas.openxmlformats.org/officeDocument/2006/relationships" xmlns:p="http://schemas.openxmlformats.org/presentationml/2006/main">
+  <p:cSld>
+    <p:spTree>
+      <p:nvGrpSpPr>
+        <p:cNvPr id="1" name=""/>
+        <p:cNvGrpSpPr/>
+        <p:nvPr/>
+      </p:nvGrpSpPr>
+      <p:grpSpPr>
+        <a:xfrm>
+          <a:off x="0" y="0"/>
+          <a:ext cx="0" cy="0"/>
+          <a:chOff x="0" y="0"/>
+          <a:chExt cx="0" cy="0"/>
+        </a:xfrm>
+      </p:grpSpPr>
+      <p:sp>
+        <p:nvSpPr>
+          <p:cNvPr id="2" name="Title 1">
+            <a:extLst>
+              <a:ext uri="{FF2B5EF4-FFF2-40B4-BE49-F238E27FC236}">
+                <a16:creationId xmlns:a16="http://schemas.microsoft.com/office/drawing/2014/main" id="{F8ADAE79-72C3-4128-BC87-DBC5B059028E}"/>
+              </a:ext>
+            </a:extLst>
+          </p:cNvPr>
+          <p:cNvSpPr>
+            <a:spLocks noGrp="1"/>
+          </p:cNvSpPr>
+          <p:nvPr>
+            <p:ph type="ctrTitle"/>
+          </p:nvPr>
+        </p:nvSpPr>
+        <p:spPr>
+          <a:xfrm>
+            <a:off x="1154954" y="776495"/>
+            <a:ext cx="9234185" cy="721566"/>
+          </a:xfrm>
+        </p:spPr>
+        <p:txBody>
+          <a:bodyPr/>
+          <a:lstStyle/>
+          <a:p>
+            <a:r>
+              <a:rPr lang="ru-RU" sz="4400" dirty="0"/>
+              <a:t>Причины возникновения</a:t>
+            </a:r>
+            <a:endParaRPr lang="en-US" sz="4400" dirty="0"/>
+          </a:p>
+        </p:txBody>
+      </p:sp>
+      <p:sp>
+        <p:nvSpPr>
+          <p:cNvPr id="3" name="Subtitle 2">
+            <a:extLst>
+              <a:ext uri="{FF2B5EF4-FFF2-40B4-BE49-F238E27FC236}">
+                <a16:creationId xmlns:a16="http://schemas.microsoft.com/office/drawing/2014/main" id="{60C395F4-B5A3-4F2F-855A-0006FCE96DD0}"/>
+              </a:ext>
+            </a:extLst>
+          </p:cNvPr>
+          <p:cNvSpPr>
+            <a:spLocks noGrp="1"/>
+          </p:cNvSpPr>
+          <p:nvPr>
+            <p:ph type="subTitle" idx="1"/>
+          </p:nvPr>
+        </p:nvSpPr>
+        <p:spPr>
+          <a:xfrm>
+            <a:off x="1154955" y="2861733"/>
+            <a:ext cx="8825658" cy="2777067"/>
+          </a:xfrm>
+        </p:spPr>
+        <p:txBody>
+          <a:bodyPr/>
+          <a:lstStyle/>
+          <a:p>
+            <a:r>
+              <a:rPr lang="en-US" dirty="0" err="1">
+                <a:latin typeface="Calibri" panose="020F0502020204030204" pitchFamily="34" charset="0"/>
+                <a:cs typeface="Calibri" panose="020F0502020204030204" pitchFamily="34" charset="0"/>
+              </a:rPr>
+              <a:t>Реактивное</a:t>
+            </a:r>
+            <a:r>
+              <a:rPr lang="en-US" dirty="0">
+                <a:latin typeface="Calibri" panose="020F0502020204030204" pitchFamily="34" charset="0"/>
+                <a:cs typeface="Calibri" panose="020F0502020204030204" pitchFamily="34" charset="0"/>
+              </a:rPr>
+              <a:t> </a:t>
+            </a:r>
+            <a:r>
+              <a:rPr lang="en-US" dirty="0" err="1">
+                <a:latin typeface="Calibri" panose="020F0502020204030204" pitchFamily="34" charset="0"/>
+                <a:cs typeface="Calibri" panose="020F0502020204030204" pitchFamily="34" charset="0"/>
+              </a:rPr>
+              <a:t>программирование</a:t>
+            </a:r>
+            <a:r>
+              <a:rPr lang="en-US" dirty="0">
+                <a:latin typeface="Calibri" panose="020F0502020204030204" pitchFamily="34" charset="0"/>
+                <a:cs typeface="Calibri" panose="020F0502020204030204" pitchFamily="34" charset="0"/>
+              </a:rPr>
+              <a:t> </a:t>
+            </a:r>
+            <a:r>
+              <a:rPr lang="en-US" dirty="0" err="1">
+                <a:latin typeface="Calibri" panose="020F0502020204030204" pitchFamily="34" charset="0"/>
+                <a:cs typeface="Calibri" panose="020F0502020204030204" pitchFamily="34" charset="0"/>
+              </a:rPr>
+              <a:t>предлагалось</a:t>
+            </a:r>
+            <a:r>
+              <a:rPr lang="en-US" dirty="0">
+                <a:latin typeface="Calibri" panose="020F0502020204030204" pitchFamily="34" charset="0"/>
+                <a:cs typeface="Calibri" panose="020F0502020204030204" pitchFamily="34" charset="0"/>
+              </a:rPr>
+              <a:t> </a:t>
+            </a:r>
+            <a:r>
+              <a:rPr lang="en-US" dirty="0" err="1">
+                <a:latin typeface="Calibri" panose="020F0502020204030204" pitchFamily="34" charset="0"/>
+                <a:cs typeface="Calibri" panose="020F0502020204030204" pitchFamily="34" charset="0"/>
+              </a:rPr>
+              <a:t>как</a:t>
+            </a:r>
+            <a:r>
+              <a:rPr lang="en-US" dirty="0">
+                <a:latin typeface="Calibri" panose="020F0502020204030204" pitchFamily="34" charset="0"/>
+                <a:cs typeface="Calibri" panose="020F0502020204030204" pitchFamily="34" charset="0"/>
+              </a:rPr>
+              <a:t> </a:t>
+            </a:r>
+            <a:r>
+              <a:rPr lang="en-US" dirty="0" err="1">
+                <a:latin typeface="Calibri" panose="020F0502020204030204" pitchFamily="34" charset="0"/>
+                <a:cs typeface="Calibri" panose="020F0502020204030204" pitchFamily="34" charset="0"/>
+              </a:rPr>
+              <a:t>путь</a:t>
+            </a:r>
+            <a:r>
+              <a:rPr lang="en-US" dirty="0">
+                <a:latin typeface="Calibri" panose="020F0502020204030204" pitchFamily="34" charset="0"/>
+                <a:cs typeface="Calibri" panose="020F0502020204030204" pitchFamily="34" charset="0"/>
+              </a:rPr>
+              <a:t> </a:t>
+            </a:r>
+            <a:r>
+              <a:rPr lang="en-US" dirty="0" err="1">
+                <a:latin typeface="Calibri" panose="020F0502020204030204" pitchFamily="34" charset="0"/>
+                <a:cs typeface="Calibri" panose="020F0502020204030204" pitchFamily="34" charset="0"/>
+              </a:rPr>
+              <a:t>для</a:t>
+            </a:r>
+            <a:r>
+              <a:rPr lang="en-US" dirty="0">
+                <a:latin typeface="Calibri" panose="020F0502020204030204" pitchFamily="34" charset="0"/>
+                <a:cs typeface="Calibri" panose="020F0502020204030204" pitchFamily="34" charset="0"/>
+              </a:rPr>
+              <a:t> </a:t>
+            </a:r>
+            <a:r>
+              <a:rPr lang="en-US" dirty="0" err="1">
+                <a:latin typeface="Calibri" panose="020F0502020204030204" pitchFamily="34" charset="0"/>
+                <a:cs typeface="Calibri" panose="020F0502020204030204" pitchFamily="34" charset="0"/>
+              </a:rPr>
+              <a:t>лёгкого</a:t>
+            </a:r>
+            <a:r>
+              <a:rPr lang="en-US" dirty="0">
+                <a:latin typeface="Calibri" panose="020F0502020204030204" pitchFamily="34" charset="0"/>
+                <a:cs typeface="Calibri" panose="020F0502020204030204" pitchFamily="34" charset="0"/>
+              </a:rPr>
+              <a:t> </a:t>
+            </a:r>
+            <a:r>
+              <a:rPr lang="en-US" dirty="0" err="1">
+                <a:latin typeface="Calibri" panose="020F0502020204030204" pitchFamily="34" charset="0"/>
+                <a:cs typeface="Calibri" panose="020F0502020204030204" pitchFamily="34" charset="0"/>
+              </a:rPr>
+              <a:t>создани</a:t>
+            </a:r>
+            <a:r>
+              <a:rPr lang="ru-RU" dirty="0">
+                <a:latin typeface="Calibri" panose="020F0502020204030204" pitchFamily="34" charset="0"/>
+                <a:cs typeface="Calibri" panose="020F0502020204030204" pitchFamily="34" charset="0"/>
+              </a:rPr>
+              <a:t>я</a:t>
+            </a:r>
+            <a:r>
+              <a:rPr lang="en-US" dirty="0">
+                <a:latin typeface="Calibri" panose="020F0502020204030204" pitchFamily="34" charset="0"/>
+                <a:cs typeface="Calibri" panose="020F0502020204030204" pitchFamily="34" charset="0"/>
+              </a:rPr>
+              <a:t>:</a:t>
+            </a:r>
+          </a:p>
+          <a:p>
+            <a:pPr marL="285750" indent="-285750">
+              <a:buFont typeface="Arial" panose="020B0604020202020204" pitchFamily="34" charset="0"/>
+              <a:buChar char="•"/>
+            </a:pPr>
+            <a:r>
+              <a:rPr lang="en-US" sz="1400" dirty="0" err="1">
+                <a:latin typeface="Calibri" panose="020F0502020204030204" pitchFamily="34" charset="0"/>
+                <a:cs typeface="Calibri" panose="020F0502020204030204" pitchFamily="34" charset="0"/>
+              </a:rPr>
+              <a:t>пользовательских</a:t>
+            </a:r>
+            <a:r>
+              <a:rPr lang="en-US" sz="1400" dirty="0">
+                <a:latin typeface="Calibri" panose="020F0502020204030204" pitchFamily="34" charset="0"/>
+                <a:cs typeface="Calibri" panose="020F0502020204030204" pitchFamily="34" charset="0"/>
+              </a:rPr>
+              <a:t> </a:t>
+            </a:r>
+            <a:r>
+              <a:rPr lang="en-US" sz="1400" dirty="0" err="1">
+                <a:latin typeface="Calibri" panose="020F0502020204030204" pitchFamily="34" charset="0"/>
+                <a:cs typeface="Calibri" panose="020F0502020204030204" pitchFamily="34" charset="0"/>
+              </a:rPr>
+              <a:t>интерфейсов</a:t>
+            </a:r>
+            <a:r>
+              <a:rPr lang="en-US" sz="1400" dirty="0">
+                <a:latin typeface="Calibri" panose="020F0502020204030204" pitchFamily="34" charset="0"/>
+                <a:cs typeface="Calibri" panose="020F0502020204030204" pitchFamily="34" charset="0"/>
+              </a:rPr>
+              <a:t>.</a:t>
+            </a:r>
+          </a:p>
+          <a:p>
+            <a:pPr marL="285750" indent="-285750">
+              <a:buFont typeface="Arial" panose="020B0604020202020204" pitchFamily="34" charset="0"/>
+              <a:buChar char="•"/>
+            </a:pPr>
+            <a:r>
+              <a:rPr lang="ru-RU" sz="1400" dirty="0">
+                <a:latin typeface="Calibri" panose="020F0502020204030204" pitchFamily="34" charset="0"/>
+                <a:cs typeface="Calibri" panose="020F0502020204030204" pitchFamily="34" charset="0"/>
+              </a:rPr>
+              <a:t>А</a:t>
+            </a:r>
+            <a:r>
+              <a:rPr lang="en-US" sz="1400" dirty="0" err="1">
+                <a:latin typeface="Calibri" panose="020F0502020204030204" pitchFamily="34" charset="0"/>
+                <a:cs typeface="Calibri" panose="020F0502020204030204" pitchFamily="34" charset="0"/>
+              </a:rPr>
+              <a:t>нимации</a:t>
+            </a:r>
+            <a:r>
+              <a:rPr lang="en-US" sz="1400" dirty="0">
+                <a:latin typeface="Calibri" panose="020F0502020204030204" pitchFamily="34" charset="0"/>
+                <a:cs typeface="Calibri" panose="020F0502020204030204" pitchFamily="34" charset="0"/>
+              </a:rPr>
+              <a:t>.</a:t>
+            </a:r>
+          </a:p>
+          <a:p>
+            <a:pPr marL="285750" indent="-285750">
+              <a:buFont typeface="Arial" panose="020B0604020202020204" pitchFamily="34" charset="0"/>
+              <a:buChar char="•"/>
+            </a:pPr>
+            <a:r>
+              <a:rPr lang="en-US" b="1" dirty="0" err="1">
+                <a:latin typeface="Calibri" panose="020F0502020204030204" pitchFamily="34" charset="0"/>
+                <a:cs typeface="Calibri" panose="020F0502020204030204" pitchFamily="34" charset="0"/>
+              </a:rPr>
+              <a:t>моделирования</a:t>
+            </a:r>
+            <a:r>
+              <a:rPr lang="en-US" b="1" dirty="0">
+                <a:latin typeface="Calibri" panose="020F0502020204030204" pitchFamily="34" charset="0"/>
+                <a:cs typeface="Calibri" panose="020F0502020204030204" pitchFamily="34" charset="0"/>
+              </a:rPr>
+              <a:t> </a:t>
+            </a:r>
+            <a:r>
+              <a:rPr lang="en-US" b="1" dirty="0" err="1">
+                <a:latin typeface="Calibri" panose="020F0502020204030204" pitchFamily="34" charset="0"/>
+                <a:cs typeface="Calibri" panose="020F0502020204030204" pitchFamily="34" charset="0"/>
+              </a:rPr>
+              <a:t>систем</a:t>
+            </a:r>
+            <a:r>
+              <a:rPr lang="en-US" b="1" dirty="0">
+                <a:latin typeface="Calibri" panose="020F0502020204030204" pitchFamily="34" charset="0"/>
+                <a:cs typeface="Calibri" panose="020F0502020204030204" pitchFamily="34" charset="0"/>
+              </a:rPr>
+              <a:t>, </a:t>
+            </a:r>
+            <a:r>
+              <a:rPr lang="en-US" b="1" dirty="0" err="1">
+                <a:latin typeface="Calibri" panose="020F0502020204030204" pitchFamily="34" charset="0"/>
+                <a:cs typeface="Calibri" panose="020F0502020204030204" pitchFamily="34" charset="0"/>
+              </a:rPr>
+              <a:t>изменяющихся</a:t>
+            </a:r>
+            <a:r>
+              <a:rPr lang="en-US" b="1" dirty="0">
+                <a:latin typeface="Calibri" panose="020F0502020204030204" pitchFamily="34" charset="0"/>
+                <a:cs typeface="Calibri" panose="020F0502020204030204" pitchFamily="34" charset="0"/>
+              </a:rPr>
+              <a:t> </a:t>
+            </a:r>
+            <a:r>
+              <a:rPr lang="en-US" b="1" dirty="0" err="1">
+                <a:latin typeface="Calibri" panose="020F0502020204030204" pitchFamily="34" charset="0"/>
+                <a:cs typeface="Calibri" panose="020F0502020204030204" pitchFamily="34" charset="0"/>
+              </a:rPr>
+              <a:t>во</a:t>
+            </a:r>
+            <a:r>
+              <a:rPr lang="en-US" b="1" dirty="0">
+                <a:latin typeface="Calibri" panose="020F0502020204030204" pitchFamily="34" charset="0"/>
+                <a:cs typeface="Calibri" panose="020F0502020204030204" pitchFamily="34" charset="0"/>
+              </a:rPr>
+              <a:t> </a:t>
+            </a:r>
+            <a:r>
+              <a:rPr lang="en-US" b="1" dirty="0" err="1">
+                <a:latin typeface="Calibri" panose="020F0502020204030204" pitchFamily="34" charset="0"/>
+                <a:cs typeface="Calibri" panose="020F0502020204030204" pitchFamily="34" charset="0"/>
+              </a:rPr>
+              <a:t>времени</a:t>
+            </a:r>
+            <a:r>
+              <a:rPr lang="en-US" b="1" dirty="0">
+                <a:latin typeface="Calibri" panose="020F0502020204030204" pitchFamily="34" charset="0"/>
+                <a:cs typeface="Calibri" panose="020F0502020204030204" pitchFamily="34" charset="0"/>
+              </a:rPr>
+              <a:t>.</a:t>
+            </a:r>
+          </a:p>
+          <a:p>
+            <a:endParaRPr lang="en-US" dirty="0">
+              <a:latin typeface="Calibri" panose="020F0502020204030204" pitchFamily="34" charset="0"/>
+              <a:cs typeface="Calibri" panose="020F0502020204030204" pitchFamily="34" charset="0"/>
+            </a:endParaRPr>
+          </a:p>
+        </p:txBody>
+      </p:sp>
+    </p:spTree>
+    <p:extLst>
+      <p:ext uri="{BB962C8B-B14F-4D97-AF65-F5344CB8AC3E}">
+        <p14:creationId xmlns:p14="http://schemas.microsoft.com/office/powerpoint/2010/main" val="1022032611"/>
+      </p:ext>
+    </p:extLst>
+  </p:cSld>
+  <p:clrMapOvr>
+    <a:masterClrMapping/>
+  </p:clrMapOvr>
+</p:sld>
+</file>
+
+<file path=ppt/slides/slide14.xml><?xml version="1.0" encoding="utf-8"?>
+<p:sld xmlns:a="http://schemas.openxmlformats.org/drawingml/2006/main" xmlns:r="http://schemas.openxmlformats.org/officeDocument/2006/relationships" xmlns:p="http://schemas.openxmlformats.org/presentationml/2006/main">
+  <p:cSld>
+    <p:spTree>
+      <p:nvGrpSpPr>
+        <p:cNvPr id="1" name=""/>
+        <p:cNvGrpSpPr/>
+        <p:nvPr/>
+      </p:nvGrpSpPr>
+      <p:grpSpPr>
+        <a:xfrm>
+          <a:off x="0" y="0"/>
+          <a:ext cx="0" cy="0"/>
+          <a:chOff x="0" y="0"/>
+          <a:chExt cx="0" cy="0"/>
+        </a:xfrm>
+      </p:grpSpPr>
+      <p:sp>
+        <p:nvSpPr>
+          <p:cNvPr id="2" name="Title 1">
+            <a:extLst>
+              <a:ext uri="{FF2B5EF4-FFF2-40B4-BE49-F238E27FC236}">
+                <a16:creationId xmlns:a16="http://schemas.microsoft.com/office/drawing/2014/main" id="{F8ADAE79-72C3-4128-BC87-DBC5B059028E}"/>
+              </a:ext>
+            </a:extLst>
+          </p:cNvPr>
+          <p:cNvSpPr>
+            <a:spLocks noGrp="1"/>
+          </p:cNvSpPr>
+          <p:nvPr>
+            <p:ph type="ctrTitle"/>
+          </p:nvPr>
+        </p:nvSpPr>
+        <p:spPr>
+          <a:xfrm>
+            <a:off x="4151950" y="3072180"/>
+            <a:ext cx="3888100" cy="713639"/>
+          </a:xfrm>
+        </p:spPr>
+        <p:txBody>
+          <a:bodyPr/>
+          <a:lstStyle/>
+          <a:p>
+            <a:r>
+              <a:rPr lang="ru-RU" sz="4400" dirty="0"/>
+              <a:t>push </a:t>
+            </a:r>
+            <a:r>
+              <a:rPr lang="en-US" sz="4400" dirty="0"/>
+              <a:t>/</a:t>
+            </a:r>
+            <a:r>
+              <a:rPr lang="ru-RU" sz="4400" dirty="0"/>
+              <a:t> pull</a:t>
+            </a:r>
+            <a:endParaRPr lang="en-US" sz="4400" dirty="0"/>
+          </a:p>
+        </p:txBody>
+      </p:sp>
+    </p:spTree>
+    <p:extLst>
+      <p:ext uri="{BB962C8B-B14F-4D97-AF65-F5344CB8AC3E}">
+        <p14:creationId xmlns:p14="http://schemas.microsoft.com/office/powerpoint/2010/main" val="2798364437"/>
+      </p:ext>
+    </p:extLst>
+  </p:cSld>
+  <p:clrMapOvr>
+    <a:masterClrMapping/>
+  </p:clrMapOvr>
+</p:sld>
+</file>
+
+<file path=ppt/slides/slide15.xml><?xml version="1.0" encoding="utf-8"?>
+<p:sld xmlns:a="http://schemas.openxmlformats.org/drawingml/2006/main" xmlns:r="http://schemas.openxmlformats.org/officeDocument/2006/relationships" xmlns:p="http://schemas.openxmlformats.org/presentationml/2006/main">
+  <p:cSld>
+    <p:spTree>
+      <p:nvGrpSpPr>
+        <p:cNvPr id="1" name=""/>
+        <p:cNvGrpSpPr/>
+        <p:nvPr/>
+      </p:nvGrpSpPr>
+      <p:grpSpPr>
+        <a:xfrm>
+          <a:off x="0" y="0"/>
+          <a:ext cx="0" cy="0"/>
+          <a:chOff x="0" y="0"/>
+          <a:chExt cx="0" cy="0"/>
+        </a:xfrm>
+      </p:grpSpPr>
+      <p:sp>
+        <p:nvSpPr>
+          <p:cNvPr id="2" name="Title 1">
+            <a:extLst>
+              <a:ext uri="{FF2B5EF4-FFF2-40B4-BE49-F238E27FC236}">
+                <a16:creationId xmlns:a16="http://schemas.microsoft.com/office/drawing/2014/main" id="{F8ADAE79-72C3-4128-BC87-DBC5B059028E}"/>
+              </a:ext>
+            </a:extLst>
+          </p:cNvPr>
+          <p:cNvSpPr>
+            <a:spLocks noGrp="1"/>
+          </p:cNvSpPr>
+          <p:nvPr>
+            <p:ph type="ctrTitle"/>
+          </p:nvPr>
+        </p:nvSpPr>
+        <p:spPr>
+          <a:xfrm>
+            <a:off x="1154955" y="776494"/>
+            <a:ext cx="8825658" cy="713639"/>
+          </a:xfrm>
+        </p:spPr>
+        <p:txBody>
+          <a:bodyPr/>
+          <a:lstStyle/>
+          <a:p>
+            <a:r>
+              <a:rPr lang="en-US" sz="4400" dirty="0"/>
+              <a:t>Pull</a:t>
+            </a:r>
+          </a:p>
+        </p:txBody>
+      </p:sp>
+      <p:sp>
+        <p:nvSpPr>
+          <p:cNvPr id="3" name="Subtitle 2">
+            <a:extLst>
+              <a:ext uri="{FF2B5EF4-FFF2-40B4-BE49-F238E27FC236}">
+                <a16:creationId xmlns:a16="http://schemas.microsoft.com/office/drawing/2014/main" id="{60C395F4-B5A3-4F2F-855A-0006FCE96DD0}"/>
+              </a:ext>
+            </a:extLst>
+          </p:cNvPr>
+          <p:cNvSpPr>
+            <a:spLocks noGrp="1"/>
+          </p:cNvSpPr>
+          <p:nvPr>
+            <p:ph type="subTitle" idx="1"/>
+          </p:nvPr>
+        </p:nvSpPr>
+        <p:spPr>
+          <a:xfrm>
+            <a:off x="1154955" y="2861733"/>
+            <a:ext cx="8825658" cy="2777067"/>
+          </a:xfrm>
+        </p:spPr>
+        <p:txBody>
+          <a:bodyPr/>
+          <a:lstStyle/>
+          <a:p>
+            <a:r>
+              <a:rPr lang="ru-RU" dirty="0">
+                <a:latin typeface="Calibri" panose="020F0502020204030204" pitchFamily="34" charset="0"/>
+                <a:cs typeface="Calibri" panose="020F0502020204030204" pitchFamily="34" charset="0"/>
+              </a:rPr>
+              <a:t>объект </a:t>
+            </a:r>
+            <a:r>
+              <a:rPr lang="ru-RU" sz="2400" b="1" dirty="0">
+                <a:latin typeface="Calibri" panose="020F0502020204030204" pitchFamily="34" charset="0"/>
+                <a:cs typeface="Calibri" panose="020F0502020204030204" pitchFamily="34" charset="0"/>
+              </a:rPr>
+              <a:t>A </a:t>
+            </a:r>
+            <a:r>
+              <a:rPr lang="ru-RU" dirty="0">
+                <a:latin typeface="Calibri" panose="020F0502020204030204" pitchFamily="34" charset="0"/>
+                <a:cs typeface="Calibri" panose="020F0502020204030204" pitchFamily="34" charset="0"/>
+              </a:rPr>
+              <a:t>взаимодействует с объектом </a:t>
+            </a:r>
+            <a:r>
+              <a:rPr lang="ru-RU" sz="2400" b="1" dirty="0">
+                <a:latin typeface="Calibri" panose="020F0502020204030204" pitchFamily="34" charset="0"/>
+                <a:cs typeface="Calibri" panose="020F0502020204030204" pitchFamily="34" charset="0"/>
+              </a:rPr>
+              <a:t>B</a:t>
+            </a:r>
+            <a:r>
+              <a:rPr lang="ru-RU" dirty="0">
+                <a:latin typeface="Calibri" panose="020F0502020204030204" pitchFamily="34" charset="0"/>
+                <a:cs typeface="Calibri" panose="020F0502020204030204" pitchFamily="34" charset="0"/>
+              </a:rPr>
+              <a:t> и получает (вытягивает) у него необходимые данные</a:t>
+            </a:r>
+            <a:endParaRPr lang="en-US" dirty="0">
+              <a:latin typeface="Calibri" panose="020F0502020204030204" pitchFamily="34" charset="0"/>
+              <a:cs typeface="Calibri" panose="020F0502020204030204" pitchFamily="34" charset="0"/>
+            </a:endParaRPr>
+          </a:p>
+        </p:txBody>
+      </p:sp>
+    </p:spTree>
+    <p:extLst>
+      <p:ext uri="{BB962C8B-B14F-4D97-AF65-F5344CB8AC3E}">
+        <p14:creationId xmlns:p14="http://schemas.microsoft.com/office/powerpoint/2010/main" val="3672086292"/>
+      </p:ext>
+    </p:extLst>
+  </p:cSld>
+  <p:clrMapOvr>
+    <a:masterClrMapping/>
+  </p:clrMapOvr>
+</p:sld>
+</file>
+
+<file path=ppt/slides/slide16.xml><?xml version="1.0" encoding="utf-8"?>
+<p:sld xmlns:a="http://schemas.openxmlformats.org/drawingml/2006/main" xmlns:r="http://schemas.openxmlformats.org/officeDocument/2006/relationships" xmlns:p="http://schemas.openxmlformats.org/presentationml/2006/main">
+  <p:cSld>
+    <p:spTree>
+      <p:nvGrpSpPr>
+        <p:cNvPr id="1" name=""/>
+        <p:cNvGrpSpPr/>
+        <p:nvPr/>
+      </p:nvGrpSpPr>
+      <p:grpSpPr>
+        <a:xfrm>
+          <a:off x="0" y="0"/>
+          <a:ext cx="0" cy="0"/>
+          <a:chOff x="0" y="0"/>
+          <a:chExt cx="0" cy="0"/>
+        </a:xfrm>
+      </p:grpSpPr>
+      <p:sp>
+        <p:nvSpPr>
+          <p:cNvPr id="2" name="Title 1">
+            <a:extLst>
+              <a:ext uri="{FF2B5EF4-FFF2-40B4-BE49-F238E27FC236}">
+                <a16:creationId xmlns:a16="http://schemas.microsoft.com/office/drawing/2014/main" id="{F8ADAE79-72C3-4128-BC87-DBC5B059028E}"/>
+              </a:ext>
+            </a:extLst>
+          </p:cNvPr>
+          <p:cNvSpPr>
+            <a:spLocks noGrp="1"/>
+          </p:cNvSpPr>
+          <p:nvPr>
+            <p:ph type="ctrTitle"/>
+          </p:nvPr>
+        </p:nvSpPr>
+        <p:spPr>
+          <a:xfrm>
+            <a:off x="1154955" y="776494"/>
+            <a:ext cx="8825658" cy="713639"/>
+          </a:xfrm>
+        </p:spPr>
+        <p:txBody>
+          <a:bodyPr/>
+          <a:lstStyle/>
+          <a:p>
+            <a:r>
+              <a:rPr lang="en-US" sz="4400" dirty="0"/>
+              <a:t>Push</a:t>
+            </a:r>
+          </a:p>
+        </p:txBody>
+      </p:sp>
+      <p:sp>
+        <p:nvSpPr>
+          <p:cNvPr id="3" name="Subtitle 2">
+            <a:extLst>
+              <a:ext uri="{FF2B5EF4-FFF2-40B4-BE49-F238E27FC236}">
+                <a16:creationId xmlns:a16="http://schemas.microsoft.com/office/drawing/2014/main" id="{60C395F4-B5A3-4F2F-855A-0006FCE96DD0}"/>
+              </a:ext>
+            </a:extLst>
+          </p:cNvPr>
+          <p:cNvSpPr>
+            <a:spLocks noGrp="1"/>
+          </p:cNvSpPr>
+          <p:nvPr>
+            <p:ph type="subTitle" idx="1"/>
+          </p:nvPr>
+        </p:nvSpPr>
+        <p:spPr>
+          <a:xfrm>
+            <a:off x="1154955" y="2861733"/>
+            <a:ext cx="8825658" cy="2777067"/>
+          </a:xfrm>
+        </p:spPr>
+        <p:txBody>
+          <a:bodyPr/>
+          <a:lstStyle/>
+          <a:p>
+            <a:r>
+              <a:rPr lang="ru-RU" dirty="0">
+                <a:latin typeface="Calibri" panose="020F0502020204030204" pitchFamily="34" charset="0"/>
+                <a:cs typeface="Calibri" panose="020F0502020204030204" pitchFamily="34" charset="0"/>
+              </a:rPr>
+              <a:t>«Принцип Голливуда» (Hollywood Principle) – «Не звоните нам, мы сами вам позвоним» (Don't call us, we'll call you)</a:t>
+            </a:r>
+            <a:endParaRPr lang="en-US" dirty="0">
+              <a:latin typeface="Calibri" panose="020F0502020204030204" pitchFamily="34" charset="0"/>
+              <a:cs typeface="Calibri" panose="020F0502020204030204" pitchFamily="34" charset="0"/>
+            </a:endParaRPr>
+          </a:p>
+        </p:txBody>
+      </p:sp>
+    </p:spTree>
+    <p:extLst>
+      <p:ext uri="{BB962C8B-B14F-4D97-AF65-F5344CB8AC3E}">
+        <p14:creationId xmlns:p14="http://schemas.microsoft.com/office/powerpoint/2010/main" val="2414369664"/>
+      </p:ext>
+    </p:extLst>
+  </p:cSld>
+  <p:clrMapOvr>
+    <a:masterClrMapping/>
+  </p:clrMapOvr>
+</p:sld>
+</file>
+
+<file path=ppt/slides/slide17.xml><?xml version="1.0" encoding="utf-8"?>
+<p:sld xmlns:a="http://schemas.openxmlformats.org/drawingml/2006/main" xmlns:r="http://schemas.openxmlformats.org/officeDocument/2006/relationships" xmlns:p="http://schemas.openxmlformats.org/presentationml/2006/main">
+  <p:cSld>
+    <p:spTree>
+      <p:nvGrpSpPr>
+        <p:cNvPr id="1" name=""/>
+        <p:cNvGrpSpPr/>
+        <p:nvPr/>
+      </p:nvGrpSpPr>
+      <p:grpSpPr>
+        <a:xfrm>
+          <a:off x="0" y="0"/>
+          <a:ext cx="0" cy="0"/>
+          <a:chOff x="0" y="0"/>
+          <a:chExt cx="0" cy="0"/>
+        </a:xfrm>
+      </p:grpSpPr>
+      <p:sp>
+        <p:nvSpPr>
+          <p:cNvPr id="2" name="Title 1">
+            <a:extLst>
+              <a:ext uri="{FF2B5EF4-FFF2-40B4-BE49-F238E27FC236}">
+                <a16:creationId xmlns:a16="http://schemas.microsoft.com/office/drawing/2014/main" id="{F8ADAE79-72C3-4128-BC87-DBC5B059028E}"/>
+              </a:ext>
+            </a:extLst>
+          </p:cNvPr>
+          <p:cNvSpPr>
+            <a:spLocks noGrp="1"/>
+          </p:cNvSpPr>
+          <p:nvPr>
+            <p:ph type="ctrTitle"/>
+          </p:nvPr>
+        </p:nvSpPr>
+        <p:spPr>
+          <a:xfrm>
+            <a:off x="1683171" y="3072180"/>
+            <a:ext cx="8825658" cy="713639"/>
+          </a:xfrm>
+        </p:spPr>
+        <p:txBody>
+          <a:bodyPr/>
+          <a:lstStyle/>
+          <a:p>
+            <a:r>
+              <a:rPr lang="en-US" sz="4400" dirty="0" err="1"/>
+              <a:t>IEnumerable</a:t>
+            </a:r>
+            <a:r>
+              <a:rPr lang="en-US" sz="4400" dirty="0"/>
+              <a:t> / </a:t>
+            </a:r>
+            <a:r>
+              <a:rPr lang="en-US" sz="4400" dirty="0" err="1"/>
+              <a:t>IObservable</a:t>
+            </a:r>
+            <a:endParaRPr lang="en-US" sz="4400" dirty="0"/>
+          </a:p>
+        </p:txBody>
+      </p:sp>
+    </p:spTree>
+    <p:extLst>
+      <p:ext uri="{BB962C8B-B14F-4D97-AF65-F5344CB8AC3E}">
+        <p14:creationId xmlns:p14="http://schemas.microsoft.com/office/powerpoint/2010/main" val="1985818148"/>
+      </p:ext>
+    </p:extLst>
+  </p:cSld>
+  <p:clrMapOvr>
+    <a:masterClrMapping/>
+  </p:clrMapOvr>
+</p:sld>
+</file>
+
+<file path=ppt/slides/slide18.xml><?xml version="1.0" encoding="utf-8"?>
+<p:sld xmlns:a="http://schemas.openxmlformats.org/drawingml/2006/main" xmlns:r="http://schemas.openxmlformats.org/officeDocument/2006/relationships" xmlns:p="http://schemas.openxmlformats.org/presentationml/2006/main">
+  <p:cSld>
+    <p:spTree>
+      <p:nvGrpSpPr>
+        <p:cNvPr id="1" name=""/>
+        <p:cNvGrpSpPr/>
+        <p:nvPr/>
+      </p:nvGrpSpPr>
+      <p:grpSpPr>
+        <a:xfrm>
+          <a:off x="0" y="0"/>
+          <a:ext cx="0" cy="0"/>
+          <a:chOff x="0" y="0"/>
+          <a:chExt cx="0" cy="0"/>
+        </a:xfrm>
+      </p:grpSpPr>
+      <p:sp>
+        <p:nvSpPr>
+          <p:cNvPr id="2" name="Title 1">
+            <a:extLst>
+              <a:ext uri="{FF2B5EF4-FFF2-40B4-BE49-F238E27FC236}">
+                <a16:creationId xmlns:a16="http://schemas.microsoft.com/office/drawing/2014/main" id="{F8ADAE79-72C3-4128-BC87-DBC5B059028E}"/>
+              </a:ext>
+            </a:extLst>
+          </p:cNvPr>
+          <p:cNvSpPr>
+            <a:spLocks noGrp="1"/>
+          </p:cNvSpPr>
+          <p:nvPr>
+            <p:ph type="ctrTitle"/>
+          </p:nvPr>
+        </p:nvSpPr>
+        <p:spPr>
+          <a:xfrm>
+            <a:off x="1154955" y="776494"/>
+            <a:ext cx="8825658" cy="713639"/>
+          </a:xfrm>
+        </p:spPr>
+        <p:txBody>
+          <a:bodyPr/>
+          <a:lstStyle/>
+          <a:p>
+            <a:r>
+              <a:rPr lang="en-US" sz="4400" dirty="0" err="1"/>
+              <a:t>IEnumerable</a:t>
+            </a:r>
+            <a:endParaRPr lang="en-US" sz="4400" dirty="0"/>
+          </a:p>
+        </p:txBody>
+      </p:sp>
+      <p:sp>
+        <p:nvSpPr>
+          <p:cNvPr id="3" name="Subtitle 2">
+            <a:extLst>
+              <a:ext uri="{FF2B5EF4-FFF2-40B4-BE49-F238E27FC236}">
+                <a16:creationId xmlns:a16="http://schemas.microsoft.com/office/drawing/2014/main" id="{60C395F4-B5A3-4F2F-855A-0006FCE96DD0}"/>
+              </a:ext>
+            </a:extLst>
+          </p:cNvPr>
+          <p:cNvSpPr>
+            <a:spLocks noGrp="1"/>
+          </p:cNvSpPr>
+          <p:nvPr>
+            <p:ph type="subTitle" idx="1"/>
+          </p:nvPr>
+        </p:nvSpPr>
+        <p:spPr>
+          <a:xfrm>
+            <a:off x="1154955" y="2861733"/>
+            <a:ext cx="8825658" cy="2777067"/>
+          </a:xfrm>
+        </p:spPr>
+        <p:txBody>
+          <a:bodyPr/>
+          <a:lstStyle/>
+          <a:p>
+            <a:endParaRPr lang="en-US" dirty="0"/>
+          </a:p>
+        </p:txBody>
+      </p:sp>
+    </p:spTree>
+    <p:extLst>
+      <p:ext uri="{BB962C8B-B14F-4D97-AF65-F5344CB8AC3E}">
+        <p14:creationId xmlns:p14="http://schemas.microsoft.com/office/powerpoint/2010/main" val="3488058492"/>
+      </p:ext>
+    </p:extLst>
+  </p:cSld>
+  <p:clrMapOvr>
+    <a:masterClrMapping/>
+  </p:clrMapOvr>
+</p:sld>
+</file>
+
+<file path=ppt/slides/slide19.xml><?xml version="1.0" encoding="utf-8"?>
+<p:sld xmlns:a="http://schemas.openxmlformats.org/drawingml/2006/main" xmlns:r="http://schemas.openxmlformats.org/officeDocument/2006/relationships" xmlns:p="http://schemas.openxmlformats.org/presentationml/2006/main">
+  <p:cSld>
+    <p:spTree>
+      <p:nvGrpSpPr>
+        <p:cNvPr id="1" name=""/>
+        <p:cNvGrpSpPr/>
+        <p:nvPr/>
+      </p:nvGrpSpPr>
+      <p:grpSpPr>
+        <a:xfrm>
+          <a:off x="0" y="0"/>
+          <a:ext cx="0" cy="0"/>
+          <a:chOff x="0" y="0"/>
+          <a:chExt cx="0" cy="0"/>
+        </a:xfrm>
+      </p:grpSpPr>
+      <p:sp>
+        <p:nvSpPr>
+          <p:cNvPr id="2" name="Title 1">
+            <a:extLst>
+              <a:ext uri="{FF2B5EF4-FFF2-40B4-BE49-F238E27FC236}">
+                <a16:creationId xmlns:a16="http://schemas.microsoft.com/office/drawing/2014/main" id="{F8ADAE79-72C3-4128-BC87-DBC5B059028E}"/>
+              </a:ext>
+            </a:extLst>
+          </p:cNvPr>
+          <p:cNvSpPr>
+            <a:spLocks noGrp="1"/>
+          </p:cNvSpPr>
+          <p:nvPr>
+            <p:ph type="ctrTitle"/>
+          </p:nvPr>
+        </p:nvSpPr>
+        <p:spPr>
+          <a:xfrm>
+            <a:off x="1154955" y="776494"/>
+            <a:ext cx="8825658" cy="713639"/>
+          </a:xfrm>
+        </p:spPr>
+        <p:txBody>
+          <a:bodyPr/>
+          <a:lstStyle/>
+          <a:p>
+            <a:r>
+              <a:rPr lang="en-US" sz="4400" dirty="0" err="1"/>
+              <a:t>IEnumerable</a:t>
+            </a:r>
+            <a:endParaRPr lang="en-US" sz="4400" dirty="0"/>
+          </a:p>
+        </p:txBody>
+      </p:sp>
+      <p:sp>
+        <p:nvSpPr>
+          <p:cNvPr id="3" name="Subtitle 2">
+            <a:extLst>
+              <a:ext uri="{FF2B5EF4-FFF2-40B4-BE49-F238E27FC236}">
+                <a16:creationId xmlns:a16="http://schemas.microsoft.com/office/drawing/2014/main" id="{60C395F4-B5A3-4F2F-855A-0006FCE96DD0}"/>
+              </a:ext>
+            </a:extLst>
+          </p:cNvPr>
+          <p:cNvSpPr>
+            <a:spLocks noGrp="1"/>
+          </p:cNvSpPr>
+          <p:nvPr>
+            <p:ph type="subTitle" idx="1"/>
+          </p:nvPr>
+        </p:nvSpPr>
+        <p:spPr>
+          <a:xfrm>
+            <a:off x="1154955" y="1754909"/>
+            <a:ext cx="8825658" cy="4451926"/>
+          </a:xfrm>
+        </p:spPr>
+        <p:txBody>
+          <a:bodyPr>
+            <a:normAutofit/>
+          </a:bodyPr>
+          <a:lstStyle/>
+          <a:p>
+            <a:r>
+              <a:rPr lang="en-US" cap="none" dirty="0"/>
+              <a:t>public interface </a:t>
+            </a:r>
+            <a:r>
+              <a:rPr lang="en-US" cap="none" dirty="0" err="1"/>
+              <a:t>IEnumerable</a:t>
+            </a:r>
+            <a:r>
+              <a:rPr lang="en-US" cap="none" dirty="0"/>
+              <a:t>&lt;T&gt;</a:t>
+            </a:r>
+          </a:p>
+          <a:p>
+            <a:r>
+              <a:rPr lang="en-US" cap="none" dirty="0"/>
+              <a:t>{</a:t>
+            </a:r>
+          </a:p>
+          <a:p>
+            <a:r>
+              <a:rPr lang="en-US" cap="none" dirty="0"/>
+              <a:t>    </a:t>
+            </a:r>
+            <a:r>
+              <a:rPr lang="en-US" cap="none" dirty="0" err="1"/>
+              <a:t>IEnumerator</a:t>
+            </a:r>
+            <a:r>
+              <a:rPr lang="en-US" cap="none" dirty="0"/>
+              <a:t>&lt;T&gt; </a:t>
+            </a:r>
+            <a:r>
+              <a:rPr lang="en-US" cap="none" dirty="0" err="1"/>
+              <a:t>GetEnumerator</a:t>
+            </a:r>
+            <a:r>
+              <a:rPr lang="en-US" cap="none" dirty="0"/>
+              <a:t>();</a:t>
+            </a:r>
+          </a:p>
+          <a:p>
+            <a:r>
+              <a:rPr lang="en-US" cap="none" dirty="0"/>
+              <a:t>}</a:t>
+            </a:r>
+          </a:p>
+        </p:txBody>
+      </p:sp>
+    </p:spTree>
+    <p:extLst>
+      <p:ext uri="{BB962C8B-B14F-4D97-AF65-F5344CB8AC3E}">
+        <p14:creationId xmlns:p14="http://schemas.microsoft.com/office/powerpoint/2010/main" val="3645765928"/>
+      </p:ext>
+    </p:extLst>
+  </p:cSld>
+  <p:clrMapOvr>
+    <a:masterClrMapping/>
+  </p:clrMapOvr>
+</p:sld>
+</file>
+
+<file path=ppt/slides/slide2.xml><?xml version="1.0" encoding="utf-8"?>
+<p:sld xmlns:a="http://schemas.openxmlformats.org/drawingml/2006/main" xmlns:r="http://schemas.openxmlformats.org/officeDocument/2006/relationships" xmlns:p="http://schemas.openxmlformats.org/presentationml/2006/main">
+  <p:cSld>
+    <p:spTree>
+      <p:nvGrpSpPr>
+        <p:cNvPr id="1" name=""/>
+        <p:cNvGrpSpPr/>
+        <p:nvPr/>
+      </p:nvGrpSpPr>
+      <p:grpSpPr>
+        <a:xfrm>
+          <a:off x="0" y="0"/>
+          <a:ext cx="0" cy="0"/>
+          <a:chOff x="0" y="0"/>
+          <a:chExt cx="0" cy="0"/>
+        </a:xfrm>
+      </p:grpSpPr>
+      <p:sp>
+        <p:nvSpPr>
+          <p:cNvPr id="2" name="Title 1">
+            <a:extLst>
+              <a:ext uri="{FF2B5EF4-FFF2-40B4-BE49-F238E27FC236}">
+                <a16:creationId xmlns:a16="http://schemas.microsoft.com/office/drawing/2014/main" id="{F8ADAE79-72C3-4128-BC87-DBC5B059028E}"/>
+              </a:ext>
+            </a:extLst>
+          </p:cNvPr>
+          <p:cNvSpPr>
+            <a:spLocks noGrp="1"/>
+          </p:cNvSpPr>
+          <p:nvPr>
+            <p:ph type="ctrTitle"/>
+          </p:nvPr>
+        </p:nvSpPr>
+        <p:spPr>
+          <a:xfrm>
             <a:off x="1154955" y="1015741"/>
             <a:ext cx="8825658" cy="813055"/>
           </a:xfrm>
@@ -12579,1796 +14383,6 @@
 </p:sld>
 </file>
 
-<file path=ppt/slides/slide10.xml><?xml version="1.0" encoding="utf-8"?>
-<p:sld xmlns:a="http://schemas.openxmlformats.org/drawingml/2006/main" xmlns:r="http://schemas.openxmlformats.org/officeDocument/2006/relationships" xmlns:p="http://schemas.openxmlformats.org/presentationml/2006/main">
-  <p:cSld>
-    <p:spTree>
-      <p:nvGrpSpPr>
-        <p:cNvPr id="1" name=""/>
-        <p:cNvGrpSpPr/>
-        <p:nvPr/>
-      </p:nvGrpSpPr>
-      <p:grpSpPr>
-        <a:xfrm>
-          <a:off x="0" y="0"/>
-          <a:ext cx="0" cy="0"/>
-          <a:chOff x="0" y="0"/>
-          <a:chExt cx="0" cy="0"/>
-        </a:xfrm>
-      </p:grpSpPr>
-      <p:sp>
-        <p:nvSpPr>
-          <p:cNvPr id="2" name="Title 1">
-            <a:extLst>
-              <a:ext uri="{FF2B5EF4-FFF2-40B4-BE49-F238E27FC236}">
-                <a16:creationId xmlns:a16="http://schemas.microsoft.com/office/drawing/2014/main" id="{F8ADAE79-72C3-4128-BC87-DBC5B059028E}"/>
-              </a:ext>
-            </a:extLst>
-          </p:cNvPr>
-          <p:cNvSpPr>
-            <a:spLocks noGrp="1"/>
-          </p:cNvSpPr>
-          <p:nvPr>
-            <p:ph type="ctrTitle"/>
-          </p:nvPr>
-        </p:nvSpPr>
-        <p:spPr>
-          <a:xfrm>
-            <a:off x="1154954" y="776495"/>
-            <a:ext cx="9234185" cy="721566"/>
-          </a:xfrm>
-        </p:spPr>
-        <p:txBody>
-          <a:bodyPr/>
-          <a:lstStyle/>
-          <a:p>
-            <a:r>
-              <a:rPr lang="ru-RU" sz="4400" dirty="0"/>
-              <a:t>Причины возникновения</a:t>
-            </a:r>
-            <a:endParaRPr lang="en-US" sz="4400" dirty="0"/>
-          </a:p>
-        </p:txBody>
-      </p:sp>
-      <p:sp>
-        <p:nvSpPr>
-          <p:cNvPr id="3" name="Subtitle 2">
-            <a:extLst>
-              <a:ext uri="{FF2B5EF4-FFF2-40B4-BE49-F238E27FC236}">
-                <a16:creationId xmlns:a16="http://schemas.microsoft.com/office/drawing/2014/main" id="{60C395F4-B5A3-4F2F-855A-0006FCE96DD0}"/>
-              </a:ext>
-            </a:extLst>
-          </p:cNvPr>
-          <p:cNvSpPr>
-            <a:spLocks noGrp="1"/>
-          </p:cNvSpPr>
-          <p:nvPr>
-            <p:ph type="subTitle" idx="1"/>
-          </p:nvPr>
-        </p:nvSpPr>
-        <p:spPr>
-          <a:xfrm>
-            <a:off x="1154955" y="2861733"/>
-            <a:ext cx="8825658" cy="2777067"/>
-          </a:xfrm>
-        </p:spPr>
-        <p:txBody>
-          <a:bodyPr/>
-          <a:lstStyle/>
-          <a:p>
-            <a:r>
-              <a:rPr lang="en-US" dirty="0" err="1">
-                <a:latin typeface="Calibri" panose="020F0502020204030204" pitchFamily="34" charset="0"/>
-                <a:cs typeface="Calibri" panose="020F0502020204030204" pitchFamily="34" charset="0"/>
-              </a:rPr>
-              <a:t>Реактивное</a:t>
-            </a:r>
-            <a:r>
-              <a:rPr lang="en-US" dirty="0">
-                <a:latin typeface="Calibri" panose="020F0502020204030204" pitchFamily="34" charset="0"/>
-                <a:cs typeface="Calibri" panose="020F0502020204030204" pitchFamily="34" charset="0"/>
-              </a:rPr>
-              <a:t> </a:t>
-            </a:r>
-            <a:r>
-              <a:rPr lang="en-US" dirty="0" err="1">
-                <a:latin typeface="Calibri" panose="020F0502020204030204" pitchFamily="34" charset="0"/>
-                <a:cs typeface="Calibri" panose="020F0502020204030204" pitchFamily="34" charset="0"/>
-              </a:rPr>
-              <a:t>программирование</a:t>
-            </a:r>
-            <a:r>
-              <a:rPr lang="en-US" dirty="0">
-                <a:latin typeface="Calibri" panose="020F0502020204030204" pitchFamily="34" charset="0"/>
-                <a:cs typeface="Calibri" panose="020F0502020204030204" pitchFamily="34" charset="0"/>
-              </a:rPr>
-              <a:t> </a:t>
-            </a:r>
-            <a:r>
-              <a:rPr lang="en-US" dirty="0" err="1">
-                <a:latin typeface="Calibri" panose="020F0502020204030204" pitchFamily="34" charset="0"/>
-                <a:cs typeface="Calibri" panose="020F0502020204030204" pitchFamily="34" charset="0"/>
-              </a:rPr>
-              <a:t>предлагалось</a:t>
-            </a:r>
-            <a:r>
-              <a:rPr lang="en-US" dirty="0">
-                <a:latin typeface="Calibri" panose="020F0502020204030204" pitchFamily="34" charset="0"/>
-                <a:cs typeface="Calibri" panose="020F0502020204030204" pitchFamily="34" charset="0"/>
-              </a:rPr>
-              <a:t> </a:t>
-            </a:r>
-            <a:r>
-              <a:rPr lang="en-US" dirty="0" err="1">
-                <a:latin typeface="Calibri" panose="020F0502020204030204" pitchFamily="34" charset="0"/>
-                <a:cs typeface="Calibri" panose="020F0502020204030204" pitchFamily="34" charset="0"/>
-              </a:rPr>
-              <a:t>как</a:t>
-            </a:r>
-            <a:r>
-              <a:rPr lang="en-US" dirty="0">
-                <a:latin typeface="Calibri" panose="020F0502020204030204" pitchFamily="34" charset="0"/>
-                <a:cs typeface="Calibri" panose="020F0502020204030204" pitchFamily="34" charset="0"/>
-              </a:rPr>
-              <a:t> </a:t>
-            </a:r>
-            <a:r>
-              <a:rPr lang="en-US" dirty="0" err="1">
-                <a:latin typeface="Calibri" panose="020F0502020204030204" pitchFamily="34" charset="0"/>
-                <a:cs typeface="Calibri" panose="020F0502020204030204" pitchFamily="34" charset="0"/>
-              </a:rPr>
-              <a:t>путь</a:t>
-            </a:r>
-            <a:r>
-              <a:rPr lang="en-US" dirty="0">
-                <a:latin typeface="Calibri" panose="020F0502020204030204" pitchFamily="34" charset="0"/>
-                <a:cs typeface="Calibri" panose="020F0502020204030204" pitchFamily="34" charset="0"/>
-              </a:rPr>
-              <a:t> </a:t>
-            </a:r>
-            <a:r>
-              <a:rPr lang="en-US" dirty="0" err="1">
-                <a:latin typeface="Calibri" panose="020F0502020204030204" pitchFamily="34" charset="0"/>
-                <a:cs typeface="Calibri" panose="020F0502020204030204" pitchFamily="34" charset="0"/>
-              </a:rPr>
-              <a:t>для</a:t>
-            </a:r>
-            <a:r>
-              <a:rPr lang="en-US" dirty="0">
-                <a:latin typeface="Calibri" panose="020F0502020204030204" pitchFamily="34" charset="0"/>
-                <a:cs typeface="Calibri" panose="020F0502020204030204" pitchFamily="34" charset="0"/>
-              </a:rPr>
-              <a:t> </a:t>
-            </a:r>
-            <a:r>
-              <a:rPr lang="en-US" dirty="0" err="1">
-                <a:latin typeface="Calibri" panose="020F0502020204030204" pitchFamily="34" charset="0"/>
-                <a:cs typeface="Calibri" panose="020F0502020204030204" pitchFamily="34" charset="0"/>
-              </a:rPr>
-              <a:t>лёгкого</a:t>
-            </a:r>
-            <a:r>
-              <a:rPr lang="en-US" dirty="0">
-                <a:latin typeface="Calibri" panose="020F0502020204030204" pitchFamily="34" charset="0"/>
-                <a:cs typeface="Calibri" panose="020F0502020204030204" pitchFamily="34" charset="0"/>
-              </a:rPr>
-              <a:t> </a:t>
-            </a:r>
-            <a:r>
-              <a:rPr lang="en-US" dirty="0" err="1">
-                <a:latin typeface="Calibri" panose="020F0502020204030204" pitchFamily="34" charset="0"/>
-                <a:cs typeface="Calibri" panose="020F0502020204030204" pitchFamily="34" charset="0"/>
-              </a:rPr>
-              <a:t>создани</a:t>
-            </a:r>
-            <a:r>
-              <a:rPr lang="ru-RU" dirty="0">
-                <a:latin typeface="Calibri" panose="020F0502020204030204" pitchFamily="34" charset="0"/>
-                <a:cs typeface="Calibri" panose="020F0502020204030204" pitchFamily="34" charset="0"/>
-              </a:rPr>
-              <a:t>я</a:t>
-            </a:r>
-            <a:r>
-              <a:rPr lang="en-US" dirty="0">
-                <a:latin typeface="Calibri" panose="020F0502020204030204" pitchFamily="34" charset="0"/>
-                <a:cs typeface="Calibri" panose="020F0502020204030204" pitchFamily="34" charset="0"/>
-              </a:rPr>
-              <a:t>:</a:t>
-            </a:r>
-          </a:p>
-          <a:p>
-            <a:pPr marL="285750" indent="-285750">
-              <a:buFont typeface="Arial" panose="020B0604020202020204" pitchFamily="34" charset="0"/>
-              <a:buChar char="•"/>
-            </a:pPr>
-            <a:r>
-              <a:rPr lang="en-US" b="1" dirty="0" err="1">
-                <a:latin typeface="Calibri" panose="020F0502020204030204" pitchFamily="34" charset="0"/>
-                <a:cs typeface="Calibri" panose="020F0502020204030204" pitchFamily="34" charset="0"/>
-              </a:rPr>
-              <a:t>пользовательских</a:t>
-            </a:r>
-            <a:r>
-              <a:rPr lang="en-US" b="1" dirty="0">
-                <a:latin typeface="Calibri" panose="020F0502020204030204" pitchFamily="34" charset="0"/>
-                <a:cs typeface="Calibri" panose="020F0502020204030204" pitchFamily="34" charset="0"/>
-              </a:rPr>
-              <a:t> </a:t>
-            </a:r>
-            <a:r>
-              <a:rPr lang="en-US" b="1" dirty="0" err="1">
-                <a:latin typeface="Calibri" panose="020F0502020204030204" pitchFamily="34" charset="0"/>
-                <a:cs typeface="Calibri" panose="020F0502020204030204" pitchFamily="34" charset="0"/>
-              </a:rPr>
-              <a:t>интерфейсов</a:t>
-            </a:r>
-            <a:r>
-              <a:rPr lang="en-US" b="1" dirty="0">
-                <a:latin typeface="Calibri" panose="020F0502020204030204" pitchFamily="34" charset="0"/>
-                <a:cs typeface="Calibri" panose="020F0502020204030204" pitchFamily="34" charset="0"/>
-              </a:rPr>
-              <a:t>.</a:t>
-            </a:r>
-          </a:p>
-          <a:p>
-            <a:endParaRPr lang="en-US" dirty="0">
-              <a:latin typeface="Calibri" panose="020F0502020204030204" pitchFamily="34" charset="0"/>
-              <a:cs typeface="Calibri" panose="020F0502020204030204" pitchFamily="34" charset="0"/>
-            </a:endParaRPr>
-          </a:p>
-        </p:txBody>
-      </p:sp>
-    </p:spTree>
-    <p:extLst>
-      <p:ext uri="{BB962C8B-B14F-4D97-AF65-F5344CB8AC3E}">
-        <p14:creationId xmlns:p14="http://schemas.microsoft.com/office/powerpoint/2010/main" val="2057554031"/>
-      </p:ext>
-    </p:extLst>
-  </p:cSld>
-  <p:clrMapOvr>
-    <a:masterClrMapping/>
-  </p:clrMapOvr>
-</p:sld>
-</file>
-
-<file path=ppt/slides/slide11.xml><?xml version="1.0" encoding="utf-8"?>
-<p:sld xmlns:a="http://schemas.openxmlformats.org/drawingml/2006/main" xmlns:r="http://schemas.openxmlformats.org/officeDocument/2006/relationships" xmlns:p="http://schemas.openxmlformats.org/presentationml/2006/main">
-  <p:cSld>
-    <p:spTree>
-      <p:nvGrpSpPr>
-        <p:cNvPr id="1" name=""/>
-        <p:cNvGrpSpPr/>
-        <p:nvPr/>
-      </p:nvGrpSpPr>
-      <p:grpSpPr>
-        <a:xfrm>
-          <a:off x="0" y="0"/>
-          <a:ext cx="0" cy="0"/>
-          <a:chOff x="0" y="0"/>
-          <a:chExt cx="0" cy="0"/>
-        </a:xfrm>
-      </p:grpSpPr>
-      <p:sp>
-        <p:nvSpPr>
-          <p:cNvPr id="2" name="Title 1">
-            <a:extLst>
-              <a:ext uri="{FF2B5EF4-FFF2-40B4-BE49-F238E27FC236}">
-                <a16:creationId xmlns:a16="http://schemas.microsoft.com/office/drawing/2014/main" id="{F8ADAE79-72C3-4128-BC87-DBC5B059028E}"/>
-              </a:ext>
-            </a:extLst>
-          </p:cNvPr>
-          <p:cNvSpPr>
-            <a:spLocks noGrp="1"/>
-          </p:cNvSpPr>
-          <p:nvPr>
-            <p:ph type="ctrTitle"/>
-          </p:nvPr>
-        </p:nvSpPr>
-        <p:spPr>
-          <a:xfrm>
-            <a:off x="1154954" y="776495"/>
-            <a:ext cx="9234185" cy="721566"/>
-          </a:xfrm>
-        </p:spPr>
-        <p:txBody>
-          <a:bodyPr/>
-          <a:lstStyle/>
-          <a:p>
-            <a:r>
-              <a:rPr lang="ru-RU" sz="4400" dirty="0"/>
-              <a:t>Причины возникновения</a:t>
-            </a:r>
-            <a:endParaRPr lang="en-US" sz="4400" dirty="0"/>
-          </a:p>
-        </p:txBody>
-      </p:sp>
-      <p:sp>
-        <p:nvSpPr>
-          <p:cNvPr id="3" name="Subtitle 2">
-            <a:extLst>
-              <a:ext uri="{FF2B5EF4-FFF2-40B4-BE49-F238E27FC236}">
-                <a16:creationId xmlns:a16="http://schemas.microsoft.com/office/drawing/2014/main" id="{60C395F4-B5A3-4F2F-855A-0006FCE96DD0}"/>
-              </a:ext>
-            </a:extLst>
-          </p:cNvPr>
-          <p:cNvSpPr>
-            <a:spLocks noGrp="1"/>
-          </p:cNvSpPr>
-          <p:nvPr>
-            <p:ph type="subTitle" idx="1"/>
-          </p:nvPr>
-        </p:nvSpPr>
-        <p:spPr>
-          <a:xfrm>
-            <a:off x="1154955" y="2861733"/>
-            <a:ext cx="8825658" cy="2777067"/>
-          </a:xfrm>
-        </p:spPr>
-        <p:txBody>
-          <a:bodyPr/>
-          <a:lstStyle/>
-          <a:p>
-            <a:r>
-              <a:rPr lang="en-US" dirty="0" err="1">
-                <a:latin typeface="Calibri" panose="020F0502020204030204" pitchFamily="34" charset="0"/>
-                <a:cs typeface="Calibri" panose="020F0502020204030204" pitchFamily="34" charset="0"/>
-              </a:rPr>
-              <a:t>Реактивное</a:t>
-            </a:r>
-            <a:r>
-              <a:rPr lang="en-US" dirty="0">
-                <a:latin typeface="Calibri" panose="020F0502020204030204" pitchFamily="34" charset="0"/>
-                <a:cs typeface="Calibri" panose="020F0502020204030204" pitchFamily="34" charset="0"/>
-              </a:rPr>
-              <a:t> </a:t>
-            </a:r>
-            <a:r>
-              <a:rPr lang="en-US" dirty="0" err="1">
-                <a:latin typeface="Calibri" panose="020F0502020204030204" pitchFamily="34" charset="0"/>
-                <a:cs typeface="Calibri" panose="020F0502020204030204" pitchFamily="34" charset="0"/>
-              </a:rPr>
-              <a:t>программирование</a:t>
-            </a:r>
-            <a:r>
-              <a:rPr lang="en-US" dirty="0">
-                <a:latin typeface="Calibri" panose="020F0502020204030204" pitchFamily="34" charset="0"/>
-                <a:cs typeface="Calibri" panose="020F0502020204030204" pitchFamily="34" charset="0"/>
-              </a:rPr>
-              <a:t> </a:t>
-            </a:r>
-            <a:r>
-              <a:rPr lang="en-US" dirty="0" err="1">
-                <a:latin typeface="Calibri" panose="020F0502020204030204" pitchFamily="34" charset="0"/>
-                <a:cs typeface="Calibri" panose="020F0502020204030204" pitchFamily="34" charset="0"/>
-              </a:rPr>
-              <a:t>предлагалось</a:t>
-            </a:r>
-            <a:r>
-              <a:rPr lang="en-US" dirty="0">
-                <a:latin typeface="Calibri" panose="020F0502020204030204" pitchFamily="34" charset="0"/>
-                <a:cs typeface="Calibri" panose="020F0502020204030204" pitchFamily="34" charset="0"/>
-              </a:rPr>
-              <a:t> </a:t>
-            </a:r>
-            <a:r>
-              <a:rPr lang="en-US" dirty="0" err="1">
-                <a:latin typeface="Calibri" panose="020F0502020204030204" pitchFamily="34" charset="0"/>
-                <a:cs typeface="Calibri" panose="020F0502020204030204" pitchFamily="34" charset="0"/>
-              </a:rPr>
-              <a:t>как</a:t>
-            </a:r>
-            <a:r>
-              <a:rPr lang="en-US" dirty="0">
-                <a:latin typeface="Calibri" panose="020F0502020204030204" pitchFamily="34" charset="0"/>
-                <a:cs typeface="Calibri" panose="020F0502020204030204" pitchFamily="34" charset="0"/>
-              </a:rPr>
-              <a:t> </a:t>
-            </a:r>
-            <a:r>
-              <a:rPr lang="en-US" dirty="0" err="1">
-                <a:latin typeface="Calibri" panose="020F0502020204030204" pitchFamily="34" charset="0"/>
-                <a:cs typeface="Calibri" panose="020F0502020204030204" pitchFamily="34" charset="0"/>
-              </a:rPr>
-              <a:t>путь</a:t>
-            </a:r>
-            <a:r>
-              <a:rPr lang="en-US" dirty="0">
-                <a:latin typeface="Calibri" panose="020F0502020204030204" pitchFamily="34" charset="0"/>
-                <a:cs typeface="Calibri" panose="020F0502020204030204" pitchFamily="34" charset="0"/>
-              </a:rPr>
-              <a:t> </a:t>
-            </a:r>
-            <a:r>
-              <a:rPr lang="en-US" dirty="0" err="1">
-                <a:latin typeface="Calibri" panose="020F0502020204030204" pitchFamily="34" charset="0"/>
-                <a:cs typeface="Calibri" panose="020F0502020204030204" pitchFamily="34" charset="0"/>
-              </a:rPr>
-              <a:t>для</a:t>
-            </a:r>
-            <a:r>
-              <a:rPr lang="en-US" dirty="0">
-                <a:latin typeface="Calibri" panose="020F0502020204030204" pitchFamily="34" charset="0"/>
-                <a:cs typeface="Calibri" panose="020F0502020204030204" pitchFamily="34" charset="0"/>
-              </a:rPr>
-              <a:t> </a:t>
-            </a:r>
-            <a:r>
-              <a:rPr lang="en-US" dirty="0" err="1">
-                <a:latin typeface="Calibri" panose="020F0502020204030204" pitchFamily="34" charset="0"/>
-                <a:cs typeface="Calibri" panose="020F0502020204030204" pitchFamily="34" charset="0"/>
-              </a:rPr>
-              <a:t>лёгкого</a:t>
-            </a:r>
-            <a:r>
-              <a:rPr lang="en-US" dirty="0">
-                <a:latin typeface="Calibri" panose="020F0502020204030204" pitchFamily="34" charset="0"/>
-                <a:cs typeface="Calibri" panose="020F0502020204030204" pitchFamily="34" charset="0"/>
-              </a:rPr>
-              <a:t> </a:t>
-            </a:r>
-            <a:r>
-              <a:rPr lang="en-US" dirty="0" err="1">
-                <a:latin typeface="Calibri" panose="020F0502020204030204" pitchFamily="34" charset="0"/>
-                <a:cs typeface="Calibri" panose="020F0502020204030204" pitchFamily="34" charset="0"/>
-              </a:rPr>
-              <a:t>создани</a:t>
-            </a:r>
-            <a:r>
-              <a:rPr lang="ru-RU" dirty="0">
-                <a:latin typeface="Calibri" panose="020F0502020204030204" pitchFamily="34" charset="0"/>
-                <a:cs typeface="Calibri" panose="020F0502020204030204" pitchFamily="34" charset="0"/>
-              </a:rPr>
-              <a:t>я</a:t>
-            </a:r>
-            <a:r>
-              <a:rPr lang="en-US" dirty="0">
-                <a:latin typeface="Calibri" panose="020F0502020204030204" pitchFamily="34" charset="0"/>
-                <a:cs typeface="Calibri" panose="020F0502020204030204" pitchFamily="34" charset="0"/>
-              </a:rPr>
-              <a:t>:</a:t>
-            </a:r>
-          </a:p>
-          <a:p>
-            <a:pPr marL="285750" indent="-285750">
-              <a:buFont typeface="Arial" panose="020B0604020202020204" pitchFamily="34" charset="0"/>
-              <a:buChar char="•"/>
-            </a:pPr>
-            <a:r>
-              <a:rPr lang="en-US" sz="1400" dirty="0" err="1">
-                <a:latin typeface="Calibri" panose="020F0502020204030204" pitchFamily="34" charset="0"/>
-                <a:cs typeface="Calibri" panose="020F0502020204030204" pitchFamily="34" charset="0"/>
-              </a:rPr>
-              <a:t>пользовательских</a:t>
-            </a:r>
-            <a:r>
-              <a:rPr lang="en-US" sz="1400" dirty="0">
-                <a:latin typeface="Calibri" panose="020F0502020204030204" pitchFamily="34" charset="0"/>
-                <a:cs typeface="Calibri" panose="020F0502020204030204" pitchFamily="34" charset="0"/>
-              </a:rPr>
-              <a:t> </a:t>
-            </a:r>
-            <a:r>
-              <a:rPr lang="en-US" sz="1400" dirty="0" err="1">
-                <a:latin typeface="Calibri" panose="020F0502020204030204" pitchFamily="34" charset="0"/>
-                <a:cs typeface="Calibri" panose="020F0502020204030204" pitchFamily="34" charset="0"/>
-              </a:rPr>
-              <a:t>интерфейсов</a:t>
-            </a:r>
-            <a:r>
-              <a:rPr lang="en-US" sz="1400" dirty="0">
-                <a:latin typeface="Calibri" panose="020F0502020204030204" pitchFamily="34" charset="0"/>
-                <a:cs typeface="Calibri" panose="020F0502020204030204" pitchFamily="34" charset="0"/>
-              </a:rPr>
-              <a:t>.</a:t>
-            </a:r>
-          </a:p>
-          <a:p>
-            <a:pPr marL="285750" indent="-285750">
-              <a:buFont typeface="Arial" panose="020B0604020202020204" pitchFamily="34" charset="0"/>
-              <a:buChar char="•"/>
-            </a:pPr>
-            <a:r>
-              <a:rPr lang="ru-RU" b="1" dirty="0">
-                <a:latin typeface="Calibri" panose="020F0502020204030204" pitchFamily="34" charset="0"/>
-                <a:cs typeface="Calibri" panose="020F0502020204030204" pitchFamily="34" charset="0"/>
-              </a:rPr>
-              <a:t>А</a:t>
-            </a:r>
-            <a:r>
-              <a:rPr lang="en-US" b="1" dirty="0" err="1">
-                <a:latin typeface="Calibri" panose="020F0502020204030204" pitchFamily="34" charset="0"/>
-                <a:cs typeface="Calibri" panose="020F0502020204030204" pitchFamily="34" charset="0"/>
-              </a:rPr>
-              <a:t>нимации</a:t>
-            </a:r>
-            <a:r>
-              <a:rPr lang="en-US" b="1" dirty="0">
-                <a:latin typeface="Calibri" panose="020F0502020204030204" pitchFamily="34" charset="0"/>
-                <a:cs typeface="Calibri" panose="020F0502020204030204" pitchFamily="34" charset="0"/>
-              </a:rPr>
-              <a:t>.</a:t>
-            </a:r>
-          </a:p>
-        </p:txBody>
-      </p:sp>
-    </p:spTree>
-    <p:extLst>
-      <p:ext uri="{BB962C8B-B14F-4D97-AF65-F5344CB8AC3E}">
-        <p14:creationId xmlns:p14="http://schemas.microsoft.com/office/powerpoint/2010/main" val="4115716075"/>
-      </p:ext>
-    </p:extLst>
-  </p:cSld>
-  <p:clrMapOvr>
-    <a:masterClrMapping/>
-  </p:clrMapOvr>
-</p:sld>
-</file>
-
-<file path=ppt/slides/slide12.xml><?xml version="1.0" encoding="utf-8"?>
-<p:sld xmlns:a="http://schemas.openxmlformats.org/drawingml/2006/main" xmlns:r="http://schemas.openxmlformats.org/officeDocument/2006/relationships" xmlns:p="http://schemas.openxmlformats.org/presentationml/2006/main">
-  <p:cSld>
-    <p:spTree>
-      <p:nvGrpSpPr>
-        <p:cNvPr id="1" name=""/>
-        <p:cNvGrpSpPr/>
-        <p:nvPr/>
-      </p:nvGrpSpPr>
-      <p:grpSpPr>
-        <a:xfrm>
-          <a:off x="0" y="0"/>
-          <a:ext cx="0" cy="0"/>
-          <a:chOff x="0" y="0"/>
-          <a:chExt cx="0" cy="0"/>
-        </a:xfrm>
-      </p:grpSpPr>
-      <p:sp>
-        <p:nvSpPr>
-          <p:cNvPr id="2" name="Title 1">
-            <a:extLst>
-              <a:ext uri="{FF2B5EF4-FFF2-40B4-BE49-F238E27FC236}">
-                <a16:creationId xmlns:a16="http://schemas.microsoft.com/office/drawing/2014/main" id="{F8ADAE79-72C3-4128-BC87-DBC5B059028E}"/>
-              </a:ext>
-            </a:extLst>
-          </p:cNvPr>
-          <p:cNvSpPr>
-            <a:spLocks noGrp="1"/>
-          </p:cNvSpPr>
-          <p:nvPr>
-            <p:ph type="ctrTitle"/>
-          </p:nvPr>
-        </p:nvSpPr>
-        <p:spPr>
-          <a:xfrm>
-            <a:off x="1154954" y="776495"/>
-            <a:ext cx="9234185" cy="721566"/>
-          </a:xfrm>
-        </p:spPr>
-        <p:txBody>
-          <a:bodyPr/>
-          <a:lstStyle/>
-          <a:p>
-            <a:r>
-              <a:rPr lang="ru-RU" sz="4400" dirty="0"/>
-              <a:t>Причины возникновения</a:t>
-            </a:r>
-            <a:endParaRPr lang="en-US" sz="4400" dirty="0"/>
-          </a:p>
-        </p:txBody>
-      </p:sp>
-      <p:sp>
-        <p:nvSpPr>
-          <p:cNvPr id="3" name="Subtitle 2">
-            <a:extLst>
-              <a:ext uri="{FF2B5EF4-FFF2-40B4-BE49-F238E27FC236}">
-                <a16:creationId xmlns:a16="http://schemas.microsoft.com/office/drawing/2014/main" id="{60C395F4-B5A3-4F2F-855A-0006FCE96DD0}"/>
-              </a:ext>
-            </a:extLst>
-          </p:cNvPr>
-          <p:cNvSpPr>
-            <a:spLocks noGrp="1"/>
-          </p:cNvSpPr>
-          <p:nvPr>
-            <p:ph type="subTitle" idx="1"/>
-          </p:nvPr>
-        </p:nvSpPr>
-        <p:spPr>
-          <a:xfrm>
-            <a:off x="1154955" y="2861733"/>
-            <a:ext cx="8825658" cy="2777067"/>
-          </a:xfrm>
-        </p:spPr>
-        <p:txBody>
-          <a:bodyPr/>
-          <a:lstStyle/>
-          <a:p>
-            <a:r>
-              <a:rPr lang="en-US" dirty="0" err="1">
-                <a:latin typeface="Calibri" panose="020F0502020204030204" pitchFamily="34" charset="0"/>
-                <a:cs typeface="Calibri" panose="020F0502020204030204" pitchFamily="34" charset="0"/>
-              </a:rPr>
-              <a:t>Реактивное</a:t>
-            </a:r>
-            <a:r>
-              <a:rPr lang="en-US" dirty="0">
-                <a:latin typeface="Calibri" panose="020F0502020204030204" pitchFamily="34" charset="0"/>
-                <a:cs typeface="Calibri" panose="020F0502020204030204" pitchFamily="34" charset="0"/>
-              </a:rPr>
-              <a:t> </a:t>
-            </a:r>
-            <a:r>
-              <a:rPr lang="en-US" dirty="0" err="1">
-                <a:latin typeface="Calibri" panose="020F0502020204030204" pitchFamily="34" charset="0"/>
-                <a:cs typeface="Calibri" panose="020F0502020204030204" pitchFamily="34" charset="0"/>
-              </a:rPr>
-              <a:t>программирование</a:t>
-            </a:r>
-            <a:r>
-              <a:rPr lang="en-US" dirty="0">
-                <a:latin typeface="Calibri" panose="020F0502020204030204" pitchFamily="34" charset="0"/>
-                <a:cs typeface="Calibri" panose="020F0502020204030204" pitchFamily="34" charset="0"/>
-              </a:rPr>
-              <a:t> </a:t>
-            </a:r>
-            <a:r>
-              <a:rPr lang="en-US" dirty="0" err="1">
-                <a:latin typeface="Calibri" panose="020F0502020204030204" pitchFamily="34" charset="0"/>
-                <a:cs typeface="Calibri" panose="020F0502020204030204" pitchFamily="34" charset="0"/>
-              </a:rPr>
-              <a:t>предлагалось</a:t>
-            </a:r>
-            <a:r>
-              <a:rPr lang="en-US" dirty="0">
-                <a:latin typeface="Calibri" panose="020F0502020204030204" pitchFamily="34" charset="0"/>
-                <a:cs typeface="Calibri" panose="020F0502020204030204" pitchFamily="34" charset="0"/>
-              </a:rPr>
-              <a:t> </a:t>
-            </a:r>
-            <a:r>
-              <a:rPr lang="en-US" dirty="0" err="1">
-                <a:latin typeface="Calibri" panose="020F0502020204030204" pitchFamily="34" charset="0"/>
-                <a:cs typeface="Calibri" panose="020F0502020204030204" pitchFamily="34" charset="0"/>
-              </a:rPr>
-              <a:t>как</a:t>
-            </a:r>
-            <a:r>
-              <a:rPr lang="en-US" dirty="0">
-                <a:latin typeface="Calibri" panose="020F0502020204030204" pitchFamily="34" charset="0"/>
-                <a:cs typeface="Calibri" panose="020F0502020204030204" pitchFamily="34" charset="0"/>
-              </a:rPr>
-              <a:t> </a:t>
-            </a:r>
-            <a:r>
-              <a:rPr lang="en-US" dirty="0" err="1">
-                <a:latin typeface="Calibri" panose="020F0502020204030204" pitchFamily="34" charset="0"/>
-                <a:cs typeface="Calibri" panose="020F0502020204030204" pitchFamily="34" charset="0"/>
-              </a:rPr>
-              <a:t>путь</a:t>
-            </a:r>
-            <a:r>
-              <a:rPr lang="en-US" dirty="0">
-                <a:latin typeface="Calibri" panose="020F0502020204030204" pitchFamily="34" charset="0"/>
-                <a:cs typeface="Calibri" panose="020F0502020204030204" pitchFamily="34" charset="0"/>
-              </a:rPr>
-              <a:t> </a:t>
-            </a:r>
-            <a:r>
-              <a:rPr lang="en-US" dirty="0" err="1">
-                <a:latin typeface="Calibri" panose="020F0502020204030204" pitchFamily="34" charset="0"/>
-                <a:cs typeface="Calibri" panose="020F0502020204030204" pitchFamily="34" charset="0"/>
-              </a:rPr>
-              <a:t>для</a:t>
-            </a:r>
-            <a:r>
-              <a:rPr lang="en-US" dirty="0">
-                <a:latin typeface="Calibri" panose="020F0502020204030204" pitchFamily="34" charset="0"/>
-                <a:cs typeface="Calibri" panose="020F0502020204030204" pitchFamily="34" charset="0"/>
-              </a:rPr>
-              <a:t> </a:t>
-            </a:r>
-            <a:r>
-              <a:rPr lang="en-US" dirty="0" err="1">
-                <a:latin typeface="Calibri" panose="020F0502020204030204" pitchFamily="34" charset="0"/>
-                <a:cs typeface="Calibri" panose="020F0502020204030204" pitchFamily="34" charset="0"/>
-              </a:rPr>
-              <a:t>лёгкого</a:t>
-            </a:r>
-            <a:r>
-              <a:rPr lang="en-US" dirty="0">
-                <a:latin typeface="Calibri" panose="020F0502020204030204" pitchFamily="34" charset="0"/>
-                <a:cs typeface="Calibri" panose="020F0502020204030204" pitchFamily="34" charset="0"/>
-              </a:rPr>
-              <a:t> </a:t>
-            </a:r>
-            <a:r>
-              <a:rPr lang="en-US" dirty="0" err="1">
-                <a:latin typeface="Calibri" panose="020F0502020204030204" pitchFamily="34" charset="0"/>
-                <a:cs typeface="Calibri" panose="020F0502020204030204" pitchFamily="34" charset="0"/>
-              </a:rPr>
-              <a:t>создани</a:t>
-            </a:r>
-            <a:r>
-              <a:rPr lang="ru-RU" dirty="0">
-                <a:latin typeface="Calibri" panose="020F0502020204030204" pitchFamily="34" charset="0"/>
-                <a:cs typeface="Calibri" panose="020F0502020204030204" pitchFamily="34" charset="0"/>
-              </a:rPr>
-              <a:t>я</a:t>
-            </a:r>
-            <a:r>
-              <a:rPr lang="en-US" dirty="0">
-                <a:latin typeface="Calibri" panose="020F0502020204030204" pitchFamily="34" charset="0"/>
-                <a:cs typeface="Calibri" panose="020F0502020204030204" pitchFamily="34" charset="0"/>
-              </a:rPr>
-              <a:t>:</a:t>
-            </a:r>
-          </a:p>
-          <a:p>
-            <a:pPr marL="285750" indent="-285750">
-              <a:buFont typeface="Arial" panose="020B0604020202020204" pitchFamily="34" charset="0"/>
-              <a:buChar char="•"/>
-            </a:pPr>
-            <a:r>
-              <a:rPr lang="en-US" sz="1400" dirty="0" err="1">
-                <a:latin typeface="Calibri" panose="020F0502020204030204" pitchFamily="34" charset="0"/>
-                <a:cs typeface="Calibri" panose="020F0502020204030204" pitchFamily="34" charset="0"/>
-              </a:rPr>
-              <a:t>пользовательских</a:t>
-            </a:r>
-            <a:r>
-              <a:rPr lang="en-US" sz="1400" dirty="0">
-                <a:latin typeface="Calibri" panose="020F0502020204030204" pitchFamily="34" charset="0"/>
-                <a:cs typeface="Calibri" panose="020F0502020204030204" pitchFamily="34" charset="0"/>
-              </a:rPr>
-              <a:t> </a:t>
-            </a:r>
-            <a:r>
-              <a:rPr lang="en-US" sz="1400" dirty="0" err="1">
-                <a:latin typeface="Calibri" panose="020F0502020204030204" pitchFamily="34" charset="0"/>
-                <a:cs typeface="Calibri" panose="020F0502020204030204" pitchFamily="34" charset="0"/>
-              </a:rPr>
-              <a:t>интерфейсов</a:t>
-            </a:r>
-            <a:r>
-              <a:rPr lang="en-US" sz="1400" dirty="0">
-                <a:latin typeface="Calibri" panose="020F0502020204030204" pitchFamily="34" charset="0"/>
-                <a:cs typeface="Calibri" panose="020F0502020204030204" pitchFamily="34" charset="0"/>
-              </a:rPr>
-              <a:t>.</a:t>
-            </a:r>
-          </a:p>
-          <a:p>
-            <a:pPr marL="285750" indent="-285750">
-              <a:buFont typeface="Arial" panose="020B0604020202020204" pitchFamily="34" charset="0"/>
-              <a:buChar char="•"/>
-            </a:pPr>
-            <a:r>
-              <a:rPr lang="ru-RU" sz="1400" dirty="0">
-                <a:latin typeface="Calibri" panose="020F0502020204030204" pitchFamily="34" charset="0"/>
-                <a:cs typeface="Calibri" panose="020F0502020204030204" pitchFamily="34" charset="0"/>
-              </a:rPr>
-              <a:t>А</a:t>
-            </a:r>
-            <a:r>
-              <a:rPr lang="en-US" sz="1400" dirty="0" err="1">
-                <a:latin typeface="Calibri" panose="020F0502020204030204" pitchFamily="34" charset="0"/>
-                <a:cs typeface="Calibri" panose="020F0502020204030204" pitchFamily="34" charset="0"/>
-              </a:rPr>
-              <a:t>нимации</a:t>
-            </a:r>
-            <a:r>
-              <a:rPr lang="en-US" sz="1400" dirty="0">
-                <a:latin typeface="Calibri" panose="020F0502020204030204" pitchFamily="34" charset="0"/>
-                <a:cs typeface="Calibri" panose="020F0502020204030204" pitchFamily="34" charset="0"/>
-              </a:rPr>
-              <a:t>.</a:t>
-            </a:r>
-          </a:p>
-          <a:p>
-            <a:pPr marL="285750" indent="-285750">
-              <a:buFont typeface="Arial" panose="020B0604020202020204" pitchFamily="34" charset="0"/>
-              <a:buChar char="•"/>
-            </a:pPr>
-            <a:r>
-              <a:rPr lang="en-US" b="1" dirty="0" err="1">
-                <a:latin typeface="Calibri" panose="020F0502020204030204" pitchFamily="34" charset="0"/>
-                <a:cs typeface="Calibri" panose="020F0502020204030204" pitchFamily="34" charset="0"/>
-              </a:rPr>
-              <a:t>моделирования</a:t>
-            </a:r>
-            <a:r>
-              <a:rPr lang="en-US" b="1" dirty="0">
-                <a:latin typeface="Calibri" panose="020F0502020204030204" pitchFamily="34" charset="0"/>
-                <a:cs typeface="Calibri" panose="020F0502020204030204" pitchFamily="34" charset="0"/>
-              </a:rPr>
-              <a:t> </a:t>
-            </a:r>
-            <a:r>
-              <a:rPr lang="en-US" b="1" dirty="0" err="1">
-                <a:latin typeface="Calibri" panose="020F0502020204030204" pitchFamily="34" charset="0"/>
-                <a:cs typeface="Calibri" panose="020F0502020204030204" pitchFamily="34" charset="0"/>
-              </a:rPr>
-              <a:t>систем</a:t>
-            </a:r>
-            <a:r>
-              <a:rPr lang="en-US" b="1" dirty="0">
-                <a:latin typeface="Calibri" panose="020F0502020204030204" pitchFamily="34" charset="0"/>
-                <a:cs typeface="Calibri" panose="020F0502020204030204" pitchFamily="34" charset="0"/>
-              </a:rPr>
-              <a:t>, </a:t>
-            </a:r>
-            <a:r>
-              <a:rPr lang="en-US" b="1" dirty="0" err="1">
-                <a:latin typeface="Calibri" panose="020F0502020204030204" pitchFamily="34" charset="0"/>
-                <a:cs typeface="Calibri" panose="020F0502020204030204" pitchFamily="34" charset="0"/>
-              </a:rPr>
-              <a:t>изменяющихся</a:t>
-            </a:r>
-            <a:r>
-              <a:rPr lang="en-US" b="1" dirty="0">
-                <a:latin typeface="Calibri" panose="020F0502020204030204" pitchFamily="34" charset="0"/>
-                <a:cs typeface="Calibri" panose="020F0502020204030204" pitchFamily="34" charset="0"/>
-              </a:rPr>
-              <a:t> </a:t>
-            </a:r>
-            <a:r>
-              <a:rPr lang="en-US" b="1" dirty="0" err="1">
-                <a:latin typeface="Calibri" panose="020F0502020204030204" pitchFamily="34" charset="0"/>
-                <a:cs typeface="Calibri" panose="020F0502020204030204" pitchFamily="34" charset="0"/>
-              </a:rPr>
-              <a:t>во</a:t>
-            </a:r>
-            <a:r>
-              <a:rPr lang="en-US" b="1" dirty="0">
-                <a:latin typeface="Calibri" panose="020F0502020204030204" pitchFamily="34" charset="0"/>
-                <a:cs typeface="Calibri" panose="020F0502020204030204" pitchFamily="34" charset="0"/>
-              </a:rPr>
-              <a:t> </a:t>
-            </a:r>
-            <a:r>
-              <a:rPr lang="en-US" b="1" dirty="0" err="1">
-                <a:latin typeface="Calibri" panose="020F0502020204030204" pitchFamily="34" charset="0"/>
-                <a:cs typeface="Calibri" panose="020F0502020204030204" pitchFamily="34" charset="0"/>
-              </a:rPr>
-              <a:t>времени</a:t>
-            </a:r>
-            <a:r>
-              <a:rPr lang="en-US" b="1" dirty="0">
-                <a:latin typeface="Calibri" panose="020F0502020204030204" pitchFamily="34" charset="0"/>
-                <a:cs typeface="Calibri" panose="020F0502020204030204" pitchFamily="34" charset="0"/>
-              </a:rPr>
-              <a:t>.</a:t>
-            </a:r>
-          </a:p>
-          <a:p>
-            <a:endParaRPr lang="en-US" dirty="0">
-              <a:latin typeface="Calibri" panose="020F0502020204030204" pitchFamily="34" charset="0"/>
-              <a:cs typeface="Calibri" panose="020F0502020204030204" pitchFamily="34" charset="0"/>
-            </a:endParaRPr>
-          </a:p>
-        </p:txBody>
-      </p:sp>
-    </p:spTree>
-    <p:extLst>
-      <p:ext uri="{BB962C8B-B14F-4D97-AF65-F5344CB8AC3E}">
-        <p14:creationId xmlns:p14="http://schemas.microsoft.com/office/powerpoint/2010/main" val="1022032611"/>
-      </p:ext>
-    </p:extLst>
-  </p:cSld>
-  <p:clrMapOvr>
-    <a:masterClrMapping/>
-  </p:clrMapOvr>
-</p:sld>
-</file>
-
-<file path=ppt/slides/slide13.xml><?xml version="1.0" encoding="utf-8"?>
-<p:sld xmlns:a="http://schemas.openxmlformats.org/drawingml/2006/main" xmlns:r="http://schemas.openxmlformats.org/officeDocument/2006/relationships" xmlns:p="http://schemas.openxmlformats.org/presentationml/2006/main">
-  <p:cSld>
-    <p:spTree>
-      <p:nvGrpSpPr>
-        <p:cNvPr id="1" name=""/>
-        <p:cNvGrpSpPr/>
-        <p:nvPr/>
-      </p:nvGrpSpPr>
-      <p:grpSpPr>
-        <a:xfrm>
-          <a:off x="0" y="0"/>
-          <a:ext cx="0" cy="0"/>
-          <a:chOff x="0" y="0"/>
-          <a:chExt cx="0" cy="0"/>
-        </a:xfrm>
-      </p:grpSpPr>
-      <p:sp>
-        <p:nvSpPr>
-          <p:cNvPr id="2" name="Title 1">
-            <a:extLst>
-              <a:ext uri="{FF2B5EF4-FFF2-40B4-BE49-F238E27FC236}">
-                <a16:creationId xmlns:a16="http://schemas.microsoft.com/office/drawing/2014/main" id="{F8ADAE79-72C3-4128-BC87-DBC5B059028E}"/>
-              </a:ext>
-            </a:extLst>
-          </p:cNvPr>
-          <p:cNvSpPr>
-            <a:spLocks noGrp="1"/>
-          </p:cNvSpPr>
-          <p:nvPr>
-            <p:ph type="ctrTitle"/>
-          </p:nvPr>
-        </p:nvSpPr>
-        <p:spPr>
-          <a:xfrm>
-            <a:off x="4151950" y="3072180"/>
-            <a:ext cx="3888100" cy="713639"/>
-          </a:xfrm>
-        </p:spPr>
-        <p:txBody>
-          <a:bodyPr/>
-          <a:lstStyle/>
-          <a:p>
-            <a:r>
-              <a:rPr lang="ru-RU" sz="4400" dirty="0"/>
-              <a:t>push </a:t>
-            </a:r>
-            <a:r>
-              <a:rPr lang="en-US" sz="4400" dirty="0"/>
-              <a:t>/</a:t>
-            </a:r>
-            <a:r>
-              <a:rPr lang="ru-RU" sz="4400" dirty="0"/>
-              <a:t> pull</a:t>
-            </a:r>
-            <a:endParaRPr lang="en-US" sz="4400" dirty="0"/>
-          </a:p>
-        </p:txBody>
-      </p:sp>
-    </p:spTree>
-    <p:extLst>
-      <p:ext uri="{BB962C8B-B14F-4D97-AF65-F5344CB8AC3E}">
-        <p14:creationId xmlns:p14="http://schemas.microsoft.com/office/powerpoint/2010/main" val="2798364437"/>
-      </p:ext>
-    </p:extLst>
-  </p:cSld>
-  <p:clrMapOvr>
-    <a:masterClrMapping/>
-  </p:clrMapOvr>
-</p:sld>
-</file>
-
-<file path=ppt/slides/slide14.xml><?xml version="1.0" encoding="utf-8"?>
-<p:sld xmlns:a="http://schemas.openxmlformats.org/drawingml/2006/main" xmlns:r="http://schemas.openxmlformats.org/officeDocument/2006/relationships" xmlns:p="http://schemas.openxmlformats.org/presentationml/2006/main">
-  <p:cSld>
-    <p:spTree>
-      <p:nvGrpSpPr>
-        <p:cNvPr id="1" name=""/>
-        <p:cNvGrpSpPr/>
-        <p:nvPr/>
-      </p:nvGrpSpPr>
-      <p:grpSpPr>
-        <a:xfrm>
-          <a:off x="0" y="0"/>
-          <a:ext cx="0" cy="0"/>
-          <a:chOff x="0" y="0"/>
-          <a:chExt cx="0" cy="0"/>
-        </a:xfrm>
-      </p:grpSpPr>
-      <p:sp>
-        <p:nvSpPr>
-          <p:cNvPr id="2" name="Title 1">
-            <a:extLst>
-              <a:ext uri="{FF2B5EF4-FFF2-40B4-BE49-F238E27FC236}">
-                <a16:creationId xmlns:a16="http://schemas.microsoft.com/office/drawing/2014/main" id="{F8ADAE79-72C3-4128-BC87-DBC5B059028E}"/>
-              </a:ext>
-            </a:extLst>
-          </p:cNvPr>
-          <p:cNvSpPr>
-            <a:spLocks noGrp="1"/>
-          </p:cNvSpPr>
-          <p:nvPr>
-            <p:ph type="ctrTitle"/>
-          </p:nvPr>
-        </p:nvSpPr>
-        <p:spPr>
-          <a:xfrm>
-            <a:off x="1154955" y="776494"/>
-            <a:ext cx="8825658" cy="713639"/>
-          </a:xfrm>
-        </p:spPr>
-        <p:txBody>
-          <a:bodyPr/>
-          <a:lstStyle/>
-          <a:p>
-            <a:r>
-              <a:rPr lang="en-US" sz="4400" dirty="0"/>
-              <a:t>Pull</a:t>
-            </a:r>
-          </a:p>
-        </p:txBody>
-      </p:sp>
-      <p:sp>
-        <p:nvSpPr>
-          <p:cNvPr id="3" name="Subtitle 2">
-            <a:extLst>
-              <a:ext uri="{FF2B5EF4-FFF2-40B4-BE49-F238E27FC236}">
-                <a16:creationId xmlns:a16="http://schemas.microsoft.com/office/drawing/2014/main" id="{60C395F4-B5A3-4F2F-855A-0006FCE96DD0}"/>
-              </a:ext>
-            </a:extLst>
-          </p:cNvPr>
-          <p:cNvSpPr>
-            <a:spLocks noGrp="1"/>
-          </p:cNvSpPr>
-          <p:nvPr>
-            <p:ph type="subTitle" idx="1"/>
-          </p:nvPr>
-        </p:nvSpPr>
-        <p:spPr>
-          <a:xfrm>
-            <a:off x="1154955" y="2861733"/>
-            <a:ext cx="8825658" cy="2777067"/>
-          </a:xfrm>
-        </p:spPr>
-        <p:txBody>
-          <a:bodyPr/>
-          <a:lstStyle/>
-          <a:p>
-            <a:r>
-              <a:rPr lang="ru-RU" dirty="0">
-                <a:latin typeface="Calibri" panose="020F0502020204030204" pitchFamily="34" charset="0"/>
-                <a:cs typeface="Calibri" panose="020F0502020204030204" pitchFamily="34" charset="0"/>
-              </a:rPr>
-              <a:t>объект </a:t>
-            </a:r>
-            <a:r>
-              <a:rPr lang="ru-RU" sz="2400" b="1" dirty="0">
-                <a:latin typeface="Calibri" panose="020F0502020204030204" pitchFamily="34" charset="0"/>
-                <a:cs typeface="Calibri" panose="020F0502020204030204" pitchFamily="34" charset="0"/>
-              </a:rPr>
-              <a:t>A </a:t>
-            </a:r>
-            <a:r>
-              <a:rPr lang="ru-RU" dirty="0">
-                <a:latin typeface="Calibri" panose="020F0502020204030204" pitchFamily="34" charset="0"/>
-                <a:cs typeface="Calibri" panose="020F0502020204030204" pitchFamily="34" charset="0"/>
-              </a:rPr>
-              <a:t>взаимодействует с объектом </a:t>
-            </a:r>
-            <a:r>
-              <a:rPr lang="ru-RU" sz="2400" b="1" dirty="0">
-                <a:latin typeface="Calibri" panose="020F0502020204030204" pitchFamily="34" charset="0"/>
-                <a:cs typeface="Calibri" panose="020F0502020204030204" pitchFamily="34" charset="0"/>
-              </a:rPr>
-              <a:t>B</a:t>
-            </a:r>
-            <a:r>
-              <a:rPr lang="ru-RU" dirty="0">
-                <a:latin typeface="Calibri" panose="020F0502020204030204" pitchFamily="34" charset="0"/>
-                <a:cs typeface="Calibri" panose="020F0502020204030204" pitchFamily="34" charset="0"/>
-              </a:rPr>
-              <a:t> и получает (вытягивает) у него необходимые данные</a:t>
-            </a:r>
-            <a:endParaRPr lang="en-US" dirty="0">
-              <a:latin typeface="Calibri" panose="020F0502020204030204" pitchFamily="34" charset="0"/>
-              <a:cs typeface="Calibri" panose="020F0502020204030204" pitchFamily="34" charset="0"/>
-            </a:endParaRPr>
-          </a:p>
-        </p:txBody>
-      </p:sp>
-    </p:spTree>
-    <p:extLst>
-      <p:ext uri="{BB962C8B-B14F-4D97-AF65-F5344CB8AC3E}">
-        <p14:creationId xmlns:p14="http://schemas.microsoft.com/office/powerpoint/2010/main" val="3672086292"/>
-      </p:ext>
-    </p:extLst>
-  </p:cSld>
-  <p:clrMapOvr>
-    <a:masterClrMapping/>
-  </p:clrMapOvr>
-</p:sld>
-</file>
-
-<file path=ppt/slides/slide15.xml><?xml version="1.0" encoding="utf-8"?>
-<p:sld xmlns:a="http://schemas.openxmlformats.org/drawingml/2006/main" xmlns:r="http://schemas.openxmlformats.org/officeDocument/2006/relationships" xmlns:p="http://schemas.openxmlformats.org/presentationml/2006/main">
-  <p:cSld>
-    <p:spTree>
-      <p:nvGrpSpPr>
-        <p:cNvPr id="1" name=""/>
-        <p:cNvGrpSpPr/>
-        <p:nvPr/>
-      </p:nvGrpSpPr>
-      <p:grpSpPr>
-        <a:xfrm>
-          <a:off x="0" y="0"/>
-          <a:ext cx="0" cy="0"/>
-          <a:chOff x="0" y="0"/>
-          <a:chExt cx="0" cy="0"/>
-        </a:xfrm>
-      </p:grpSpPr>
-      <p:sp>
-        <p:nvSpPr>
-          <p:cNvPr id="2" name="Title 1">
-            <a:extLst>
-              <a:ext uri="{FF2B5EF4-FFF2-40B4-BE49-F238E27FC236}">
-                <a16:creationId xmlns:a16="http://schemas.microsoft.com/office/drawing/2014/main" id="{F8ADAE79-72C3-4128-BC87-DBC5B059028E}"/>
-              </a:ext>
-            </a:extLst>
-          </p:cNvPr>
-          <p:cNvSpPr>
-            <a:spLocks noGrp="1"/>
-          </p:cNvSpPr>
-          <p:nvPr>
-            <p:ph type="ctrTitle"/>
-          </p:nvPr>
-        </p:nvSpPr>
-        <p:spPr>
-          <a:xfrm>
-            <a:off x="1154955" y="776494"/>
-            <a:ext cx="8825658" cy="713639"/>
-          </a:xfrm>
-        </p:spPr>
-        <p:txBody>
-          <a:bodyPr/>
-          <a:lstStyle/>
-          <a:p>
-            <a:r>
-              <a:rPr lang="en-US" sz="4400" dirty="0"/>
-              <a:t>Push</a:t>
-            </a:r>
-          </a:p>
-        </p:txBody>
-      </p:sp>
-      <p:sp>
-        <p:nvSpPr>
-          <p:cNvPr id="3" name="Subtitle 2">
-            <a:extLst>
-              <a:ext uri="{FF2B5EF4-FFF2-40B4-BE49-F238E27FC236}">
-                <a16:creationId xmlns:a16="http://schemas.microsoft.com/office/drawing/2014/main" id="{60C395F4-B5A3-4F2F-855A-0006FCE96DD0}"/>
-              </a:ext>
-            </a:extLst>
-          </p:cNvPr>
-          <p:cNvSpPr>
-            <a:spLocks noGrp="1"/>
-          </p:cNvSpPr>
-          <p:nvPr>
-            <p:ph type="subTitle" idx="1"/>
-          </p:nvPr>
-        </p:nvSpPr>
-        <p:spPr>
-          <a:xfrm>
-            <a:off x="1154955" y="2861733"/>
-            <a:ext cx="8825658" cy="2777067"/>
-          </a:xfrm>
-        </p:spPr>
-        <p:txBody>
-          <a:bodyPr/>
-          <a:lstStyle/>
-          <a:p>
-            <a:r>
-              <a:rPr lang="ru-RU" dirty="0">
-                <a:latin typeface="Calibri" panose="020F0502020204030204" pitchFamily="34" charset="0"/>
-                <a:cs typeface="Calibri" panose="020F0502020204030204" pitchFamily="34" charset="0"/>
-              </a:rPr>
-              <a:t>«Принцип Голливуда» (Hollywood Principle) – «Не звоните нам, мы сами вам позвоним» (Don't call us, we'll call you)</a:t>
-            </a:r>
-            <a:endParaRPr lang="en-US" dirty="0">
-              <a:latin typeface="Calibri" panose="020F0502020204030204" pitchFamily="34" charset="0"/>
-              <a:cs typeface="Calibri" panose="020F0502020204030204" pitchFamily="34" charset="0"/>
-            </a:endParaRPr>
-          </a:p>
-        </p:txBody>
-      </p:sp>
-    </p:spTree>
-    <p:extLst>
-      <p:ext uri="{BB962C8B-B14F-4D97-AF65-F5344CB8AC3E}">
-        <p14:creationId xmlns:p14="http://schemas.microsoft.com/office/powerpoint/2010/main" val="2414369664"/>
-      </p:ext>
-    </p:extLst>
-  </p:cSld>
-  <p:clrMapOvr>
-    <a:masterClrMapping/>
-  </p:clrMapOvr>
-</p:sld>
-</file>
-
-<file path=ppt/slides/slide16.xml><?xml version="1.0" encoding="utf-8"?>
-<p:sld xmlns:a="http://schemas.openxmlformats.org/drawingml/2006/main" xmlns:r="http://schemas.openxmlformats.org/officeDocument/2006/relationships" xmlns:p="http://schemas.openxmlformats.org/presentationml/2006/main">
-  <p:cSld>
-    <p:spTree>
-      <p:nvGrpSpPr>
-        <p:cNvPr id="1" name=""/>
-        <p:cNvGrpSpPr/>
-        <p:nvPr/>
-      </p:nvGrpSpPr>
-      <p:grpSpPr>
-        <a:xfrm>
-          <a:off x="0" y="0"/>
-          <a:ext cx="0" cy="0"/>
-          <a:chOff x="0" y="0"/>
-          <a:chExt cx="0" cy="0"/>
-        </a:xfrm>
-      </p:grpSpPr>
-      <p:sp>
-        <p:nvSpPr>
-          <p:cNvPr id="2" name="Title 1">
-            <a:extLst>
-              <a:ext uri="{FF2B5EF4-FFF2-40B4-BE49-F238E27FC236}">
-                <a16:creationId xmlns:a16="http://schemas.microsoft.com/office/drawing/2014/main" id="{F8ADAE79-72C3-4128-BC87-DBC5B059028E}"/>
-              </a:ext>
-            </a:extLst>
-          </p:cNvPr>
-          <p:cNvSpPr>
-            <a:spLocks noGrp="1"/>
-          </p:cNvSpPr>
-          <p:nvPr>
-            <p:ph type="ctrTitle"/>
-          </p:nvPr>
-        </p:nvSpPr>
-        <p:spPr>
-          <a:xfrm>
-            <a:off x="1683171" y="3072180"/>
-            <a:ext cx="8825658" cy="713639"/>
-          </a:xfrm>
-        </p:spPr>
-        <p:txBody>
-          <a:bodyPr/>
-          <a:lstStyle/>
-          <a:p>
-            <a:r>
-              <a:rPr lang="en-US" sz="4400" dirty="0" err="1"/>
-              <a:t>IEnumerable</a:t>
-            </a:r>
-            <a:r>
-              <a:rPr lang="en-US" sz="4400" dirty="0"/>
-              <a:t> / </a:t>
-            </a:r>
-            <a:r>
-              <a:rPr lang="en-US" sz="4400" dirty="0" err="1"/>
-              <a:t>IObservable</a:t>
-            </a:r>
-            <a:endParaRPr lang="en-US" sz="4400" dirty="0"/>
-          </a:p>
-        </p:txBody>
-      </p:sp>
-    </p:spTree>
-    <p:extLst>
-      <p:ext uri="{BB962C8B-B14F-4D97-AF65-F5344CB8AC3E}">
-        <p14:creationId xmlns:p14="http://schemas.microsoft.com/office/powerpoint/2010/main" val="1985818148"/>
-      </p:ext>
-    </p:extLst>
-  </p:cSld>
-  <p:clrMapOvr>
-    <a:masterClrMapping/>
-  </p:clrMapOvr>
-</p:sld>
-</file>
-
-<file path=ppt/slides/slide17.xml><?xml version="1.0" encoding="utf-8"?>
-<p:sld xmlns:a="http://schemas.openxmlformats.org/drawingml/2006/main" xmlns:r="http://schemas.openxmlformats.org/officeDocument/2006/relationships" xmlns:p="http://schemas.openxmlformats.org/presentationml/2006/main">
-  <p:cSld>
-    <p:spTree>
-      <p:nvGrpSpPr>
-        <p:cNvPr id="1" name=""/>
-        <p:cNvGrpSpPr/>
-        <p:nvPr/>
-      </p:nvGrpSpPr>
-      <p:grpSpPr>
-        <a:xfrm>
-          <a:off x="0" y="0"/>
-          <a:ext cx="0" cy="0"/>
-          <a:chOff x="0" y="0"/>
-          <a:chExt cx="0" cy="0"/>
-        </a:xfrm>
-      </p:grpSpPr>
-      <p:sp>
-        <p:nvSpPr>
-          <p:cNvPr id="2" name="Title 1">
-            <a:extLst>
-              <a:ext uri="{FF2B5EF4-FFF2-40B4-BE49-F238E27FC236}">
-                <a16:creationId xmlns:a16="http://schemas.microsoft.com/office/drawing/2014/main" id="{F8ADAE79-72C3-4128-BC87-DBC5B059028E}"/>
-              </a:ext>
-            </a:extLst>
-          </p:cNvPr>
-          <p:cNvSpPr>
-            <a:spLocks noGrp="1"/>
-          </p:cNvSpPr>
-          <p:nvPr>
-            <p:ph type="ctrTitle"/>
-          </p:nvPr>
-        </p:nvSpPr>
-        <p:spPr>
-          <a:xfrm>
-            <a:off x="1154955" y="776494"/>
-            <a:ext cx="8825658" cy="713639"/>
-          </a:xfrm>
-        </p:spPr>
-        <p:txBody>
-          <a:bodyPr/>
-          <a:lstStyle/>
-          <a:p>
-            <a:r>
-              <a:rPr lang="en-US" sz="4400" dirty="0" err="1"/>
-              <a:t>IEnumerable</a:t>
-            </a:r>
-            <a:endParaRPr lang="en-US" sz="4400" dirty="0"/>
-          </a:p>
-        </p:txBody>
-      </p:sp>
-      <p:sp>
-        <p:nvSpPr>
-          <p:cNvPr id="3" name="Subtitle 2">
-            <a:extLst>
-              <a:ext uri="{FF2B5EF4-FFF2-40B4-BE49-F238E27FC236}">
-                <a16:creationId xmlns:a16="http://schemas.microsoft.com/office/drawing/2014/main" id="{60C395F4-B5A3-4F2F-855A-0006FCE96DD0}"/>
-              </a:ext>
-            </a:extLst>
-          </p:cNvPr>
-          <p:cNvSpPr>
-            <a:spLocks noGrp="1"/>
-          </p:cNvSpPr>
-          <p:nvPr>
-            <p:ph type="subTitle" idx="1"/>
-          </p:nvPr>
-        </p:nvSpPr>
-        <p:spPr>
-          <a:xfrm>
-            <a:off x="1154955" y="2861733"/>
-            <a:ext cx="8825658" cy="2777067"/>
-          </a:xfrm>
-        </p:spPr>
-        <p:txBody>
-          <a:bodyPr/>
-          <a:lstStyle/>
-          <a:p>
-            <a:endParaRPr lang="en-US" dirty="0"/>
-          </a:p>
-        </p:txBody>
-      </p:sp>
-    </p:spTree>
-    <p:extLst>
-      <p:ext uri="{BB962C8B-B14F-4D97-AF65-F5344CB8AC3E}">
-        <p14:creationId xmlns:p14="http://schemas.microsoft.com/office/powerpoint/2010/main" val="3488058492"/>
-      </p:ext>
-    </p:extLst>
-  </p:cSld>
-  <p:clrMapOvr>
-    <a:masterClrMapping/>
-  </p:clrMapOvr>
-</p:sld>
-</file>
-
-<file path=ppt/slides/slide18.xml><?xml version="1.0" encoding="utf-8"?>
-<p:sld xmlns:a="http://schemas.openxmlformats.org/drawingml/2006/main" xmlns:r="http://schemas.openxmlformats.org/officeDocument/2006/relationships" xmlns:p="http://schemas.openxmlformats.org/presentationml/2006/main">
-  <p:cSld>
-    <p:spTree>
-      <p:nvGrpSpPr>
-        <p:cNvPr id="1" name=""/>
-        <p:cNvGrpSpPr/>
-        <p:nvPr/>
-      </p:nvGrpSpPr>
-      <p:grpSpPr>
-        <a:xfrm>
-          <a:off x="0" y="0"/>
-          <a:ext cx="0" cy="0"/>
-          <a:chOff x="0" y="0"/>
-          <a:chExt cx="0" cy="0"/>
-        </a:xfrm>
-      </p:grpSpPr>
-      <p:sp>
-        <p:nvSpPr>
-          <p:cNvPr id="2" name="Title 1">
-            <a:extLst>
-              <a:ext uri="{FF2B5EF4-FFF2-40B4-BE49-F238E27FC236}">
-                <a16:creationId xmlns:a16="http://schemas.microsoft.com/office/drawing/2014/main" id="{F8ADAE79-72C3-4128-BC87-DBC5B059028E}"/>
-              </a:ext>
-            </a:extLst>
-          </p:cNvPr>
-          <p:cNvSpPr>
-            <a:spLocks noGrp="1"/>
-          </p:cNvSpPr>
-          <p:nvPr>
-            <p:ph type="ctrTitle"/>
-          </p:nvPr>
-        </p:nvSpPr>
-        <p:spPr>
-          <a:xfrm>
-            <a:off x="1154955" y="776494"/>
-            <a:ext cx="8825658" cy="713639"/>
-          </a:xfrm>
-        </p:spPr>
-        <p:txBody>
-          <a:bodyPr/>
-          <a:lstStyle/>
-          <a:p>
-            <a:r>
-              <a:rPr lang="en-US" sz="4400" dirty="0" err="1"/>
-              <a:t>IEnumerable</a:t>
-            </a:r>
-            <a:endParaRPr lang="en-US" sz="4400" dirty="0"/>
-          </a:p>
-        </p:txBody>
-      </p:sp>
-      <p:sp>
-        <p:nvSpPr>
-          <p:cNvPr id="3" name="Subtitle 2">
-            <a:extLst>
-              <a:ext uri="{FF2B5EF4-FFF2-40B4-BE49-F238E27FC236}">
-                <a16:creationId xmlns:a16="http://schemas.microsoft.com/office/drawing/2014/main" id="{60C395F4-B5A3-4F2F-855A-0006FCE96DD0}"/>
-              </a:ext>
-            </a:extLst>
-          </p:cNvPr>
-          <p:cNvSpPr>
-            <a:spLocks noGrp="1"/>
-          </p:cNvSpPr>
-          <p:nvPr>
-            <p:ph type="subTitle" idx="1"/>
-          </p:nvPr>
-        </p:nvSpPr>
-        <p:spPr>
-          <a:xfrm>
-            <a:off x="1154955" y="1754909"/>
-            <a:ext cx="8825658" cy="4451926"/>
-          </a:xfrm>
-        </p:spPr>
-        <p:txBody>
-          <a:bodyPr>
-            <a:normAutofit/>
-          </a:bodyPr>
-          <a:lstStyle/>
-          <a:p>
-            <a:r>
-              <a:rPr lang="en-US" cap="none" dirty="0"/>
-              <a:t>public interface </a:t>
-            </a:r>
-            <a:r>
-              <a:rPr lang="en-US" cap="none" dirty="0" err="1"/>
-              <a:t>IEnumerable</a:t>
-            </a:r>
-            <a:r>
-              <a:rPr lang="en-US" cap="none" dirty="0"/>
-              <a:t>&lt;T&gt;</a:t>
-            </a:r>
-          </a:p>
-          <a:p>
-            <a:r>
-              <a:rPr lang="en-US" cap="none" dirty="0"/>
-              <a:t>{</a:t>
-            </a:r>
-          </a:p>
-          <a:p>
-            <a:r>
-              <a:rPr lang="en-US" cap="none" dirty="0"/>
-              <a:t>    </a:t>
-            </a:r>
-            <a:r>
-              <a:rPr lang="en-US" cap="none" dirty="0" err="1"/>
-              <a:t>IEnumerator</a:t>
-            </a:r>
-            <a:r>
-              <a:rPr lang="en-US" cap="none" dirty="0"/>
-              <a:t>&lt;T&gt; </a:t>
-            </a:r>
-            <a:r>
-              <a:rPr lang="en-US" cap="none" dirty="0" err="1"/>
-              <a:t>GetEnumerator</a:t>
-            </a:r>
-            <a:r>
-              <a:rPr lang="en-US" cap="none" dirty="0"/>
-              <a:t>();</a:t>
-            </a:r>
-          </a:p>
-          <a:p>
-            <a:r>
-              <a:rPr lang="en-US" cap="none" dirty="0"/>
-              <a:t>}</a:t>
-            </a:r>
-          </a:p>
-        </p:txBody>
-      </p:sp>
-    </p:spTree>
-    <p:extLst>
-      <p:ext uri="{BB962C8B-B14F-4D97-AF65-F5344CB8AC3E}">
-        <p14:creationId xmlns:p14="http://schemas.microsoft.com/office/powerpoint/2010/main" val="3645765928"/>
-      </p:ext>
-    </p:extLst>
-  </p:cSld>
-  <p:clrMapOvr>
-    <a:masterClrMapping/>
-  </p:clrMapOvr>
-</p:sld>
-</file>
-
-<file path=ppt/slides/slide19.xml><?xml version="1.0" encoding="utf-8"?>
-<p:sld xmlns:a="http://schemas.openxmlformats.org/drawingml/2006/main" xmlns:r="http://schemas.openxmlformats.org/officeDocument/2006/relationships" xmlns:p="http://schemas.openxmlformats.org/presentationml/2006/main">
-  <p:cSld>
-    <p:spTree>
-      <p:nvGrpSpPr>
-        <p:cNvPr id="1" name=""/>
-        <p:cNvGrpSpPr/>
-        <p:nvPr/>
-      </p:nvGrpSpPr>
-      <p:grpSpPr>
-        <a:xfrm>
-          <a:off x="0" y="0"/>
-          <a:ext cx="0" cy="0"/>
-          <a:chOff x="0" y="0"/>
-          <a:chExt cx="0" cy="0"/>
-        </a:xfrm>
-      </p:grpSpPr>
-      <p:sp>
-        <p:nvSpPr>
-          <p:cNvPr id="2" name="Title 1">
-            <a:extLst>
-              <a:ext uri="{FF2B5EF4-FFF2-40B4-BE49-F238E27FC236}">
-                <a16:creationId xmlns:a16="http://schemas.microsoft.com/office/drawing/2014/main" id="{F8ADAE79-72C3-4128-BC87-DBC5B059028E}"/>
-              </a:ext>
-            </a:extLst>
-          </p:cNvPr>
-          <p:cNvSpPr>
-            <a:spLocks noGrp="1"/>
-          </p:cNvSpPr>
-          <p:nvPr>
-            <p:ph type="ctrTitle"/>
-          </p:nvPr>
-        </p:nvSpPr>
-        <p:spPr>
-          <a:xfrm>
-            <a:off x="1154955" y="776494"/>
-            <a:ext cx="8825658" cy="713639"/>
-          </a:xfrm>
-        </p:spPr>
-        <p:txBody>
-          <a:bodyPr/>
-          <a:lstStyle/>
-          <a:p>
-            <a:r>
-              <a:rPr lang="en-US" sz="4400" dirty="0" err="1"/>
-              <a:t>IEnumerable</a:t>
-            </a:r>
-            <a:endParaRPr lang="en-US" sz="4400" dirty="0"/>
-          </a:p>
-        </p:txBody>
-      </p:sp>
-      <p:sp>
-        <p:nvSpPr>
-          <p:cNvPr id="3" name="Subtitle 2">
-            <a:extLst>
-              <a:ext uri="{FF2B5EF4-FFF2-40B4-BE49-F238E27FC236}">
-                <a16:creationId xmlns:a16="http://schemas.microsoft.com/office/drawing/2014/main" id="{60C395F4-B5A3-4F2F-855A-0006FCE96DD0}"/>
-              </a:ext>
-            </a:extLst>
-          </p:cNvPr>
-          <p:cNvSpPr>
-            <a:spLocks noGrp="1"/>
-          </p:cNvSpPr>
-          <p:nvPr>
-            <p:ph type="subTitle" idx="1"/>
-          </p:nvPr>
-        </p:nvSpPr>
-        <p:spPr>
-          <a:xfrm>
-            <a:off x="1154955" y="1754909"/>
-            <a:ext cx="8825658" cy="4451926"/>
-          </a:xfrm>
-        </p:spPr>
-        <p:txBody>
-          <a:bodyPr>
-            <a:normAutofit/>
-          </a:bodyPr>
-          <a:lstStyle/>
-          <a:p>
-            <a:r>
-              <a:rPr lang="en-US" cap="none" dirty="0"/>
-              <a:t>public interface </a:t>
-            </a:r>
-            <a:r>
-              <a:rPr lang="en-US" cap="none" dirty="0" err="1"/>
-              <a:t>IEnumerable</a:t>
-            </a:r>
-            <a:r>
-              <a:rPr lang="en-US" cap="none" dirty="0"/>
-              <a:t>&lt;T&gt;</a:t>
-            </a:r>
-          </a:p>
-          <a:p>
-            <a:r>
-              <a:rPr lang="en-US" cap="none" dirty="0"/>
-              <a:t>{</a:t>
-            </a:r>
-          </a:p>
-          <a:p>
-            <a:r>
-              <a:rPr lang="en-US" cap="none" dirty="0"/>
-              <a:t>    </a:t>
-            </a:r>
-            <a:r>
-              <a:rPr lang="en-US" cap="none" dirty="0" err="1"/>
-              <a:t>IEnumerator</a:t>
-            </a:r>
-            <a:r>
-              <a:rPr lang="en-US" cap="none" dirty="0"/>
-              <a:t>&lt;T&gt; </a:t>
-            </a:r>
-            <a:r>
-              <a:rPr lang="en-US" cap="none" dirty="0" err="1"/>
-              <a:t>GetEnumerator</a:t>
-            </a:r>
-            <a:r>
-              <a:rPr lang="en-US" cap="none" dirty="0"/>
-              <a:t>();</a:t>
-            </a:r>
-          </a:p>
-          <a:p>
-            <a:r>
-              <a:rPr lang="en-US" cap="none" dirty="0"/>
-              <a:t>}</a:t>
-            </a:r>
-          </a:p>
-          <a:p>
-            <a:endParaRPr lang="en-US" cap="none" dirty="0"/>
-          </a:p>
-          <a:p>
-            <a:r>
-              <a:rPr lang="en-US" cap="none" dirty="0"/>
-              <a:t>public interface </a:t>
-            </a:r>
-            <a:r>
-              <a:rPr lang="en-US" cap="none" dirty="0" err="1"/>
-              <a:t>IEnumerator</a:t>
-            </a:r>
-            <a:r>
-              <a:rPr lang="en-US" cap="none" dirty="0"/>
-              <a:t>&lt;T&gt;</a:t>
-            </a:r>
-          </a:p>
-          <a:p>
-            <a:r>
-              <a:rPr lang="en-US" cap="none" dirty="0"/>
-              <a:t>{</a:t>
-            </a:r>
-          </a:p>
-          <a:p>
-            <a:r>
-              <a:rPr lang="en-US" cap="none" dirty="0"/>
-              <a:t>    T Current { get; }</a:t>
-            </a:r>
-          </a:p>
-          <a:p>
-            <a:r>
-              <a:rPr lang="en-US" cap="none" dirty="0"/>
-              <a:t>    bool </a:t>
-            </a:r>
-            <a:r>
-              <a:rPr lang="en-US" cap="none" dirty="0" err="1"/>
-              <a:t>MoveNext</a:t>
-            </a:r>
-            <a:r>
-              <a:rPr lang="en-US" cap="none" dirty="0"/>
-              <a:t>();</a:t>
-            </a:r>
-          </a:p>
-          <a:p>
-            <a:r>
-              <a:rPr lang="en-US" cap="none" dirty="0"/>
-              <a:t>    Reset();</a:t>
-            </a:r>
-          </a:p>
-          <a:p>
-            <a:r>
-              <a:rPr lang="en-US" cap="none" dirty="0"/>
-              <a:t>}</a:t>
-            </a:r>
-          </a:p>
-        </p:txBody>
-      </p:sp>
-    </p:spTree>
-    <p:extLst>
-      <p:ext uri="{BB962C8B-B14F-4D97-AF65-F5344CB8AC3E}">
-        <p14:creationId xmlns:p14="http://schemas.microsoft.com/office/powerpoint/2010/main" val="3136953801"/>
-      </p:ext>
-    </p:extLst>
-  </p:cSld>
-  <p:clrMapOvr>
-    <a:masterClrMapping/>
-  </p:clrMapOvr>
-</p:sld>
-</file>
-
-<file path=ppt/slides/slide2.xml><?xml version="1.0" encoding="utf-8"?>
-<p:sld xmlns:a="http://schemas.openxmlformats.org/drawingml/2006/main" xmlns:r="http://schemas.openxmlformats.org/officeDocument/2006/relationships" xmlns:p="http://schemas.openxmlformats.org/presentationml/2006/main">
-  <p:cSld>
-    <p:spTree>
-      <p:nvGrpSpPr>
-        <p:cNvPr id="1" name=""/>
-        <p:cNvGrpSpPr/>
-        <p:nvPr/>
-      </p:nvGrpSpPr>
-      <p:grpSpPr>
-        <a:xfrm>
-          <a:off x="0" y="0"/>
-          <a:ext cx="0" cy="0"/>
-          <a:chOff x="0" y="0"/>
-          <a:chExt cx="0" cy="0"/>
-        </a:xfrm>
-      </p:grpSpPr>
-      <p:sp>
-        <p:nvSpPr>
-          <p:cNvPr id="2" name="Title 1">
-            <a:extLst>
-              <a:ext uri="{FF2B5EF4-FFF2-40B4-BE49-F238E27FC236}">
-                <a16:creationId xmlns:a16="http://schemas.microsoft.com/office/drawing/2014/main" id="{F8ADAE79-72C3-4128-BC87-DBC5B059028E}"/>
-              </a:ext>
-            </a:extLst>
-          </p:cNvPr>
-          <p:cNvSpPr>
-            <a:spLocks noGrp="1"/>
-          </p:cNvSpPr>
-          <p:nvPr>
-            <p:ph type="ctrTitle"/>
-          </p:nvPr>
-        </p:nvSpPr>
-        <p:spPr>
-          <a:xfrm>
-            <a:off x="3378381" y="3022472"/>
-            <a:ext cx="4378806" cy="813055"/>
-          </a:xfrm>
-        </p:spPr>
-        <p:txBody>
-          <a:bodyPr/>
-          <a:lstStyle/>
-          <a:p>
-            <a:r>
-              <a:rPr lang="en-US" sz="6600" dirty="0" err="1"/>
-              <a:t>Reactive</a:t>
-            </a:r>
-            <a:r>
-              <a:rPr lang="en-US" sz="6600" dirty="0" err="1">
-                <a:solidFill>
-                  <a:srgbClr val="B01513"/>
-                </a:solidFill>
-              </a:rPr>
-              <a:t>X</a:t>
-            </a:r>
-            <a:endParaRPr lang="en-US" sz="6600" dirty="0">
-              <a:solidFill>
-                <a:srgbClr val="B01513"/>
-              </a:solidFill>
-            </a:endParaRPr>
-          </a:p>
-        </p:txBody>
-      </p:sp>
-      <p:sp>
-        <p:nvSpPr>
-          <p:cNvPr id="3" name="Subtitle 2">
-            <a:extLst>
-              <a:ext uri="{FF2B5EF4-FFF2-40B4-BE49-F238E27FC236}">
-                <a16:creationId xmlns:a16="http://schemas.microsoft.com/office/drawing/2014/main" id="{60C395F4-B5A3-4F2F-855A-0006FCE96DD0}"/>
-              </a:ext>
-            </a:extLst>
-          </p:cNvPr>
-          <p:cNvSpPr>
-            <a:spLocks noGrp="1"/>
-          </p:cNvSpPr>
-          <p:nvPr>
-            <p:ph type="subTitle" idx="1"/>
-          </p:nvPr>
-        </p:nvSpPr>
-        <p:spPr/>
-        <p:txBody>
-          <a:bodyPr/>
-          <a:lstStyle/>
-          <a:p>
-            <a:endParaRPr lang="en-US" dirty="0"/>
-          </a:p>
-        </p:txBody>
-      </p:sp>
-    </p:spTree>
-    <p:extLst>
-      <p:ext uri="{BB962C8B-B14F-4D97-AF65-F5344CB8AC3E}">
-        <p14:creationId xmlns:p14="http://schemas.microsoft.com/office/powerpoint/2010/main" val="1665975282"/>
-      </p:ext>
-    </p:extLst>
-  </p:cSld>
-  <p:clrMapOvr>
-    <a:masterClrMapping/>
-  </p:clrMapOvr>
-</p:sld>
-</file>
-
 <file path=ppt/slides/slide20.xml><?xml version="1.0" encoding="utf-8"?>
 <p:sld xmlns:a="http://schemas.openxmlformats.org/drawingml/2006/main" xmlns:r="http://schemas.openxmlformats.org/officeDocument/2006/relationships" xmlns:p="http://schemas.openxmlformats.org/presentationml/2006/main">
   <p:cSld>
@@ -14438,46 +14452,124 @@
         </p:nvSpPr>
         <p:spPr>
           <a:xfrm>
-            <a:off x="1154955" y="2861733"/>
-            <a:ext cx="8825658" cy="2777067"/>
+            <a:off x="1154955" y="1754909"/>
+            <a:ext cx="8825658" cy="4451926"/>
           </a:xfrm>
         </p:spPr>
         <p:txBody>
-          <a:bodyPr/>
+          <a:bodyPr>
+            <a:normAutofit/>
+          </a:bodyPr>
           <a:lstStyle/>
           <a:p>
             <a:r>
-              <a:rPr lang="ru-RU" dirty="0">
-                <a:latin typeface="Calibri" panose="020F0502020204030204" pitchFamily="34" charset="0"/>
-                <a:cs typeface="Calibri" panose="020F0502020204030204" pitchFamily="34" charset="0"/>
-              </a:rPr>
-              <a:t>Итераторы являются типичными представителями </a:t>
-            </a:r>
-            <a:r>
-              <a:rPr lang="ru-RU" sz="2400" b="1" dirty="0">
-                <a:latin typeface="Calibri" panose="020F0502020204030204" pitchFamily="34" charset="0"/>
-                <a:cs typeface="Calibri" panose="020F0502020204030204" pitchFamily="34" charset="0"/>
-              </a:rPr>
-              <a:t>pull-модели</a:t>
-            </a:r>
-            <a:r>
-              <a:rPr lang="ru-RU" dirty="0">
-                <a:latin typeface="Calibri" panose="020F0502020204030204" pitchFamily="34" charset="0"/>
-                <a:cs typeface="Calibri" panose="020F0502020204030204" pitchFamily="34" charset="0"/>
-              </a:rPr>
-              <a:t>, когда процессом перебора последовательности управляет вызывающий код.</a:t>
-            </a:r>
-            <a:endParaRPr lang="en-US" dirty="0">
-              <a:latin typeface="Calibri" panose="020F0502020204030204" pitchFamily="34" charset="0"/>
-              <a:cs typeface="Calibri" panose="020F0502020204030204" pitchFamily="34" charset="0"/>
-            </a:endParaRPr>
+              <a:rPr lang="en-US" cap="none" dirty="0"/>
+              <a:t>public interface </a:t>
+            </a:r>
+            <a:r>
+              <a:rPr lang="en-US" cap="none" dirty="0" err="1"/>
+              <a:t>IEnumerable</a:t>
+            </a:r>
+            <a:r>
+              <a:rPr lang="en-US" cap="none" dirty="0"/>
+              <a:t>&lt;T&gt;</a:t>
+            </a:r>
+          </a:p>
+          <a:p>
+            <a:r>
+              <a:rPr lang="en-US" cap="none" dirty="0"/>
+              <a:t>{</a:t>
+            </a:r>
+          </a:p>
+          <a:p>
+            <a:r>
+              <a:rPr lang="en-US" cap="none" dirty="0"/>
+              <a:t>    </a:t>
+            </a:r>
+            <a:r>
+              <a:rPr lang="en-US" cap="none" dirty="0" err="1"/>
+              <a:t>IEnumerator</a:t>
+            </a:r>
+            <a:r>
+              <a:rPr lang="en-US" cap="none" dirty="0"/>
+              <a:t>&lt;T&gt; </a:t>
+            </a:r>
+            <a:r>
+              <a:rPr lang="en-US" cap="none" dirty="0" err="1"/>
+              <a:t>GetEnumerator</a:t>
+            </a:r>
+            <a:r>
+              <a:rPr lang="en-US" cap="none" dirty="0"/>
+              <a:t>();</a:t>
+            </a:r>
+          </a:p>
+          <a:p>
+            <a:r>
+              <a:rPr lang="en-US" cap="none" dirty="0"/>
+              <a:t>}</a:t>
+            </a:r>
+          </a:p>
+          <a:p>
+            <a:endParaRPr lang="en-US" cap="none" dirty="0"/>
+          </a:p>
+          <a:p>
+            <a:r>
+              <a:rPr lang="en-US" cap="none" dirty="0"/>
+              <a:t>public interface </a:t>
+            </a:r>
+            <a:r>
+              <a:rPr lang="en-US" cap="none" dirty="0" err="1"/>
+              <a:t>IEnumerator</a:t>
+            </a:r>
+            <a:r>
+              <a:rPr lang="en-US" cap="none" dirty="0"/>
+              <a:t>&lt;T&gt;</a:t>
+            </a:r>
+          </a:p>
+          <a:p>
+            <a:r>
+              <a:rPr lang="en-US" cap="none" dirty="0"/>
+              <a:t>{</a:t>
+            </a:r>
+          </a:p>
+          <a:p>
+            <a:r>
+              <a:rPr lang="en-US" cap="none" dirty="0"/>
+              <a:t>    T Current { get; }</a:t>
+            </a:r>
+          </a:p>
+          <a:p>
+            <a:r>
+              <a:rPr lang="en-US" cap="none" dirty="0"/>
+              <a:t>    bool </a:t>
+            </a:r>
+            <a:r>
+              <a:rPr lang="en-US" cap="none" dirty="0" err="1"/>
+              <a:t>MoveNext</a:t>
+            </a:r>
+            <a:r>
+              <a:rPr lang="en-US" cap="none" dirty="0"/>
+              <a:t>();</a:t>
+            </a:r>
+          </a:p>
+          <a:p>
+            <a:r>
+              <a:rPr lang="en-US" cap="none" dirty="0"/>
+              <a:t>    Reset();</a:t>
+            </a:r>
+          </a:p>
+          <a:p>
+            <a:r>
+              <a:rPr lang="en-US" cap="none" dirty="0"/>
+              <a:t>}</a:t>
+            </a:r>
           </a:p>
         </p:txBody>
       </p:sp>
     </p:spTree>
     <p:extLst>
       <p:ext uri="{BB962C8B-B14F-4D97-AF65-F5344CB8AC3E}">
-        <p14:creationId xmlns:p14="http://schemas.microsoft.com/office/powerpoint/2010/main" val="1797386616"/>
+        <p14:creationId xmlns:p14="http://schemas.microsoft.com/office/powerpoint/2010/main" val="3136953801"/>
       </p:ext>
     </p:extLst>
   </p:cSld>
@@ -14523,7 +14615,7 @@
         <p:spPr>
           <a:xfrm>
             <a:off x="1154955" y="776494"/>
-            <a:ext cx="8825658" cy="741021"/>
+            <a:ext cx="8825658" cy="713639"/>
           </a:xfrm>
         </p:spPr>
         <p:txBody>
@@ -14532,7 +14624,7 @@
           <a:p>
             <a:r>
               <a:rPr lang="en-US" sz="4400" dirty="0" err="1"/>
-              <a:t>IObservable</a:t>
+              <a:t>IEnumerable</a:t>
             </a:r>
             <a:endParaRPr lang="en-US" sz="4400" dirty="0"/>
           </a:p>
@@ -14564,14 +14656,38 @@
           <a:bodyPr/>
           <a:lstStyle/>
           <a:p>
-            <a:endParaRPr lang="en-US" dirty="0"/>
+            <a:r>
+              <a:rPr lang="ru-RU" dirty="0">
+                <a:latin typeface="Calibri" panose="020F0502020204030204" pitchFamily="34" charset="0"/>
+                <a:cs typeface="Calibri" panose="020F0502020204030204" pitchFamily="34" charset="0"/>
+              </a:rPr>
+              <a:t>Итераторы являются типичными представителями </a:t>
+            </a:r>
+            <a:r>
+              <a:rPr lang="ru-RU" sz="2400" b="1" dirty="0">
+                <a:latin typeface="Calibri" panose="020F0502020204030204" pitchFamily="34" charset="0"/>
+                <a:cs typeface="Calibri" panose="020F0502020204030204" pitchFamily="34" charset="0"/>
+              </a:rPr>
+              <a:t>pull-модели</a:t>
+            </a:r>
+            <a:r>
+              <a:rPr lang="ru-RU" dirty="0">
+                <a:latin typeface="Calibri" panose="020F0502020204030204" pitchFamily="34" charset="0"/>
+                <a:cs typeface="Calibri" panose="020F0502020204030204" pitchFamily="34" charset="0"/>
+              </a:rPr>
+              <a:t>, когда процессом перебора последовательности управляет вызывающий код.</a:t>
+            </a:r>
+            <a:endParaRPr lang="en-US" dirty="0">
+              <a:latin typeface="Calibri" panose="020F0502020204030204" pitchFamily="34" charset="0"/>
+              <a:cs typeface="Calibri" panose="020F0502020204030204" pitchFamily="34" charset="0"/>
+            </a:endParaRPr>
           </a:p>
         </p:txBody>
       </p:sp>
     </p:spTree>
     <p:extLst>
       <p:ext uri="{BB962C8B-B14F-4D97-AF65-F5344CB8AC3E}">
-        <p14:creationId xmlns:p14="http://schemas.microsoft.com/office/powerpoint/2010/main" val="2634787251"/>
+        <p14:creationId xmlns:p14="http://schemas.microsoft.com/office/powerpoint/2010/main" val="1797386616"/>
       </p:ext>
     </p:extLst>
   </p:cSld>
@@ -14650,99 +14766,22 @@
         </p:nvSpPr>
         <p:spPr>
           <a:xfrm>
-            <a:off x="1154955" y="1764145"/>
-            <a:ext cx="8825658" cy="4599710"/>
+            <a:off x="1154955" y="2861733"/>
+            <a:ext cx="8825658" cy="2777067"/>
           </a:xfrm>
         </p:spPr>
         <p:txBody>
-          <a:bodyPr>
-            <a:normAutofit/>
-          </a:bodyPr>
+          <a:bodyPr/>
           <a:lstStyle/>
           <a:p>
-            <a:r>
-              <a:rPr lang="en-US" cap="none" dirty="0">
-                <a:latin typeface="Calibri" panose="020F0502020204030204" pitchFamily="34" charset="0"/>
-                <a:cs typeface="Calibri" panose="020F0502020204030204" pitchFamily="34" charset="0"/>
-              </a:rPr>
-              <a:t>public interface </a:t>
-            </a:r>
-            <a:r>
-              <a:rPr lang="en-US" cap="none" dirty="0" err="1">
-                <a:latin typeface="Calibri" panose="020F0502020204030204" pitchFamily="34" charset="0"/>
-                <a:cs typeface="Calibri" panose="020F0502020204030204" pitchFamily="34" charset="0"/>
-              </a:rPr>
-              <a:t>IObservable</a:t>
-            </a:r>
-            <a:r>
-              <a:rPr lang="en-US" cap="none" dirty="0">
-                <a:latin typeface="Calibri" panose="020F0502020204030204" pitchFamily="34" charset="0"/>
-                <a:cs typeface="Calibri" panose="020F0502020204030204" pitchFamily="34" charset="0"/>
-              </a:rPr>
-              <a:t>&lt;T&gt;</a:t>
-            </a:r>
-          </a:p>
-          <a:p>
-            <a:r>
-              <a:rPr lang="en-US" cap="none" dirty="0">
-                <a:latin typeface="Calibri" panose="020F0502020204030204" pitchFamily="34" charset="0"/>
-                <a:cs typeface="Calibri" panose="020F0502020204030204" pitchFamily="34" charset="0"/>
-              </a:rPr>
-              <a:t>{</a:t>
-            </a:r>
-          </a:p>
-          <a:p>
-            <a:r>
-              <a:rPr lang="en-US" cap="none" dirty="0">
-                <a:latin typeface="Calibri" panose="020F0502020204030204" pitchFamily="34" charset="0"/>
-                <a:cs typeface="Calibri" panose="020F0502020204030204" pitchFamily="34" charset="0"/>
-              </a:rPr>
-              <a:t>    </a:t>
-            </a:r>
-            <a:r>
-              <a:rPr lang="en-US" cap="none" dirty="0" err="1">
-                <a:latin typeface="Calibri" panose="020F0502020204030204" pitchFamily="34" charset="0"/>
-                <a:cs typeface="Calibri" panose="020F0502020204030204" pitchFamily="34" charset="0"/>
-              </a:rPr>
-              <a:t>IDisposable</a:t>
-            </a:r>
-            <a:r>
-              <a:rPr lang="en-US" cap="none" dirty="0">
-                <a:latin typeface="Calibri" panose="020F0502020204030204" pitchFamily="34" charset="0"/>
-                <a:cs typeface="Calibri" panose="020F0502020204030204" pitchFamily="34" charset="0"/>
-              </a:rPr>
-              <a:t> Subscribe(</a:t>
-            </a:r>
-            <a:r>
-              <a:rPr lang="en-US" cap="none" dirty="0" err="1">
-                <a:latin typeface="Calibri" panose="020F0502020204030204" pitchFamily="34" charset="0"/>
-                <a:cs typeface="Calibri" panose="020F0502020204030204" pitchFamily="34" charset="0"/>
-              </a:rPr>
-              <a:t>IObserver</a:t>
-            </a:r>
-            <a:r>
-              <a:rPr lang="en-US" cap="none" dirty="0">
-                <a:latin typeface="Calibri" panose="020F0502020204030204" pitchFamily="34" charset="0"/>
-                <a:cs typeface="Calibri" panose="020F0502020204030204" pitchFamily="34" charset="0"/>
-              </a:rPr>
-              <a:t>&lt;T&gt; observer);</a:t>
-            </a:r>
-          </a:p>
-          <a:p>
-            <a:r>
-              <a:rPr lang="en-US" cap="none" dirty="0">
-                <a:latin typeface="Calibri" panose="020F0502020204030204" pitchFamily="34" charset="0"/>
-                <a:cs typeface="Calibri" panose="020F0502020204030204" pitchFamily="34" charset="0"/>
-              </a:rPr>
-              <a:t>}</a:t>
-            </a:r>
+            <a:endParaRPr lang="en-US" dirty="0"/>
           </a:p>
         </p:txBody>
       </p:sp>
     </p:spTree>
     <p:extLst>
       <p:ext uri="{BB962C8B-B14F-4D97-AF65-F5344CB8AC3E}">
-        <p14:creationId xmlns:p14="http://schemas.microsoft.com/office/powerpoint/2010/main" val="2727546691"/>
+        <p14:creationId xmlns:p14="http://schemas.microsoft.com/office/powerpoint/2010/main" val="2634787251"/>
       </p:ext>
     </p:extLst>
   </p:cSld>
@@ -14908,128 +14947,12 @@
               <a:t>}</a:t>
             </a:r>
           </a:p>
-          <a:p>
-            <a:endParaRPr lang="en-US" cap="none" dirty="0">
-              <a:latin typeface="Calibri" panose="020F0502020204030204" pitchFamily="34" charset="0"/>
-              <a:cs typeface="Calibri" panose="020F0502020204030204" pitchFamily="34" charset="0"/>
-            </a:endParaRPr>
-          </a:p>
-          <a:p>
-            <a:r>
-              <a:rPr lang="en-US" cap="none" dirty="0">
-                <a:latin typeface="Calibri" panose="020F0502020204030204" pitchFamily="34" charset="0"/>
-                <a:cs typeface="Calibri" panose="020F0502020204030204" pitchFamily="34" charset="0"/>
-              </a:rPr>
-              <a:t>public interface </a:t>
-            </a:r>
-            <a:r>
-              <a:rPr lang="en-US" cap="none" dirty="0" err="1">
-                <a:latin typeface="Calibri" panose="020F0502020204030204" pitchFamily="34" charset="0"/>
-                <a:cs typeface="Calibri" panose="020F0502020204030204" pitchFamily="34" charset="0"/>
-              </a:rPr>
-              <a:t>IObserver</a:t>
-            </a:r>
-            <a:r>
-              <a:rPr lang="en-US" cap="none" dirty="0">
-                <a:latin typeface="Calibri" panose="020F0502020204030204" pitchFamily="34" charset="0"/>
-                <a:cs typeface="Calibri" panose="020F0502020204030204" pitchFamily="34" charset="0"/>
-              </a:rPr>
-              <a:t>&lt;T&gt;</a:t>
-            </a:r>
-          </a:p>
-          <a:p>
-            <a:r>
-              <a:rPr lang="en-US" cap="none" dirty="0">
-                <a:latin typeface="Calibri" panose="020F0502020204030204" pitchFamily="34" charset="0"/>
-                <a:cs typeface="Calibri" panose="020F0502020204030204" pitchFamily="34" charset="0"/>
-              </a:rPr>
-              <a:t>{</a:t>
-            </a:r>
-          </a:p>
-          <a:p>
-            <a:r>
-              <a:rPr lang="en-US" cap="none" dirty="0">
-                <a:latin typeface="Calibri" panose="020F0502020204030204" pitchFamily="34" charset="0"/>
-                <a:cs typeface="Calibri" panose="020F0502020204030204" pitchFamily="34" charset="0"/>
-              </a:rPr>
-              <a:t>    void </a:t>
-            </a:r>
-            <a:r>
-              <a:rPr lang="en-US" cap="none" dirty="0" err="1">
-                <a:latin typeface="Calibri" panose="020F0502020204030204" pitchFamily="34" charset="0"/>
-                <a:cs typeface="Calibri" panose="020F0502020204030204" pitchFamily="34" charset="0"/>
-              </a:rPr>
-              <a:t>OnNext</a:t>
-            </a:r>
-            <a:r>
-              <a:rPr lang="en-US" cap="none" dirty="0">
-                <a:latin typeface="Calibri" panose="020F0502020204030204" pitchFamily="34" charset="0"/>
-                <a:cs typeface="Calibri" panose="020F0502020204030204" pitchFamily="34" charset="0"/>
-              </a:rPr>
-              <a:t>(T value);</a:t>
-            </a:r>
-          </a:p>
-          <a:p>
-            <a:r>
-              <a:rPr lang="en-US" cap="none" dirty="0">
-                <a:latin typeface="Calibri" panose="020F0502020204030204" pitchFamily="34" charset="0"/>
-                <a:cs typeface="Calibri" panose="020F0502020204030204" pitchFamily="34" charset="0"/>
-              </a:rPr>
-              <a:t>    void </a:t>
-            </a:r>
-            <a:r>
-              <a:rPr lang="en-US" cap="none" dirty="0" err="1">
-                <a:latin typeface="Calibri" panose="020F0502020204030204" pitchFamily="34" charset="0"/>
-                <a:cs typeface="Calibri" panose="020F0502020204030204" pitchFamily="34" charset="0"/>
-              </a:rPr>
-              <a:t>OnCompleted</a:t>
-            </a:r>
-            <a:r>
-              <a:rPr lang="en-US" cap="none" dirty="0">
-                <a:latin typeface="Calibri" panose="020F0502020204030204" pitchFamily="34" charset="0"/>
-                <a:cs typeface="Calibri" panose="020F0502020204030204" pitchFamily="34" charset="0"/>
-              </a:rPr>
-              <a:t>();</a:t>
-            </a:r>
-          </a:p>
-          <a:p>
-            <a:r>
-              <a:rPr lang="en-US" cap="none" dirty="0">
-                <a:latin typeface="Calibri" panose="020F0502020204030204" pitchFamily="34" charset="0"/>
-                <a:cs typeface="Calibri" panose="020F0502020204030204" pitchFamily="34" charset="0"/>
-              </a:rPr>
-              <a:t>    void </a:t>
-            </a:r>
-            <a:r>
-              <a:rPr lang="en-US" cap="none" dirty="0" err="1">
-                <a:latin typeface="Calibri" panose="020F0502020204030204" pitchFamily="34" charset="0"/>
-                <a:cs typeface="Calibri" panose="020F0502020204030204" pitchFamily="34" charset="0"/>
-              </a:rPr>
-              <a:t>OnException</a:t>
-            </a:r>
-            <a:r>
-              <a:rPr lang="en-US" cap="none" dirty="0">
-                <a:latin typeface="Calibri" panose="020F0502020204030204" pitchFamily="34" charset="0"/>
-                <a:cs typeface="Calibri" panose="020F0502020204030204" pitchFamily="34" charset="0"/>
-              </a:rPr>
-              <a:t>(Exception error);</a:t>
-            </a:r>
-          </a:p>
-          <a:p>
-            <a:r>
-              <a:rPr lang="en-US" cap="none" dirty="0">
-                <a:latin typeface="Calibri" panose="020F0502020204030204" pitchFamily="34" charset="0"/>
-                <a:cs typeface="Calibri" panose="020F0502020204030204" pitchFamily="34" charset="0"/>
-              </a:rPr>
-              <a:t>}</a:t>
-            </a:r>
-          </a:p>
         </p:txBody>
       </p:sp>
     </p:spTree>
     <p:extLst>
       <p:ext uri="{BB962C8B-B14F-4D97-AF65-F5344CB8AC3E}">
-        <p14:creationId xmlns:p14="http://schemas.microsoft.com/office/powerpoint/2010/main" val="4122846998"/>
+        <p14:creationId xmlns:p14="http://schemas.microsoft.com/office/powerpoint/2010/main" val="2727546691"/>
       </p:ext>
     </p:extLst>
   </p:cSld>
@@ -15108,6 +15031,293 @@
         </p:nvSpPr>
         <p:spPr>
           <a:xfrm>
+            <a:off x="1154955" y="1764145"/>
+            <a:ext cx="8825658" cy="4599710"/>
+          </a:xfrm>
+        </p:spPr>
+        <p:txBody>
+          <a:bodyPr>
+            <a:normAutofit/>
+          </a:bodyPr>
+          <a:lstStyle/>
+          <a:p>
+            <a:r>
+              <a:rPr lang="en-US" cap="none" dirty="0">
+                <a:latin typeface="Calibri" panose="020F0502020204030204" pitchFamily="34" charset="0"/>
+                <a:cs typeface="Calibri" panose="020F0502020204030204" pitchFamily="34" charset="0"/>
+              </a:rPr>
+              <a:t>public interface </a:t>
+            </a:r>
+            <a:r>
+              <a:rPr lang="en-US" cap="none" dirty="0" err="1">
+                <a:latin typeface="Calibri" panose="020F0502020204030204" pitchFamily="34" charset="0"/>
+                <a:cs typeface="Calibri" panose="020F0502020204030204" pitchFamily="34" charset="0"/>
+              </a:rPr>
+              <a:t>IObservable</a:t>
+            </a:r>
+            <a:r>
+              <a:rPr lang="en-US" cap="none" dirty="0">
+                <a:latin typeface="Calibri" panose="020F0502020204030204" pitchFamily="34" charset="0"/>
+                <a:cs typeface="Calibri" panose="020F0502020204030204" pitchFamily="34" charset="0"/>
+              </a:rPr>
+              <a:t>&lt;T&gt;</a:t>
+            </a:r>
+          </a:p>
+          <a:p>
+            <a:r>
+              <a:rPr lang="en-US" cap="none" dirty="0">
+                <a:latin typeface="Calibri" panose="020F0502020204030204" pitchFamily="34" charset="0"/>
+                <a:cs typeface="Calibri" panose="020F0502020204030204" pitchFamily="34" charset="0"/>
+              </a:rPr>
+              <a:t>{</a:t>
+            </a:r>
+          </a:p>
+          <a:p>
+            <a:r>
+              <a:rPr lang="en-US" cap="none" dirty="0">
+                <a:latin typeface="Calibri" panose="020F0502020204030204" pitchFamily="34" charset="0"/>
+                <a:cs typeface="Calibri" panose="020F0502020204030204" pitchFamily="34" charset="0"/>
+              </a:rPr>
+              <a:t>    </a:t>
+            </a:r>
+            <a:r>
+              <a:rPr lang="en-US" cap="none" dirty="0" err="1">
+                <a:latin typeface="Calibri" panose="020F0502020204030204" pitchFamily="34" charset="0"/>
+                <a:cs typeface="Calibri" panose="020F0502020204030204" pitchFamily="34" charset="0"/>
+              </a:rPr>
+              <a:t>IDisposable</a:t>
+            </a:r>
+            <a:r>
+              <a:rPr lang="en-US" cap="none" dirty="0">
+                <a:latin typeface="Calibri" panose="020F0502020204030204" pitchFamily="34" charset="0"/>
+                <a:cs typeface="Calibri" panose="020F0502020204030204" pitchFamily="34" charset="0"/>
+              </a:rPr>
+              <a:t> Subscribe(</a:t>
+            </a:r>
+            <a:r>
+              <a:rPr lang="en-US" cap="none" dirty="0" err="1">
+                <a:latin typeface="Calibri" panose="020F0502020204030204" pitchFamily="34" charset="0"/>
+                <a:cs typeface="Calibri" panose="020F0502020204030204" pitchFamily="34" charset="0"/>
+              </a:rPr>
+              <a:t>IObserver</a:t>
+            </a:r>
+            <a:r>
+              <a:rPr lang="en-US" cap="none" dirty="0">
+                <a:latin typeface="Calibri" panose="020F0502020204030204" pitchFamily="34" charset="0"/>
+                <a:cs typeface="Calibri" panose="020F0502020204030204" pitchFamily="34" charset="0"/>
+              </a:rPr>
+              <a:t>&lt;T&gt; observer);</a:t>
+            </a:r>
+          </a:p>
+          <a:p>
+            <a:r>
+              <a:rPr lang="en-US" cap="none" dirty="0">
+                <a:latin typeface="Calibri" panose="020F0502020204030204" pitchFamily="34" charset="0"/>
+                <a:cs typeface="Calibri" panose="020F0502020204030204" pitchFamily="34" charset="0"/>
+              </a:rPr>
+              <a:t>}</a:t>
+            </a:r>
+          </a:p>
+          <a:p>
+            <a:endParaRPr lang="en-US" cap="none" dirty="0">
+              <a:latin typeface="Calibri" panose="020F0502020204030204" pitchFamily="34" charset="0"/>
+              <a:cs typeface="Calibri" panose="020F0502020204030204" pitchFamily="34" charset="0"/>
+            </a:endParaRPr>
+          </a:p>
+          <a:p>
+            <a:r>
+              <a:rPr lang="en-US" cap="none" dirty="0">
+                <a:latin typeface="Calibri" panose="020F0502020204030204" pitchFamily="34" charset="0"/>
+                <a:cs typeface="Calibri" panose="020F0502020204030204" pitchFamily="34" charset="0"/>
+              </a:rPr>
+              <a:t>public interface </a:t>
+            </a:r>
+            <a:r>
+              <a:rPr lang="en-US" cap="none" dirty="0" err="1">
+                <a:latin typeface="Calibri" panose="020F0502020204030204" pitchFamily="34" charset="0"/>
+                <a:cs typeface="Calibri" panose="020F0502020204030204" pitchFamily="34" charset="0"/>
+              </a:rPr>
+              <a:t>IObserver</a:t>
+            </a:r>
+            <a:r>
+              <a:rPr lang="en-US" cap="none" dirty="0">
+                <a:latin typeface="Calibri" panose="020F0502020204030204" pitchFamily="34" charset="0"/>
+                <a:cs typeface="Calibri" panose="020F0502020204030204" pitchFamily="34" charset="0"/>
+              </a:rPr>
+              <a:t>&lt;T&gt;</a:t>
+            </a:r>
+          </a:p>
+          <a:p>
+            <a:r>
+              <a:rPr lang="en-US" cap="none" dirty="0">
+                <a:latin typeface="Calibri" panose="020F0502020204030204" pitchFamily="34" charset="0"/>
+                <a:cs typeface="Calibri" panose="020F0502020204030204" pitchFamily="34" charset="0"/>
+              </a:rPr>
+              <a:t>{</a:t>
+            </a:r>
+          </a:p>
+          <a:p>
+            <a:r>
+              <a:rPr lang="en-US" cap="none" dirty="0">
+                <a:latin typeface="Calibri" panose="020F0502020204030204" pitchFamily="34" charset="0"/>
+                <a:cs typeface="Calibri" panose="020F0502020204030204" pitchFamily="34" charset="0"/>
+              </a:rPr>
+              <a:t>    void </a:t>
+            </a:r>
+            <a:r>
+              <a:rPr lang="en-US" cap="none" dirty="0" err="1">
+                <a:latin typeface="Calibri" panose="020F0502020204030204" pitchFamily="34" charset="0"/>
+                <a:cs typeface="Calibri" panose="020F0502020204030204" pitchFamily="34" charset="0"/>
+              </a:rPr>
+              <a:t>OnNext</a:t>
+            </a:r>
+            <a:r>
+              <a:rPr lang="en-US" cap="none" dirty="0">
+                <a:latin typeface="Calibri" panose="020F0502020204030204" pitchFamily="34" charset="0"/>
+                <a:cs typeface="Calibri" panose="020F0502020204030204" pitchFamily="34" charset="0"/>
+              </a:rPr>
+              <a:t>(T value);</a:t>
+            </a:r>
+          </a:p>
+          <a:p>
+            <a:r>
+              <a:rPr lang="en-US" cap="none" dirty="0">
+                <a:latin typeface="Calibri" panose="020F0502020204030204" pitchFamily="34" charset="0"/>
+                <a:cs typeface="Calibri" panose="020F0502020204030204" pitchFamily="34" charset="0"/>
+              </a:rPr>
+              <a:t>    void </a:t>
+            </a:r>
+            <a:r>
+              <a:rPr lang="en-US" cap="none" dirty="0" err="1">
+                <a:latin typeface="Calibri" panose="020F0502020204030204" pitchFamily="34" charset="0"/>
+                <a:cs typeface="Calibri" panose="020F0502020204030204" pitchFamily="34" charset="0"/>
+              </a:rPr>
+              <a:t>OnCompleted</a:t>
+            </a:r>
+            <a:r>
+              <a:rPr lang="en-US" cap="none" dirty="0">
+                <a:latin typeface="Calibri" panose="020F0502020204030204" pitchFamily="34" charset="0"/>
+                <a:cs typeface="Calibri" panose="020F0502020204030204" pitchFamily="34" charset="0"/>
+              </a:rPr>
+              <a:t>();</a:t>
+            </a:r>
+          </a:p>
+          <a:p>
+            <a:r>
+              <a:rPr lang="en-US" cap="none" dirty="0">
+                <a:latin typeface="Calibri" panose="020F0502020204030204" pitchFamily="34" charset="0"/>
+                <a:cs typeface="Calibri" panose="020F0502020204030204" pitchFamily="34" charset="0"/>
+              </a:rPr>
+              <a:t>    void </a:t>
+            </a:r>
+            <a:r>
+              <a:rPr lang="en-US" cap="none" dirty="0" err="1">
+                <a:latin typeface="Calibri" panose="020F0502020204030204" pitchFamily="34" charset="0"/>
+                <a:cs typeface="Calibri" panose="020F0502020204030204" pitchFamily="34" charset="0"/>
+              </a:rPr>
+              <a:t>OnException</a:t>
+            </a:r>
+            <a:r>
+              <a:rPr lang="en-US" cap="none" dirty="0">
+                <a:latin typeface="Calibri" panose="020F0502020204030204" pitchFamily="34" charset="0"/>
+                <a:cs typeface="Calibri" panose="020F0502020204030204" pitchFamily="34" charset="0"/>
+              </a:rPr>
+              <a:t>(Exception error);</a:t>
+            </a:r>
+          </a:p>
+          <a:p>
+            <a:r>
+              <a:rPr lang="en-US" cap="none" dirty="0">
+                <a:latin typeface="Calibri" panose="020F0502020204030204" pitchFamily="34" charset="0"/>
+                <a:cs typeface="Calibri" panose="020F0502020204030204" pitchFamily="34" charset="0"/>
+              </a:rPr>
+              <a:t>}</a:t>
+            </a:r>
+          </a:p>
+        </p:txBody>
+      </p:sp>
+    </p:spTree>
+    <p:extLst>
+      <p:ext uri="{BB962C8B-B14F-4D97-AF65-F5344CB8AC3E}">
+        <p14:creationId xmlns:p14="http://schemas.microsoft.com/office/powerpoint/2010/main" val="4122846998"/>
+      </p:ext>
+    </p:extLst>
+  </p:cSld>
+  <p:clrMapOvr>
+    <a:masterClrMapping/>
+  </p:clrMapOvr>
+</p:sld>
+</file>
+
+<file path=ppt/slides/slide25.xml><?xml version="1.0" encoding="utf-8"?>
+<p:sld xmlns:a="http://schemas.openxmlformats.org/drawingml/2006/main" xmlns:r="http://schemas.openxmlformats.org/officeDocument/2006/relationships" xmlns:p="http://schemas.openxmlformats.org/presentationml/2006/main">
+  <p:cSld>
+    <p:spTree>
+      <p:nvGrpSpPr>
+        <p:cNvPr id="1" name=""/>
+        <p:cNvGrpSpPr/>
+        <p:nvPr/>
+      </p:nvGrpSpPr>
+      <p:grpSpPr>
+        <a:xfrm>
+          <a:off x="0" y="0"/>
+          <a:ext cx="0" cy="0"/>
+          <a:chOff x="0" y="0"/>
+          <a:chExt cx="0" cy="0"/>
+        </a:xfrm>
+      </p:grpSpPr>
+      <p:sp>
+        <p:nvSpPr>
+          <p:cNvPr id="2" name="Title 1">
+            <a:extLst>
+              <a:ext uri="{FF2B5EF4-FFF2-40B4-BE49-F238E27FC236}">
+                <a16:creationId xmlns:a16="http://schemas.microsoft.com/office/drawing/2014/main" id="{F8ADAE79-72C3-4128-BC87-DBC5B059028E}"/>
+              </a:ext>
+            </a:extLst>
+          </p:cNvPr>
+          <p:cNvSpPr>
+            <a:spLocks noGrp="1"/>
+          </p:cNvSpPr>
+          <p:nvPr>
+            <p:ph type="ctrTitle"/>
+          </p:nvPr>
+        </p:nvSpPr>
+        <p:spPr>
+          <a:xfrm>
+            <a:off x="1154955" y="776494"/>
+            <a:ext cx="8825658" cy="741021"/>
+          </a:xfrm>
+        </p:spPr>
+        <p:txBody>
+          <a:bodyPr/>
+          <a:lstStyle/>
+          <a:p>
+            <a:r>
+              <a:rPr lang="en-US" sz="4400" dirty="0" err="1"/>
+              <a:t>IObservable</a:t>
+            </a:r>
+            <a:endParaRPr lang="en-US" sz="4400" dirty="0"/>
+          </a:p>
+        </p:txBody>
+      </p:sp>
+      <p:sp>
+        <p:nvSpPr>
+          <p:cNvPr id="3" name="Subtitle 2">
+            <a:extLst>
+              <a:ext uri="{FF2B5EF4-FFF2-40B4-BE49-F238E27FC236}">
+                <a16:creationId xmlns:a16="http://schemas.microsoft.com/office/drawing/2014/main" id="{60C395F4-B5A3-4F2F-855A-0006FCE96DD0}"/>
+              </a:ext>
+            </a:extLst>
+          </p:cNvPr>
+          <p:cNvSpPr>
+            <a:spLocks noGrp="1"/>
+          </p:cNvSpPr>
+          <p:nvPr>
+            <p:ph type="subTitle" idx="1"/>
+          </p:nvPr>
+        </p:nvSpPr>
+        <p:spPr>
+          <a:xfrm>
             <a:off x="1154955" y="2861733"/>
             <a:ext cx="8825658" cy="2777067"/>
           </a:xfrm>
@@ -15185,7 +15395,7 @@
 </p:sld>
 </file>
 
-<file path=ppt/slides/slide25.xml><?xml version="1.0" encoding="utf-8"?>
+<file path=ppt/slides/slide26.xml><?xml version="1.0" encoding="utf-8"?>
 <p:sld xmlns:a="http://schemas.openxmlformats.org/drawingml/2006/main" xmlns:r="http://schemas.openxmlformats.org/officeDocument/2006/relationships" xmlns:p="http://schemas.openxmlformats.org/presentationml/2006/main">
   <p:cSld>
     <p:spTree>
@@ -15482,7 +15692,7 @@
 </p:sld>
 </file>
 
-<file path=ppt/slides/slide26.xml><?xml version="1.0" encoding="utf-8"?>
+<file path=ppt/slides/slide27.xml><?xml version="1.0" encoding="utf-8"?>
 <p:sld xmlns:a="http://schemas.openxmlformats.org/drawingml/2006/main" xmlns:r="http://schemas.openxmlformats.org/officeDocument/2006/relationships" xmlns:p="http://schemas.openxmlformats.org/presentationml/2006/main">
   <p:cSld>
     <p:spTree>
@@ -15829,7 +16039,7 @@
 </p:sld>
 </file>
 
-<file path=ppt/slides/slide27.xml><?xml version="1.0" encoding="utf-8"?>
+<file path=ppt/slides/slide28.xml><?xml version="1.0" encoding="utf-8"?>
 <p:sld xmlns:a="http://schemas.openxmlformats.org/drawingml/2006/main" xmlns:r="http://schemas.openxmlformats.org/officeDocument/2006/relationships" xmlns:p="http://schemas.openxmlformats.org/presentationml/2006/main">
   <p:cSld>
     <p:spTree>
@@ -16126,7 +16336,7 @@
 </p:sld>
 </file>
 
-<file path=ppt/slides/slide28.xml><?xml version="1.0" encoding="utf-8"?>
+<file path=ppt/slides/slide29.xml><?xml version="1.0" encoding="utf-8"?>
 <p:sld xmlns:a="http://schemas.openxmlformats.org/drawingml/2006/main" xmlns:r="http://schemas.openxmlformats.org/officeDocument/2006/relationships" xmlns:p="http://schemas.openxmlformats.org/presentationml/2006/main">
   <p:cSld>
     <p:spTree>
@@ -16476,104 +16686,6 @@
 </p:sld>
 </file>
 
-<file path=ppt/slides/slide29.xml><?xml version="1.0" encoding="utf-8"?>
-<p:sld xmlns:a="http://schemas.openxmlformats.org/drawingml/2006/main" xmlns:r="http://schemas.openxmlformats.org/officeDocument/2006/relationships" xmlns:p="http://schemas.openxmlformats.org/presentationml/2006/main">
-  <p:cSld>
-    <p:spTree>
-      <p:nvGrpSpPr>
-        <p:cNvPr id="1" name=""/>
-        <p:cNvGrpSpPr/>
-        <p:nvPr/>
-      </p:nvGrpSpPr>
-      <p:grpSpPr>
-        <a:xfrm>
-          <a:off x="0" y="0"/>
-          <a:ext cx="0" cy="0"/>
-          <a:chOff x="0" y="0"/>
-          <a:chExt cx="0" cy="0"/>
-        </a:xfrm>
-      </p:grpSpPr>
-      <p:sp>
-        <p:nvSpPr>
-          <p:cNvPr id="2" name="Title 1">
-            <a:extLst>
-              <a:ext uri="{FF2B5EF4-FFF2-40B4-BE49-F238E27FC236}">
-                <a16:creationId xmlns:a16="http://schemas.microsoft.com/office/drawing/2014/main" id="{F8ADAE79-72C3-4128-BC87-DBC5B059028E}"/>
-              </a:ext>
-            </a:extLst>
-          </p:cNvPr>
-          <p:cNvSpPr>
-            <a:spLocks noGrp="1"/>
-          </p:cNvSpPr>
-          <p:nvPr>
-            <p:ph type="ctrTitle"/>
-          </p:nvPr>
-        </p:nvSpPr>
-        <p:spPr>
-          <a:xfrm>
-            <a:off x="1154955" y="776494"/>
-            <a:ext cx="8825658" cy="713639"/>
-          </a:xfrm>
-        </p:spPr>
-        <p:txBody>
-          <a:bodyPr/>
-          <a:lstStyle/>
-          <a:p>
-            <a:r>
-              <a:rPr lang="en-US" sz="4400" dirty="0"/>
-              <a:t>Rx Pattern?</a:t>
-            </a:r>
-          </a:p>
-        </p:txBody>
-      </p:sp>
-      <p:sp>
-        <p:nvSpPr>
-          <p:cNvPr id="3" name="Subtitle 2">
-            <a:extLst>
-              <a:ext uri="{FF2B5EF4-FFF2-40B4-BE49-F238E27FC236}">
-                <a16:creationId xmlns:a16="http://schemas.microsoft.com/office/drawing/2014/main" id="{60C395F4-B5A3-4F2F-855A-0006FCE96DD0}"/>
-              </a:ext>
-            </a:extLst>
-          </p:cNvPr>
-          <p:cNvSpPr>
-            <a:spLocks noGrp="1"/>
-          </p:cNvSpPr>
-          <p:nvPr>
-            <p:ph type="subTitle" idx="1"/>
-          </p:nvPr>
-        </p:nvSpPr>
-        <p:spPr>
-          <a:xfrm>
-            <a:off x="1154955" y="2861733"/>
-            <a:ext cx="8825658" cy="2777067"/>
-          </a:xfrm>
-        </p:spPr>
-        <p:txBody>
-          <a:bodyPr>
-            <a:normAutofit/>
-          </a:bodyPr>
-          <a:lstStyle/>
-          <a:p>
-            <a:endParaRPr lang="en-US" sz="2400" dirty="0">
-              <a:latin typeface="Calibri" panose="020F0502020204030204" pitchFamily="34" charset="0"/>
-              <a:cs typeface="Calibri" panose="020F0502020204030204" pitchFamily="34" charset="0"/>
-            </a:endParaRPr>
-          </a:p>
-        </p:txBody>
-      </p:sp>
-    </p:spTree>
-    <p:extLst>
-      <p:ext uri="{BB962C8B-B14F-4D97-AF65-F5344CB8AC3E}">
-        <p14:creationId xmlns:p14="http://schemas.microsoft.com/office/powerpoint/2010/main" val="405368261"/>
-      </p:ext>
-    </p:extLst>
-  </p:cSld>
-  <p:clrMapOvr>
-    <a:masterClrMapping/>
-  </p:clrMapOvr>
-</p:sld>
-</file>
-
 <file path=ppt/slides/slide3.xml><?xml version="1.0" encoding="utf-8"?>
 <p:sld xmlns:a="http://schemas.openxmlformats.org/drawingml/2006/main" xmlns:r="http://schemas.openxmlformats.org/officeDocument/2006/relationships" xmlns:p="http://schemas.openxmlformats.org/presentationml/2006/main">
   <p:cSld>
@@ -16609,8 +16721,8 @@
         </p:nvSpPr>
         <p:spPr>
           <a:xfrm>
-            <a:off x="1154955" y="776494"/>
-            <a:ext cx="8825658" cy="713639"/>
+            <a:off x="3378381" y="3022472"/>
+            <a:ext cx="4378806" cy="813055"/>
           </a:xfrm>
         </p:spPr>
         <p:txBody>
@@ -16618,22 +16730,22 @@
           <a:lstStyle/>
           <a:p>
             <a:r>
-              <a:rPr lang="ru-RU" sz="4400" dirty="0"/>
-              <a:t>Что такое </a:t>
-            </a:r>
-            <a:r>
-              <a:rPr lang="en-US" sz="4400" dirty="0"/>
-              <a:t>Reactive </a:t>
-            </a:r>
-            <a:r>
-              <a:rPr lang="en-US" sz="4400" dirty="0" err="1"/>
-              <a:t>Extentions</a:t>
-            </a:r>
-            <a:r>
-              <a:rPr lang="ru-RU" sz="4400" dirty="0"/>
-              <a:t>?</a:t>
-            </a:r>
-            <a:endParaRPr lang="en-US" sz="4400" dirty="0"/>
+              <a:rPr lang="en-US" sz="6600" dirty="0" err="1"/>
+              <a:t>Reactive</a:t>
+            </a:r>
+            <a:r>
+              <a:rPr lang="en-US" sz="6600" dirty="0" err="1">
+                <a:solidFill>
+                  <a:srgbClr val="B01513"/>
+                </a:solidFill>
+              </a:rPr>
+              <a:t>X</a:t>
+            </a:r>
+            <a:endParaRPr lang="en-US" sz="6600" dirty="0">
+              <a:solidFill>
+                <a:srgbClr val="B01513"/>
+              </a:solidFill>
+            </a:endParaRPr>
           </a:p>
         </p:txBody>
       </p:sp>
@@ -16653,12 +16765,7 @@
             <p:ph type="subTitle" idx="1"/>
           </p:nvPr>
         </p:nvSpPr>
-        <p:spPr>
-          <a:xfrm>
-            <a:off x="1154955" y="2861733"/>
-            <a:ext cx="8825658" cy="2777067"/>
-          </a:xfrm>
-        </p:spPr>
+        <p:spPr/>
         <p:txBody>
           <a:bodyPr/>
           <a:lstStyle/>
@@ -16670,7 +16777,7 @@
     </p:spTree>
     <p:extLst>
       <p:ext uri="{BB962C8B-B14F-4D97-AF65-F5344CB8AC3E}">
-        <p14:creationId xmlns:p14="http://schemas.microsoft.com/office/powerpoint/2010/main" val="4190111287"/>
+        <p14:creationId xmlns:p14="http://schemas.microsoft.com/office/powerpoint/2010/main" val="2843183001"/>
       </p:ext>
     </p:extLst>
   </p:cSld>
@@ -16725,7 +16832,7 @@
           <a:p>
             <a:r>
               <a:rPr lang="en-US" sz="4400" dirty="0"/>
-              <a:t>Rx Pattern …</a:t>
+              <a:t>Rx Pattern?</a:t>
             </a:r>
           </a:p>
         </p:txBody>
@@ -16758,20 +16865,17 @@
           </a:bodyPr>
           <a:lstStyle/>
           <a:p>
-            <a:r>
-              <a:rPr lang="en-US" sz="2400" dirty="0">
-                <a:latin typeface="Calibri" panose="020F0502020204030204" pitchFamily="34" charset="0"/>
-                <a:cs typeface="Calibri" panose="020F0502020204030204" pitchFamily="34" charset="0"/>
-              </a:rPr>
-              <a:t>… = Observable Pattern + Iterator Pattern</a:t>
-            </a:r>
+            <a:endParaRPr lang="en-US" sz="2400" dirty="0">
+              <a:latin typeface="Calibri" panose="020F0502020204030204" pitchFamily="34" charset="0"/>
+              <a:cs typeface="Calibri" panose="020F0502020204030204" pitchFamily="34" charset="0"/>
+            </a:endParaRPr>
           </a:p>
         </p:txBody>
       </p:sp>
     </p:spTree>
     <p:extLst>
       <p:ext uri="{BB962C8B-B14F-4D97-AF65-F5344CB8AC3E}">
-        <p14:creationId xmlns:p14="http://schemas.microsoft.com/office/powerpoint/2010/main" val="3243588851"/>
+        <p14:creationId xmlns:p14="http://schemas.microsoft.com/office/powerpoint/2010/main" val="405368261"/>
       </p:ext>
     </p:extLst>
   </p:cSld>
@@ -16825,10 +16929,9 @@
           <a:lstStyle/>
           <a:p>
             <a:r>
-              <a:rPr lang="ru-RU" sz="4400" dirty="0"/>
-              <a:t>Что нового?</a:t>
-            </a:r>
-            <a:endParaRPr lang="en-US" sz="4400" dirty="0"/>
+              <a:rPr lang="en-US" sz="4400" dirty="0"/>
+              <a:t>Rx Pattern …</a:t>
+            </a:r>
           </a:p>
         </p:txBody>
       </p:sp>
@@ -16855,17 +16958,25 @@
           </a:xfrm>
         </p:spPr>
         <p:txBody>
-          <a:bodyPr/>
+          <a:bodyPr>
+            <a:normAutofit/>
+          </a:bodyPr>
           <a:lstStyle/>
           <a:p>
-            <a:endParaRPr lang="en-US" dirty="0"/>
+            <a:r>
+              <a:rPr lang="en-US" sz="2400" dirty="0">
+                <a:latin typeface="Calibri" panose="020F0502020204030204" pitchFamily="34" charset="0"/>
+                <a:cs typeface="Calibri" panose="020F0502020204030204" pitchFamily="34" charset="0"/>
+              </a:rPr>
+              <a:t>… = Observable Pattern + Iterator Pattern</a:t>
+            </a:r>
           </a:p>
         </p:txBody>
       </p:sp>
     </p:spTree>
     <p:extLst>
       <p:ext uri="{BB962C8B-B14F-4D97-AF65-F5344CB8AC3E}">
-        <p14:creationId xmlns:p14="http://schemas.microsoft.com/office/powerpoint/2010/main" val="365145755"/>
+        <p14:creationId xmlns:p14="http://schemas.microsoft.com/office/powerpoint/2010/main" val="3243588851"/>
       </p:ext>
     </p:extLst>
   </p:cSld>
@@ -16949,32 +17060,17 @@
           </a:xfrm>
         </p:spPr>
         <p:txBody>
-          <a:bodyPr>
-            <a:normAutofit/>
-          </a:bodyPr>
+          <a:bodyPr/>
           <a:lstStyle/>
           <a:p>
-            <a:r>
-              <a:rPr lang="ru-RU" sz="2400" dirty="0">
-                <a:latin typeface="Calibri" panose="020F0502020204030204" pitchFamily="34" charset="0"/>
-                <a:cs typeface="Calibri" panose="020F0502020204030204" pitchFamily="34" charset="0"/>
-              </a:rPr>
-              <a:t>А Ничего</a:t>
-            </a:r>
-            <a:r>
-              <a:rPr lang="en-US" sz="2400" dirty="0">
-                <a:latin typeface="Calibri" panose="020F0502020204030204" pitchFamily="34" charset="0"/>
-                <a:cs typeface="Calibri" panose="020F0502020204030204" pitchFamily="34" charset="0"/>
-              </a:rPr>
-              <a:t> …</a:t>
-            </a:r>
+            <a:endParaRPr lang="en-US" dirty="0"/>
           </a:p>
         </p:txBody>
       </p:sp>
     </p:spTree>
     <p:extLst>
       <p:ext uri="{BB962C8B-B14F-4D97-AF65-F5344CB8AC3E}">
-        <p14:creationId xmlns:p14="http://schemas.microsoft.com/office/powerpoint/2010/main" val="2490571679"/>
+        <p14:creationId xmlns:p14="http://schemas.microsoft.com/office/powerpoint/2010/main" val="365145755"/>
       </p:ext>
     </p:extLst>
   </p:cSld>
@@ -17058,7 +17154,9 @@
           </a:xfrm>
         </p:spPr>
         <p:txBody>
-          <a:bodyPr/>
+          <a:bodyPr>
+            <a:normAutofit/>
+          </a:bodyPr>
           <a:lstStyle/>
           <a:p>
             <a:r>
@@ -17074,23 +17172,6 @@
                 <a:cs typeface="Calibri" panose="020F0502020204030204" pitchFamily="34" charset="0"/>
               </a:rPr>
               <a:t> …</a:t>
-            </a:r>
-            <a:endParaRPr lang="ru-RU" sz="2400" dirty="0">
-              <a:latin typeface="Calibri" panose="020F0502020204030204" pitchFamily="34" charset="0"/>
-              <a:cs typeface="Calibri" panose="020F0502020204030204" pitchFamily="34" charset="0"/>
-            </a:endParaRPr>
-          </a:p>
-          <a:p>
-            <a:pPr marL="285750" indent="-285750">
-              <a:buFont typeface="Arial" panose="020B0604020202020204" pitchFamily="34" charset="0"/>
-              <a:buChar char="•"/>
-            </a:pPr>
-            <a:r>
-              <a:rPr lang="ru-RU" b="1" dirty="0">
-                <a:latin typeface="Calibri" panose="020F0502020204030204" pitchFamily="34" charset="0"/>
-                <a:cs typeface="Calibri" panose="020F0502020204030204" pitchFamily="34" charset="0"/>
-              </a:rPr>
-              <a:t>За всем что меняется можно наблюдать и реагировать</a:t>
             </a:r>
           </a:p>
         </p:txBody>
@@ -17098,7 +17179,7 @@
     </p:spTree>
     <p:extLst>
       <p:ext uri="{BB962C8B-B14F-4D97-AF65-F5344CB8AC3E}">
-        <p14:creationId xmlns:p14="http://schemas.microsoft.com/office/powerpoint/2010/main" val="2653499621"/>
+        <p14:creationId xmlns:p14="http://schemas.microsoft.com/office/powerpoint/2010/main" val="2490571679"/>
       </p:ext>
     </p:extLst>
   </p:cSld>
@@ -17210,24 +17291,11 @@
               <a:buChar char="•"/>
             </a:pPr>
             <a:r>
-              <a:rPr lang="ru-RU" sz="1400" dirty="0">
+              <a:rPr lang="ru-RU" b="1" dirty="0">
                 <a:latin typeface="Calibri" panose="020F0502020204030204" pitchFamily="34" charset="0"/>
                 <a:cs typeface="Calibri" panose="020F0502020204030204" pitchFamily="34" charset="0"/>
               </a:rPr>
               <a:t>За всем что меняется можно наблюдать и реагировать</a:t>
-            </a:r>
-          </a:p>
-          <a:p>
-            <a:pPr marL="285750" indent="-285750">
-              <a:buFont typeface="Arial" panose="020B0604020202020204" pitchFamily="34" charset="0"/>
-              <a:buChar char="•"/>
-            </a:pPr>
-            <a:r>
-              <a:rPr lang="en-US" b="1" dirty="0">
-                <a:latin typeface="Calibri" panose="020F0502020204030204" pitchFamily="34" charset="0"/>
-                <a:cs typeface="Calibri" panose="020F0502020204030204" pitchFamily="34" charset="0"/>
-              </a:rPr>
-              <a:t>Observable</a:t>
             </a:r>
           </a:p>
         </p:txBody>
@@ -17235,7 +17303,7 @@
     </p:spTree>
     <p:extLst>
       <p:ext uri="{BB962C8B-B14F-4D97-AF65-F5344CB8AC3E}">
-        <p14:creationId xmlns:p14="http://schemas.microsoft.com/office/powerpoint/2010/main" val="3748695232"/>
+        <p14:creationId xmlns:p14="http://schemas.microsoft.com/office/powerpoint/2010/main" val="2653499621"/>
       </p:ext>
     </p:extLst>
   </p:cSld>
@@ -17360,24 +17428,11 @@
               <a:buChar char="•"/>
             </a:pPr>
             <a:r>
-              <a:rPr lang="en-US" sz="1400" dirty="0">
+              <a:rPr lang="en-US" b="1" dirty="0">
                 <a:latin typeface="Calibri" panose="020F0502020204030204" pitchFamily="34" charset="0"/>
                 <a:cs typeface="Calibri" panose="020F0502020204030204" pitchFamily="34" charset="0"/>
               </a:rPr>
               <a:t>Observable</a:t>
-            </a:r>
-          </a:p>
-          <a:p>
-            <a:pPr marL="285750" indent="-285750">
-              <a:buFont typeface="Arial" panose="020B0604020202020204" pitchFamily="34" charset="0"/>
-              <a:buChar char="•"/>
-            </a:pPr>
-            <a:r>
-              <a:rPr lang="en-US" b="1" dirty="0">
-                <a:latin typeface="Calibri" panose="020F0502020204030204" pitchFamily="34" charset="0"/>
-                <a:cs typeface="Calibri" panose="020F0502020204030204" pitchFamily="34" charset="0"/>
-              </a:rPr>
-              <a:t>Event == Observable</a:t>
             </a:r>
           </a:p>
         </p:txBody>
@@ -17385,7 +17440,7 @@
     </p:spTree>
     <p:extLst>
       <p:ext uri="{BB962C8B-B14F-4D97-AF65-F5344CB8AC3E}">
-        <p14:creationId xmlns:p14="http://schemas.microsoft.com/office/powerpoint/2010/main" val="213210093"/>
+        <p14:creationId xmlns:p14="http://schemas.microsoft.com/office/powerpoint/2010/main" val="3748695232"/>
       </p:ext>
     </p:extLst>
   </p:cSld>
@@ -17523,24 +17578,11 @@
               <a:buChar char="•"/>
             </a:pPr>
             <a:r>
-              <a:rPr lang="en-US" sz="1400" dirty="0">
+              <a:rPr lang="en-US" b="1" dirty="0">
                 <a:latin typeface="Calibri" panose="020F0502020204030204" pitchFamily="34" charset="0"/>
                 <a:cs typeface="Calibri" panose="020F0502020204030204" pitchFamily="34" charset="0"/>
               </a:rPr>
               <a:t>Event == Observable</a:t>
-            </a:r>
-          </a:p>
-          <a:p>
-            <a:pPr marL="285750" indent="-285750">
-              <a:buFont typeface="Arial" panose="020B0604020202020204" pitchFamily="34" charset="0"/>
-              <a:buChar char="•"/>
-            </a:pPr>
-            <a:r>
-              <a:rPr lang="en-US" b="1" dirty="0">
-                <a:latin typeface="Calibri" panose="020F0502020204030204" pitchFamily="34" charset="0"/>
-                <a:cs typeface="Calibri" panose="020F0502020204030204" pitchFamily="34" charset="0"/>
-              </a:rPr>
-              <a:t>Async == Observable</a:t>
             </a:r>
           </a:p>
         </p:txBody>
@@ -17548,7 +17590,7 @@
     </p:spTree>
     <p:extLst>
       <p:ext uri="{BB962C8B-B14F-4D97-AF65-F5344CB8AC3E}">
-        <p14:creationId xmlns:p14="http://schemas.microsoft.com/office/powerpoint/2010/main" val="1029918151"/>
+        <p14:creationId xmlns:p14="http://schemas.microsoft.com/office/powerpoint/2010/main" val="213210093"/>
       </p:ext>
     </p:extLst>
   </p:cSld>
@@ -17603,7 +17645,7 @@
           <a:p>
             <a:r>
               <a:rPr lang="ru-RU" sz="4400" dirty="0"/>
-              <a:t>Откуда ноги ростут?</a:t>
+              <a:t>Что нового?</a:t>
             </a:r>
             <a:endParaRPr lang="en-US" sz="4400" dirty="0"/>
           </a:p>
@@ -17635,14 +17677,83 @@
           <a:bodyPr/>
           <a:lstStyle/>
           <a:p>
-            <a:endParaRPr lang="en-US" dirty="0"/>
+            <a:r>
+              <a:rPr lang="ru-RU" sz="2400" dirty="0">
+                <a:latin typeface="Calibri" panose="020F0502020204030204" pitchFamily="34" charset="0"/>
+                <a:cs typeface="Calibri" panose="020F0502020204030204" pitchFamily="34" charset="0"/>
+              </a:rPr>
+              <a:t>А Ничего</a:t>
+            </a:r>
+            <a:r>
+              <a:rPr lang="en-US" sz="2400" dirty="0">
+                <a:latin typeface="Calibri" panose="020F0502020204030204" pitchFamily="34" charset="0"/>
+                <a:cs typeface="Calibri" panose="020F0502020204030204" pitchFamily="34" charset="0"/>
+              </a:rPr>
+              <a:t> …</a:t>
+            </a:r>
+            <a:endParaRPr lang="ru-RU" sz="2400" dirty="0">
+              <a:latin typeface="Calibri" panose="020F0502020204030204" pitchFamily="34" charset="0"/>
+              <a:cs typeface="Calibri" panose="020F0502020204030204" pitchFamily="34" charset="0"/>
+            </a:endParaRPr>
+          </a:p>
+          <a:p>
+            <a:pPr marL="285750" indent="-285750">
+              <a:buFont typeface="Arial" panose="020B0604020202020204" pitchFamily="34" charset="0"/>
+              <a:buChar char="•"/>
+            </a:pPr>
+            <a:r>
+              <a:rPr lang="ru-RU" sz="1400" dirty="0">
+                <a:latin typeface="Calibri" panose="020F0502020204030204" pitchFamily="34" charset="0"/>
+                <a:cs typeface="Calibri" panose="020F0502020204030204" pitchFamily="34" charset="0"/>
+              </a:rPr>
+              <a:t>За всем что меняется можно наблюдать и реагировать</a:t>
+            </a:r>
+          </a:p>
+          <a:p>
+            <a:pPr marL="285750" indent="-285750">
+              <a:buFont typeface="Arial" panose="020B0604020202020204" pitchFamily="34" charset="0"/>
+              <a:buChar char="•"/>
+            </a:pPr>
+            <a:r>
+              <a:rPr lang="en-US" sz="1400" dirty="0">
+                <a:latin typeface="Calibri" panose="020F0502020204030204" pitchFamily="34" charset="0"/>
+                <a:cs typeface="Calibri" panose="020F0502020204030204" pitchFamily="34" charset="0"/>
+              </a:rPr>
+              <a:t>Observable</a:t>
+            </a:r>
+          </a:p>
+          <a:p>
+            <a:pPr marL="285750" indent="-285750">
+              <a:buFont typeface="Arial" panose="020B0604020202020204" pitchFamily="34" charset="0"/>
+              <a:buChar char="•"/>
+            </a:pPr>
+            <a:r>
+              <a:rPr lang="en-US" sz="1400" dirty="0">
+                <a:latin typeface="Calibri" panose="020F0502020204030204" pitchFamily="34" charset="0"/>
+                <a:cs typeface="Calibri" panose="020F0502020204030204" pitchFamily="34" charset="0"/>
+              </a:rPr>
+              <a:t>Event == Observable</a:t>
+            </a:r>
+          </a:p>
+          <a:p>
+            <a:pPr marL="285750" indent="-285750">
+              <a:buFont typeface="Arial" panose="020B0604020202020204" pitchFamily="34" charset="0"/>
+              <a:buChar char="•"/>
+            </a:pPr>
+            <a:r>
+              <a:rPr lang="en-US" b="1" dirty="0">
+                <a:latin typeface="Calibri" panose="020F0502020204030204" pitchFamily="34" charset="0"/>
+                <a:cs typeface="Calibri" panose="020F0502020204030204" pitchFamily="34" charset="0"/>
+              </a:rPr>
+              <a:t>Async == Observable</a:t>
+            </a:r>
           </a:p>
         </p:txBody>
       </p:sp>
     </p:spTree>
     <p:extLst>
       <p:ext uri="{BB962C8B-B14F-4D97-AF65-F5344CB8AC3E}">
-        <p14:creationId xmlns:p14="http://schemas.microsoft.com/office/powerpoint/2010/main" val="3692161473"/>
+        <p14:creationId xmlns:p14="http://schemas.microsoft.com/office/powerpoint/2010/main" val="1029918151"/>
       </p:ext>
     </p:extLst>
   </p:cSld>
@@ -17721,41 +17832,22 @@
         </p:nvSpPr>
         <p:spPr>
           <a:xfrm>
-            <a:off x="1154955" y="2937753"/>
-            <a:ext cx="8825658" cy="2701047"/>
+            <a:off x="1154955" y="2861733"/>
+            <a:ext cx="8825658" cy="2777067"/>
           </a:xfrm>
         </p:spPr>
         <p:txBody>
           <a:bodyPr/>
           <a:lstStyle/>
           <a:p>
-            <a:r>
-              <a:rPr lang="ru-RU" dirty="0">
-                <a:latin typeface="Calibri" panose="020F0502020204030204" pitchFamily="34" charset="0"/>
-                <a:cs typeface="Calibri" panose="020F0502020204030204" pitchFamily="34" charset="0"/>
-              </a:rPr>
-              <a:t>От </a:t>
-            </a:r>
-            <a:r>
-              <a:rPr lang="en-US" dirty="0">
-                <a:latin typeface="Calibri" panose="020F0502020204030204" pitchFamily="34" charset="0"/>
-                <a:cs typeface="Calibri" panose="020F0502020204030204" pitchFamily="34" charset="0"/>
-              </a:rPr>
-              <a:t>…</a:t>
-            </a:r>
-          </a:p>
-          <a:p>
-            <a:endParaRPr lang="en-US" dirty="0">
-              <a:latin typeface="Calibri" panose="020F0502020204030204" pitchFamily="34" charset="0"/>
-              <a:cs typeface="Calibri" panose="020F0502020204030204" pitchFamily="34" charset="0"/>
-            </a:endParaRPr>
+            <a:endParaRPr lang="en-US" dirty="0"/>
           </a:p>
         </p:txBody>
       </p:sp>
     </p:spTree>
     <p:extLst>
       <p:ext uri="{BB962C8B-B14F-4D97-AF65-F5344CB8AC3E}">
-        <p14:creationId xmlns:p14="http://schemas.microsoft.com/office/powerpoint/2010/main" val="300070751"/>
+        <p14:creationId xmlns:p14="http://schemas.microsoft.com/office/powerpoint/2010/main" val="3692161473"/>
       </p:ext>
     </p:extLst>
   </p:cSld>
@@ -17834,8 +17926,8 @@
         </p:nvSpPr>
         <p:spPr>
           <a:xfrm>
-            <a:off x="1154955" y="2861733"/>
-            <a:ext cx="8825658" cy="2777067"/>
+            <a:off x="1154955" y="2937753"/>
+            <a:ext cx="8825658" cy="2701047"/>
           </a:xfrm>
         </p:spPr>
         <p:txBody>
@@ -17854,25 +17946,8 @@
                 <a:latin typeface="Calibri" panose="020F0502020204030204" pitchFamily="34" charset="0"/>
                 <a:cs typeface="Calibri" panose="020F0502020204030204" pitchFamily="34" charset="0"/>
               </a:rPr>
-              <a:t>… </a:t>
-            </a:r>
-            <a:r>
-              <a:rPr lang="en-US" sz="2400" b="1" dirty="0">
-                <a:latin typeface="Calibri" panose="020F0502020204030204" pitchFamily="34" charset="0"/>
-                <a:cs typeface="Calibri" panose="020F0502020204030204" pitchFamily="34" charset="0"/>
-              </a:rPr>
-              <a:t>Microsoft</a:t>
-            </a:r>
-            <a:endParaRPr lang="en-US" b="1" dirty="0">
-              <a:latin typeface="Calibri" panose="020F0502020204030204" pitchFamily="34" charset="0"/>
-              <a:cs typeface="Calibri" panose="020F0502020204030204" pitchFamily="34" charset="0"/>
-            </a:endParaRPr>
-          </a:p>
-          <a:p>
-            <a:endParaRPr lang="ru-RU" dirty="0">
-              <a:latin typeface="Calibri" panose="020F0502020204030204" pitchFamily="34" charset="0"/>
-              <a:cs typeface="Calibri" panose="020F0502020204030204" pitchFamily="34" charset="0"/>
-            </a:endParaRPr>
+              <a:t>…</a:t>
+            </a:r>
           </a:p>
           <a:p>
             <a:endParaRPr lang="en-US" dirty="0">
@@ -17885,7 +17960,7 @@
     </p:spTree>
     <p:extLst>
       <p:ext uri="{BB962C8B-B14F-4D97-AF65-F5344CB8AC3E}">
-        <p14:creationId xmlns:p14="http://schemas.microsoft.com/office/powerpoint/2010/main" val="3577867714"/>
+        <p14:creationId xmlns:p14="http://schemas.microsoft.com/office/powerpoint/2010/main" val="300070751"/>
       </p:ext>
     </p:extLst>
   </p:cSld>
@@ -17939,12 +18014,20 @@
           <a:lstStyle/>
           <a:p>
             <a:r>
+              <a:rPr lang="ru-RU" sz="4400" dirty="0"/>
+              <a:t>Что такое </a:t>
+            </a:r>
+            <a:r>
               <a:rPr lang="en-US" sz="4400" dirty="0"/>
               <a:t>Reactive </a:t>
             </a:r>
             <a:r>
               <a:rPr lang="en-US" sz="4400" dirty="0" err="1"/>
               <a:t>Extentions</a:t>
+            </a:r>
+            <a:r>
+              <a:rPr lang="ru-RU" sz="4400" dirty="0"/>
+              <a:t>?</a:t>
             </a:r>
             <a:endParaRPr lang="en-US" sz="4400" dirty="0"/>
           </a:p>
@@ -17976,40 +18059,14 @@
           <a:bodyPr/>
           <a:lstStyle/>
           <a:p>
-            <a:r>
-              <a:rPr lang="ru-RU" dirty="0">
-                <a:latin typeface="Calibri" panose="020F0502020204030204" pitchFamily="34" charset="0"/>
-                <a:cs typeface="Calibri" panose="020F0502020204030204" pitchFamily="34" charset="0"/>
-              </a:rPr>
-              <a:t>Реактивное программирование </a:t>
-            </a:r>
-            <a:endParaRPr lang="en-US" dirty="0">
-              <a:latin typeface="Calibri" panose="020F0502020204030204" pitchFamily="34" charset="0"/>
-              <a:cs typeface="Calibri" panose="020F0502020204030204" pitchFamily="34" charset="0"/>
-            </a:endParaRPr>
-          </a:p>
-          <a:p>
-            <a:r>
-              <a:rPr lang="ru-RU" b="1" dirty="0">
-                <a:latin typeface="Calibri" panose="020F0502020204030204" pitchFamily="34" charset="0"/>
-                <a:cs typeface="Calibri" panose="020F0502020204030204" pitchFamily="34" charset="0"/>
-              </a:rPr>
-              <a:t>— программирование с асинхронными потоками данных</a:t>
-            </a:r>
-            <a:r>
-              <a:rPr lang="en-US" b="1" dirty="0">
-                <a:latin typeface="Calibri" panose="020F0502020204030204" pitchFamily="34" charset="0"/>
-                <a:cs typeface="Calibri" panose="020F0502020204030204" pitchFamily="34" charset="0"/>
-              </a:rPr>
-              <a:t>.</a:t>
-            </a:r>
+            <a:endParaRPr lang="en-US" dirty="0"/>
           </a:p>
         </p:txBody>
       </p:sp>
     </p:spTree>
     <p:extLst>
       <p:ext uri="{BB962C8B-B14F-4D97-AF65-F5344CB8AC3E}">
-        <p14:creationId xmlns:p14="http://schemas.microsoft.com/office/powerpoint/2010/main" val="992808077"/>
+        <p14:creationId xmlns:p14="http://schemas.microsoft.com/office/powerpoint/2010/main" val="4190111287"/>
       </p:ext>
     </p:extLst>
   </p:cSld>
@@ -18020,6 +18077,136 @@
 </file>
 
 <file path=ppt/slides/slide40.xml><?xml version="1.0" encoding="utf-8"?>
+<p:sld xmlns:a="http://schemas.openxmlformats.org/drawingml/2006/main" xmlns:r="http://schemas.openxmlformats.org/officeDocument/2006/relationships" xmlns:p="http://schemas.openxmlformats.org/presentationml/2006/main">
+  <p:cSld>
+    <p:spTree>
+      <p:nvGrpSpPr>
+        <p:cNvPr id="1" name=""/>
+        <p:cNvGrpSpPr/>
+        <p:nvPr/>
+      </p:nvGrpSpPr>
+      <p:grpSpPr>
+        <a:xfrm>
+          <a:off x="0" y="0"/>
+          <a:ext cx="0" cy="0"/>
+          <a:chOff x="0" y="0"/>
+          <a:chExt cx="0" cy="0"/>
+        </a:xfrm>
+      </p:grpSpPr>
+      <p:sp>
+        <p:nvSpPr>
+          <p:cNvPr id="2" name="Title 1">
+            <a:extLst>
+              <a:ext uri="{FF2B5EF4-FFF2-40B4-BE49-F238E27FC236}">
+                <a16:creationId xmlns:a16="http://schemas.microsoft.com/office/drawing/2014/main" id="{F8ADAE79-72C3-4128-BC87-DBC5B059028E}"/>
+              </a:ext>
+            </a:extLst>
+          </p:cNvPr>
+          <p:cNvSpPr>
+            <a:spLocks noGrp="1"/>
+          </p:cNvSpPr>
+          <p:nvPr>
+            <p:ph type="ctrTitle"/>
+          </p:nvPr>
+        </p:nvSpPr>
+        <p:spPr>
+          <a:xfrm>
+            <a:off x="1154955" y="776494"/>
+            <a:ext cx="8825658" cy="713639"/>
+          </a:xfrm>
+        </p:spPr>
+        <p:txBody>
+          <a:bodyPr/>
+          <a:lstStyle/>
+          <a:p>
+            <a:r>
+              <a:rPr lang="ru-RU" sz="4400" dirty="0"/>
+              <a:t>Откуда ноги ростут?</a:t>
+            </a:r>
+            <a:endParaRPr lang="en-US" sz="4400" dirty="0"/>
+          </a:p>
+        </p:txBody>
+      </p:sp>
+      <p:sp>
+        <p:nvSpPr>
+          <p:cNvPr id="3" name="Subtitle 2">
+            <a:extLst>
+              <a:ext uri="{FF2B5EF4-FFF2-40B4-BE49-F238E27FC236}">
+                <a16:creationId xmlns:a16="http://schemas.microsoft.com/office/drawing/2014/main" id="{60C395F4-B5A3-4F2F-855A-0006FCE96DD0}"/>
+              </a:ext>
+            </a:extLst>
+          </p:cNvPr>
+          <p:cNvSpPr>
+            <a:spLocks noGrp="1"/>
+          </p:cNvSpPr>
+          <p:nvPr>
+            <p:ph type="subTitle" idx="1"/>
+          </p:nvPr>
+        </p:nvSpPr>
+        <p:spPr>
+          <a:xfrm>
+            <a:off x="1154955" y="2861733"/>
+            <a:ext cx="8825658" cy="2777067"/>
+          </a:xfrm>
+        </p:spPr>
+        <p:txBody>
+          <a:bodyPr/>
+          <a:lstStyle/>
+          <a:p>
+            <a:r>
+              <a:rPr lang="ru-RU" dirty="0">
+                <a:latin typeface="Calibri" panose="020F0502020204030204" pitchFamily="34" charset="0"/>
+                <a:cs typeface="Calibri" panose="020F0502020204030204" pitchFamily="34" charset="0"/>
+              </a:rPr>
+              <a:t>От </a:t>
+            </a:r>
+            <a:r>
+              <a:rPr lang="en-US" dirty="0">
+                <a:latin typeface="Calibri" panose="020F0502020204030204" pitchFamily="34" charset="0"/>
+                <a:cs typeface="Calibri" panose="020F0502020204030204" pitchFamily="34" charset="0"/>
+              </a:rPr>
+              <a:t>… </a:t>
+            </a:r>
+            <a:r>
+              <a:rPr lang="en-US" sz="2400" b="1" dirty="0">
+                <a:latin typeface="Calibri" panose="020F0502020204030204" pitchFamily="34" charset="0"/>
+                <a:cs typeface="Calibri" panose="020F0502020204030204" pitchFamily="34" charset="0"/>
+              </a:rPr>
+              <a:t>Microsoft</a:t>
+            </a:r>
+            <a:endParaRPr lang="en-US" b="1" dirty="0">
+              <a:latin typeface="Calibri" panose="020F0502020204030204" pitchFamily="34" charset="0"/>
+              <a:cs typeface="Calibri" panose="020F0502020204030204" pitchFamily="34" charset="0"/>
+            </a:endParaRPr>
+          </a:p>
+          <a:p>
+            <a:endParaRPr lang="ru-RU" dirty="0">
+              <a:latin typeface="Calibri" panose="020F0502020204030204" pitchFamily="34" charset="0"/>
+              <a:cs typeface="Calibri" panose="020F0502020204030204" pitchFamily="34" charset="0"/>
+            </a:endParaRPr>
+          </a:p>
+          <a:p>
+            <a:endParaRPr lang="en-US" dirty="0">
+              <a:latin typeface="Calibri" panose="020F0502020204030204" pitchFamily="34" charset="0"/>
+              <a:cs typeface="Calibri" panose="020F0502020204030204" pitchFamily="34" charset="0"/>
+            </a:endParaRPr>
+          </a:p>
+        </p:txBody>
+      </p:sp>
+    </p:spTree>
+    <p:extLst>
+      <p:ext uri="{BB962C8B-B14F-4D97-AF65-F5344CB8AC3E}">
+        <p14:creationId xmlns:p14="http://schemas.microsoft.com/office/powerpoint/2010/main" val="3577867714"/>
+      </p:ext>
+    </p:extLst>
+  </p:cSld>
+  <p:clrMapOvr>
+    <a:masterClrMapping/>
+  </p:clrMapOvr>
+</p:sld>
+</file>
+
+<file path=ppt/slides/slide41.xml><?xml version="1.0" encoding="utf-8"?>
 <p:sld xmlns:a="http://schemas.openxmlformats.org/drawingml/2006/main" xmlns:r="http://schemas.openxmlformats.org/officeDocument/2006/relationships" xmlns:p="http://schemas.openxmlformats.org/presentationml/2006/main">
   <p:cSld>
     <p:spTree>
@@ -18148,155 +18335,6 @@
 </p:sld>
 </file>
 
-<file path=ppt/slides/slide41.xml><?xml version="1.0" encoding="utf-8"?>
-<p:sld xmlns:a="http://schemas.openxmlformats.org/drawingml/2006/main" xmlns:r="http://schemas.openxmlformats.org/officeDocument/2006/relationships" xmlns:p="http://schemas.openxmlformats.org/presentationml/2006/main">
-  <p:cSld>
-    <p:spTree>
-      <p:nvGrpSpPr>
-        <p:cNvPr id="1" name=""/>
-        <p:cNvGrpSpPr/>
-        <p:nvPr/>
-      </p:nvGrpSpPr>
-      <p:grpSpPr>
-        <a:xfrm>
-          <a:off x="0" y="0"/>
-          <a:ext cx="0" cy="0"/>
-          <a:chOff x="0" y="0"/>
-          <a:chExt cx="0" cy="0"/>
-        </a:xfrm>
-      </p:grpSpPr>
-      <p:sp>
-        <p:nvSpPr>
-          <p:cNvPr id="2" name="Title 1">
-            <a:extLst>
-              <a:ext uri="{FF2B5EF4-FFF2-40B4-BE49-F238E27FC236}">
-                <a16:creationId xmlns:a16="http://schemas.microsoft.com/office/drawing/2014/main" id="{F8ADAE79-72C3-4128-BC87-DBC5B059028E}"/>
-              </a:ext>
-            </a:extLst>
-          </p:cNvPr>
-          <p:cNvSpPr>
-            <a:spLocks noGrp="1"/>
-          </p:cNvSpPr>
-          <p:nvPr>
-            <p:ph type="ctrTitle"/>
-          </p:nvPr>
-        </p:nvSpPr>
-        <p:spPr>
-          <a:xfrm>
-            <a:off x="1154955" y="776494"/>
-            <a:ext cx="8825658" cy="713639"/>
-          </a:xfrm>
-        </p:spPr>
-        <p:txBody>
-          <a:bodyPr/>
-          <a:lstStyle/>
-          <a:p>
-            <a:r>
-              <a:rPr lang="ru-RU" sz="4400" dirty="0"/>
-              <a:t>Откуда ноги ростут?</a:t>
-            </a:r>
-            <a:endParaRPr lang="en-US" sz="4400" dirty="0"/>
-          </a:p>
-        </p:txBody>
-      </p:sp>
-      <p:sp>
-        <p:nvSpPr>
-          <p:cNvPr id="3" name="Subtitle 2">
-            <a:extLst>
-              <a:ext uri="{FF2B5EF4-FFF2-40B4-BE49-F238E27FC236}">
-                <a16:creationId xmlns:a16="http://schemas.microsoft.com/office/drawing/2014/main" id="{60C395F4-B5A3-4F2F-855A-0006FCE96DD0}"/>
-              </a:ext>
-            </a:extLst>
-          </p:cNvPr>
-          <p:cNvSpPr>
-            <a:spLocks noGrp="1"/>
-          </p:cNvSpPr>
-          <p:nvPr>
-            <p:ph type="subTitle" idx="1"/>
-          </p:nvPr>
-        </p:nvSpPr>
-        <p:spPr>
-          <a:xfrm>
-            <a:off x="1154955" y="2861733"/>
-            <a:ext cx="8825658" cy="2777067"/>
-          </a:xfrm>
-        </p:spPr>
-        <p:txBody>
-          <a:bodyPr/>
-          <a:lstStyle/>
-          <a:p>
-            <a:r>
-              <a:rPr lang="ru-RU" dirty="0">
-                <a:latin typeface="Calibri" panose="020F0502020204030204" pitchFamily="34" charset="0"/>
-                <a:cs typeface="Calibri" panose="020F0502020204030204" pitchFamily="34" charset="0"/>
-              </a:rPr>
-              <a:t>А именно </a:t>
-            </a:r>
-            <a:r>
-              <a:rPr lang="ru-RU" sz="2400" b="1" dirty="0">
-                <a:latin typeface="Calibri" panose="020F0502020204030204" pitchFamily="34" charset="0"/>
-                <a:cs typeface="Calibri" panose="020F0502020204030204" pitchFamily="34" charset="0"/>
-              </a:rPr>
-              <a:t>эрик мейер</a:t>
-            </a:r>
-            <a:r>
-              <a:rPr lang="ru-RU" dirty="0">
-                <a:latin typeface="Calibri" panose="020F0502020204030204" pitchFamily="34" charset="0"/>
-                <a:cs typeface="Calibri" panose="020F0502020204030204" pitchFamily="34" charset="0"/>
-              </a:rPr>
-              <a:t>. </a:t>
-            </a:r>
-          </a:p>
-          <a:p>
-            <a:r>
-              <a:rPr lang="ru-RU" dirty="0">
-                <a:latin typeface="Calibri" panose="020F0502020204030204" pitchFamily="34" charset="0"/>
-                <a:cs typeface="Calibri" panose="020F0502020204030204" pitchFamily="34" charset="0"/>
-              </a:rPr>
-              <a:t>Он же занимался созданием </a:t>
-            </a:r>
-            <a:r>
-              <a:rPr lang="en-US" sz="2400" b="1" dirty="0">
-                <a:latin typeface="Calibri" panose="020F0502020204030204" pitchFamily="34" charset="0"/>
-                <a:cs typeface="Calibri" panose="020F0502020204030204" pitchFamily="34" charset="0"/>
-              </a:rPr>
-              <a:t>LINQ</a:t>
-            </a:r>
-            <a:r>
-              <a:rPr lang="en-US" dirty="0">
-                <a:latin typeface="Calibri" panose="020F0502020204030204" pitchFamily="34" charset="0"/>
-                <a:cs typeface="Calibri" panose="020F0502020204030204" pitchFamily="34" charset="0"/>
-              </a:rPr>
-              <a:t>.</a:t>
-            </a:r>
-          </a:p>
-          <a:p>
-            <a:endParaRPr lang="ru-RU" dirty="0">
-              <a:latin typeface="Calibri" panose="020F0502020204030204" pitchFamily="34" charset="0"/>
-              <a:cs typeface="Calibri" panose="020F0502020204030204" pitchFamily="34" charset="0"/>
-            </a:endParaRPr>
-          </a:p>
-          <a:p>
-            <a:endParaRPr lang="en-US" dirty="0">
-              <a:latin typeface="Calibri" panose="020F0502020204030204" pitchFamily="34" charset="0"/>
-              <a:cs typeface="Calibri" panose="020F0502020204030204" pitchFamily="34" charset="0"/>
-            </a:endParaRPr>
-          </a:p>
-        </p:txBody>
-      </p:sp>
-    </p:spTree>
-    <p:extLst>
-      <p:ext uri="{BB962C8B-B14F-4D97-AF65-F5344CB8AC3E}">
-        <p14:creationId xmlns:p14="http://schemas.microsoft.com/office/powerpoint/2010/main" val="2935667717"/>
-      </p:ext>
-    </p:extLst>
-  </p:cSld>
-  <p:clrMapOvr>
-    <a:masterClrMapping/>
-  </p:clrMapOvr>
-</p:sld>
-</file>
-
 <file path=ppt/slides/slide42.xml><?xml version="1.0" encoding="utf-8"?>
 <p:sld xmlns:a="http://schemas.openxmlformats.org/drawingml/2006/main" xmlns:r="http://schemas.openxmlformats.org/officeDocument/2006/relationships" xmlns:p="http://schemas.openxmlformats.org/presentationml/2006/main">
   <p:cSld>
@@ -18333,7 +18371,7 @@
         <p:spPr>
           <a:xfrm>
             <a:off x="1154955" y="776494"/>
-            <a:ext cx="9199778" cy="713639"/>
+            <a:ext cx="8825658" cy="713639"/>
           </a:xfrm>
         </p:spPr>
         <p:txBody>
@@ -18341,9 +18379,10 @@
           <a:lstStyle/>
           <a:p>
             <a:r>
-              <a:rPr lang="en-US" sz="4400" dirty="0"/>
-              <a:t>Cold Observable</a:t>
-            </a:r>
+              <a:rPr lang="ru-RU" sz="4400" dirty="0"/>
+              <a:t>Откуда ноги ростут?</a:t>
+            </a:r>
+            <a:endParaRPr lang="en-US" sz="4400" dirty="0"/>
           </a:p>
         </p:txBody>
       </p:sp>
@@ -18373,14 +18412,69 @@
           <a:bodyPr/>
           <a:lstStyle/>
           <a:p>
-            <a:endParaRPr lang="en-US" dirty="0"/>
+            <a:r>
+              <a:rPr lang="ru-RU" dirty="0">
+                <a:latin typeface="Calibri" panose="020F0502020204030204" pitchFamily="34" charset="0"/>
+                <a:cs typeface="Calibri" panose="020F0502020204030204" pitchFamily="34" charset="0"/>
+              </a:rPr>
+              <a:t>А именно </a:t>
+            </a:r>
+            <a:r>
+              <a:rPr lang="ru-RU" sz="2400" b="1" dirty="0">
+                <a:latin typeface="Calibri" panose="020F0502020204030204" pitchFamily="34" charset="0"/>
+                <a:cs typeface="Calibri" panose="020F0502020204030204" pitchFamily="34" charset="0"/>
+              </a:rPr>
+              <a:t>эрик мейер</a:t>
+            </a:r>
+            <a:r>
+              <a:rPr lang="ru-RU" dirty="0">
+                <a:latin typeface="Calibri" panose="020F0502020204030204" pitchFamily="34" charset="0"/>
+                <a:cs typeface="Calibri" panose="020F0502020204030204" pitchFamily="34" charset="0"/>
+              </a:rPr>
+              <a:t>. </a:t>
+            </a:r>
+          </a:p>
+          <a:p>
+            <a:r>
+              <a:rPr lang="ru-RU" dirty="0">
+                <a:latin typeface="Calibri" panose="020F0502020204030204" pitchFamily="34" charset="0"/>
+                <a:cs typeface="Calibri" panose="020F0502020204030204" pitchFamily="34" charset="0"/>
+              </a:rPr>
+              <a:t>Он же занимался созданием </a:t>
+            </a:r>
+            <a:r>
+              <a:rPr lang="en-US" sz="2400" b="1" dirty="0">
+                <a:latin typeface="Calibri" panose="020F0502020204030204" pitchFamily="34" charset="0"/>
+                <a:cs typeface="Calibri" panose="020F0502020204030204" pitchFamily="34" charset="0"/>
+              </a:rPr>
+              <a:t>LINQ</a:t>
+            </a:r>
+            <a:r>
+              <a:rPr lang="en-US" dirty="0">
+                <a:latin typeface="Calibri" panose="020F0502020204030204" pitchFamily="34" charset="0"/>
+                <a:cs typeface="Calibri" panose="020F0502020204030204" pitchFamily="34" charset="0"/>
+              </a:rPr>
+              <a:t>.</a:t>
+            </a:r>
+          </a:p>
+          <a:p>
+            <a:endParaRPr lang="ru-RU" dirty="0">
+              <a:latin typeface="Calibri" panose="020F0502020204030204" pitchFamily="34" charset="0"/>
+              <a:cs typeface="Calibri" panose="020F0502020204030204" pitchFamily="34" charset="0"/>
+            </a:endParaRPr>
+          </a:p>
+          <a:p>
+            <a:endParaRPr lang="en-US" dirty="0">
+              <a:latin typeface="Calibri" panose="020F0502020204030204" pitchFamily="34" charset="0"/>
+              <a:cs typeface="Calibri" panose="020F0502020204030204" pitchFamily="34" charset="0"/>
+            </a:endParaRPr>
           </a:p>
         </p:txBody>
       </p:sp>
     </p:spTree>
     <p:extLst>
       <p:ext uri="{BB962C8B-B14F-4D97-AF65-F5344CB8AC3E}">
-        <p14:creationId xmlns:p14="http://schemas.microsoft.com/office/powerpoint/2010/main" val="907882589"/>
+        <p14:creationId xmlns:p14="http://schemas.microsoft.com/office/powerpoint/2010/main" val="2935667717"/>
       </p:ext>
     </p:extLst>
   </p:cSld>
@@ -18435,7 +18529,7 @@
           <a:p>
             <a:r>
               <a:rPr lang="en-US" sz="4400" dirty="0"/>
-              <a:t>Cold Observable</a:t>
+              <a:t>Cold Observables</a:t>
             </a:r>
           </a:p>
         </p:txBody>
@@ -18466,54 +18560,14 @@
           <a:bodyPr/>
           <a:lstStyle/>
           <a:p>
-            <a:pPr marL="285750" indent="-285750">
-              <a:buFont typeface="Arial" panose="020B0604020202020204" pitchFamily="34" charset="0"/>
-              <a:buChar char="•"/>
-            </a:pPr>
-            <a:r>
-              <a:rPr lang="ru-RU" dirty="0">
-                <a:latin typeface="Calibri" panose="020F0502020204030204" pitchFamily="34" charset="0"/>
-                <a:cs typeface="Calibri" panose="020F0502020204030204" pitchFamily="34" charset="0"/>
-              </a:rPr>
-              <a:t>Уведомляют о событиях, когда на них кто-то подписывается.</a:t>
-            </a:r>
-          </a:p>
-          <a:p>
-            <a:pPr marL="285750" indent="-285750">
-              <a:buFont typeface="Arial" panose="020B0604020202020204" pitchFamily="34" charset="0"/>
-              <a:buChar char="•"/>
-            </a:pPr>
-            <a:r>
-              <a:rPr lang="ru-RU" dirty="0">
-                <a:latin typeface="Calibri" panose="020F0502020204030204" pitchFamily="34" charset="0"/>
-                <a:cs typeface="Calibri" panose="020F0502020204030204" pitchFamily="34" charset="0"/>
-              </a:rPr>
-              <a:t>Весь поток данных отправляется заново каждому подписчику независимо от времени подписки.</a:t>
-            </a:r>
-          </a:p>
-          <a:p>
-            <a:pPr marL="285750" indent="-285750">
-              <a:buFont typeface="Arial" panose="020B0604020202020204" pitchFamily="34" charset="0"/>
-              <a:buChar char="•"/>
-            </a:pPr>
-            <a:r>
-              <a:rPr lang="ru-RU" dirty="0">
-                <a:latin typeface="Calibri" panose="020F0502020204030204" pitchFamily="34" charset="0"/>
-                <a:cs typeface="Calibri" panose="020F0502020204030204" pitchFamily="34" charset="0"/>
-              </a:rPr>
-              <a:t>Данные копируются для каждого подписчика.</a:t>
-            </a:r>
-            <a:endParaRPr lang="en-US" dirty="0">
-              <a:latin typeface="Calibri" panose="020F0502020204030204" pitchFamily="34" charset="0"/>
-              <a:cs typeface="Calibri" panose="020F0502020204030204" pitchFamily="34" charset="0"/>
-            </a:endParaRPr>
+            <a:endParaRPr lang="en-US" dirty="0"/>
           </a:p>
         </p:txBody>
       </p:sp>
     </p:spTree>
     <p:extLst>
       <p:ext uri="{BB962C8B-B14F-4D97-AF65-F5344CB8AC3E}">
-        <p14:creationId xmlns:p14="http://schemas.microsoft.com/office/powerpoint/2010/main" val="4136132158"/>
+        <p14:creationId xmlns:p14="http://schemas.microsoft.com/office/powerpoint/2010/main" val="907882589"/>
       </p:ext>
     </p:extLst>
   </p:cSld>
@@ -18568,7 +18622,7 @@
           <a:p>
             <a:r>
               <a:rPr lang="en-US" sz="4400" dirty="0"/>
-              <a:t>Hot Observable</a:t>
+              <a:t>Cold Observables</a:t>
             </a:r>
           </a:p>
         </p:txBody>
@@ -18599,14 +18653,54 @@
           <a:bodyPr/>
           <a:lstStyle/>
           <a:p>
-            <a:endParaRPr lang="en-US" dirty="0"/>
+            <a:pPr marL="285750" indent="-285750">
+              <a:buFont typeface="Arial" panose="020B0604020202020204" pitchFamily="34" charset="0"/>
+              <a:buChar char="•"/>
+            </a:pPr>
+            <a:r>
+              <a:rPr lang="ru-RU" dirty="0">
+                <a:latin typeface="Calibri" panose="020F0502020204030204" pitchFamily="34" charset="0"/>
+                <a:cs typeface="Calibri" panose="020F0502020204030204" pitchFamily="34" charset="0"/>
+              </a:rPr>
+              <a:t>Уведомляют о событиях, когда на них кто-то подписывается.</a:t>
+            </a:r>
+          </a:p>
+          <a:p>
+            <a:pPr marL="285750" indent="-285750">
+              <a:buFont typeface="Arial" panose="020B0604020202020204" pitchFamily="34" charset="0"/>
+              <a:buChar char="•"/>
+            </a:pPr>
+            <a:r>
+              <a:rPr lang="ru-RU" dirty="0">
+                <a:latin typeface="Calibri" panose="020F0502020204030204" pitchFamily="34" charset="0"/>
+                <a:cs typeface="Calibri" panose="020F0502020204030204" pitchFamily="34" charset="0"/>
+              </a:rPr>
+              <a:t>Весь поток данных отправляется заново каждому подписчику независимо от времени подписки.</a:t>
+            </a:r>
+          </a:p>
+          <a:p>
+            <a:pPr marL="285750" indent="-285750">
+              <a:buFont typeface="Arial" panose="020B0604020202020204" pitchFamily="34" charset="0"/>
+              <a:buChar char="•"/>
+            </a:pPr>
+            <a:r>
+              <a:rPr lang="ru-RU" dirty="0">
+                <a:latin typeface="Calibri" panose="020F0502020204030204" pitchFamily="34" charset="0"/>
+                <a:cs typeface="Calibri" panose="020F0502020204030204" pitchFamily="34" charset="0"/>
+              </a:rPr>
+              <a:t>Данные копируются для каждого подписчика.</a:t>
+            </a:r>
+            <a:endParaRPr lang="en-US" dirty="0">
+              <a:latin typeface="Calibri" panose="020F0502020204030204" pitchFamily="34" charset="0"/>
+              <a:cs typeface="Calibri" panose="020F0502020204030204" pitchFamily="34" charset="0"/>
+            </a:endParaRPr>
           </a:p>
         </p:txBody>
       </p:sp>
     </p:spTree>
     <p:extLst>
       <p:ext uri="{BB962C8B-B14F-4D97-AF65-F5344CB8AC3E}">
-        <p14:creationId xmlns:p14="http://schemas.microsoft.com/office/powerpoint/2010/main" val="3540414963"/>
+        <p14:creationId xmlns:p14="http://schemas.microsoft.com/office/powerpoint/2010/main" val="4136132158"/>
       </p:ext>
     </p:extLst>
   </p:cSld>
@@ -18661,7 +18755,7 @@
           <a:p>
             <a:r>
               <a:rPr lang="en-US" sz="4400" dirty="0"/>
-              <a:t>Hot Observable</a:t>
+              <a:t>Hot Observables</a:t>
             </a:r>
           </a:p>
         </p:txBody>
@@ -18692,24 +18786,14 @@
           <a:bodyPr/>
           <a:lstStyle/>
           <a:p>
-            <a:r>
-              <a:rPr lang="ru-RU" dirty="0">
-                <a:latin typeface="Calibri" panose="020F0502020204030204" pitchFamily="34" charset="0"/>
-                <a:cs typeface="Calibri" panose="020F0502020204030204" pitchFamily="34" charset="0"/>
-              </a:rPr>
-              <a:t>Пытаются уведомлять о событии независимо от наличия подписчиков. Если на момент события не было подписчиков — данные теряются.</a:t>
-            </a:r>
-            <a:endParaRPr lang="en-US" dirty="0">
-              <a:latin typeface="Calibri" panose="020F0502020204030204" pitchFamily="34" charset="0"/>
-              <a:cs typeface="Calibri" panose="020F0502020204030204" pitchFamily="34" charset="0"/>
-            </a:endParaRPr>
+            <a:endParaRPr lang="en-US" dirty="0"/>
           </a:p>
         </p:txBody>
       </p:sp>
     </p:spTree>
     <p:extLst>
       <p:ext uri="{BB962C8B-B14F-4D97-AF65-F5344CB8AC3E}">
-        <p14:creationId xmlns:p14="http://schemas.microsoft.com/office/powerpoint/2010/main" val="4015319512"/>
+        <p14:creationId xmlns:p14="http://schemas.microsoft.com/office/powerpoint/2010/main" val="3540414963"/>
       </p:ext>
     </p:extLst>
   </p:cSld>
@@ -18755,7 +18839,7 @@
         <p:spPr>
           <a:xfrm>
             <a:off x="1154955" y="776494"/>
-            <a:ext cx="9199778" cy="719797"/>
+            <a:ext cx="9199778" cy="713639"/>
           </a:xfrm>
         </p:spPr>
         <p:txBody>
@@ -18763,10 +18847,9 @@
           <a:lstStyle/>
           <a:p>
             <a:r>
-              <a:rPr lang="ru-RU" sz="4400" dirty="0"/>
-              <a:t>Когда использовать?</a:t>
-            </a:r>
-            <a:endParaRPr lang="en-US" sz="4400" dirty="0"/>
+              <a:rPr lang="en-US" sz="4400" dirty="0"/>
+              <a:t>Hot Observables</a:t>
+            </a:r>
           </a:p>
         </p:txBody>
       </p:sp>
@@ -18796,6 +18879,13 @@
           <a:bodyPr/>
           <a:lstStyle/>
           <a:p>
+            <a:r>
+              <a:rPr lang="ru-RU" dirty="0">
+                <a:latin typeface="Calibri" panose="020F0502020204030204" pitchFamily="34" charset="0"/>
+                <a:cs typeface="Calibri" panose="020F0502020204030204" pitchFamily="34" charset="0"/>
+              </a:rPr>
+              <a:t>Пытаются уведомлять о событии независимо от наличия подписчиков. Если на момент события не было подписчиков — данные теряются.</a:t>
+            </a:r>
             <a:endParaRPr lang="en-US" dirty="0">
               <a:latin typeface="Calibri" panose="020F0502020204030204" pitchFamily="34" charset="0"/>
               <a:cs typeface="Calibri" panose="020F0502020204030204" pitchFamily="34" charset="0"/>
@@ -18806,7 +18896,7 @@
     </p:spTree>
     <p:extLst>
       <p:ext uri="{BB962C8B-B14F-4D97-AF65-F5344CB8AC3E}">
-        <p14:creationId xmlns:p14="http://schemas.microsoft.com/office/powerpoint/2010/main" val="4003927247"/>
+        <p14:creationId xmlns:p14="http://schemas.microsoft.com/office/powerpoint/2010/main" val="4015319512"/>
       </p:ext>
     </p:extLst>
   </p:cSld>
@@ -18893,12 +18983,109 @@
           <a:bodyPr/>
           <a:lstStyle/>
           <a:p>
+            <a:endParaRPr lang="en-US" dirty="0">
+              <a:latin typeface="Calibri" panose="020F0502020204030204" pitchFamily="34" charset="0"/>
+              <a:cs typeface="Calibri" panose="020F0502020204030204" pitchFamily="34" charset="0"/>
+            </a:endParaRPr>
+          </a:p>
+        </p:txBody>
+      </p:sp>
+    </p:spTree>
+    <p:extLst>
+      <p:ext uri="{BB962C8B-B14F-4D97-AF65-F5344CB8AC3E}">
+        <p14:creationId xmlns:p14="http://schemas.microsoft.com/office/powerpoint/2010/main" val="4003927247"/>
+      </p:ext>
+    </p:extLst>
+  </p:cSld>
+  <p:clrMapOvr>
+    <a:masterClrMapping/>
+  </p:clrMapOvr>
+</p:sld>
+</file>
+
+<file path=ppt/slides/slide48.xml><?xml version="1.0" encoding="utf-8"?>
+<p:sld xmlns:a="http://schemas.openxmlformats.org/drawingml/2006/main" xmlns:r="http://schemas.openxmlformats.org/officeDocument/2006/relationships" xmlns:p="http://schemas.openxmlformats.org/presentationml/2006/main">
+  <p:cSld>
+    <p:spTree>
+      <p:nvGrpSpPr>
+        <p:cNvPr id="1" name=""/>
+        <p:cNvGrpSpPr/>
+        <p:nvPr/>
+      </p:nvGrpSpPr>
+      <p:grpSpPr>
+        <a:xfrm>
+          <a:off x="0" y="0"/>
+          <a:ext cx="0" cy="0"/>
+          <a:chOff x="0" y="0"/>
+          <a:chExt cx="0" cy="0"/>
+        </a:xfrm>
+      </p:grpSpPr>
+      <p:sp>
+        <p:nvSpPr>
+          <p:cNvPr id="2" name="Title 1">
+            <a:extLst>
+              <a:ext uri="{FF2B5EF4-FFF2-40B4-BE49-F238E27FC236}">
+                <a16:creationId xmlns:a16="http://schemas.microsoft.com/office/drawing/2014/main" id="{F8ADAE79-72C3-4128-BC87-DBC5B059028E}"/>
+              </a:ext>
+            </a:extLst>
+          </p:cNvPr>
+          <p:cNvSpPr>
+            <a:spLocks noGrp="1"/>
+          </p:cNvSpPr>
+          <p:nvPr>
+            <p:ph type="ctrTitle"/>
+          </p:nvPr>
+        </p:nvSpPr>
+        <p:spPr>
+          <a:xfrm>
+            <a:off x="1154955" y="776494"/>
+            <a:ext cx="9199778" cy="719797"/>
+          </a:xfrm>
+        </p:spPr>
+        <p:txBody>
+          <a:bodyPr/>
+          <a:lstStyle/>
+          <a:p>
+            <a:r>
+              <a:rPr lang="ru-RU" sz="4400" dirty="0"/>
+              <a:t>Когда использовать?</a:t>
+            </a:r>
+            <a:endParaRPr lang="en-US" sz="4400" dirty="0"/>
+          </a:p>
+        </p:txBody>
+      </p:sp>
+      <p:sp>
+        <p:nvSpPr>
+          <p:cNvPr id="3" name="Subtitle 2">
+            <a:extLst>
+              <a:ext uri="{FF2B5EF4-FFF2-40B4-BE49-F238E27FC236}">
+                <a16:creationId xmlns:a16="http://schemas.microsoft.com/office/drawing/2014/main" id="{60C395F4-B5A3-4F2F-855A-0006FCE96DD0}"/>
+              </a:ext>
+            </a:extLst>
+          </p:cNvPr>
+          <p:cNvSpPr>
+            <a:spLocks noGrp="1"/>
+          </p:cNvSpPr>
+          <p:nvPr>
+            <p:ph type="subTitle" idx="1"/>
+          </p:nvPr>
+        </p:nvSpPr>
+        <p:spPr>
+          <a:xfrm>
+            <a:off x="1154955" y="2861733"/>
+            <a:ext cx="8825658" cy="2777067"/>
+          </a:xfrm>
+        </p:spPr>
+        <p:txBody>
+          <a:bodyPr/>
+          <a:lstStyle/>
+          <a:p>
             <a:r>
               <a:rPr lang="ru-RU" dirty="0">
                 <a:latin typeface="Calibri" panose="020F0502020204030204" pitchFamily="34" charset="0"/>
                 <a:cs typeface="Calibri" panose="020F0502020204030204" pitchFamily="34" charset="0"/>
               </a:rPr>
-              <a:t>Когда есть поток данных, распределённый во времени.</a:t>
+              <a:t>Когда есть потоки данных, распределённые во времени.</a:t>
             </a:r>
             <a:endParaRPr lang="en-US" dirty="0">
               <a:latin typeface="Calibri" panose="020F0502020204030204" pitchFamily="34" charset="0"/>
@@ -18920,7 +19107,7 @@
 </p:sld>
 </file>
 
-<file path=ppt/slides/slide48.xml><?xml version="1.0" encoding="utf-8"?>
+<file path=ppt/slides/slide49.xml><?xml version="1.0" encoding="utf-8"?>
 <p:sld xmlns:a="http://schemas.openxmlformats.org/drawingml/2006/main" xmlns:r="http://schemas.openxmlformats.org/officeDocument/2006/relationships" xmlns:p="http://schemas.openxmlformats.org/presentationml/2006/main">
   <p:cSld>
     <p:spTree>
@@ -18986,7 +19173,7 @@
 </p:sld>
 </file>
 
-<file path=ppt/slides/slide49.xml><?xml version="1.0" encoding="utf-8"?>
+<file path=ppt/slides/slide5.xml><?xml version="1.0" encoding="utf-8"?>
 <p:sld xmlns:a="http://schemas.openxmlformats.org/drawingml/2006/main" xmlns:r="http://schemas.openxmlformats.org/officeDocument/2006/relationships" xmlns:p="http://schemas.openxmlformats.org/presentationml/2006/main">
   <p:cSld>
     <p:spTree>
@@ -19022,7 +19209,7 @@
         <p:spPr>
           <a:xfrm>
             <a:off x="1154955" y="776494"/>
-            <a:ext cx="9199778" cy="713639"/>
+            <a:ext cx="8825658" cy="713639"/>
           </a:xfrm>
         </p:spPr>
         <p:txBody>
@@ -19031,8 +19218,13 @@
           <a:p>
             <a:r>
               <a:rPr lang="en-US" sz="4400" dirty="0"/>
-              <a:t>Languages</a:t>
-            </a:r>
+              <a:t>Reactive </a:t>
+            </a:r>
+            <a:r>
+              <a:rPr lang="en-US" sz="4400" dirty="0" err="1"/>
+              <a:t>Extentions</a:t>
+            </a:r>
+            <a:endParaRPr lang="en-US" sz="4400" dirty="0"/>
           </a:p>
         </p:txBody>
       </p:sp>
@@ -19055,6 +19247,125 @@
         <p:spPr>
           <a:xfrm>
             <a:off x="1154955" y="2861733"/>
+            <a:ext cx="8825658" cy="2777067"/>
+          </a:xfrm>
+        </p:spPr>
+        <p:txBody>
+          <a:bodyPr/>
+          <a:lstStyle/>
+          <a:p>
+            <a:r>
+              <a:rPr lang="ru-RU" dirty="0">
+                <a:latin typeface="Calibri" panose="020F0502020204030204" pitchFamily="34" charset="0"/>
+                <a:cs typeface="Calibri" panose="020F0502020204030204" pitchFamily="34" charset="0"/>
+              </a:rPr>
+              <a:t>Реактивное программирование </a:t>
+            </a:r>
+            <a:endParaRPr lang="en-US" dirty="0">
+              <a:latin typeface="Calibri" panose="020F0502020204030204" pitchFamily="34" charset="0"/>
+              <a:cs typeface="Calibri" panose="020F0502020204030204" pitchFamily="34" charset="0"/>
+            </a:endParaRPr>
+          </a:p>
+          <a:p>
+            <a:r>
+              <a:rPr lang="ru-RU" b="1" dirty="0">
+                <a:latin typeface="Calibri" panose="020F0502020204030204" pitchFamily="34" charset="0"/>
+                <a:cs typeface="Calibri" panose="020F0502020204030204" pitchFamily="34" charset="0"/>
+              </a:rPr>
+              <a:t>— программирование с асинхронными потоками данных</a:t>
+            </a:r>
+            <a:r>
+              <a:rPr lang="en-US" b="1" dirty="0">
+                <a:latin typeface="Calibri" panose="020F0502020204030204" pitchFamily="34" charset="0"/>
+                <a:cs typeface="Calibri" panose="020F0502020204030204" pitchFamily="34" charset="0"/>
+              </a:rPr>
+              <a:t>.</a:t>
+            </a:r>
+          </a:p>
+        </p:txBody>
+      </p:sp>
+    </p:spTree>
+    <p:extLst>
+      <p:ext uri="{BB962C8B-B14F-4D97-AF65-F5344CB8AC3E}">
+        <p14:creationId xmlns:p14="http://schemas.microsoft.com/office/powerpoint/2010/main" val="992808077"/>
+      </p:ext>
+    </p:extLst>
+  </p:cSld>
+  <p:clrMapOvr>
+    <a:masterClrMapping/>
+  </p:clrMapOvr>
+</p:sld>
+</file>
+
+<file path=ppt/slides/slide50.xml><?xml version="1.0" encoding="utf-8"?>
+<p:sld xmlns:a="http://schemas.openxmlformats.org/drawingml/2006/main" xmlns:r="http://schemas.openxmlformats.org/officeDocument/2006/relationships" xmlns:p="http://schemas.openxmlformats.org/presentationml/2006/main">
+  <p:cSld>
+    <p:spTree>
+      <p:nvGrpSpPr>
+        <p:cNvPr id="1" name=""/>
+        <p:cNvGrpSpPr/>
+        <p:nvPr/>
+      </p:nvGrpSpPr>
+      <p:grpSpPr>
+        <a:xfrm>
+          <a:off x="0" y="0"/>
+          <a:ext cx="0" cy="0"/>
+          <a:chOff x="0" y="0"/>
+          <a:chExt cx="0" cy="0"/>
+        </a:xfrm>
+      </p:grpSpPr>
+      <p:sp>
+        <p:nvSpPr>
+          <p:cNvPr id="2" name="Title 1">
+            <a:extLst>
+              <a:ext uri="{FF2B5EF4-FFF2-40B4-BE49-F238E27FC236}">
+                <a16:creationId xmlns:a16="http://schemas.microsoft.com/office/drawing/2014/main" id="{F8ADAE79-72C3-4128-BC87-DBC5B059028E}"/>
+              </a:ext>
+            </a:extLst>
+          </p:cNvPr>
+          <p:cNvSpPr>
+            <a:spLocks noGrp="1"/>
+          </p:cNvSpPr>
+          <p:nvPr>
+            <p:ph type="ctrTitle"/>
+          </p:nvPr>
+        </p:nvSpPr>
+        <p:spPr>
+          <a:xfrm>
+            <a:off x="1154955" y="776494"/>
+            <a:ext cx="9199778" cy="713639"/>
+          </a:xfrm>
+        </p:spPr>
+        <p:txBody>
+          <a:bodyPr/>
+          <a:lstStyle/>
+          <a:p>
+            <a:r>
+              <a:rPr lang="en-US" sz="4400" dirty="0"/>
+              <a:t>Languages</a:t>
+            </a:r>
+          </a:p>
+        </p:txBody>
+      </p:sp>
+      <p:sp>
+        <p:nvSpPr>
+          <p:cNvPr id="3" name="Subtitle 2">
+            <a:extLst>
+              <a:ext uri="{FF2B5EF4-FFF2-40B4-BE49-F238E27FC236}">
+                <a16:creationId xmlns:a16="http://schemas.microsoft.com/office/drawing/2014/main" id="{60C395F4-B5A3-4F2F-855A-0006FCE96DD0}"/>
+              </a:ext>
+            </a:extLst>
+          </p:cNvPr>
+          <p:cNvSpPr>
+            <a:spLocks noGrp="1"/>
+          </p:cNvSpPr>
+          <p:nvPr>
+            <p:ph type="subTitle" idx="1"/>
+          </p:nvPr>
+        </p:nvSpPr>
+        <p:spPr>
+          <a:xfrm>
+            <a:off x="1154955" y="2861733"/>
             <a:ext cx="1985409" cy="2777067"/>
           </a:xfrm>
         </p:spPr>
@@ -19065,47 +19376,47 @@
           <a:lstStyle/>
           <a:p>
             <a:r>
-              <a:rPr lang="en-US" dirty="0">
+              <a:rPr lang="en-US" cap="none" dirty="0">
                 <a:latin typeface="Calibri" panose="020F0502020204030204" pitchFamily="34" charset="0"/>
                 <a:cs typeface="Calibri" panose="020F0502020204030204" pitchFamily="34" charset="0"/>
               </a:rPr>
               <a:t>Java: </a:t>
             </a:r>
             <a:r>
-              <a:rPr lang="en-US" dirty="0" err="1">
+              <a:rPr lang="en-US" cap="none" dirty="0" err="1">
                 <a:latin typeface="Calibri" panose="020F0502020204030204" pitchFamily="34" charset="0"/>
                 <a:cs typeface="Calibri" panose="020F0502020204030204" pitchFamily="34" charset="0"/>
               </a:rPr>
               <a:t>RxJava</a:t>
             </a:r>
-            <a:endParaRPr lang="en-US" dirty="0">
+            <a:endParaRPr lang="en-US" cap="none" dirty="0">
               <a:latin typeface="Calibri" panose="020F0502020204030204" pitchFamily="34" charset="0"/>
               <a:cs typeface="Calibri" panose="020F0502020204030204" pitchFamily="34" charset="0"/>
             </a:endParaRPr>
           </a:p>
           <a:p>
             <a:r>
-              <a:rPr lang="en-US" dirty="0">
+              <a:rPr lang="en-US" cap="none" dirty="0">
                 <a:latin typeface="Calibri" panose="020F0502020204030204" pitchFamily="34" charset="0"/>
                 <a:cs typeface="Calibri" panose="020F0502020204030204" pitchFamily="34" charset="0"/>
               </a:rPr>
               <a:t>JavaScript: </a:t>
             </a:r>
             <a:r>
-              <a:rPr lang="en-US" dirty="0" err="1">
+              <a:rPr lang="en-US" cap="none" dirty="0" err="1">
                 <a:latin typeface="Calibri" panose="020F0502020204030204" pitchFamily="34" charset="0"/>
                 <a:cs typeface="Calibri" panose="020F0502020204030204" pitchFamily="34" charset="0"/>
               </a:rPr>
               <a:t>RxJS</a:t>
             </a:r>
-            <a:endParaRPr lang="en-US" dirty="0">
+            <a:endParaRPr lang="en-US" cap="none" dirty="0">
               <a:latin typeface="Calibri" panose="020F0502020204030204" pitchFamily="34" charset="0"/>
               <a:cs typeface="Calibri" panose="020F0502020204030204" pitchFamily="34" charset="0"/>
             </a:endParaRPr>
           </a:p>
           <a:p>
             <a:r>
-              <a:rPr lang="en-US" dirty="0">
+              <a:rPr lang="en-US" cap="none" dirty="0">
                 <a:latin typeface="Calibri" panose="020F0502020204030204" pitchFamily="34" charset="0"/>
                 <a:cs typeface="Calibri" panose="020F0502020204030204" pitchFamily="34" charset="0"/>
               </a:rPr>
@@ -19114,60 +19425,60 @@
           </a:p>
           <a:p>
             <a:r>
-              <a:rPr lang="en-US" dirty="0">
+              <a:rPr lang="en-US" cap="none" dirty="0">
                 <a:latin typeface="Calibri" panose="020F0502020204030204" pitchFamily="34" charset="0"/>
                 <a:cs typeface="Calibri" panose="020F0502020204030204" pitchFamily="34" charset="0"/>
               </a:rPr>
               <a:t>C#(Unity): </a:t>
             </a:r>
             <a:r>
-              <a:rPr lang="en-US" dirty="0" err="1">
+              <a:rPr lang="en-US" cap="none" dirty="0" err="1">
                 <a:latin typeface="Calibri" panose="020F0502020204030204" pitchFamily="34" charset="0"/>
                 <a:cs typeface="Calibri" panose="020F0502020204030204" pitchFamily="34" charset="0"/>
               </a:rPr>
               <a:t>UniRx</a:t>
             </a:r>
-            <a:endParaRPr lang="en-US" dirty="0">
+            <a:endParaRPr lang="en-US" cap="none" dirty="0">
               <a:latin typeface="Calibri" panose="020F0502020204030204" pitchFamily="34" charset="0"/>
               <a:cs typeface="Calibri" panose="020F0502020204030204" pitchFamily="34" charset="0"/>
             </a:endParaRPr>
           </a:p>
           <a:p>
             <a:r>
-              <a:rPr lang="en-US" dirty="0">
+              <a:rPr lang="en-US" cap="none" dirty="0">
                 <a:latin typeface="Calibri" panose="020F0502020204030204" pitchFamily="34" charset="0"/>
                 <a:cs typeface="Calibri" panose="020F0502020204030204" pitchFamily="34" charset="0"/>
               </a:rPr>
               <a:t>Scala: </a:t>
             </a:r>
             <a:r>
-              <a:rPr lang="en-US" dirty="0" err="1">
+              <a:rPr lang="en-US" cap="none" dirty="0" err="1">
                 <a:latin typeface="Calibri" panose="020F0502020204030204" pitchFamily="34" charset="0"/>
                 <a:cs typeface="Calibri" panose="020F0502020204030204" pitchFamily="34" charset="0"/>
               </a:rPr>
               <a:t>RxScala</a:t>
             </a:r>
-            <a:endParaRPr lang="en-US" dirty="0">
+            <a:endParaRPr lang="en-US" cap="none" dirty="0">
               <a:latin typeface="Calibri" panose="020F0502020204030204" pitchFamily="34" charset="0"/>
               <a:cs typeface="Calibri" panose="020F0502020204030204" pitchFamily="34" charset="0"/>
             </a:endParaRPr>
           </a:p>
           <a:p>
             <a:r>
-              <a:rPr lang="en-US" dirty="0">
+              <a:rPr lang="en-US" cap="none" dirty="0">
                 <a:latin typeface="Calibri" panose="020F0502020204030204" pitchFamily="34" charset="0"/>
                 <a:cs typeface="Calibri" panose="020F0502020204030204" pitchFamily="34" charset="0"/>
               </a:rPr>
               <a:t>Clojure: </a:t>
             </a:r>
             <a:r>
-              <a:rPr lang="en-US" dirty="0" err="1">
+              <a:rPr lang="en-US" cap="none" dirty="0" err="1">
                 <a:latin typeface="Calibri" panose="020F0502020204030204" pitchFamily="34" charset="0"/>
                 <a:cs typeface="Calibri" panose="020F0502020204030204" pitchFamily="34" charset="0"/>
               </a:rPr>
               <a:t>RxClojure</a:t>
             </a:r>
-            <a:endParaRPr lang="en-US" dirty="0">
+            <a:endParaRPr lang="en-US" cap="none" dirty="0">
               <a:latin typeface="Calibri" panose="020F0502020204030204" pitchFamily="34" charset="0"/>
               <a:cs typeface="Calibri" panose="020F0502020204030204" pitchFamily="34" charset="0"/>
             </a:endParaRPr>
@@ -19422,120 +19733,120 @@
           </a:lstStyle>
           <a:p>
             <a:r>
-              <a:rPr lang="en-US" dirty="0">
+              <a:rPr lang="en-US" cap="none" dirty="0">
                 <a:latin typeface="Calibri" panose="020F0502020204030204" pitchFamily="34" charset="0"/>
                 <a:cs typeface="Calibri" panose="020F0502020204030204" pitchFamily="34" charset="0"/>
               </a:rPr>
               <a:t>C++: </a:t>
             </a:r>
             <a:r>
-              <a:rPr lang="en-US" dirty="0" err="1">
+              <a:rPr lang="en-US" cap="none" dirty="0" err="1">
                 <a:latin typeface="Calibri" panose="020F0502020204030204" pitchFamily="34" charset="0"/>
                 <a:cs typeface="Calibri" panose="020F0502020204030204" pitchFamily="34" charset="0"/>
               </a:rPr>
               <a:t>RxCpp</a:t>
             </a:r>
-            <a:endParaRPr lang="en-US" dirty="0">
+            <a:endParaRPr lang="en-US" cap="none" dirty="0">
               <a:latin typeface="Calibri" panose="020F0502020204030204" pitchFamily="34" charset="0"/>
               <a:cs typeface="Calibri" panose="020F0502020204030204" pitchFamily="34" charset="0"/>
             </a:endParaRPr>
           </a:p>
           <a:p>
             <a:r>
-              <a:rPr lang="en-US" dirty="0">
+              <a:rPr lang="en-US" cap="none" dirty="0">
                 <a:latin typeface="Calibri" panose="020F0502020204030204" pitchFamily="34" charset="0"/>
                 <a:cs typeface="Calibri" panose="020F0502020204030204" pitchFamily="34" charset="0"/>
               </a:rPr>
               <a:t>Lua: </a:t>
             </a:r>
             <a:r>
-              <a:rPr lang="en-US" dirty="0" err="1">
+              <a:rPr lang="en-US" cap="none" dirty="0" err="1">
                 <a:latin typeface="Calibri" panose="020F0502020204030204" pitchFamily="34" charset="0"/>
                 <a:cs typeface="Calibri" panose="020F0502020204030204" pitchFamily="34" charset="0"/>
               </a:rPr>
               <a:t>RxLua</a:t>
             </a:r>
-            <a:endParaRPr lang="en-US" dirty="0">
+            <a:endParaRPr lang="en-US" cap="none" dirty="0">
               <a:latin typeface="Calibri" panose="020F0502020204030204" pitchFamily="34" charset="0"/>
               <a:cs typeface="Calibri" panose="020F0502020204030204" pitchFamily="34" charset="0"/>
             </a:endParaRPr>
           </a:p>
           <a:p>
             <a:r>
-              <a:rPr lang="en-US" dirty="0">
+              <a:rPr lang="en-US" cap="none" dirty="0">
                 <a:latin typeface="Calibri" panose="020F0502020204030204" pitchFamily="34" charset="0"/>
                 <a:cs typeface="Calibri" panose="020F0502020204030204" pitchFamily="34" charset="0"/>
               </a:rPr>
               <a:t>Ruby: </a:t>
             </a:r>
             <a:r>
-              <a:rPr lang="en-US" dirty="0" err="1">
+              <a:rPr lang="en-US" cap="none" dirty="0" err="1">
                 <a:latin typeface="Calibri" panose="020F0502020204030204" pitchFamily="34" charset="0"/>
                 <a:cs typeface="Calibri" panose="020F0502020204030204" pitchFamily="34" charset="0"/>
               </a:rPr>
               <a:t>Rx.rb</a:t>
             </a:r>
-            <a:endParaRPr lang="en-US" dirty="0">
+            <a:endParaRPr lang="en-US" cap="none" dirty="0">
               <a:latin typeface="Calibri" panose="020F0502020204030204" pitchFamily="34" charset="0"/>
               <a:cs typeface="Calibri" panose="020F0502020204030204" pitchFamily="34" charset="0"/>
             </a:endParaRPr>
           </a:p>
           <a:p>
             <a:r>
-              <a:rPr lang="en-US" dirty="0">
+              <a:rPr lang="en-US" cap="none" dirty="0">
                 <a:latin typeface="Calibri" panose="020F0502020204030204" pitchFamily="34" charset="0"/>
                 <a:cs typeface="Calibri" panose="020F0502020204030204" pitchFamily="34" charset="0"/>
               </a:rPr>
               <a:t>Python: </a:t>
             </a:r>
             <a:r>
-              <a:rPr lang="en-US" dirty="0" err="1">
+              <a:rPr lang="en-US" cap="none" dirty="0" err="1">
                 <a:latin typeface="Calibri" panose="020F0502020204030204" pitchFamily="34" charset="0"/>
                 <a:cs typeface="Calibri" panose="020F0502020204030204" pitchFamily="34" charset="0"/>
               </a:rPr>
               <a:t>RxPY</a:t>
             </a:r>
-            <a:endParaRPr lang="en-US" dirty="0">
+            <a:endParaRPr lang="en-US" cap="none" dirty="0">
               <a:latin typeface="Calibri" panose="020F0502020204030204" pitchFamily="34" charset="0"/>
               <a:cs typeface="Calibri" panose="020F0502020204030204" pitchFamily="34" charset="0"/>
             </a:endParaRPr>
           </a:p>
           <a:p>
             <a:r>
-              <a:rPr lang="en-US" dirty="0">
+              <a:rPr lang="en-US" cap="none" dirty="0">
                 <a:latin typeface="Calibri" panose="020F0502020204030204" pitchFamily="34" charset="0"/>
                 <a:cs typeface="Calibri" panose="020F0502020204030204" pitchFamily="34" charset="0"/>
               </a:rPr>
               <a:t>Go: </a:t>
             </a:r>
             <a:r>
-              <a:rPr lang="en-US" dirty="0" err="1">
+              <a:rPr lang="en-US" cap="none" dirty="0" err="1">
                 <a:latin typeface="Calibri" panose="020F0502020204030204" pitchFamily="34" charset="0"/>
                 <a:cs typeface="Calibri" panose="020F0502020204030204" pitchFamily="34" charset="0"/>
               </a:rPr>
               <a:t>RxGo</a:t>
             </a:r>
-            <a:endParaRPr lang="en-US" dirty="0">
+            <a:endParaRPr lang="en-US" cap="none" dirty="0">
               <a:latin typeface="Calibri" panose="020F0502020204030204" pitchFamily="34" charset="0"/>
               <a:cs typeface="Calibri" panose="020F0502020204030204" pitchFamily="34" charset="0"/>
             </a:endParaRPr>
           </a:p>
           <a:p>
             <a:r>
-              <a:rPr lang="en-US" dirty="0">
+              <a:rPr lang="en-US" cap="none" dirty="0">
                 <a:latin typeface="Calibri" panose="020F0502020204030204" pitchFamily="34" charset="0"/>
                 <a:cs typeface="Calibri" panose="020F0502020204030204" pitchFamily="34" charset="0"/>
               </a:rPr>
               <a:t>Groovy: </a:t>
             </a:r>
             <a:r>
-              <a:rPr lang="en-US" dirty="0" err="1">
+              <a:rPr lang="en-US" cap="none" dirty="0" err="1">
                 <a:latin typeface="Calibri" panose="020F0502020204030204" pitchFamily="34" charset="0"/>
                 <a:cs typeface="Calibri" panose="020F0502020204030204" pitchFamily="34" charset="0"/>
               </a:rPr>
               <a:t>RxGroovy</a:t>
             </a:r>
-            <a:endParaRPr lang="en-US" dirty="0">
+            <a:endParaRPr lang="en-US" cap="none" dirty="0">
               <a:latin typeface="Calibri" panose="020F0502020204030204" pitchFamily="34" charset="0"/>
               <a:cs typeface="Calibri" panose="020F0502020204030204" pitchFamily="34" charset="0"/>
             </a:endParaRPr>
@@ -19790,120 +20101,120 @@
           </a:lstStyle>
           <a:p>
             <a:r>
-              <a:rPr lang="en-US" dirty="0">
+              <a:rPr lang="en-US" cap="none" dirty="0">
                 <a:latin typeface="Calibri" panose="020F0502020204030204" pitchFamily="34" charset="0"/>
                 <a:cs typeface="Calibri" panose="020F0502020204030204" pitchFamily="34" charset="0"/>
               </a:rPr>
               <a:t>Ruby: </a:t>
             </a:r>
             <a:r>
-              <a:rPr lang="en-US" dirty="0" err="1">
+              <a:rPr lang="en-US" cap="none" dirty="0" err="1">
                 <a:latin typeface="Calibri" panose="020F0502020204030204" pitchFamily="34" charset="0"/>
                 <a:cs typeface="Calibri" panose="020F0502020204030204" pitchFamily="34" charset="0"/>
               </a:rPr>
               <a:t>RxJRuby</a:t>
             </a:r>
-            <a:endParaRPr lang="en-US" dirty="0">
+            <a:endParaRPr lang="en-US" cap="none" dirty="0">
               <a:latin typeface="Calibri" panose="020F0502020204030204" pitchFamily="34" charset="0"/>
               <a:cs typeface="Calibri" panose="020F0502020204030204" pitchFamily="34" charset="0"/>
             </a:endParaRPr>
           </a:p>
           <a:p>
             <a:r>
-              <a:rPr lang="en-US" dirty="0">
+              <a:rPr lang="en-US" cap="none" dirty="0">
                 <a:latin typeface="Calibri" panose="020F0502020204030204" pitchFamily="34" charset="0"/>
                 <a:cs typeface="Calibri" panose="020F0502020204030204" pitchFamily="34" charset="0"/>
               </a:rPr>
               <a:t>Kotlin: </a:t>
             </a:r>
             <a:r>
-              <a:rPr lang="en-US" dirty="0" err="1">
+              <a:rPr lang="en-US" cap="none" dirty="0" err="1">
                 <a:latin typeface="Calibri" panose="020F0502020204030204" pitchFamily="34" charset="0"/>
                 <a:cs typeface="Calibri" panose="020F0502020204030204" pitchFamily="34" charset="0"/>
               </a:rPr>
               <a:t>RxKotlin</a:t>
             </a:r>
-            <a:endParaRPr lang="en-US" dirty="0">
+            <a:endParaRPr lang="en-US" cap="none" dirty="0">
               <a:latin typeface="Calibri" panose="020F0502020204030204" pitchFamily="34" charset="0"/>
               <a:cs typeface="Calibri" panose="020F0502020204030204" pitchFamily="34" charset="0"/>
             </a:endParaRPr>
           </a:p>
           <a:p>
             <a:r>
-              <a:rPr lang="en-US" dirty="0">
+              <a:rPr lang="en-US" cap="none" dirty="0">
                 <a:latin typeface="Calibri" panose="020F0502020204030204" pitchFamily="34" charset="0"/>
                 <a:cs typeface="Calibri" panose="020F0502020204030204" pitchFamily="34" charset="0"/>
               </a:rPr>
               <a:t>Swift: </a:t>
             </a:r>
             <a:r>
-              <a:rPr lang="en-US" dirty="0" err="1">
+              <a:rPr lang="en-US" cap="none" dirty="0" err="1">
                 <a:latin typeface="Calibri" panose="020F0502020204030204" pitchFamily="34" charset="0"/>
                 <a:cs typeface="Calibri" panose="020F0502020204030204" pitchFamily="34" charset="0"/>
               </a:rPr>
               <a:t>RxSwift</a:t>
             </a:r>
-            <a:endParaRPr lang="en-US" dirty="0">
+            <a:endParaRPr lang="en-US" cap="none" dirty="0">
               <a:latin typeface="Calibri" panose="020F0502020204030204" pitchFamily="34" charset="0"/>
               <a:cs typeface="Calibri" panose="020F0502020204030204" pitchFamily="34" charset="0"/>
             </a:endParaRPr>
           </a:p>
           <a:p>
             <a:r>
-              <a:rPr lang="en-US" dirty="0">
+              <a:rPr lang="en-US" cap="none" dirty="0">
                 <a:latin typeface="Calibri" panose="020F0502020204030204" pitchFamily="34" charset="0"/>
                 <a:cs typeface="Calibri" panose="020F0502020204030204" pitchFamily="34" charset="0"/>
               </a:rPr>
               <a:t>PHP: </a:t>
             </a:r>
             <a:r>
-              <a:rPr lang="en-US" dirty="0" err="1">
+              <a:rPr lang="en-US" cap="none" dirty="0" err="1">
                 <a:latin typeface="Calibri" panose="020F0502020204030204" pitchFamily="34" charset="0"/>
                 <a:cs typeface="Calibri" panose="020F0502020204030204" pitchFamily="34" charset="0"/>
               </a:rPr>
               <a:t>RxPHP</a:t>
             </a:r>
-            <a:endParaRPr lang="en-US" dirty="0">
+            <a:endParaRPr lang="en-US" cap="none" dirty="0">
               <a:latin typeface="Calibri" panose="020F0502020204030204" pitchFamily="34" charset="0"/>
               <a:cs typeface="Calibri" panose="020F0502020204030204" pitchFamily="34" charset="0"/>
             </a:endParaRPr>
           </a:p>
           <a:p>
             <a:r>
-              <a:rPr lang="en-US" dirty="0">
+              <a:rPr lang="en-US" cap="none" dirty="0">
                 <a:latin typeface="Calibri" panose="020F0502020204030204" pitchFamily="34" charset="0"/>
                 <a:cs typeface="Calibri" panose="020F0502020204030204" pitchFamily="34" charset="0"/>
               </a:rPr>
               <a:t>Elixir: </a:t>
             </a:r>
             <a:r>
-              <a:rPr lang="en-US" dirty="0" err="1">
+              <a:rPr lang="en-US" cap="none" dirty="0" err="1">
                 <a:latin typeface="Calibri" panose="020F0502020204030204" pitchFamily="34" charset="0"/>
                 <a:cs typeface="Calibri" panose="020F0502020204030204" pitchFamily="34" charset="0"/>
               </a:rPr>
               <a:t>reaxive</a:t>
             </a:r>
-            <a:endParaRPr lang="en-US" dirty="0">
+            <a:endParaRPr lang="en-US" cap="none" dirty="0">
               <a:latin typeface="Calibri" panose="020F0502020204030204" pitchFamily="34" charset="0"/>
               <a:cs typeface="Calibri" panose="020F0502020204030204" pitchFamily="34" charset="0"/>
             </a:endParaRPr>
           </a:p>
           <a:p>
             <a:r>
-              <a:rPr lang="en-US" dirty="0">
+              <a:rPr lang="en-US" cap="none" dirty="0">
                 <a:latin typeface="Calibri" panose="020F0502020204030204" pitchFamily="34" charset="0"/>
                 <a:cs typeface="Calibri" panose="020F0502020204030204" pitchFamily="34" charset="0"/>
               </a:rPr>
               <a:t>Dart: </a:t>
             </a:r>
             <a:r>
-              <a:rPr lang="en-US" dirty="0" err="1">
+              <a:rPr lang="en-US" cap="none" dirty="0" err="1">
                 <a:latin typeface="Calibri" panose="020F0502020204030204" pitchFamily="34" charset="0"/>
                 <a:cs typeface="Calibri" panose="020F0502020204030204" pitchFamily="34" charset="0"/>
               </a:rPr>
               <a:t>RxDart</a:t>
             </a:r>
-            <a:endParaRPr lang="en-US" dirty="0">
+            <a:endParaRPr lang="en-US" cap="none" dirty="0">
               <a:latin typeface="Calibri" panose="020F0502020204030204" pitchFamily="34" charset="0"/>
               <a:cs typeface="Calibri" panose="020F0502020204030204" pitchFamily="34" charset="0"/>
             </a:endParaRPr>
@@ -19923,144 +20234,7 @@
 </p:sld>
 </file>
 
-<file path=ppt/slides/slide5.xml><?xml version="1.0" encoding="utf-8"?>
-<p:sld xmlns:a="http://schemas.openxmlformats.org/drawingml/2006/main" xmlns:r="http://schemas.openxmlformats.org/officeDocument/2006/relationships" xmlns:p="http://schemas.openxmlformats.org/presentationml/2006/main">
-  <p:cSld>
-    <p:spTree>
-      <p:nvGrpSpPr>
-        <p:cNvPr id="1" name=""/>
-        <p:cNvGrpSpPr/>
-        <p:nvPr/>
-      </p:nvGrpSpPr>
-      <p:grpSpPr>
-        <a:xfrm>
-          <a:off x="0" y="0"/>
-          <a:ext cx="0" cy="0"/>
-          <a:chOff x="0" y="0"/>
-          <a:chExt cx="0" cy="0"/>
-        </a:xfrm>
-      </p:grpSpPr>
-      <p:sp>
-        <p:nvSpPr>
-          <p:cNvPr id="2" name="Title 1">
-            <a:extLst>
-              <a:ext uri="{FF2B5EF4-FFF2-40B4-BE49-F238E27FC236}">
-                <a16:creationId xmlns:a16="http://schemas.microsoft.com/office/drawing/2014/main" id="{F8ADAE79-72C3-4128-BC87-DBC5B059028E}"/>
-              </a:ext>
-            </a:extLst>
-          </p:cNvPr>
-          <p:cNvSpPr>
-            <a:spLocks noGrp="1"/>
-          </p:cNvSpPr>
-          <p:nvPr>
-            <p:ph type="ctrTitle"/>
-          </p:nvPr>
-        </p:nvSpPr>
-        <p:spPr>
-          <a:xfrm>
-            <a:off x="1154955" y="776494"/>
-            <a:ext cx="8825658" cy="713639"/>
-          </a:xfrm>
-        </p:spPr>
-        <p:txBody>
-          <a:bodyPr/>
-          <a:lstStyle/>
-          <a:p>
-            <a:r>
-              <a:rPr lang="en-US" sz="4400" dirty="0"/>
-              <a:t>Reactive </a:t>
-            </a:r>
-            <a:r>
-              <a:rPr lang="en-US" sz="4400" dirty="0" err="1"/>
-              <a:t>Extentions</a:t>
-            </a:r>
-            <a:endParaRPr lang="en-US" sz="4400" dirty="0"/>
-          </a:p>
-        </p:txBody>
-      </p:sp>
-      <p:sp>
-        <p:nvSpPr>
-          <p:cNvPr id="3" name="Subtitle 2">
-            <a:extLst>
-              <a:ext uri="{FF2B5EF4-FFF2-40B4-BE49-F238E27FC236}">
-                <a16:creationId xmlns:a16="http://schemas.microsoft.com/office/drawing/2014/main" id="{60C395F4-B5A3-4F2F-855A-0006FCE96DD0}"/>
-              </a:ext>
-            </a:extLst>
-          </p:cNvPr>
-          <p:cNvSpPr>
-            <a:spLocks noGrp="1"/>
-          </p:cNvSpPr>
-          <p:nvPr>
-            <p:ph type="subTitle" idx="1"/>
-          </p:nvPr>
-        </p:nvSpPr>
-        <p:spPr>
-          <a:xfrm>
-            <a:off x="1154955" y="2861733"/>
-            <a:ext cx="8825658" cy="2777067"/>
-          </a:xfrm>
-        </p:spPr>
-        <p:txBody>
-          <a:bodyPr/>
-          <a:lstStyle/>
-          <a:p>
-            <a:r>
-              <a:rPr lang="ru-RU" dirty="0">
-                <a:latin typeface="Calibri" panose="020F0502020204030204" pitchFamily="34" charset="0"/>
-                <a:cs typeface="Calibri" panose="020F0502020204030204" pitchFamily="34" charset="0"/>
-              </a:rPr>
-              <a:t>Реактивное программирование </a:t>
-            </a:r>
-            <a:endParaRPr lang="en-US" dirty="0">
-              <a:latin typeface="Calibri" panose="020F0502020204030204" pitchFamily="34" charset="0"/>
-              <a:cs typeface="Calibri" panose="020F0502020204030204" pitchFamily="34" charset="0"/>
-            </a:endParaRPr>
-          </a:p>
-          <a:p>
-            <a:r>
-              <a:rPr lang="ru-RU" sz="1400" dirty="0">
-                <a:latin typeface="Calibri" panose="020F0502020204030204" pitchFamily="34" charset="0"/>
-                <a:cs typeface="Calibri" panose="020F0502020204030204" pitchFamily="34" charset="0"/>
-              </a:rPr>
-              <a:t>— программирование с асинхронными потоками данных</a:t>
-            </a:r>
-            <a:r>
-              <a:rPr lang="en-US" sz="1400" dirty="0">
-                <a:latin typeface="Calibri" panose="020F0502020204030204" pitchFamily="34" charset="0"/>
-                <a:cs typeface="Calibri" panose="020F0502020204030204" pitchFamily="34" charset="0"/>
-              </a:rPr>
-              <a:t>.</a:t>
-            </a:r>
-          </a:p>
-          <a:p>
-            <a:r>
-              <a:rPr lang="ru-RU" b="1" dirty="0">
-                <a:latin typeface="Calibri" panose="020F0502020204030204" pitchFamily="34" charset="0"/>
-                <a:cs typeface="Calibri" panose="020F0502020204030204" pitchFamily="34" charset="0"/>
-              </a:rPr>
-              <a:t>— парадигма программирования, ориентированная на потоки данных и распространение изменений.</a:t>
-            </a:r>
-            <a:endParaRPr lang="en-US" b="1" dirty="0">
-              <a:latin typeface="Calibri" panose="020F0502020204030204" pitchFamily="34" charset="0"/>
-              <a:cs typeface="Calibri" panose="020F0502020204030204" pitchFamily="34" charset="0"/>
-            </a:endParaRPr>
-          </a:p>
-        </p:txBody>
-      </p:sp>
-    </p:spTree>
-    <p:extLst>
-      <p:ext uri="{BB962C8B-B14F-4D97-AF65-F5344CB8AC3E}">
-        <p14:creationId xmlns:p14="http://schemas.microsoft.com/office/powerpoint/2010/main" val="684165270"/>
-      </p:ext>
-    </p:extLst>
-  </p:cSld>
-  <p:clrMapOvr>
-    <a:masterClrMapping/>
-  </p:clrMapOvr>
-</p:sld>
-</file>
-
-<file path=ppt/slides/slide50.xml><?xml version="1.0" encoding="utf-8"?>
+<file path=ppt/slides/slide51.xml><?xml version="1.0" encoding="utf-8"?>
 <p:sld xmlns:a="http://schemas.openxmlformats.org/drawingml/2006/main" xmlns:r="http://schemas.openxmlformats.org/officeDocument/2006/relationships" xmlns:p="http://schemas.openxmlformats.org/presentationml/2006/main">
   <p:cSld>
     <p:spTree>
@@ -20126,105 +20300,6 @@
 </p:sld>
 </file>
 
-<file path=ppt/slides/slide51.xml><?xml version="1.0" encoding="utf-8"?>
-<p:sld xmlns:a="http://schemas.openxmlformats.org/drawingml/2006/main" xmlns:r="http://schemas.openxmlformats.org/officeDocument/2006/relationships" xmlns:p="http://schemas.openxmlformats.org/presentationml/2006/main">
-  <p:cSld>
-    <p:spTree>
-      <p:nvGrpSpPr>
-        <p:cNvPr id="1" name=""/>
-        <p:cNvGrpSpPr/>
-        <p:nvPr/>
-      </p:nvGrpSpPr>
-      <p:grpSpPr>
-        <a:xfrm>
-          <a:off x="0" y="0"/>
-          <a:ext cx="0" cy="0"/>
-          <a:chOff x="0" y="0"/>
-          <a:chExt cx="0" cy="0"/>
-        </a:xfrm>
-      </p:grpSpPr>
-      <p:sp>
-        <p:nvSpPr>
-          <p:cNvPr id="2" name="Title 1">
-            <a:extLst>
-              <a:ext uri="{FF2B5EF4-FFF2-40B4-BE49-F238E27FC236}">
-                <a16:creationId xmlns:a16="http://schemas.microsoft.com/office/drawing/2014/main" id="{F8ADAE79-72C3-4128-BC87-DBC5B059028E}"/>
-              </a:ext>
-            </a:extLst>
-          </p:cNvPr>
-          <p:cNvSpPr>
-            <a:spLocks noGrp="1"/>
-          </p:cNvSpPr>
-          <p:nvPr>
-            <p:ph type="ctrTitle"/>
-          </p:nvPr>
-        </p:nvSpPr>
-        <p:spPr>
-          <a:xfrm>
-            <a:off x="1154955" y="776494"/>
-            <a:ext cx="9199778" cy="713639"/>
-          </a:xfrm>
-        </p:spPr>
-        <p:txBody>
-          <a:bodyPr/>
-          <a:lstStyle/>
-          <a:p>
-            <a:r>
-              <a:rPr lang="ru-RU" sz="4400" dirty="0"/>
-              <a:t>Итого</a:t>
-            </a:r>
-            <a:endParaRPr lang="en-US" sz="4400" dirty="0"/>
-          </a:p>
-        </p:txBody>
-      </p:sp>
-      <p:sp>
-        <p:nvSpPr>
-          <p:cNvPr id="3" name="Subtitle 2">
-            <a:extLst>
-              <a:ext uri="{FF2B5EF4-FFF2-40B4-BE49-F238E27FC236}">
-                <a16:creationId xmlns:a16="http://schemas.microsoft.com/office/drawing/2014/main" id="{60C395F4-B5A3-4F2F-855A-0006FCE96DD0}"/>
-              </a:ext>
-            </a:extLst>
-          </p:cNvPr>
-          <p:cNvSpPr>
-            <a:spLocks noGrp="1"/>
-          </p:cNvSpPr>
-          <p:nvPr>
-            <p:ph type="subTitle" idx="1"/>
-          </p:nvPr>
-        </p:nvSpPr>
-        <p:spPr>
-          <a:xfrm>
-            <a:off x="1154955" y="2861733"/>
-            <a:ext cx="8825658" cy="2777067"/>
-          </a:xfrm>
-        </p:spPr>
-        <p:txBody>
-          <a:bodyPr>
-            <a:normAutofit/>
-          </a:bodyPr>
-          <a:lstStyle/>
-          <a:p>
-            <a:endParaRPr lang="en-US" dirty="0">
-              <a:latin typeface="Calibri" panose="020F0502020204030204" pitchFamily="34" charset="0"/>
-              <a:cs typeface="Calibri" panose="020F0502020204030204" pitchFamily="34" charset="0"/>
-            </a:endParaRPr>
-          </a:p>
-        </p:txBody>
-      </p:sp>
-    </p:spTree>
-    <p:extLst>
-      <p:ext uri="{BB962C8B-B14F-4D97-AF65-F5344CB8AC3E}">
-        <p14:creationId xmlns:p14="http://schemas.microsoft.com/office/powerpoint/2010/main" val="3318353367"/>
-      </p:ext>
-    </p:extLst>
-  </p:cSld>
-  <p:clrMapOvr>
-    <a:masterClrMapping/>
-  </p:clrMapOvr>
-</p:sld>
-</file>
-
 <file path=ppt/slides/slide52.xml><?xml version="1.0" encoding="utf-8"?>
 <p:sld xmlns:a="http://schemas.openxmlformats.org/drawingml/2006/main" xmlns:r="http://schemas.openxmlformats.org/officeDocument/2006/relationships" xmlns:p="http://schemas.openxmlformats.org/presentationml/2006/main">
   <p:cSld>
@@ -20304,145 +20379,17 @@
           </a:bodyPr>
           <a:lstStyle/>
           <a:p>
-            <a:pPr marL="285750" indent="-285750">
-              <a:buFont typeface="Arial" panose="020B0604020202020204" pitchFamily="34" charset="0"/>
-              <a:buChar char="•"/>
-            </a:pPr>
-            <a:r>
-              <a:rPr lang="en-US" dirty="0" err="1">
-                <a:latin typeface="Calibri" panose="020F0502020204030204" pitchFamily="34" charset="0"/>
-                <a:cs typeface="Calibri" panose="020F0502020204030204" pitchFamily="34" charset="0"/>
-              </a:rPr>
-              <a:t>пользовательских</a:t>
-            </a:r>
-            <a:r>
-              <a:rPr lang="en-US" dirty="0">
-                <a:latin typeface="Calibri" panose="020F0502020204030204" pitchFamily="34" charset="0"/>
-                <a:cs typeface="Calibri" panose="020F0502020204030204" pitchFamily="34" charset="0"/>
-              </a:rPr>
-              <a:t> </a:t>
-            </a:r>
-            <a:r>
-              <a:rPr lang="en-US" dirty="0" err="1">
-                <a:latin typeface="Calibri" panose="020F0502020204030204" pitchFamily="34" charset="0"/>
-                <a:cs typeface="Calibri" panose="020F0502020204030204" pitchFamily="34" charset="0"/>
-              </a:rPr>
-              <a:t>интерфейсов</a:t>
-            </a:r>
             <a:endParaRPr lang="en-US" dirty="0">
               <a:latin typeface="Calibri" panose="020F0502020204030204" pitchFamily="34" charset="0"/>
               <a:cs typeface="Calibri" panose="020F0502020204030204" pitchFamily="34" charset="0"/>
             </a:endParaRPr>
           </a:p>
-          <a:p>
-            <a:pPr marL="285750" indent="-285750">
-              <a:buFont typeface="Arial" panose="020B0604020202020204" pitchFamily="34" charset="0"/>
-              <a:buChar char="•"/>
-            </a:pPr>
-            <a:r>
-              <a:rPr lang="ru-RU" dirty="0">
-                <a:latin typeface="Calibri" panose="020F0502020204030204" pitchFamily="34" charset="0"/>
-                <a:cs typeface="Calibri" panose="020F0502020204030204" pitchFamily="34" charset="0"/>
-              </a:rPr>
-              <a:t>А</a:t>
-            </a:r>
-            <a:r>
-              <a:rPr lang="en-US" dirty="0" err="1">
-                <a:latin typeface="Calibri" panose="020F0502020204030204" pitchFamily="34" charset="0"/>
-                <a:cs typeface="Calibri" panose="020F0502020204030204" pitchFamily="34" charset="0"/>
-              </a:rPr>
-              <a:t>нимации</a:t>
-            </a:r>
-            <a:endParaRPr lang="en-US" dirty="0">
-              <a:latin typeface="Calibri" panose="020F0502020204030204" pitchFamily="34" charset="0"/>
-              <a:cs typeface="Calibri" panose="020F0502020204030204" pitchFamily="34" charset="0"/>
-            </a:endParaRPr>
-          </a:p>
-          <a:p>
-            <a:pPr marL="285750" indent="-285750">
-              <a:buFont typeface="Arial" panose="020B0604020202020204" pitchFamily="34" charset="0"/>
-              <a:buChar char="•"/>
-            </a:pPr>
-            <a:r>
-              <a:rPr lang="en-US" dirty="0" err="1">
-                <a:latin typeface="Calibri" panose="020F0502020204030204" pitchFamily="34" charset="0"/>
-                <a:cs typeface="Calibri" panose="020F0502020204030204" pitchFamily="34" charset="0"/>
-              </a:rPr>
-              <a:t>моделирования</a:t>
-            </a:r>
-            <a:r>
-              <a:rPr lang="en-US" dirty="0">
-                <a:latin typeface="Calibri" panose="020F0502020204030204" pitchFamily="34" charset="0"/>
-                <a:cs typeface="Calibri" panose="020F0502020204030204" pitchFamily="34" charset="0"/>
-              </a:rPr>
-              <a:t> </a:t>
-            </a:r>
-            <a:r>
-              <a:rPr lang="en-US" dirty="0" err="1">
-                <a:latin typeface="Calibri" panose="020F0502020204030204" pitchFamily="34" charset="0"/>
-                <a:cs typeface="Calibri" panose="020F0502020204030204" pitchFamily="34" charset="0"/>
-              </a:rPr>
-              <a:t>систем</a:t>
-            </a:r>
-            <a:r>
-              <a:rPr lang="en-US" dirty="0">
-                <a:latin typeface="Calibri" panose="020F0502020204030204" pitchFamily="34" charset="0"/>
-                <a:cs typeface="Calibri" panose="020F0502020204030204" pitchFamily="34" charset="0"/>
-              </a:rPr>
-              <a:t>, </a:t>
-            </a:r>
-            <a:r>
-              <a:rPr lang="en-US" dirty="0" err="1">
-                <a:latin typeface="Calibri" panose="020F0502020204030204" pitchFamily="34" charset="0"/>
-                <a:cs typeface="Calibri" panose="020F0502020204030204" pitchFamily="34" charset="0"/>
-              </a:rPr>
-              <a:t>изменяющихся</a:t>
-            </a:r>
-            <a:r>
-              <a:rPr lang="en-US" dirty="0">
-                <a:latin typeface="Calibri" panose="020F0502020204030204" pitchFamily="34" charset="0"/>
-                <a:cs typeface="Calibri" panose="020F0502020204030204" pitchFamily="34" charset="0"/>
-              </a:rPr>
-              <a:t> </a:t>
-            </a:r>
-            <a:r>
-              <a:rPr lang="en-US" dirty="0" err="1">
-                <a:latin typeface="Calibri" panose="020F0502020204030204" pitchFamily="34" charset="0"/>
-                <a:cs typeface="Calibri" panose="020F0502020204030204" pitchFamily="34" charset="0"/>
-              </a:rPr>
-              <a:t>во</a:t>
-            </a:r>
-            <a:r>
-              <a:rPr lang="en-US" dirty="0">
-                <a:latin typeface="Calibri" panose="020F0502020204030204" pitchFamily="34" charset="0"/>
-                <a:cs typeface="Calibri" panose="020F0502020204030204" pitchFamily="34" charset="0"/>
-              </a:rPr>
-              <a:t> </a:t>
-            </a:r>
-            <a:r>
-              <a:rPr lang="en-US" dirty="0" err="1">
-                <a:latin typeface="Calibri" panose="020F0502020204030204" pitchFamily="34" charset="0"/>
-                <a:cs typeface="Calibri" panose="020F0502020204030204" pitchFamily="34" charset="0"/>
-              </a:rPr>
-              <a:t>времени</a:t>
-            </a:r>
-            <a:endParaRPr lang="en-US" dirty="0">
-              <a:latin typeface="Calibri" panose="020F0502020204030204" pitchFamily="34" charset="0"/>
-              <a:cs typeface="Calibri" panose="020F0502020204030204" pitchFamily="34" charset="0"/>
-            </a:endParaRPr>
-          </a:p>
-          <a:p>
-            <a:endParaRPr lang="en-US" dirty="0">
-              <a:latin typeface="Calibri" panose="020F0502020204030204" pitchFamily="34" charset="0"/>
-              <a:cs typeface="Calibri" panose="020F0502020204030204" pitchFamily="34" charset="0"/>
-            </a:endParaRPr>
-          </a:p>
         </p:txBody>
       </p:sp>
     </p:spTree>
     <p:extLst>
       <p:ext uri="{BB962C8B-B14F-4D97-AF65-F5344CB8AC3E}">
-        <p14:creationId xmlns:p14="http://schemas.microsoft.com/office/powerpoint/2010/main" val="2990504620"/>
+        <p14:creationId xmlns:p14="http://schemas.microsoft.com/office/powerpoint/2010/main" val="3318353367"/>
       </p:ext>
     </p:extLst>
   </p:cSld>
@@ -20487,6 +20434,233 @@
         </p:nvSpPr>
         <p:spPr>
           <a:xfrm>
+            <a:off x="1154955" y="776494"/>
+            <a:ext cx="9199778" cy="713639"/>
+          </a:xfrm>
+        </p:spPr>
+        <p:txBody>
+          <a:bodyPr/>
+          <a:lstStyle/>
+          <a:p>
+            <a:r>
+              <a:rPr lang="ru-RU" sz="4400" dirty="0"/>
+              <a:t>Итого</a:t>
+            </a:r>
+            <a:endParaRPr lang="en-US" sz="4400" dirty="0"/>
+          </a:p>
+        </p:txBody>
+      </p:sp>
+      <p:sp>
+        <p:nvSpPr>
+          <p:cNvPr id="3" name="Subtitle 2">
+            <a:extLst>
+              <a:ext uri="{FF2B5EF4-FFF2-40B4-BE49-F238E27FC236}">
+                <a16:creationId xmlns:a16="http://schemas.microsoft.com/office/drawing/2014/main" id="{60C395F4-B5A3-4F2F-855A-0006FCE96DD0}"/>
+              </a:ext>
+            </a:extLst>
+          </p:cNvPr>
+          <p:cNvSpPr>
+            <a:spLocks noGrp="1"/>
+          </p:cNvSpPr>
+          <p:nvPr>
+            <p:ph type="subTitle" idx="1"/>
+          </p:nvPr>
+        </p:nvSpPr>
+        <p:spPr>
+          <a:xfrm>
+            <a:off x="1154955" y="2861733"/>
+            <a:ext cx="8825658" cy="2777067"/>
+          </a:xfrm>
+        </p:spPr>
+        <p:txBody>
+          <a:bodyPr>
+            <a:normAutofit/>
+          </a:bodyPr>
+          <a:lstStyle/>
+          <a:p>
+            <a:pPr marL="285750" indent="-285750">
+              <a:buFont typeface="Arial" panose="020B0604020202020204" pitchFamily="34" charset="0"/>
+              <a:buChar char="•"/>
+            </a:pPr>
+            <a:r>
+              <a:rPr lang="en-US" dirty="0" err="1">
+                <a:latin typeface="Calibri" panose="020F0502020204030204" pitchFamily="34" charset="0"/>
+                <a:cs typeface="Calibri" panose="020F0502020204030204" pitchFamily="34" charset="0"/>
+              </a:rPr>
+              <a:t>пользовательских</a:t>
+            </a:r>
+            <a:r>
+              <a:rPr lang="en-US" dirty="0">
+                <a:latin typeface="Calibri" panose="020F0502020204030204" pitchFamily="34" charset="0"/>
+                <a:cs typeface="Calibri" panose="020F0502020204030204" pitchFamily="34" charset="0"/>
+              </a:rPr>
+              <a:t> </a:t>
+            </a:r>
+            <a:r>
+              <a:rPr lang="en-US" dirty="0" err="1">
+                <a:latin typeface="Calibri" panose="020F0502020204030204" pitchFamily="34" charset="0"/>
+                <a:cs typeface="Calibri" panose="020F0502020204030204" pitchFamily="34" charset="0"/>
+              </a:rPr>
+              <a:t>интерфейсов</a:t>
+            </a:r>
+            <a:endParaRPr lang="en-US" dirty="0">
+              <a:latin typeface="Calibri" panose="020F0502020204030204" pitchFamily="34" charset="0"/>
+              <a:cs typeface="Calibri" panose="020F0502020204030204" pitchFamily="34" charset="0"/>
+            </a:endParaRPr>
+          </a:p>
+          <a:p>
+            <a:pPr marL="285750" indent="-285750">
+              <a:buFont typeface="Arial" panose="020B0604020202020204" pitchFamily="34" charset="0"/>
+              <a:buChar char="•"/>
+            </a:pPr>
+            <a:r>
+              <a:rPr lang="ru-RU" dirty="0">
+                <a:latin typeface="Calibri" panose="020F0502020204030204" pitchFamily="34" charset="0"/>
+                <a:cs typeface="Calibri" panose="020F0502020204030204" pitchFamily="34" charset="0"/>
+              </a:rPr>
+              <a:t>А</a:t>
+            </a:r>
+            <a:r>
+              <a:rPr lang="en-US" dirty="0" err="1">
+                <a:latin typeface="Calibri" panose="020F0502020204030204" pitchFamily="34" charset="0"/>
+                <a:cs typeface="Calibri" panose="020F0502020204030204" pitchFamily="34" charset="0"/>
+              </a:rPr>
+              <a:t>нимации</a:t>
+            </a:r>
+            <a:endParaRPr lang="en-US" dirty="0">
+              <a:latin typeface="Calibri" panose="020F0502020204030204" pitchFamily="34" charset="0"/>
+              <a:cs typeface="Calibri" panose="020F0502020204030204" pitchFamily="34" charset="0"/>
+            </a:endParaRPr>
+          </a:p>
+          <a:p>
+            <a:pPr marL="285750" indent="-285750">
+              <a:buFont typeface="Arial" panose="020B0604020202020204" pitchFamily="34" charset="0"/>
+              <a:buChar char="•"/>
+            </a:pPr>
+            <a:r>
+              <a:rPr lang="en-US" dirty="0" err="1">
+                <a:latin typeface="Calibri" panose="020F0502020204030204" pitchFamily="34" charset="0"/>
+                <a:cs typeface="Calibri" panose="020F0502020204030204" pitchFamily="34" charset="0"/>
+              </a:rPr>
+              <a:t>моделирования</a:t>
+            </a:r>
+            <a:r>
+              <a:rPr lang="en-US" dirty="0">
+                <a:latin typeface="Calibri" panose="020F0502020204030204" pitchFamily="34" charset="0"/>
+                <a:cs typeface="Calibri" panose="020F0502020204030204" pitchFamily="34" charset="0"/>
+              </a:rPr>
+              <a:t> </a:t>
+            </a:r>
+            <a:r>
+              <a:rPr lang="en-US" dirty="0" err="1">
+                <a:latin typeface="Calibri" panose="020F0502020204030204" pitchFamily="34" charset="0"/>
+                <a:cs typeface="Calibri" panose="020F0502020204030204" pitchFamily="34" charset="0"/>
+              </a:rPr>
+              <a:t>систем</a:t>
+            </a:r>
+            <a:r>
+              <a:rPr lang="en-US" dirty="0">
+                <a:latin typeface="Calibri" panose="020F0502020204030204" pitchFamily="34" charset="0"/>
+                <a:cs typeface="Calibri" panose="020F0502020204030204" pitchFamily="34" charset="0"/>
+              </a:rPr>
+              <a:t>, </a:t>
+            </a:r>
+            <a:r>
+              <a:rPr lang="en-US" dirty="0" err="1">
+                <a:latin typeface="Calibri" panose="020F0502020204030204" pitchFamily="34" charset="0"/>
+                <a:cs typeface="Calibri" panose="020F0502020204030204" pitchFamily="34" charset="0"/>
+              </a:rPr>
+              <a:t>изменяющихся</a:t>
+            </a:r>
+            <a:r>
+              <a:rPr lang="en-US" dirty="0">
+                <a:latin typeface="Calibri" panose="020F0502020204030204" pitchFamily="34" charset="0"/>
+                <a:cs typeface="Calibri" panose="020F0502020204030204" pitchFamily="34" charset="0"/>
+              </a:rPr>
+              <a:t> </a:t>
+            </a:r>
+            <a:r>
+              <a:rPr lang="en-US" dirty="0" err="1">
+                <a:latin typeface="Calibri" panose="020F0502020204030204" pitchFamily="34" charset="0"/>
+                <a:cs typeface="Calibri" panose="020F0502020204030204" pitchFamily="34" charset="0"/>
+              </a:rPr>
+              <a:t>во</a:t>
+            </a:r>
+            <a:r>
+              <a:rPr lang="en-US" dirty="0">
+                <a:latin typeface="Calibri" panose="020F0502020204030204" pitchFamily="34" charset="0"/>
+                <a:cs typeface="Calibri" panose="020F0502020204030204" pitchFamily="34" charset="0"/>
+              </a:rPr>
+              <a:t> </a:t>
+            </a:r>
+            <a:r>
+              <a:rPr lang="en-US" dirty="0" err="1">
+                <a:latin typeface="Calibri" panose="020F0502020204030204" pitchFamily="34" charset="0"/>
+                <a:cs typeface="Calibri" panose="020F0502020204030204" pitchFamily="34" charset="0"/>
+              </a:rPr>
+              <a:t>времени</a:t>
+            </a:r>
+            <a:endParaRPr lang="en-US" dirty="0">
+              <a:latin typeface="Calibri" panose="020F0502020204030204" pitchFamily="34" charset="0"/>
+              <a:cs typeface="Calibri" panose="020F0502020204030204" pitchFamily="34" charset="0"/>
+            </a:endParaRPr>
+          </a:p>
+          <a:p>
+            <a:endParaRPr lang="en-US" dirty="0">
+              <a:latin typeface="Calibri" panose="020F0502020204030204" pitchFamily="34" charset="0"/>
+              <a:cs typeface="Calibri" panose="020F0502020204030204" pitchFamily="34" charset="0"/>
+            </a:endParaRPr>
+          </a:p>
+        </p:txBody>
+      </p:sp>
+    </p:spTree>
+    <p:extLst>
+      <p:ext uri="{BB962C8B-B14F-4D97-AF65-F5344CB8AC3E}">
+        <p14:creationId xmlns:p14="http://schemas.microsoft.com/office/powerpoint/2010/main" val="2990504620"/>
+      </p:ext>
+    </p:extLst>
+  </p:cSld>
+  <p:clrMapOvr>
+    <a:masterClrMapping/>
+  </p:clrMapOvr>
+</p:sld>
+</file>
+
+<file path=ppt/slides/slide54.xml><?xml version="1.0" encoding="utf-8"?>
+<p:sld xmlns:a="http://schemas.openxmlformats.org/drawingml/2006/main" xmlns:r="http://schemas.openxmlformats.org/officeDocument/2006/relationships" xmlns:p="http://schemas.openxmlformats.org/presentationml/2006/main">
+  <p:cSld>
+    <p:spTree>
+      <p:nvGrpSpPr>
+        <p:cNvPr id="1" name=""/>
+        <p:cNvGrpSpPr/>
+        <p:nvPr/>
+      </p:nvGrpSpPr>
+      <p:grpSpPr>
+        <a:xfrm>
+          <a:off x="0" y="0"/>
+          <a:ext cx="0" cy="0"/>
+          <a:chOff x="0" y="0"/>
+          <a:chExt cx="0" cy="0"/>
+        </a:xfrm>
+      </p:grpSpPr>
+      <p:sp>
+        <p:nvSpPr>
+          <p:cNvPr id="2" name="Title 1">
+            <a:extLst>
+              <a:ext uri="{FF2B5EF4-FFF2-40B4-BE49-F238E27FC236}">
+                <a16:creationId xmlns:a16="http://schemas.microsoft.com/office/drawing/2014/main" id="{F8ADAE79-72C3-4128-BC87-DBC5B059028E}"/>
+              </a:ext>
+            </a:extLst>
+          </p:cNvPr>
+          <p:cNvSpPr>
+            <a:spLocks noGrp="1"/>
+          </p:cNvSpPr>
+          <p:nvPr>
+            <p:ph type="ctrTitle"/>
+          </p:nvPr>
+        </p:nvSpPr>
+        <p:spPr>
+          <a:xfrm>
             <a:off x="3983952" y="3072180"/>
             <a:ext cx="3167663" cy="713639"/>
           </a:xfrm>
@@ -20516,7 +20690,7 @@
 </p:sld>
 </file>
 
-<file path=ppt/slides/slide54.xml><?xml version="1.0" encoding="utf-8"?>
+<file path=ppt/slides/slide55.xml><?xml version="1.0" encoding="utf-8"?>
 <p:sld xmlns:a="http://schemas.openxmlformats.org/drawingml/2006/main" xmlns:r="http://schemas.openxmlformats.org/officeDocument/2006/relationships" xmlns:p="http://schemas.openxmlformats.org/presentationml/2006/main">
   <p:cSld>
     <p:spTree>
@@ -20693,6 +20867,143 @@
           </a:p>
           <a:p>
             <a:r>
+              <a:rPr lang="ru-RU" b="1" dirty="0">
+                <a:latin typeface="Calibri" panose="020F0502020204030204" pitchFamily="34" charset="0"/>
+                <a:cs typeface="Calibri" panose="020F0502020204030204" pitchFamily="34" charset="0"/>
+              </a:rPr>
+              <a:t>— парадигма программирования, ориентированная на потоки данных и распространение изменений.</a:t>
+            </a:r>
+            <a:endParaRPr lang="en-US" b="1" dirty="0">
+              <a:latin typeface="Calibri" panose="020F0502020204030204" pitchFamily="34" charset="0"/>
+              <a:cs typeface="Calibri" panose="020F0502020204030204" pitchFamily="34" charset="0"/>
+            </a:endParaRPr>
+          </a:p>
+        </p:txBody>
+      </p:sp>
+    </p:spTree>
+    <p:extLst>
+      <p:ext uri="{BB962C8B-B14F-4D97-AF65-F5344CB8AC3E}">
+        <p14:creationId xmlns:p14="http://schemas.microsoft.com/office/powerpoint/2010/main" val="684165270"/>
+      </p:ext>
+    </p:extLst>
+  </p:cSld>
+  <p:clrMapOvr>
+    <a:masterClrMapping/>
+  </p:clrMapOvr>
+</p:sld>
+</file>
+
+<file path=ppt/slides/slide7.xml><?xml version="1.0" encoding="utf-8"?>
+<p:sld xmlns:a="http://schemas.openxmlformats.org/drawingml/2006/main" xmlns:r="http://schemas.openxmlformats.org/officeDocument/2006/relationships" xmlns:p="http://schemas.openxmlformats.org/presentationml/2006/main">
+  <p:cSld>
+    <p:spTree>
+      <p:nvGrpSpPr>
+        <p:cNvPr id="1" name=""/>
+        <p:cNvGrpSpPr/>
+        <p:nvPr/>
+      </p:nvGrpSpPr>
+      <p:grpSpPr>
+        <a:xfrm>
+          <a:off x="0" y="0"/>
+          <a:ext cx="0" cy="0"/>
+          <a:chOff x="0" y="0"/>
+          <a:chExt cx="0" cy="0"/>
+        </a:xfrm>
+      </p:grpSpPr>
+      <p:sp>
+        <p:nvSpPr>
+          <p:cNvPr id="2" name="Title 1">
+            <a:extLst>
+              <a:ext uri="{FF2B5EF4-FFF2-40B4-BE49-F238E27FC236}">
+                <a16:creationId xmlns:a16="http://schemas.microsoft.com/office/drawing/2014/main" id="{F8ADAE79-72C3-4128-BC87-DBC5B059028E}"/>
+              </a:ext>
+            </a:extLst>
+          </p:cNvPr>
+          <p:cNvSpPr>
+            <a:spLocks noGrp="1"/>
+          </p:cNvSpPr>
+          <p:nvPr>
+            <p:ph type="ctrTitle"/>
+          </p:nvPr>
+        </p:nvSpPr>
+        <p:spPr>
+          <a:xfrm>
+            <a:off x="1154955" y="776494"/>
+            <a:ext cx="8825658" cy="713639"/>
+          </a:xfrm>
+        </p:spPr>
+        <p:txBody>
+          <a:bodyPr/>
+          <a:lstStyle/>
+          <a:p>
+            <a:r>
+              <a:rPr lang="en-US" sz="4400" dirty="0"/>
+              <a:t>Reactive </a:t>
+            </a:r>
+            <a:r>
+              <a:rPr lang="en-US" sz="4400" dirty="0" err="1"/>
+              <a:t>Extentions</a:t>
+            </a:r>
+            <a:endParaRPr lang="en-US" sz="4400" dirty="0"/>
+          </a:p>
+        </p:txBody>
+      </p:sp>
+      <p:sp>
+        <p:nvSpPr>
+          <p:cNvPr id="3" name="Subtitle 2">
+            <a:extLst>
+              <a:ext uri="{FF2B5EF4-FFF2-40B4-BE49-F238E27FC236}">
+                <a16:creationId xmlns:a16="http://schemas.microsoft.com/office/drawing/2014/main" id="{60C395F4-B5A3-4F2F-855A-0006FCE96DD0}"/>
+              </a:ext>
+            </a:extLst>
+          </p:cNvPr>
+          <p:cNvSpPr>
+            <a:spLocks noGrp="1"/>
+          </p:cNvSpPr>
+          <p:nvPr>
+            <p:ph type="subTitle" idx="1"/>
+          </p:nvPr>
+        </p:nvSpPr>
+        <p:spPr>
+          <a:xfrm>
+            <a:off x="1154955" y="2861733"/>
+            <a:ext cx="8825658" cy="2777067"/>
+          </a:xfrm>
+        </p:spPr>
+        <p:txBody>
+          <a:bodyPr/>
+          <a:lstStyle/>
+          <a:p>
+            <a:r>
+              <a:rPr lang="ru-RU" dirty="0">
+                <a:latin typeface="Calibri" panose="020F0502020204030204" pitchFamily="34" charset="0"/>
+                <a:cs typeface="Calibri" panose="020F0502020204030204" pitchFamily="34" charset="0"/>
+              </a:rPr>
+              <a:t>Реактивное программирование </a:t>
+            </a:r>
+            <a:endParaRPr lang="en-US" dirty="0">
+              <a:latin typeface="Calibri" panose="020F0502020204030204" pitchFamily="34" charset="0"/>
+              <a:cs typeface="Calibri" panose="020F0502020204030204" pitchFamily="34" charset="0"/>
+            </a:endParaRPr>
+          </a:p>
+          <a:p>
+            <a:r>
+              <a:rPr lang="ru-RU" sz="1400" dirty="0">
+                <a:latin typeface="Calibri" panose="020F0502020204030204" pitchFamily="34" charset="0"/>
+                <a:cs typeface="Calibri" panose="020F0502020204030204" pitchFamily="34" charset="0"/>
+              </a:rPr>
+              <a:t>— программирование с асинхронными потоками данных</a:t>
+            </a:r>
+            <a:r>
+              <a:rPr lang="en-US" sz="1400" dirty="0">
+                <a:latin typeface="Calibri" panose="020F0502020204030204" pitchFamily="34" charset="0"/>
+                <a:cs typeface="Calibri" panose="020F0502020204030204" pitchFamily="34" charset="0"/>
+              </a:rPr>
+              <a:t>.</a:t>
+            </a:r>
+          </a:p>
+          <a:p>
+            <a:r>
               <a:rPr lang="ru-RU" sz="1400" dirty="0">
                 <a:latin typeface="Calibri" panose="020F0502020204030204" pitchFamily="34" charset="0"/>
                 <a:cs typeface="Calibri" panose="020F0502020204030204" pitchFamily="34" charset="0"/>
@@ -20753,7 +21064,7 @@
 </p:sld>
 </file>
 
-<file path=ppt/slides/slide7.xml><?xml version="1.0" encoding="utf-8"?>
+<file path=ppt/slides/slide8.xml><?xml version="1.0" encoding="utf-8"?>
 <p:sld xmlns:a="http://schemas.openxmlformats.org/drawingml/2006/main" xmlns:r="http://schemas.openxmlformats.org/officeDocument/2006/relationships" xmlns:p="http://schemas.openxmlformats.org/presentationml/2006/main">
   <p:cSld>
     <p:spTree>
@@ -20822,103 +21133,6 @@
 </p:sld>
 </file>
 
-<file path=ppt/slides/slide8.xml><?xml version="1.0" encoding="utf-8"?>
-<p:sld xmlns:a="http://schemas.openxmlformats.org/drawingml/2006/main" xmlns:r="http://schemas.openxmlformats.org/officeDocument/2006/relationships" xmlns:p="http://schemas.openxmlformats.org/presentationml/2006/main">
-  <p:cSld>
-    <p:spTree>
-      <p:nvGrpSpPr>
-        <p:cNvPr id="1" name=""/>
-        <p:cNvGrpSpPr/>
-        <p:nvPr/>
-      </p:nvGrpSpPr>
-      <p:grpSpPr>
-        <a:xfrm>
-          <a:off x="0" y="0"/>
-          <a:ext cx="0" cy="0"/>
-          <a:chOff x="0" y="0"/>
-          <a:chExt cx="0" cy="0"/>
-        </a:xfrm>
-      </p:grpSpPr>
-      <p:sp>
-        <p:nvSpPr>
-          <p:cNvPr id="2" name="Title 1">
-            <a:extLst>
-              <a:ext uri="{FF2B5EF4-FFF2-40B4-BE49-F238E27FC236}">
-                <a16:creationId xmlns:a16="http://schemas.microsoft.com/office/drawing/2014/main" id="{F8ADAE79-72C3-4128-BC87-DBC5B059028E}"/>
-              </a:ext>
-            </a:extLst>
-          </p:cNvPr>
-          <p:cNvSpPr>
-            <a:spLocks noGrp="1"/>
-          </p:cNvSpPr>
-          <p:nvPr>
-            <p:ph type="ctrTitle"/>
-          </p:nvPr>
-        </p:nvSpPr>
-        <p:spPr>
-          <a:xfrm>
-            <a:off x="1154954" y="776495"/>
-            <a:ext cx="9234185" cy="721566"/>
-          </a:xfrm>
-        </p:spPr>
-        <p:txBody>
-          <a:bodyPr/>
-          <a:lstStyle/>
-          <a:p>
-            <a:r>
-              <a:rPr lang="ru-RU" sz="4400" dirty="0"/>
-              <a:t>Какие причины возникновения?</a:t>
-            </a:r>
-            <a:endParaRPr lang="en-US" sz="4400" dirty="0"/>
-          </a:p>
-        </p:txBody>
-      </p:sp>
-      <p:sp>
-        <p:nvSpPr>
-          <p:cNvPr id="3" name="Subtitle 2">
-            <a:extLst>
-              <a:ext uri="{FF2B5EF4-FFF2-40B4-BE49-F238E27FC236}">
-                <a16:creationId xmlns:a16="http://schemas.microsoft.com/office/drawing/2014/main" id="{60C395F4-B5A3-4F2F-855A-0006FCE96DD0}"/>
-              </a:ext>
-            </a:extLst>
-          </p:cNvPr>
-          <p:cNvSpPr>
-            <a:spLocks noGrp="1"/>
-          </p:cNvSpPr>
-          <p:nvPr>
-            <p:ph type="subTitle" idx="1"/>
-          </p:nvPr>
-        </p:nvSpPr>
-        <p:spPr>
-          <a:xfrm>
-            <a:off x="1154955" y="2861733"/>
-            <a:ext cx="8825658" cy="2777067"/>
-          </a:xfrm>
-        </p:spPr>
-        <p:txBody>
-          <a:bodyPr/>
-          <a:lstStyle/>
-          <a:p>
-            <a:endParaRPr lang="en-US" dirty="0">
-              <a:latin typeface="Calibri" panose="020F0502020204030204" pitchFamily="34" charset="0"/>
-              <a:cs typeface="Calibri" panose="020F0502020204030204" pitchFamily="34" charset="0"/>
-            </a:endParaRPr>
-          </a:p>
-        </p:txBody>
-      </p:sp>
-    </p:spTree>
-    <p:extLst>
-      <p:ext uri="{BB962C8B-B14F-4D97-AF65-F5344CB8AC3E}">
-        <p14:creationId xmlns:p14="http://schemas.microsoft.com/office/powerpoint/2010/main" val="248323049"/>
-      </p:ext>
-    </p:extLst>
-  </p:cSld>
-  <p:clrMapOvr>
-    <a:masterClrMapping/>
-  </p:clrMapOvr>
-</p:sld>
-</file>
-
 <file path=ppt/slides/slide9.xml><?xml version="1.0" encoding="utf-8"?>
 <p:sld xmlns:a="http://schemas.openxmlformats.org/drawingml/2006/main" xmlns:r="http://schemas.openxmlformats.org/officeDocument/2006/relationships" xmlns:p="http://schemas.openxmlformats.org/presentationml/2006/main">
   <p:cSld>
@@ -20964,7 +21178,7 @@
           <a:p>
             <a:r>
               <a:rPr lang="ru-RU" sz="4400" dirty="0"/>
-              <a:t>Причины возникновения</a:t>
+              <a:t>Какие причины возникновения?</a:t>
             </a:r>
             <a:endParaRPr lang="en-US" sz="4400" dirty="0"/>
           </a:p>
@@ -20996,127 +21210,6 @@
           <a:bodyPr/>
           <a:lstStyle/>
           <a:p>
-            <a:r>
-              <a:rPr lang="en-US" dirty="0" err="1">
-                <a:latin typeface="Calibri" panose="020F0502020204030204" pitchFamily="34" charset="0"/>
-                <a:cs typeface="Calibri" panose="020F0502020204030204" pitchFamily="34" charset="0"/>
-              </a:rPr>
-              <a:t>Реактивное</a:t>
-            </a:r>
-            <a:r>
-              <a:rPr lang="en-US" dirty="0">
-                <a:latin typeface="Calibri" panose="020F0502020204030204" pitchFamily="34" charset="0"/>
-                <a:cs typeface="Calibri" panose="020F0502020204030204" pitchFamily="34" charset="0"/>
-              </a:rPr>
-              <a:t> </a:t>
-            </a:r>
-            <a:r>
-              <a:rPr lang="en-US" dirty="0" err="1">
-                <a:latin typeface="Calibri" panose="020F0502020204030204" pitchFamily="34" charset="0"/>
-                <a:cs typeface="Calibri" panose="020F0502020204030204" pitchFamily="34" charset="0"/>
-              </a:rPr>
-              <a:t>программирование</a:t>
-            </a:r>
-            <a:r>
-              <a:rPr lang="en-US" dirty="0">
-                <a:latin typeface="Calibri" panose="020F0502020204030204" pitchFamily="34" charset="0"/>
-                <a:cs typeface="Calibri" panose="020F0502020204030204" pitchFamily="34" charset="0"/>
-              </a:rPr>
-              <a:t> </a:t>
-            </a:r>
-            <a:r>
-              <a:rPr lang="en-US" dirty="0" err="1">
-                <a:latin typeface="Calibri" panose="020F0502020204030204" pitchFamily="34" charset="0"/>
-                <a:cs typeface="Calibri" panose="020F0502020204030204" pitchFamily="34" charset="0"/>
-              </a:rPr>
-              <a:t>предлагалось</a:t>
-            </a:r>
-            <a:r>
-              <a:rPr lang="en-US" dirty="0">
-                <a:latin typeface="Calibri" panose="020F0502020204030204" pitchFamily="34" charset="0"/>
-                <a:cs typeface="Calibri" panose="020F0502020204030204" pitchFamily="34" charset="0"/>
-              </a:rPr>
-              <a:t> </a:t>
-            </a:r>
-            <a:r>
-              <a:rPr lang="en-US" dirty="0" err="1">
-                <a:latin typeface="Calibri" panose="020F0502020204030204" pitchFamily="34" charset="0"/>
-                <a:cs typeface="Calibri" panose="020F0502020204030204" pitchFamily="34" charset="0"/>
-              </a:rPr>
-              <a:t>как</a:t>
-            </a:r>
-            <a:r>
-              <a:rPr lang="en-US" dirty="0">
-                <a:latin typeface="Calibri" panose="020F0502020204030204" pitchFamily="34" charset="0"/>
-                <a:cs typeface="Calibri" panose="020F0502020204030204" pitchFamily="34" charset="0"/>
-              </a:rPr>
-              <a:t> </a:t>
-            </a:r>
-            <a:r>
-              <a:rPr lang="en-US" dirty="0" err="1">
-                <a:latin typeface="Calibri" panose="020F0502020204030204" pitchFamily="34" charset="0"/>
-                <a:cs typeface="Calibri" panose="020F0502020204030204" pitchFamily="34" charset="0"/>
-              </a:rPr>
-              <a:t>путь</a:t>
-            </a:r>
-            <a:r>
-              <a:rPr lang="en-US" dirty="0">
-                <a:latin typeface="Calibri" panose="020F0502020204030204" pitchFamily="34" charset="0"/>
-                <a:cs typeface="Calibri" panose="020F0502020204030204" pitchFamily="34" charset="0"/>
-              </a:rPr>
-              <a:t> </a:t>
-            </a:r>
-            <a:r>
-              <a:rPr lang="en-US" dirty="0" err="1">
-                <a:latin typeface="Calibri" panose="020F0502020204030204" pitchFamily="34" charset="0"/>
-                <a:cs typeface="Calibri" panose="020F0502020204030204" pitchFamily="34" charset="0"/>
-              </a:rPr>
-              <a:t>для</a:t>
-            </a:r>
-            <a:r>
-              <a:rPr lang="en-US" dirty="0">
-                <a:latin typeface="Calibri" panose="020F0502020204030204" pitchFamily="34" charset="0"/>
-                <a:cs typeface="Calibri" panose="020F0502020204030204" pitchFamily="34" charset="0"/>
-              </a:rPr>
-              <a:t> </a:t>
-            </a:r>
-            <a:r>
-              <a:rPr lang="en-US" dirty="0" err="1">
-                <a:latin typeface="Calibri" panose="020F0502020204030204" pitchFamily="34" charset="0"/>
-                <a:cs typeface="Calibri" panose="020F0502020204030204" pitchFamily="34" charset="0"/>
-              </a:rPr>
-              <a:t>лёгкого</a:t>
-            </a:r>
-            <a:r>
-              <a:rPr lang="en-US" dirty="0">
-                <a:latin typeface="Calibri" panose="020F0502020204030204" pitchFamily="34" charset="0"/>
-                <a:cs typeface="Calibri" panose="020F0502020204030204" pitchFamily="34" charset="0"/>
-              </a:rPr>
-              <a:t> </a:t>
-            </a:r>
-            <a:r>
-              <a:rPr lang="en-US" dirty="0" err="1">
-                <a:latin typeface="Calibri" panose="020F0502020204030204" pitchFamily="34" charset="0"/>
-                <a:cs typeface="Calibri" panose="020F0502020204030204" pitchFamily="34" charset="0"/>
-              </a:rPr>
-              <a:t>создани</a:t>
-            </a:r>
-            <a:r>
-              <a:rPr lang="ru-RU" dirty="0">
-                <a:latin typeface="Calibri" panose="020F0502020204030204" pitchFamily="34" charset="0"/>
-                <a:cs typeface="Calibri" panose="020F0502020204030204" pitchFamily="34" charset="0"/>
-              </a:rPr>
-              <a:t>я</a:t>
-            </a:r>
-            <a:r>
-              <a:rPr lang="en-US" dirty="0">
-                <a:latin typeface="Calibri" panose="020F0502020204030204" pitchFamily="34" charset="0"/>
-                <a:cs typeface="Calibri" panose="020F0502020204030204" pitchFamily="34" charset="0"/>
-              </a:rPr>
-              <a:t>:</a:t>
-            </a:r>
-          </a:p>
-          <a:p>
             <a:endParaRPr lang="en-US" dirty="0">
               <a:latin typeface="Calibri" panose="020F0502020204030204" pitchFamily="34" charset="0"/>
               <a:cs typeface="Calibri" panose="020F0502020204030204" pitchFamily="34" charset="0"/>
@@ -21127,7 +21220,7 @@
     </p:spTree>
     <p:extLst>
       <p:ext uri="{BB962C8B-B14F-4D97-AF65-F5344CB8AC3E}">
-        <p14:creationId xmlns:p14="http://schemas.microsoft.com/office/powerpoint/2010/main" val="2631865772"/>
+        <p14:creationId xmlns:p14="http://schemas.microsoft.com/office/powerpoint/2010/main" val="248323049"/>
       </p:ext>
     </p:extLst>
   </p:cSld>
